--- a/RichardJacksonOct2024.pptx
+++ b/RichardJacksonOct2024.pptx
@@ -5,7 +5,7 @@
     <p:sldMasterId id="2147483648" r:id="rId1"/>
   </p:sldMasterIdLst>
   <p:notesMasterIdLst>
-    <p:notesMasterId r:id="rId18"/>
+    <p:notesMasterId r:id="rId22"/>
   </p:notesMasterIdLst>
   <p:sldIdLst>
     <p:sldId id="256" r:id="rId2"/>
@@ -15,15 +15,19 @@
     <p:sldId id="276" r:id="rId6"/>
     <p:sldId id="277" r:id="rId7"/>
     <p:sldId id="282" r:id="rId8"/>
-    <p:sldId id="278" r:id="rId9"/>
-    <p:sldId id="283" r:id="rId10"/>
-    <p:sldId id="280" r:id="rId11"/>
-    <p:sldId id="281" r:id="rId12"/>
-    <p:sldId id="279" r:id="rId13"/>
-    <p:sldId id="284" r:id="rId14"/>
-    <p:sldId id="285" r:id="rId15"/>
-    <p:sldId id="267" r:id="rId16"/>
-    <p:sldId id="273" r:id="rId17"/>
+    <p:sldId id="286" r:id="rId9"/>
+    <p:sldId id="278" r:id="rId10"/>
+    <p:sldId id="287" r:id="rId11"/>
+    <p:sldId id="283" r:id="rId12"/>
+    <p:sldId id="280" r:id="rId13"/>
+    <p:sldId id="288" r:id="rId14"/>
+    <p:sldId id="281" r:id="rId15"/>
+    <p:sldId id="289" r:id="rId16"/>
+    <p:sldId id="279" r:id="rId17"/>
+    <p:sldId id="284" r:id="rId18"/>
+    <p:sldId id="285" r:id="rId19"/>
+    <p:sldId id="267" r:id="rId20"/>
+    <p:sldId id="273" r:id="rId21"/>
   </p:sldIdLst>
   <p:sldSz cx="12192000" cy="6858000"/>
   <p:notesSz cx="6858000" cy="9144000"/>
@@ -220,7 +224,7 @@
           <a:p>
             <a:fld id="{CB6DF0D3-055D-2A4F-A51C-4AD03AA11D8C}" type="datetimeFigureOut">
               <a:rPr lang="en-US" smtClean="0"/>
-              <a:t>11/29/24</a:t>
+              <a:t>12/3/24</a:t>
             </a:fld>
             <a:endParaRPr lang="en-US"/>
           </a:p>
@@ -865,230 +869,6 @@
           <a:bodyPr/>
           <a:lstStyle/>
           <a:p>
-            <a:r>
-              <a:rPr lang="en-US" dirty="0"/>
-              <a:t>Removed </a:t>
-            </a:r>
-            <a:r>
-              <a:rPr lang="en-GB" sz="1800" b="0" i="0" u="none" strike="noStrike" dirty="0">
-                <a:effectLst/>
-                <a:latin typeface="Calibri" panose="020F0502020204030204" pitchFamily="34" charset="0"/>
-              </a:rPr>
-              <a:t>EPR_115</a:t>
-            </a:r>
-            <a:r>
-              <a:rPr lang="en-GB" dirty="0"/>
-              <a:t> </a:t>
-            </a:r>
-            <a:r>
-              <a:rPr lang="en-GB" sz="1800" b="0" i="0" u="none" strike="noStrike" dirty="0">
-                <a:effectLst/>
-                <a:latin typeface="Calibri" panose="020F0502020204030204" pitchFamily="34" charset="0"/>
-              </a:rPr>
-              <a:t>EPR_048</a:t>
-            </a:r>
-            <a:r>
-              <a:rPr lang="en-GB" dirty="0"/>
-              <a:t> </a:t>
-            </a:r>
-            <a:r>
-              <a:rPr lang="en-GB" sz="1800" b="0" i="0" u="none" strike="noStrike" dirty="0">
-                <a:effectLst/>
-                <a:latin typeface="Calibri" panose="020F0502020204030204" pitchFamily="34" charset="0"/>
-              </a:rPr>
-              <a:t>EPR_038</a:t>
-            </a:r>
-            <a:r>
-              <a:rPr lang="en-GB" dirty="0"/>
-              <a:t> </a:t>
-            </a:r>
-            <a:r>
-              <a:rPr lang="en-GB" sz="1800" b="0" i="0" u="none" strike="noStrike" dirty="0">
-                <a:effectLst/>
-                <a:latin typeface="Calibri" panose="020F0502020204030204" pitchFamily="34" charset="0"/>
-              </a:rPr>
-              <a:t>EPR_293</a:t>
-            </a:r>
-            <a:r>
-              <a:rPr lang="en-GB" dirty="0"/>
-              <a:t> </a:t>
-            </a:r>
-            <a:r>
-              <a:rPr lang="en-GB" sz="1800" b="0" i="0" u="none" strike="noStrike" dirty="0">
-                <a:effectLst/>
-                <a:latin typeface="Calibri" panose="020F0502020204030204" pitchFamily="34" charset="0"/>
-              </a:rPr>
-              <a:t>EPR_214</a:t>
-            </a:r>
-            <a:r>
-              <a:rPr lang="en-GB" dirty="0"/>
-              <a:t> </a:t>
-            </a:r>
-            <a:r>
-              <a:rPr lang="en-GB" sz="1800" b="0" i="0" u="none" strike="noStrike" dirty="0">
-                <a:effectLst/>
-                <a:latin typeface="Calibri" panose="020F0502020204030204" pitchFamily="34" charset="0"/>
-              </a:rPr>
-              <a:t>EPR_044</a:t>
-            </a:r>
-            <a:r>
-              <a:rPr lang="en-GB" dirty="0"/>
-              <a:t> </a:t>
-            </a:r>
-            <a:r>
-              <a:rPr lang="en-GB" sz="1800" b="0" i="0" u="none" strike="noStrike" dirty="0">
-                <a:effectLst/>
-                <a:latin typeface="Calibri" panose="020F0502020204030204" pitchFamily="34" charset="0"/>
-              </a:rPr>
-              <a:t>EPR_147</a:t>
-            </a:r>
-            <a:r>
-              <a:rPr lang="en-GB" dirty="0"/>
-              <a:t> </a:t>
-            </a:r>
-            <a:r>
-              <a:rPr lang="en-GB" sz="1800" b="0" i="0" u="none" strike="noStrike" dirty="0">
-                <a:effectLst/>
-                <a:latin typeface="Calibri" panose="020F0502020204030204" pitchFamily="34" charset="0"/>
-              </a:rPr>
-              <a:t>EPR_454</a:t>
-            </a:r>
-            <a:r>
-              <a:rPr lang="en-GB" dirty="0"/>
-              <a:t> </a:t>
-            </a:r>
-            <a:r>
-              <a:rPr lang="en-GB" sz="1800" b="0" i="0" u="none" strike="noStrike" dirty="0">
-                <a:effectLst/>
-                <a:latin typeface="Calibri" panose="020F0502020204030204" pitchFamily="34" charset="0"/>
-              </a:rPr>
-              <a:t>EPR_466</a:t>
-            </a:r>
-            <a:r>
-              <a:rPr lang="en-GB" dirty="0"/>
-              <a:t> </a:t>
-            </a:r>
-            <a:r>
-              <a:rPr lang="en-GB" sz="1800" b="0" i="0" u="none" strike="noStrike" dirty="0">
-                <a:effectLst/>
-                <a:latin typeface="Calibri" panose="020F0502020204030204" pitchFamily="34" charset="0"/>
-              </a:rPr>
-              <a:t>EPR_086</a:t>
-            </a:r>
-            <a:r>
-              <a:rPr lang="en-GB" dirty="0"/>
-              <a:t> </a:t>
-            </a:r>
-            <a:r>
-              <a:rPr lang="en-GB" sz="1800" b="0" i="0" u="none" strike="noStrike" dirty="0">
-                <a:effectLst/>
-                <a:latin typeface="Calibri" panose="020F0502020204030204" pitchFamily="34" charset="0"/>
-              </a:rPr>
-              <a:t>EPR_084</a:t>
-            </a:r>
-            <a:r>
-              <a:rPr lang="en-GB" dirty="0"/>
-              <a:t> </a:t>
-            </a:r>
-            <a:r>
-              <a:rPr lang="en-GB" sz="1800" b="0" i="0" u="none" strike="noStrike" dirty="0">
-                <a:effectLst/>
-                <a:latin typeface="Calibri" panose="020F0502020204030204" pitchFamily="34" charset="0"/>
-              </a:rPr>
-              <a:t>EPR_087</a:t>
-            </a:r>
-            <a:r>
-              <a:rPr lang="en-GB" dirty="0"/>
-              <a:t> </a:t>
-            </a:r>
-            <a:r>
-              <a:rPr lang="en-GB" sz="1800" b="0" i="0" u="none" strike="noStrike" dirty="0">
-                <a:effectLst/>
-                <a:latin typeface="Calibri" panose="020F0502020204030204" pitchFamily="34" charset="0"/>
-              </a:rPr>
-              <a:t>EPR_340</a:t>
-            </a:r>
-            <a:r>
-              <a:rPr lang="en-GB" dirty="0"/>
-              <a:t> </a:t>
-            </a:r>
-            <a:r>
-              <a:rPr lang="en-GB" sz="1800" b="0" i="0" u="none" strike="noStrike" dirty="0">
-                <a:effectLst/>
-                <a:latin typeface="Calibri" panose="020F0502020204030204" pitchFamily="34" charset="0"/>
-              </a:rPr>
-              <a:t>EPR_198</a:t>
-            </a:r>
-            <a:r>
-              <a:rPr lang="en-GB" dirty="0"/>
-              <a:t> </a:t>
-            </a:r>
-            <a:r>
-              <a:rPr lang="en-GB" sz="1800" b="0" i="0" u="none" strike="noStrike" dirty="0">
-                <a:effectLst/>
-                <a:latin typeface="Calibri" panose="020F0502020204030204" pitchFamily="34" charset="0"/>
-              </a:rPr>
-              <a:t>EPR_551</a:t>
-            </a:r>
-            <a:r>
-              <a:rPr lang="en-GB" dirty="0"/>
-              <a:t> </a:t>
-            </a:r>
-            <a:r>
-              <a:rPr lang="en-GB" sz="1800" b="0" i="0" u="none" strike="noStrike" dirty="0">
-                <a:effectLst/>
-                <a:latin typeface="Calibri" panose="020F0502020204030204" pitchFamily="34" charset="0"/>
-              </a:rPr>
-              <a:t>EPR_391</a:t>
-            </a:r>
-            <a:r>
-              <a:rPr lang="en-GB" dirty="0"/>
-              <a:t> </a:t>
-            </a:r>
-            <a:r>
-              <a:rPr lang="en-GB" sz="1800" b="0" i="0" u="none" strike="noStrike" dirty="0">
-                <a:effectLst/>
-                <a:latin typeface="Calibri" panose="020F0502020204030204" pitchFamily="34" charset="0"/>
-              </a:rPr>
-              <a:t>EPR_380</a:t>
-            </a:r>
-            <a:r>
-              <a:rPr lang="en-GB" dirty="0"/>
-              <a:t> </a:t>
-            </a:r>
-            <a:r>
-              <a:rPr lang="en-GB" sz="1800" b="0" i="0" u="none" strike="noStrike" dirty="0">
-                <a:effectLst/>
-                <a:latin typeface="Calibri" panose="020F0502020204030204" pitchFamily="34" charset="0"/>
-              </a:rPr>
-              <a:t>EPR_231</a:t>
-            </a:r>
-            <a:r>
-              <a:rPr lang="en-GB" dirty="0"/>
-              <a:t> </a:t>
-            </a:r>
-            <a:r>
-              <a:rPr lang="en-GB" sz="1800" b="0" i="0" u="none" strike="noStrike" dirty="0">
-                <a:effectLst/>
-                <a:latin typeface="Calibri" panose="020F0502020204030204" pitchFamily="34" charset="0"/>
-              </a:rPr>
-              <a:t>EPR_378</a:t>
-            </a:r>
-            <a:r>
-              <a:rPr lang="en-GB" dirty="0"/>
-              <a:t> </a:t>
-            </a:r>
-            <a:r>
-              <a:rPr lang="en-GB" sz="1800" b="0" i="0" u="none" strike="noStrike" dirty="0">
-                <a:effectLst/>
-                <a:latin typeface="Calibri" panose="020F0502020204030204" pitchFamily="34" charset="0"/>
-              </a:rPr>
-              <a:t>EPR_393</a:t>
-            </a:r>
-            <a:r>
-              <a:rPr lang="en-GB" dirty="0"/>
-              <a:t> </a:t>
-            </a:r>
             <a:endParaRPr lang="en-US" dirty="0"/>
           </a:p>
         </p:txBody>
@@ -1110,7 +890,423 @@
           <a:p>
             <a:fld id="{43762D82-814E-4143-BC98-1200A50446D8}" type="slidenum">
               <a:rPr lang="en-US" smtClean="0"/>
+              <a:t>8</a:t>
+            </a:fld>
+            <a:endParaRPr lang="en-US"/>
+          </a:p>
+        </p:txBody>
+      </p:sp>
+    </p:spTree>
+    <p:extLst>
+      <p:ext uri="{BB962C8B-B14F-4D97-AF65-F5344CB8AC3E}">
+        <p14:creationId xmlns:p14="http://schemas.microsoft.com/office/powerpoint/2010/main" val="2403602130"/>
+      </p:ext>
+    </p:extLst>
+  </p:cSld>
+  <p:clrMapOvr>
+    <a:masterClrMapping/>
+  </p:clrMapOvr>
+</p:notes>
+</file>
+
+<file path=ppt/notesSlides/notesSlide4.xml><?xml version="1.0" encoding="utf-8"?>
+<p:notes xmlns:a="http://schemas.openxmlformats.org/drawingml/2006/main" xmlns:r="http://schemas.openxmlformats.org/officeDocument/2006/relationships" xmlns:p="http://schemas.openxmlformats.org/presentationml/2006/main">
+  <p:cSld>
+    <p:spTree>
+      <p:nvGrpSpPr>
+        <p:cNvPr id="1" name="">
+          <a:extLst>
+            <a:ext uri="{FF2B5EF4-FFF2-40B4-BE49-F238E27FC236}">
+              <a16:creationId xmlns:a16="http://schemas.microsoft.com/office/drawing/2014/main" id="{F4E30BBF-58FC-1BCB-EC78-BF96A8B666F7}"/>
+            </a:ext>
+          </a:extLst>
+        </p:cNvPr>
+        <p:cNvGrpSpPr/>
+        <p:nvPr/>
+      </p:nvGrpSpPr>
+      <p:grpSpPr>
+        <a:xfrm>
+          <a:off x="0" y="0"/>
+          <a:ext cx="0" cy="0"/>
+          <a:chOff x="0" y="0"/>
+          <a:chExt cx="0" cy="0"/>
+        </a:xfrm>
+      </p:grpSpPr>
+      <p:sp>
+        <p:nvSpPr>
+          <p:cNvPr id="2" name="Slide Image Placeholder 1">
+            <a:extLst>
+              <a:ext uri="{FF2B5EF4-FFF2-40B4-BE49-F238E27FC236}">
+                <a16:creationId xmlns:a16="http://schemas.microsoft.com/office/drawing/2014/main" id="{DE960F76-FF08-C38A-32C7-908BBDB9DA85}"/>
+              </a:ext>
+            </a:extLst>
+          </p:cNvPr>
+          <p:cNvSpPr>
+            <a:spLocks noGrp="1" noRot="1" noChangeAspect="1"/>
+          </p:cNvSpPr>
+          <p:nvPr>
+            <p:ph type="sldImg"/>
+          </p:nvPr>
+        </p:nvSpPr>
+        <p:spPr/>
+      </p:sp>
+      <p:sp>
+        <p:nvSpPr>
+          <p:cNvPr id="3" name="Notes Placeholder 2">
+            <a:extLst>
+              <a:ext uri="{FF2B5EF4-FFF2-40B4-BE49-F238E27FC236}">
+                <a16:creationId xmlns:a16="http://schemas.microsoft.com/office/drawing/2014/main" id="{35BBF9E9-1519-F7A9-C0BE-C97F3790DC1B}"/>
+              </a:ext>
+            </a:extLst>
+          </p:cNvPr>
+          <p:cNvSpPr>
+            <a:spLocks noGrp="1"/>
+          </p:cNvSpPr>
+          <p:nvPr>
+            <p:ph type="body" idx="1"/>
+          </p:nvPr>
+        </p:nvSpPr>
+        <p:spPr/>
+        <p:txBody>
+          <a:bodyPr/>
+          <a:lstStyle/>
+          <a:p>
+            <a:endParaRPr lang="en-US" dirty="0"/>
+          </a:p>
+        </p:txBody>
+      </p:sp>
+      <p:sp>
+        <p:nvSpPr>
+          <p:cNvPr id="4" name="Slide Number Placeholder 3">
+            <a:extLst>
+              <a:ext uri="{FF2B5EF4-FFF2-40B4-BE49-F238E27FC236}">
+                <a16:creationId xmlns:a16="http://schemas.microsoft.com/office/drawing/2014/main" id="{B2811339-ACC1-DCD3-DDE5-03D7C89C81A9}"/>
+              </a:ext>
+            </a:extLst>
+          </p:cNvPr>
+          <p:cNvSpPr>
+            <a:spLocks noGrp="1"/>
+          </p:cNvSpPr>
+          <p:nvPr>
+            <p:ph type="sldNum" sz="quarter" idx="5"/>
+          </p:nvPr>
+        </p:nvSpPr>
+        <p:spPr/>
+        <p:txBody>
+          <a:bodyPr/>
+          <a:lstStyle/>
+          <a:p>
+            <a:fld id="{43762D82-814E-4143-BC98-1200A50446D8}" type="slidenum">
+              <a:rPr lang="en-US" smtClean="0"/>
               <a:t>10</a:t>
+            </a:fld>
+            <a:endParaRPr lang="en-US"/>
+          </a:p>
+        </p:txBody>
+      </p:sp>
+    </p:spTree>
+    <p:extLst>
+      <p:ext uri="{BB962C8B-B14F-4D97-AF65-F5344CB8AC3E}">
+        <p14:creationId xmlns:p14="http://schemas.microsoft.com/office/powerpoint/2010/main" val="47242377"/>
+      </p:ext>
+    </p:extLst>
+  </p:cSld>
+  <p:clrMapOvr>
+    <a:masterClrMapping/>
+  </p:clrMapOvr>
+</p:notes>
+</file>
+
+<file path=ppt/notesSlides/notesSlide5.xml><?xml version="1.0" encoding="utf-8"?>
+<p:notes xmlns:a="http://schemas.openxmlformats.org/drawingml/2006/main" xmlns:r="http://schemas.openxmlformats.org/officeDocument/2006/relationships" xmlns:p="http://schemas.openxmlformats.org/presentationml/2006/main">
+  <p:cSld>
+    <p:spTree>
+      <p:nvGrpSpPr>
+        <p:cNvPr id="1" name=""/>
+        <p:cNvGrpSpPr/>
+        <p:nvPr/>
+      </p:nvGrpSpPr>
+      <p:grpSpPr>
+        <a:xfrm>
+          <a:off x="0" y="0"/>
+          <a:ext cx="0" cy="0"/>
+          <a:chOff x="0" y="0"/>
+          <a:chExt cx="0" cy="0"/>
+        </a:xfrm>
+      </p:grpSpPr>
+      <p:sp>
+        <p:nvSpPr>
+          <p:cNvPr id="2" name="Slide Image Placeholder 1"/>
+          <p:cNvSpPr>
+            <a:spLocks noGrp="1" noRot="1" noChangeAspect="1"/>
+          </p:cNvSpPr>
+          <p:nvPr>
+            <p:ph type="sldImg"/>
+          </p:nvPr>
+        </p:nvSpPr>
+        <p:spPr/>
+      </p:sp>
+      <p:sp>
+        <p:nvSpPr>
+          <p:cNvPr id="3" name="Notes Placeholder 2"/>
+          <p:cNvSpPr>
+            <a:spLocks noGrp="1"/>
+          </p:cNvSpPr>
+          <p:nvPr>
+            <p:ph type="body" idx="1"/>
+          </p:nvPr>
+        </p:nvSpPr>
+        <p:spPr/>
+        <p:txBody>
+          <a:bodyPr/>
+          <a:lstStyle/>
+          <a:p>
+            <a:r>
+              <a:rPr lang="en-US" dirty="0"/>
+              <a:t>Removed </a:t>
+            </a:r>
+            <a:r>
+              <a:rPr lang="en-GB" sz="1800" b="0" i="0" u="none" strike="noStrike" dirty="0">
+                <a:effectLst/>
+                <a:latin typeface="Calibri" panose="020F0502020204030204" pitchFamily="34" charset="0"/>
+              </a:rPr>
+              <a:t>EPR_115</a:t>
+            </a:r>
+            <a:r>
+              <a:rPr lang="en-GB" dirty="0"/>
+              <a:t> </a:t>
+            </a:r>
+            <a:r>
+              <a:rPr lang="en-GB" sz="1800" b="0" i="0" u="none" strike="noStrike" dirty="0">
+                <a:effectLst/>
+                <a:latin typeface="Calibri" panose="020F0502020204030204" pitchFamily="34" charset="0"/>
+              </a:rPr>
+              <a:t>EPR_048</a:t>
+            </a:r>
+            <a:r>
+              <a:rPr lang="en-GB" dirty="0"/>
+              <a:t> </a:t>
+            </a:r>
+            <a:r>
+              <a:rPr lang="en-GB" sz="1800" b="0" i="0" u="none" strike="noStrike" dirty="0">
+                <a:effectLst/>
+                <a:latin typeface="Calibri" panose="020F0502020204030204" pitchFamily="34" charset="0"/>
+              </a:rPr>
+              <a:t>EPR_038</a:t>
+            </a:r>
+            <a:r>
+              <a:rPr lang="en-GB" dirty="0"/>
+              <a:t> </a:t>
+            </a:r>
+            <a:r>
+              <a:rPr lang="en-GB" sz="1800" b="0" i="0" u="none" strike="noStrike" dirty="0">
+                <a:effectLst/>
+                <a:latin typeface="Calibri" panose="020F0502020204030204" pitchFamily="34" charset="0"/>
+              </a:rPr>
+              <a:t>EPR_293</a:t>
+            </a:r>
+            <a:r>
+              <a:rPr lang="en-GB" dirty="0"/>
+              <a:t> </a:t>
+            </a:r>
+            <a:r>
+              <a:rPr lang="en-GB" sz="1800" b="0" i="0" u="none" strike="noStrike" dirty="0">
+                <a:effectLst/>
+                <a:latin typeface="Calibri" panose="020F0502020204030204" pitchFamily="34" charset="0"/>
+              </a:rPr>
+              <a:t>EPR_214</a:t>
+            </a:r>
+            <a:r>
+              <a:rPr lang="en-GB" dirty="0"/>
+              <a:t> </a:t>
+            </a:r>
+            <a:r>
+              <a:rPr lang="en-GB" sz="1800" b="0" i="0" u="none" strike="noStrike" dirty="0">
+                <a:effectLst/>
+                <a:latin typeface="Calibri" panose="020F0502020204030204" pitchFamily="34" charset="0"/>
+              </a:rPr>
+              <a:t>EPR_044</a:t>
+            </a:r>
+            <a:r>
+              <a:rPr lang="en-GB" dirty="0"/>
+              <a:t> </a:t>
+            </a:r>
+            <a:r>
+              <a:rPr lang="en-GB" sz="1800" b="0" i="0" u="none" strike="noStrike" dirty="0">
+                <a:effectLst/>
+                <a:latin typeface="Calibri" panose="020F0502020204030204" pitchFamily="34" charset="0"/>
+              </a:rPr>
+              <a:t>EPR_147</a:t>
+            </a:r>
+            <a:r>
+              <a:rPr lang="en-GB" dirty="0"/>
+              <a:t> </a:t>
+            </a:r>
+            <a:r>
+              <a:rPr lang="en-GB" sz="1800" b="0" i="0" u="none" strike="noStrike" dirty="0">
+                <a:effectLst/>
+                <a:latin typeface="Calibri" panose="020F0502020204030204" pitchFamily="34" charset="0"/>
+              </a:rPr>
+              <a:t>EPR_454</a:t>
+            </a:r>
+            <a:r>
+              <a:rPr lang="en-GB" dirty="0"/>
+              <a:t> </a:t>
+            </a:r>
+            <a:r>
+              <a:rPr lang="en-GB" sz="1800" b="0" i="0" u="none" strike="noStrike" dirty="0">
+                <a:effectLst/>
+                <a:latin typeface="Calibri" panose="020F0502020204030204" pitchFamily="34" charset="0"/>
+              </a:rPr>
+              <a:t>EPR_466</a:t>
+            </a:r>
+            <a:r>
+              <a:rPr lang="en-GB" dirty="0"/>
+              <a:t> </a:t>
+            </a:r>
+            <a:r>
+              <a:rPr lang="en-GB" sz="1800" b="0" i="0" u="none" strike="noStrike" dirty="0">
+                <a:effectLst/>
+                <a:latin typeface="Calibri" panose="020F0502020204030204" pitchFamily="34" charset="0"/>
+              </a:rPr>
+              <a:t>EPR_086</a:t>
+            </a:r>
+            <a:r>
+              <a:rPr lang="en-GB" dirty="0"/>
+              <a:t> </a:t>
+            </a:r>
+            <a:r>
+              <a:rPr lang="en-GB" sz="1800" b="0" i="0" u="none" strike="noStrike" dirty="0">
+                <a:effectLst/>
+                <a:latin typeface="Calibri" panose="020F0502020204030204" pitchFamily="34" charset="0"/>
+              </a:rPr>
+              <a:t>EPR_084</a:t>
+            </a:r>
+            <a:r>
+              <a:rPr lang="en-GB" dirty="0"/>
+              <a:t> </a:t>
+            </a:r>
+            <a:r>
+              <a:rPr lang="en-GB" sz="1800" b="0" i="0" u="none" strike="noStrike" dirty="0">
+                <a:effectLst/>
+                <a:latin typeface="Calibri" panose="020F0502020204030204" pitchFamily="34" charset="0"/>
+              </a:rPr>
+              <a:t>EPR_087</a:t>
+            </a:r>
+            <a:r>
+              <a:rPr lang="en-GB" dirty="0"/>
+              <a:t> </a:t>
+            </a:r>
+            <a:r>
+              <a:rPr lang="en-GB" sz="1800" b="0" i="0" u="none" strike="noStrike" dirty="0">
+                <a:effectLst/>
+                <a:latin typeface="Calibri" panose="020F0502020204030204" pitchFamily="34" charset="0"/>
+              </a:rPr>
+              <a:t>EPR_340</a:t>
+            </a:r>
+            <a:r>
+              <a:rPr lang="en-GB" dirty="0"/>
+              <a:t> </a:t>
+            </a:r>
+            <a:r>
+              <a:rPr lang="en-GB" sz="1800" b="0" i="0" u="none" strike="noStrike" dirty="0">
+                <a:effectLst/>
+                <a:latin typeface="Calibri" panose="020F0502020204030204" pitchFamily="34" charset="0"/>
+              </a:rPr>
+              <a:t>EPR_198</a:t>
+            </a:r>
+            <a:r>
+              <a:rPr lang="en-GB" dirty="0"/>
+              <a:t> </a:t>
+            </a:r>
+            <a:r>
+              <a:rPr lang="en-GB" sz="1800" b="0" i="0" u="none" strike="noStrike" dirty="0">
+                <a:effectLst/>
+                <a:latin typeface="Calibri" panose="020F0502020204030204" pitchFamily="34" charset="0"/>
+              </a:rPr>
+              <a:t>EPR_551</a:t>
+            </a:r>
+            <a:r>
+              <a:rPr lang="en-GB" dirty="0"/>
+              <a:t> </a:t>
+            </a:r>
+            <a:r>
+              <a:rPr lang="en-GB" sz="1800" b="0" i="0" u="none" strike="noStrike" dirty="0">
+                <a:effectLst/>
+                <a:latin typeface="Calibri" panose="020F0502020204030204" pitchFamily="34" charset="0"/>
+              </a:rPr>
+              <a:t>EPR_391</a:t>
+            </a:r>
+            <a:r>
+              <a:rPr lang="en-GB" dirty="0"/>
+              <a:t> </a:t>
+            </a:r>
+            <a:r>
+              <a:rPr lang="en-GB" sz="1800" b="0" i="0" u="none" strike="noStrike" dirty="0">
+                <a:effectLst/>
+                <a:latin typeface="Calibri" panose="020F0502020204030204" pitchFamily="34" charset="0"/>
+              </a:rPr>
+              <a:t>EPR_380</a:t>
+            </a:r>
+            <a:r>
+              <a:rPr lang="en-GB" dirty="0"/>
+              <a:t> </a:t>
+            </a:r>
+            <a:r>
+              <a:rPr lang="en-GB" sz="1800" b="0" i="0" u="none" strike="noStrike" dirty="0">
+                <a:effectLst/>
+                <a:latin typeface="Calibri" panose="020F0502020204030204" pitchFamily="34" charset="0"/>
+              </a:rPr>
+              <a:t>EPR_231</a:t>
+            </a:r>
+            <a:r>
+              <a:rPr lang="en-GB" dirty="0"/>
+              <a:t> </a:t>
+            </a:r>
+            <a:r>
+              <a:rPr lang="en-GB" sz="1800" b="0" i="0" u="none" strike="noStrike" dirty="0">
+                <a:effectLst/>
+                <a:latin typeface="Calibri" panose="020F0502020204030204" pitchFamily="34" charset="0"/>
+              </a:rPr>
+              <a:t>EPR_378</a:t>
+            </a:r>
+            <a:r>
+              <a:rPr lang="en-GB" dirty="0"/>
+              <a:t> </a:t>
+            </a:r>
+            <a:r>
+              <a:rPr lang="en-GB" sz="1800" b="0" i="0" u="none" strike="noStrike" dirty="0">
+                <a:effectLst/>
+                <a:latin typeface="Calibri" panose="020F0502020204030204" pitchFamily="34" charset="0"/>
+              </a:rPr>
+              <a:t>EPR_393</a:t>
+            </a:r>
+            <a:r>
+              <a:rPr lang="en-GB" dirty="0"/>
+              <a:t> </a:t>
+            </a:r>
+            <a:endParaRPr lang="en-US" dirty="0"/>
+          </a:p>
+        </p:txBody>
+      </p:sp>
+      <p:sp>
+        <p:nvSpPr>
+          <p:cNvPr id="4" name="Slide Number Placeholder 3"/>
+          <p:cNvSpPr>
+            <a:spLocks noGrp="1"/>
+          </p:cNvSpPr>
+          <p:nvPr>
+            <p:ph type="sldNum" sz="quarter" idx="5"/>
+          </p:nvPr>
+        </p:nvSpPr>
+        <p:spPr/>
+        <p:txBody>
+          <a:bodyPr/>
+          <a:lstStyle/>
+          <a:p>
+            <a:fld id="{43762D82-814E-4143-BC98-1200A50446D8}" type="slidenum">
+              <a:rPr lang="en-US" smtClean="0"/>
+              <a:t>12</a:t>
             </a:fld>
             <a:endParaRPr lang="en-US"/>
           </a:p>
@@ -1120,6 +1316,222 @@
     <p:extLst>
       <p:ext uri="{BB962C8B-B14F-4D97-AF65-F5344CB8AC3E}">
         <p14:creationId xmlns:p14="http://schemas.microsoft.com/office/powerpoint/2010/main" val="2092117495"/>
+      </p:ext>
+    </p:extLst>
+  </p:cSld>
+  <p:clrMapOvr>
+    <a:masterClrMapping/>
+  </p:clrMapOvr>
+</p:notes>
+</file>
+
+<file path=ppt/notesSlides/notesSlide6.xml><?xml version="1.0" encoding="utf-8"?>
+<p:notes xmlns:a="http://schemas.openxmlformats.org/drawingml/2006/main" xmlns:r="http://schemas.openxmlformats.org/officeDocument/2006/relationships" xmlns:p="http://schemas.openxmlformats.org/presentationml/2006/main">
+  <p:cSld>
+    <p:spTree>
+      <p:nvGrpSpPr>
+        <p:cNvPr id="1" name="">
+          <a:extLst>
+            <a:ext uri="{FF2B5EF4-FFF2-40B4-BE49-F238E27FC236}">
+              <a16:creationId xmlns:a16="http://schemas.microsoft.com/office/drawing/2014/main" id="{8EE9FC07-14EF-7CE3-22F1-383C6CDE279A}"/>
+            </a:ext>
+          </a:extLst>
+        </p:cNvPr>
+        <p:cNvGrpSpPr/>
+        <p:nvPr/>
+      </p:nvGrpSpPr>
+      <p:grpSpPr>
+        <a:xfrm>
+          <a:off x="0" y="0"/>
+          <a:ext cx="0" cy="0"/>
+          <a:chOff x="0" y="0"/>
+          <a:chExt cx="0" cy="0"/>
+        </a:xfrm>
+      </p:grpSpPr>
+      <p:sp>
+        <p:nvSpPr>
+          <p:cNvPr id="2" name="Slide Image Placeholder 1">
+            <a:extLst>
+              <a:ext uri="{FF2B5EF4-FFF2-40B4-BE49-F238E27FC236}">
+                <a16:creationId xmlns:a16="http://schemas.microsoft.com/office/drawing/2014/main" id="{1DEE5B30-70A7-5B8D-1E78-ED1C074E77D5}"/>
+              </a:ext>
+            </a:extLst>
+          </p:cNvPr>
+          <p:cNvSpPr>
+            <a:spLocks noGrp="1" noRot="1" noChangeAspect="1"/>
+          </p:cNvSpPr>
+          <p:nvPr>
+            <p:ph type="sldImg"/>
+          </p:nvPr>
+        </p:nvSpPr>
+        <p:spPr/>
+      </p:sp>
+      <p:sp>
+        <p:nvSpPr>
+          <p:cNvPr id="3" name="Notes Placeholder 2">
+            <a:extLst>
+              <a:ext uri="{FF2B5EF4-FFF2-40B4-BE49-F238E27FC236}">
+                <a16:creationId xmlns:a16="http://schemas.microsoft.com/office/drawing/2014/main" id="{1116B55D-0BB3-2F04-2698-A56F3D8D5D7B}"/>
+              </a:ext>
+            </a:extLst>
+          </p:cNvPr>
+          <p:cNvSpPr>
+            <a:spLocks noGrp="1"/>
+          </p:cNvSpPr>
+          <p:nvPr>
+            <p:ph type="body" idx="1"/>
+          </p:nvPr>
+        </p:nvSpPr>
+        <p:spPr/>
+        <p:txBody>
+          <a:bodyPr/>
+          <a:lstStyle/>
+          <a:p>
+            <a:endParaRPr lang="en-US" dirty="0"/>
+          </a:p>
+        </p:txBody>
+      </p:sp>
+      <p:sp>
+        <p:nvSpPr>
+          <p:cNvPr id="4" name="Slide Number Placeholder 3">
+            <a:extLst>
+              <a:ext uri="{FF2B5EF4-FFF2-40B4-BE49-F238E27FC236}">
+                <a16:creationId xmlns:a16="http://schemas.microsoft.com/office/drawing/2014/main" id="{FD706A20-9D60-FD93-A08E-69640D10A90A}"/>
+              </a:ext>
+            </a:extLst>
+          </p:cNvPr>
+          <p:cNvSpPr>
+            <a:spLocks noGrp="1"/>
+          </p:cNvSpPr>
+          <p:nvPr>
+            <p:ph type="sldNum" sz="quarter" idx="5"/>
+          </p:nvPr>
+        </p:nvSpPr>
+        <p:spPr/>
+        <p:txBody>
+          <a:bodyPr/>
+          <a:lstStyle/>
+          <a:p>
+            <a:fld id="{43762D82-814E-4143-BC98-1200A50446D8}" type="slidenum">
+              <a:rPr lang="en-US" smtClean="0"/>
+              <a:t>13</a:t>
+            </a:fld>
+            <a:endParaRPr lang="en-US"/>
+          </a:p>
+        </p:txBody>
+      </p:sp>
+    </p:spTree>
+    <p:extLst>
+      <p:ext uri="{BB962C8B-B14F-4D97-AF65-F5344CB8AC3E}">
+        <p14:creationId xmlns:p14="http://schemas.microsoft.com/office/powerpoint/2010/main" val="2207394009"/>
+      </p:ext>
+    </p:extLst>
+  </p:cSld>
+  <p:clrMapOvr>
+    <a:masterClrMapping/>
+  </p:clrMapOvr>
+</p:notes>
+</file>
+
+<file path=ppt/notesSlides/notesSlide7.xml><?xml version="1.0" encoding="utf-8"?>
+<p:notes xmlns:a="http://schemas.openxmlformats.org/drawingml/2006/main" xmlns:r="http://schemas.openxmlformats.org/officeDocument/2006/relationships" xmlns:p="http://schemas.openxmlformats.org/presentationml/2006/main">
+  <p:cSld>
+    <p:spTree>
+      <p:nvGrpSpPr>
+        <p:cNvPr id="1" name="">
+          <a:extLst>
+            <a:ext uri="{FF2B5EF4-FFF2-40B4-BE49-F238E27FC236}">
+              <a16:creationId xmlns:a16="http://schemas.microsoft.com/office/drawing/2014/main" id="{07346895-538F-428B-A0B4-A110D705F79F}"/>
+            </a:ext>
+          </a:extLst>
+        </p:cNvPr>
+        <p:cNvGrpSpPr/>
+        <p:nvPr/>
+      </p:nvGrpSpPr>
+      <p:grpSpPr>
+        <a:xfrm>
+          <a:off x="0" y="0"/>
+          <a:ext cx="0" cy="0"/>
+          <a:chOff x="0" y="0"/>
+          <a:chExt cx="0" cy="0"/>
+        </a:xfrm>
+      </p:grpSpPr>
+      <p:sp>
+        <p:nvSpPr>
+          <p:cNvPr id="2" name="Slide Image Placeholder 1">
+            <a:extLst>
+              <a:ext uri="{FF2B5EF4-FFF2-40B4-BE49-F238E27FC236}">
+                <a16:creationId xmlns:a16="http://schemas.microsoft.com/office/drawing/2014/main" id="{A0E1505B-7F59-2D49-FDE4-D3363E1D40D6}"/>
+              </a:ext>
+            </a:extLst>
+          </p:cNvPr>
+          <p:cNvSpPr>
+            <a:spLocks noGrp="1" noRot="1" noChangeAspect="1"/>
+          </p:cNvSpPr>
+          <p:nvPr>
+            <p:ph type="sldImg"/>
+          </p:nvPr>
+        </p:nvSpPr>
+        <p:spPr/>
+      </p:sp>
+      <p:sp>
+        <p:nvSpPr>
+          <p:cNvPr id="3" name="Notes Placeholder 2">
+            <a:extLst>
+              <a:ext uri="{FF2B5EF4-FFF2-40B4-BE49-F238E27FC236}">
+                <a16:creationId xmlns:a16="http://schemas.microsoft.com/office/drawing/2014/main" id="{995BBF78-3B8E-52E3-4E9E-808F1D98D527}"/>
+              </a:ext>
+            </a:extLst>
+          </p:cNvPr>
+          <p:cNvSpPr>
+            <a:spLocks noGrp="1"/>
+          </p:cNvSpPr>
+          <p:nvPr>
+            <p:ph type="body" idx="1"/>
+          </p:nvPr>
+        </p:nvSpPr>
+        <p:spPr/>
+        <p:txBody>
+          <a:bodyPr/>
+          <a:lstStyle/>
+          <a:p>
+            <a:endParaRPr lang="en-US" dirty="0"/>
+          </a:p>
+        </p:txBody>
+      </p:sp>
+      <p:sp>
+        <p:nvSpPr>
+          <p:cNvPr id="4" name="Slide Number Placeholder 3">
+            <a:extLst>
+              <a:ext uri="{FF2B5EF4-FFF2-40B4-BE49-F238E27FC236}">
+                <a16:creationId xmlns:a16="http://schemas.microsoft.com/office/drawing/2014/main" id="{2B2E5932-E556-C0AA-FBF8-D48C2E84F719}"/>
+              </a:ext>
+            </a:extLst>
+          </p:cNvPr>
+          <p:cNvSpPr>
+            <a:spLocks noGrp="1"/>
+          </p:cNvSpPr>
+          <p:nvPr>
+            <p:ph type="sldNum" sz="quarter" idx="5"/>
+          </p:nvPr>
+        </p:nvSpPr>
+        <p:spPr/>
+        <p:txBody>
+          <a:bodyPr/>
+          <a:lstStyle/>
+          <a:p>
+            <a:fld id="{43762D82-814E-4143-BC98-1200A50446D8}" type="slidenum">
+              <a:rPr lang="en-US" smtClean="0"/>
+              <a:t>15</a:t>
+            </a:fld>
+            <a:endParaRPr lang="en-US"/>
+          </a:p>
+        </p:txBody>
+      </p:sp>
+    </p:spTree>
+    <p:extLst>
+      <p:ext uri="{BB962C8B-B14F-4D97-AF65-F5344CB8AC3E}">
+        <p14:creationId xmlns:p14="http://schemas.microsoft.com/office/powerpoint/2010/main" val="3298240770"/>
       </p:ext>
     </p:extLst>
   </p:cSld>
@@ -1278,7 +1690,7 @@
           <a:p>
             <a:fld id="{40BDD06A-7DF3-0A47-A5B4-FFAD3F55A063}" type="datetimeFigureOut">
               <a:rPr lang="en-US" smtClean="0"/>
-              <a:t>11/29/24</a:t>
+              <a:t>12/3/24</a:t>
             </a:fld>
             <a:endParaRPr lang="en-US"/>
           </a:p>
@@ -1478,7 +1890,7 @@
           <a:p>
             <a:fld id="{40BDD06A-7DF3-0A47-A5B4-FFAD3F55A063}" type="datetimeFigureOut">
               <a:rPr lang="en-US" smtClean="0"/>
-              <a:t>11/29/24</a:t>
+              <a:t>12/3/24</a:t>
             </a:fld>
             <a:endParaRPr lang="en-US"/>
           </a:p>
@@ -1688,7 +2100,7 @@
           <a:p>
             <a:fld id="{40BDD06A-7DF3-0A47-A5B4-FFAD3F55A063}" type="datetimeFigureOut">
               <a:rPr lang="en-US" smtClean="0"/>
-              <a:t>11/29/24</a:t>
+              <a:t>12/3/24</a:t>
             </a:fld>
             <a:endParaRPr lang="en-US"/>
           </a:p>
@@ -1888,7 +2300,7 @@
           <a:p>
             <a:fld id="{40BDD06A-7DF3-0A47-A5B4-FFAD3F55A063}" type="datetimeFigureOut">
               <a:rPr lang="en-US" smtClean="0"/>
-              <a:t>11/29/24</a:t>
+              <a:t>12/3/24</a:t>
             </a:fld>
             <a:endParaRPr lang="en-US"/>
           </a:p>
@@ -2164,7 +2576,7 @@
           <a:p>
             <a:fld id="{40BDD06A-7DF3-0A47-A5B4-FFAD3F55A063}" type="datetimeFigureOut">
               <a:rPr lang="en-US" smtClean="0"/>
-              <a:t>11/29/24</a:t>
+              <a:t>12/3/24</a:t>
             </a:fld>
             <a:endParaRPr lang="en-US"/>
           </a:p>
@@ -2432,7 +2844,7 @@
           <a:p>
             <a:fld id="{40BDD06A-7DF3-0A47-A5B4-FFAD3F55A063}" type="datetimeFigureOut">
               <a:rPr lang="en-US" smtClean="0"/>
-              <a:t>11/29/24</a:t>
+              <a:t>12/3/24</a:t>
             </a:fld>
             <a:endParaRPr lang="en-US"/>
           </a:p>
@@ -2847,7 +3259,7 @@
           <a:p>
             <a:fld id="{40BDD06A-7DF3-0A47-A5B4-FFAD3F55A063}" type="datetimeFigureOut">
               <a:rPr lang="en-US" smtClean="0"/>
-              <a:t>11/29/24</a:t>
+              <a:t>12/3/24</a:t>
             </a:fld>
             <a:endParaRPr lang="en-US"/>
           </a:p>
@@ -2989,7 +3401,7 @@
           <a:p>
             <a:fld id="{40BDD06A-7DF3-0A47-A5B4-FFAD3F55A063}" type="datetimeFigureOut">
               <a:rPr lang="en-US" smtClean="0"/>
-              <a:t>11/29/24</a:t>
+              <a:t>12/3/24</a:t>
             </a:fld>
             <a:endParaRPr lang="en-US"/>
           </a:p>
@@ -3102,7 +3514,7 @@
           <a:p>
             <a:fld id="{40BDD06A-7DF3-0A47-A5B4-FFAD3F55A063}" type="datetimeFigureOut">
               <a:rPr lang="en-US" smtClean="0"/>
-              <a:t>11/29/24</a:t>
+              <a:t>12/3/24</a:t>
             </a:fld>
             <a:endParaRPr lang="en-US"/>
           </a:p>
@@ -3415,7 +3827,7 @@
           <a:p>
             <a:fld id="{40BDD06A-7DF3-0A47-A5B4-FFAD3F55A063}" type="datetimeFigureOut">
               <a:rPr lang="en-US" smtClean="0"/>
-              <a:t>11/29/24</a:t>
+              <a:t>12/3/24</a:t>
             </a:fld>
             <a:endParaRPr lang="en-US"/>
           </a:p>
@@ -3704,7 +4116,7 @@
           <a:p>
             <a:fld id="{40BDD06A-7DF3-0A47-A5B4-FFAD3F55A063}" type="datetimeFigureOut">
               <a:rPr lang="en-US" smtClean="0"/>
-              <a:t>11/29/24</a:t>
+              <a:t>12/3/24</a:t>
             </a:fld>
             <a:endParaRPr lang="en-US"/>
           </a:p>
@@ -3947,7 +4359,7 @@
           <a:p>
             <a:fld id="{40BDD06A-7DF3-0A47-A5B4-FFAD3F55A063}" type="datetimeFigureOut">
               <a:rPr lang="en-US" smtClean="0"/>
-              <a:t>11/29/24</a:t>
+              <a:t>12/3/24</a:t>
             </a:fld>
             <a:endParaRPr lang="en-US"/>
           </a:p>
@@ -4435,6 +4847,2103 @@
   <p:cSld>
     <p:spTree>
       <p:nvGrpSpPr>
+        <p:cNvPr id="1" name="">
+          <a:extLst>
+            <a:ext uri="{FF2B5EF4-FFF2-40B4-BE49-F238E27FC236}">
+              <a16:creationId xmlns:a16="http://schemas.microsoft.com/office/drawing/2014/main" id="{165AC56F-0EE8-E3FE-C9DF-362FC395FBC6}"/>
+            </a:ext>
+          </a:extLst>
+        </p:cNvPr>
+        <p:cNvGrpSpPr/>
+        <p:nvPr/>
+      </p:nvGrpSpPr>
+      <p:grpSpPr>
+        <a:xfrm>
+          <a:off x="0" y="0"/>
+          <a:ext cx="0" cy="0"/>
+          <a:chOff x="0" y="0"/>
+          <a:chExt cx="0" cy="0"/>
+        </a:xfrm>
+      </p:grpSpPr>
+      <p:graphicFrame>
+        <p:nvGraphicFramePr>
+          <p:cNvPr id="6" name="Table 5">
+            <a:extLst>
+              <a:ext uri="{FF2B5EF4-FFF2-40B4-BE49-F238E27FC236}">
+                <a16:creationId xmlns:a16="http://schemas.microsoft.com/office/drawing/2014/main" id="{656F8A78-3855-4DD7-B873-47260439E964}"/>
+              </a:ext>
+            </a:extLst>
+          </p:cNvPr>
+          <p:cNvGraphicFramePr>
+            <a:graphicFrameLocks noGrp="1"/>
+          </p:cNvGraphicFramePr>
+          <p:nvPr>
+            <p:extLst>
+              <p:ext uri="{D42A27DB-BD31-4B8C-83A1-F6EECF244321}">
+                <p14:modId xmlns:p14="http://schemas.microsoft.com/office/powerpoint/2010/main" val="1392957299"/>
+              </p:ext>
+            </p:extLst>
+          </p:nvPr>
+        </p:nvGraphicFramePr>
+        <p:xfrm>
+          <a:off x="691662" y="154612"/>
+          <a:ext cx="11024917" cy="6548776"/>
+        </p:xfrm>
+        <a:graphic>
+          <a:graphicData uri="http://schemas.openxmlformats.org/drawingml/2006/table">
+            <a:tbl>
+              <a:tblPr firstRow="1" firstCol="1" bandRow="1">
+                <a:tableStyleId>{5C22544A-7EE6-4342-B048-85BDC9FD1C3A}</a:tableStyleId>
+              </a:tblPr>
+              <a:tblGrid>
+                <a:gridCol w="4384431">
+                  <a:extLst>
+                    <a:ext uri="{9D8B030D-6E8A-4147-A177-3AD203B41FA5}">
+                      <a16:colId xmlns:a16="http://schemas.microsoft.com/office/drawing/2014/main" val="3950663837"/>
+                    </a:ext>
+                  </a:extLst>
+                </a:gridCol>
+                <a:gridCol w="2368061">
+                  <a:extLst>
+                    <a:ext uri="{9D8B030D-6E8A-4147-A177-3AD203B41FA5}">
+                      <a16:colId xmlns:a16="http://schemas.microsoft.com/office/drawing/2014/main" val="4257245582"/>
+                    </a:ext>
+                  </a:extLst>
+                </a:gridCol>
+                <a:gridCol w="2766646">
+                  <a:extLst>
+                    <a:ext uri="{9D8B030D-6E8A-4147-A177-3AD203B41FA5}">
+                      <a16:colId xmlns:a16="http://schemas.microsoft.com/office/drawing/2014/main" val="3678687291"/>
+                    </a:ext>
+                  </a:extLst>
+                </a:gridCol>
+                <a:gridCol w="1505779">
+                  <a:extLst>
+                    <a:ext uri="{9D8B030D-6E8A-4147-A177-3AD203B41FA5}">
+                      <a16:colId xmlns:a16="http://schemas.microsoft.com/office/drawing/2014/main" val="3525693723"/>
+                    </a:ext>
+                  </a:extLst>
+                </a:gridCol>
+              </a:tblGrid>
+              <a:tr h="203559">
+                <a:tc>
+                  <a:txBody>
+                    <a:bodyPr/>
+                    <a:lstStyle/>
+                    <a:p>
+                      <a:endParaRPr lang="en-GB" sz="1800" kern="100" dirty="0">
+                        <a:effectLst/>
+                        <a:latin typeface="Aptos" panose="020B0004020202020204" pitchFamily="34" charset="0"/>
+                        <a:ea typeface="Aptos" panose="020B0004020202020204" pitchFamily="34" charset="0"/>
+                        <a:cs typeface="Times New Roman" panose="02020603050405020304" pitchFamily="18" charset="0"/>
+                      </a:endParaRPr>
+                    </a:p>
+                  </a:txBody>
+                  <a:tcPr marL="58277" marR="58277" marT="0" marB="0"/>
+                </a:tc>
+                <a:tc>
+                  <a:txBody>
+                    <a:bodyPr/>
+                    <a:lstStyle/>
+                    <a:p>
+                      <a:pPr algn="ctr"/>
+                      <a:r>
+                        <a:rPr lang="en-GB" sz="1800" kern="100" dirty="0">
+                          <a:effectLst/>
+                        </a:rPr>
+                        <a:t>No Anti</a:t>
+                      </a:r>
+                      <a:endParaRPr lang="en-GB" sz="1800" kern="100" dirty="0">
+                        <a:effectLst/>
+                        <a:latin typeface="Aptos" panose="020B0004020202020204" pitchFamily="34" charset="0"/>
+                        <a:ea typeface="Aptos" panose="020B0004020202020204" pitchFamily="34" charset="0"/>
+                        <a:cs typeface="Times New Roman" panose="02020603050405020304" pitchFamily="18" charset="0"/>
+                      </a:endParaRPr>
+                    </a:p>
+                  </a:txBody>
+                  <a:tcPr marL="58277" marR="58277" marT="0" marB="0"/>
+                </a:tc>
+                <a:tc>
+                  <a:txBody>
+                    <a:bodyPr/>
+                    <a:lstStyle/>
+                    <a:p>
+                      <a:pPr algn="ctr"/>
+                      <a:r>
+                        <a:rPr lang="en-GB" sz="1800" kern="100">
+                          <a:effectLst/>
+                        </a:rPr>
+                        <a:t>Anti              </a:t>
+                      </a:r>
+                      <a:endParaRPr lang="en-GB" sz="1800" kern="100">
+                        <a:effectLst/>
+                        <a:latin typeface="Aptos" panose="020B0004020202020204" pitchFamily="34" charset="0"/>
+                        <a:ea typeface="Aptos" panose="020B0004020202020204" pitchFamily="34" charset="0"/>
+                        <a:cs typeface="Times New Roman" panose="02020603050405020304" pitchFamily="18" charset="0"/>
+                      </a:endParaRPr>
+                    </a:p>
+                  </a:txBody>
+                  <a:tcPr marL="58277" marR="58277" marT="0" marB="0"/>
+                </a:tc>
+                <a:tc>
+                  <a:txBody>
+                    <a:bodyPr/>
+                    <a:lstStyle/>
+                    <a:p>
+                      <a:pPr algn="ctr"/>
+                      <a:r>
+                        <a:rPr lang="en-GB" sz="1800" kern="100" dirty="0">
+                          <a:effectLst/>
+                        </a:rPr>
+                        <a:t>Total      </a:t>
+                      </a:r>
+                      <a:endParaRPr lang="en-GB" sz="1800" kern="100" dirty="0">
+                        <a:effectLst/>
+                        <a:latin typeface="Aptos" panose="020B0004020202020204" pitchFamily="34" charset="0"/>
+                        <a:ea typeface="Aptos" panose="020B0004020202020204" pitchFamily="34" charset="0"/>
+                        <a:cs typeface="Times New Roman" panose="02020603050405020304" pitchFamily="18" charset="0"/>
+                      </a:endParaRPr>
+                    </a:p>
+                  </a:txBody>
+                  <a:tcPr marL="58277" marR="58277" marT="0" marB="0"/>
+                </a:tc>
+                <a:extLst>
+                  <a:ext uri="{0D108BD9-81ED-4DB2-BD59-A6C34878D82A}">
+                    <a16:rowId xmlns:a16="http://schemas.microsoft.com/office/drawing/2014/main" val="3194737904"/>
+                  </a:ext>
+                </a:extLst>
+              </a:tr>
+              <a:tr h="203559">
+                <a:tc>
+                  <a:txBody>
+                    <a:bodyPr/>
+                    <a:lstStyle/>
+                    <a:p>
+                      <a:r>
+                        <a:rPr lang="en-GB" sz="1800" kern="100" dirty="0">
+                          <a:effectLst/>
+                        </a:rPr>
+                        <a:t>No Response                  </a:t>
+                      </a:r>
+                      <a:endParaRPr lang="en-GB" sz="1800" kern="100" dirty="0">
+                        <a:effectLst/>
+                        <a:latin typeface="Aptos" panose="020B0004020202020204" pitchFamily="34" charset="0"/>
+                        <a:ea typeface="Aptos" panose="020B0004020202020204" pitchFamily="34" charset="0"/>
+                        <a:cs typeface="Times New Roman" panose="02020603050405020304" pitchFamily="18" charset="0"/>
+                      </a:endParaRPr>
+                    </a:p>
+                  </a:txBody>
+                  <a:tcPr marL="58277" marR="58277" marT="0" marB="0"/>
+                </a:tc>
+                <a:tc>
+                  <a:txBody>
+                    <a:bodyPr/>
+                    <a:lstStyle/>
+                    <a:p>
+                      <a:pPr algn="ctr"/>
+                      <a:r>
+                        <a:rPr lang="en-GB" sz="1800" kern="100" dirty="0">
+                          <a:solidFill>
+                            <a:schemeClr val="dk1"/>
+                          </a:solidFill>
+                          <a:effectLst/>
+                          <a:latin typeface="+mn-lt"/>
+                          <a:ea typeface="+mn-ea"/>
+                          <a:cs typeface="+mn-cs"/>
+                        </a:rPr>
+                        <a:t>90 (89%)      </a:t>
+                      </a:r>
+                    </a:p>
+                  </a:txBody>
+                  <a:tcPr marL="68580" marR="68580" marT="0" marB="0"/>
+                </a:tc>
+                <a:tc>
+                  <a:txBody>
+                    <a:bodyPr/>
+                    <a:lstStyle/>
+                    <a:p>
+                      <a:pPr algn="ctr"/>
+                      <a:r>
+                        <a:rPr lang="en-GB" sz="1800" kern="100">
+                          <a:solidFill>
+                            <a:schemeClr val="dk1"/>
+                          </a:solidFill>
+                          <a:effectLst/>
+                          <a:latin typeface="+mn-lt"/>
+                          <a:ea typeface="+mn-ea"/>
+                          <a:cs typeface="+mn-cs"/>
+                        </a:rPr>
+                        <a:t>174 (84%)         </a:t>
+                      </a:r>
+                    </a:p>
+                  </a:txBody>
+                  <a:tcPr marL="68580" marR="68580" marT="0" marB="0"/>
+                </a:tc>
+                <a:tc>
+                  <a:txBody>
+                    <a:bodyPr/>
+                    <a:lstStyle/>
+                    <a:p>
+                      <a:pPr algn="ctr"/>
+                      <a:r>
+                        <a:rPr lang="en-GB" sz="1800" kern="100">
+                          <a:solidFill>
+                            <a:schemeClr val="dk1"/>
+                          </a:solidFill>
+                          <a:effectLst/>
+                          <a:latin typeface="+mn-lt"/>
+                          <a:ea typeface="+mn-ea"/>
+                          <a:cs typeface="+mn-cs"/>
+                        </a:rPr>
+                        <a:t>264 (85%)  </a:t>
+                      </a:r>
+                    </a:p>
+                  </a:txBody>
+                  <a:tcPr marL="68580" marR="68580" marT="0" marB="0"/>
+                </a:tc>
+                <a:extLst>
+                  <a:ext uri="{0D108BD9-81ED-4DB2-BD59-A6C34878D82A}">
+                    <a16:rowId xmlns:a16="http://schemas.microsoft.com/office/drawing/2014/main" val="2801341854"/>
+                  </a:ext>
+                </a:extLst>
+              </a:tr>
+              <a:tr h="203559">
+                <a:tc>
+                  <a:txBody>
+                    <a:bodyPr/>
+                    <a:lstStyle/>
+                    <a:p>
+                      <a:r>
+                        <a:rPr lang="en-GB" sz="1800" kern="100" dirty="0">
+                          <a:effectLst/>
+                          <a:latin typeface="Aptos" panose="020B0004020202020204" pitchFamily="34" charset="0"/>
+                          <a:ea typeface="Aptos" panose="020B0004020202020204" pitchFamily="34" charset="0"/>
+                          <a:cs typeface="Times New Roman" panose="02020603050405020304" pitchFamily="18" charset="0"/>
+                        </a:rPr>
+                        <a:t>Response</a:t>
+                      </a:r>
+                    </a:p>
+                  </a:txBody>
+                  <a:tcPr marL="58277" marR="58277" marT="0" marB="0"/>
+                </a:tc>
+                <a:tc>
+                  <a:txBody>
+                    <a:bodyPr/>
+                    <a:lstStyle/>
+                    <a:p>
+                      <a:pPr algn="ctr"/>
+                      <a:r>
+                        <a:rPr lang="en-GB" sz="1800" kern="100" dirty="0">
+                          <a:solidFill>
+                            <a:schemeClr val="dk1"/>
+                          </a:solidFill>
+                          <a:effectLst/>
+                          <a:latin typeface="+mn-lt"/>
+                          <a:ea typeface="+mn-ea"/>
+                          <a:cs typeface="+mn-cs"/>
+                        </a:rPr>
+                        <a:t>11 (11%)      </a:t>
+                      </a:r>
+                    </a:p>
+                  </a:txBody>
+                  <a:tcPr marL="68580" marR="68580" marT="0" marB="0"/>
+                </a:tc>
+                <a:tc>
+                  <a:txBody>
+                    <a:bodyPr/>
+                    <a:lstStyle/>
+                    <a:p>
+                      <a:pPr algn="ctr"/>
+                      <a:r>
+                        <a:rPr lang="en-GB" sz="1800" kern="100" dirty="0">
+                          <a:solidFill>
+                            <a:schemeClr val="dk1"/>
+                          </a:solidFill>
+                          <a:effectLst/>
+                          <a:latin typeface="+mn-lt"/>
+                          <a:ea typeface="+mn-ea"/>
+                          <a:cs typeface="+mn-cs"/>
+                        </a:rPr>
+                        <a:t>34 (16%)          </a:t>
+                      </a:r>
+                    </a:p>
+                  </a:txBody>
+                  <a:tcPr marL="68580" marR="68580" marT="0" marB="0"/>
+                </a:tc>
+                <a:tc>
+                  <a:txBody>
+                    <a:bodyPr/>
+                    <a:lstStyle/>
+                    <a:p>
+                      <a:pPr algn="ctr"/>
+                      <a:r>
+                        <a:rPr lang="en-GB" sz="1800" kern="100">
+                          <a:solidFill>
+                            <a:schemeClr val="dk1"/>
+                          </a:solidFill>
+                          <a:effectLst/>
+                          <a:latin typeface="+mn-lt"/>
+                          <a:ea typeface="+mn-ea"/>
+                          <a:cs typeface="+mn-cs"/>
+                        </a:rPr>
+                        <a:t>45 (15%)   </a:t>
+                      </a:r>
+                    </a:p>
+                  </a:txBody>
+                  <a:tcPr marL="68580" marR="68580" marT="0" marB="0"/>
+                </a:tc>
+                <a:extLst>
+                  <a:ext uri="{0D108BD9-81ED-4DB2-BD59-A6C34878D82A}">
+                    <a16:rowId xmlns:a16="http://schemas.microsoft.com/office/drawing/2014/main" val="88307961"/>
+                  </a:ext>
+                </a:extLst>
+              </a:tr>
+              <a:tr h="203559">
+                <a:tc>
+                  <a:txBody>
+                    <a:bodyPr/>
+                    <a:lstStyle/>
+                    <a:p>
+                      <a:r>
+                        <a:rPr lang="en-GB" sz="1800" kern="100" dirty="0">
+                          <a:effectLst/>
+                        </a:rPr>
+                        <a:t>Total              </a:t>
+                      </a:r>
+                      <a:endParaRPr lang="en-GB" sz="1800" kern="100" dirty="0">
+                        <a:effectLst/>
+                        <a:latin typeface="Aptos" panose="020B0004020202020204" pitchFamily="34" charset="0"/>
+                        <a:ea typeface="Aptos" panose="020B0004020202020204" pitchFamily="34" charset="0"/>
+                        <a:cs typeface="Times New Roman" panose="02020603050405020304" pitchFamily="18" charset="0"/>
+                      </a:endParaRPr>
+                    </a:p>
+                  </a:txBody>
+                  <a:tcPr marL="58277" marR="58277" marT="0" marB="0"/>
+                </a:tc>
+                <a:tc>
+                  <a:txBody>
+                    <a:bodyPr/>
+                    <a:lstStyle/>
+                    <a:p>
+                      <a:pPr algn="ctr"/>
+                      <a:r>
+                        <a:rPr lang="en-GB" sz="1800" kern="100">
+                          <a:solidFill>
+                            <a:schemeClr val="dk1"/>
+                          </a:solidFill>
+                          <a:effectLst/>
+                          <a:latin typeface="+mn-lt"/>
+                          <a:ea typeface="+mn-ea"/>
+                          <a:cs typeface="+mn-cs"/>
+                        </a:rPr>
+                        <a:t>101           </a:t>
+                      </a:r>
+                    </a:p>
+                  </a:txBody>
+                  <a:tcPr marL="68580" marR="68580" marT="0" marB="0"/>
+                </a:tc>
+                <a:tc>
+                  <a:txBody>
+                    <a:bodyPr/>
+                    <a:lstStyle/>
+                    <a:p>
+                      <a:pPr algn="ctr"/>
+                      <a:r>
+                        <a:rPr lang="en-GB" sz="1800" kern="100" dirty="0">
+                          <a:solidFill>
+                            <a:schemeClr val="dk1"/>
+                          </a:solidFill>
+                          <a:effectLst/>
+                          <a:latin typeface="+mn-lt"/>
+                          <a:ea typeface="+mn-ea"/>
+                          <a:cs typeface="+mn-cs"/>
+                        </a:rPr>
+                        <a:t>208               </a:t>
+                      </a:r>
+                    </a:p>
+                  </a:txBody>
+                  <a:tcPr marL="68580" marR="68580" marT="0" marB="0"/>
+                </a:tc>
+                <a:tc>
+                  <a:txBody>
+                    <a:bodyPr/>
+                    <a:lstStyle/>
+                    <a:p>
+                      <a:pPr algn="ctr"/>
+                      <a:r>
+                        <a:rPr lang="en-GB" sz="1800" kern="100">
+                          <a:solidFill>
+                            <a:schemeClr val="dk1"/>
+                          </a:solidFill>
+                          <a:effectLst/>
+                          <a:latin typeface="+mn-lt"/>
+                          <a:ea typeface="+mn-ea"/>
+                          <a:cs typeface="+mn-cs"/>
+                        </a:rPr>
+                        <a:t>309        </a:t>
+                      </a:r>
+                    </a:p>
+                  </a:txBody>
+                  <a:tcPr marL="68580" marR="68580" marT="0" marB="0"/>
+                </a:tc>
+                <a:extLst>
+                  <a:ext uri="{0D108BD9-81ED-4DB2-BD59-A6C34878D82A}">
+                    <a16:rowId xmlns:a16="http://schemas.microsoft.com/office/drawing/2014/main" val="3280659726"/>
+                  </a:ext>
+                </a:extLst>
+              </a:tr>
+              <a:tr h="203559">
+                <a:tc>
+                  <a:txBody>
+                    <a:bodyPr/>
+                    <a:lstStyle/>
+                    <a:p>
+                      <a:r>
+                        <a:rPr lang="en-GB" sz="1800" kern="100" dirty="0">
+                          <a:effectLst/>
+                        </a:rPr>
+                        <a:t>                   </a:t>
+                      </a:r>
+                      <a:endParaRPr lang="en-GB" sz="1800" kern="100" dirty="0">
+                        <a:effectLst/>
+                        <a:latin typeface="Aptos" panose="020B0004020202020204" pitchFamily="34" charset="0"/>
+                        <a:ea typeface="Aptos" panose="020B0004020202020204" pitchFamily="34" charset="0"/>
+                        <a:cs typeface="Times New Roman" panose="02020603050405020304" pitchFamily="18" charset="0"/>
+                      </a:endParaRPr>
+                    </a:p>
+                  </a:txBody>
+                  <a:tcPr marL="58277" marR="58277" marT="0" marB="0"/>
+                </a:tc>
+                <a:tc>
+                  <a:txBody>
+                    <a:bodyPr/>
+                    <a:lstStyle/>
+                    <a:p>
+                      <a:pPr algn="ctr"/>
+                      <a:r>
+                        <a:rPr lang="en-GB" sz="1800" kern="100">
+                          <a:solidFill>
+                            <a:schemeClr val="dk1"/>
+                          </a:solidFill>
+                          <a:effectLst/>
+                          <a:latin typeface="+mn-lt"/>
+                          <a:ea typeface="+mn-ea"/>
+                          <a:cs typeface="+mn-cs"/>
+                        </a:rPr>
+                        <a:t>0.6 (0.19)    </a:t>
+                      </a:r>
+                    </a:p>
+                  </a:txBody>
+                  <a:tcPr marL="68580" marR="68580" marT="0" marB="0"/>
+                </a:tc>
+                <a:tc>
+                  <a:txBody>
+                    <a:bodyPr/>
+                    <a:lstStyle/>
+                    <a:p>
+                      <a:pPr algn="ctr"/>
+                      <a:r>
+                        <a:rPr lang="en-GB" sz="1800" kern="100" dirty="0">
+                          <a:solidFill>
+                            <a:schemeClr val="dk1"/>
+                          </a:solidFill>
+                          <a:effectLst/>
+                          <a:latin typeface="+mn-lt"/>
+                          <a:ea typeface="+mn-ea"/>
+                          <a:cs typeface="+mn-cs"/>
+                        </a:rPr>
+                        <a:t>0.7 (0.17)        </a:t>
+                      </a:r>
+                    </a:p>
+                  </a:txBody>
+                  <a:tcPr marL="68580" marR="68580" marT="0" marB="0"/>
+                </a:tc>
+                <a:tc>
+                  <a:txBody>
+                    <a:bodyPr/>
+                    <a:lstStyle/>
+                    <a:p>
+                      <a:pPr algn="ctr"/>
+                      <a:r>
+                        <a:rPr lang="en-GB" sz="1800" kern="100" dirty="0">
+                          <a:solidFill>
+                            <a:schemeClr val="dk1"/>
+                          </a:solidFill>
+                          <a:effectLst/>
+                          <a:latin typeface="+mn-lt"/>
+                          <a:ea typeface="+mn-ea"/>
+                          <a:cs typeface="+mn-cs"/>
+                        </a:rPr>
+                        <a:t>0.7 (0.01) </a:t>
+                      </a:r>
+                    </a:p>
+                  </a:txBody>
+                  <a:tcPr marL="68580" marR="68580" marT="0" marB="0"/>
+                </a:tc>
+                <a:extLst>
+                  <a:ext uri="{0D108BD9-81ED-4DB2-BD59-A6C34878D82A}">
+                    <a16:rowId xmlns:a16="http://schemas.microsoft.com/office/drawing/2014/main" val="2804719921"/>
+                  </a:ext>
+                </a:extLst>
+              </a:tr>
+              <a:tr h="203559">
+                <a:tc>
+                  <a:txBody>
+                    <a:bodyPr/>
+                    <a:lstStyle/>
+                    <a:p>
+                      <a:r>
+                        <a:rPr lang="en-GB" sz="1800" kern="100" dirty="0">
+                          <a:effectLst/>
+                        </a:rPr>
+                        <a:t>                </a:t>
+                      </a:r>
+                      <a:endParaRPr lang="en-GB" sz="1800" kern="100" dirty="0">
+                        <a:effectLst/>
+                        <a:latin typeface="Aptos" panose="020B0004020202020204" pitchFamily="34" charset="0"/>
+                        <a:ea typeface="Aptos" panose="020B0004020202020204" pitchFamily="34" charset="0"/>
+                        <a:cs typeface="Times New Roman" panose="02020603050405020304" pitchFamily="18" charset="0"/>
+                      </a:endParaRPr>
+                    </a:p>
+                  </a:txBody>
+                  <a:tcPr marL="58277" marR="58277" marT="0" marB="0"/>
+                </a:tc>
+                <a:tc>
+                  <a:txBody>
+                    <a:bodyPr/>
+                    <a:lstStyle/>
+                    <a:p>
+                      <a:pPr algn="ctr"/>
+                      <a:r>
+                        <a:rPr lang="en-GB" sz="1800" kern="100" dirty="0">
+                          <a:effectLst/>
+                        </a:rPr>
+                        <a:t>              </a:t>
+                      </a:r>
+                      <a:endParaRPr lang="en-GB" sz="1800" kern="100" dirty="0">
+                        <a:effectLst/>
+                        <a:latin typeface="Aptos" panose="020B0004020202020204" pitchFamily="34" charset="0"/>
+                        <a:ea typeface="Aptos" panose="020B0004020202020204" pitchFamily="34" charset="0"/>
+                        <a:cs typeface="Times New Roman" panose="02020603050405020304" pitchFamily="18" charset="0"/>
+                      </a:endParaRPr>
+                    </a:p>
+                  </a:txBody>
+                  <a:tcPr marL="58277" marR="58277" marT="0" marB="0" anchor="ctr"/>
+                </a:tc>
+                <a:tc>
+                  <a:txBody>
+                    <a:bodyPr/>
+                    <a:lstStyle/>
+                    <a:p>
+                      <a:pPr algn="ctr"/>
+                      <a:r>
+                        <a:rPr lang="en-GB" sz="1800" kern="100">
+                          <a:effectLst/>
+                        </a:rPr>
+                        <a:t>                  </a:t>
+                      </a:r>
+                      <a:endParaRPr lang="en-GB" sz="1800" kern="100">
+                        <a:effectLst/>
+                        <a:latin typeface="Aptos" panose="020B0004020202020204" pitchFamily="34" charset="0"/>
+                        <a:ea typeface="Aptos" panose="020B0004020202020204" pitchFamily="34" charset="0"/>
+                        <a:cs typeface="Times New Roman" panose="02020603050405020304" pitchFamily="18" charset="0"/>
+                      </a:endParaRPr>
+                    </a:p>
+                  </a:txBody>
+                  <a:tcPr marL="58277" marR="58277" marT="0" marB="0" anchor="ctr"/>
+                </a:tc>
+                <a:tc>
+                  <a:txBody>
+                    <a:bodyPr/>
+                    <a:lstStyle/>
+                    <a:p>
+                      <a:pPr algn="ctr"/>
+                      <a:r>
+                        <a:rPr lang="en-GB" sz="1800" kern="100">
+                          <a:effectLst/>
+                        </a:rPr>
+                        <a:t>           </a:t>
+                      </a:r>
+                      <a:endParaRPr lang="en-GB" sz="1800" kern="100">
+                        <a:effectLst/>
+                        <a:latin typeface="Aptos" panose="020B0004020202020204" pitchFamily="34" charset="0"/>
+                        <a:ea typeface="Aptos" panose="020B0004020202020204" pitchFamily="34" charset="0"/>
+                        <a:cs typeface="Times New Roman" panose="02020603050405020304" pitchFamily="18" charset="0"/>
+                      </a:endParaRPr>
+                    </a:p>
+                  </a:txBody>
+                  <a:tcPr marL="58277" marR="58277" marT="0" marB="0" anchor="ctr"/>
+                </a:tc>
+                <a:extLst>
+                  <a:ext uri="{0D108BD9-81ED-4DB2-BD59-A6C34878D82A}">
+                    <a16:rowId xmlns:a16="http://schemas.microsoft.com/office/drawing/2014/main" val="2688398612"/>
+                  </a:ext>
+                </a:extLst>
+              </a:tr>
+              <a:tr h="203559">
+                <a:tc>
+                  <a:txBody>
+                    <a:bodyPr/>
+                    <a:lstStyle/>
+                    <a:p>
+                      <a:r>
+                        <a:rPr lang="en-GB" sz="1800" kern="100" dirty="0">
+                          <a:effectLst/>
+                          <a:latin typeface="Aptos" panose="020B0004020202020204" pitchFamily="34" charset="0"/>
+                          <a:ea typeface="Aptos" panose="020B0004020202020204" pitchFamily="34" charset="0"/>
+                          <a:cs typeface="Times New Roman" panose="02020603050405020304" pitchFamily="18" charset="0"/>
+                        </a:rPr>
+                        <a:t>Model Estimates</a:t>
+                      </a:r>
+                    </a:p>
+                  </a:txBody>
+                  <a:tcPr marL="58277" marR="58277" marT="0" marB="0"/>
+                </a:tc>
+                <a:tc>
+                  <a:txBody>
+                    <a:bodyPr/>
+                    <a:lstStyle/>
+                    <a:p>
+                      <a:pPr algn="ctr"/>
+                      <a:endParaRPr lang="en-GB" sz="1800" kern="100" dirty="0">
+                        <a:effectLst/>
+                        <a:latin typeface="Aptos" panose="020B0004020202020204" pitchFamily="34" charset="0"/>
+                        <a:ea typeface="Aptos" panose="020B0004020202020204" pitchFamily="34" charset="0"/>
+                        <a:cs typeface="Times New Roman" panose="02020603050405020304" pitchFamily="18" charset="0"/>
+                      </a:endParaRPr>
+                    </a:p>
+                  </a:txBody>
+                  <a:tcPr marL="58277" marR="58277" marT="0" marB="0" anchor="ctr"/>
+                </a:tc>
+                <a:tc>
+                  <a:txBody>
+                    <a:bodyPr/>
+                    <a:lstStyle/>
+                    <a:p>
+                      <a:pPr algn="ctr"/>
+                      <a:endParaRPr lang="en-GB" sz="1800" kern="100">
+                        <a:effectLst/>
+                        <a:latin typeface="Aptos" panose="020B0004020202020204" pitchFamily="34" charset="0"/>
+                        <a:ea typeface="Aptos" panose="020B0004020202020204" pitchFamily="34" charset="0"/>
+                        <a:cs typeface="Times New Roman" panose="02020603050405020304" pitchFamily="18" charset="0"/>
+                      </a:endParaRPr>
+                    </a:p>
+                  </a:txBody>
+                  <a:tcPr marL="58277" marR="58277" marT="0" marB="0" anchor="ctr"/>
+                </a:tc>
+                <a:tc>
+                  <a:txBody>
+                    <a:bodyPr/>
+                    <a:lstStyle/>
+                    <a:p>
+                      <a:pPr algn="ctr"/>
+                      <a:endParaRPr lang="en-GB" sz="1800" kern="100" dirty="0">
+                        <a:effectLst/>
+                        <a:latin typeface="Aptos" panose="020B0004020202020204" pitchFamily="34" charset="0"/>
+                        <a:ea typeface="Aptos" panose="020B0004020202020204" pitchFamily="34" charset="0"/>
+                        <a:cs typeface="Times New Roman" panose="02020603050405020304" pitchFamily="18" charset="0"/>
+                      </a:endParaRPr>
+                    </a:p>
+                  </a:txBody>
+                  <a:tcPr marL="58277" marR="58277" marT="0" marB="0" anchor="ctr"/>
+                </a:tc>
+                <a:extLst>
+                  <a:ext uri="{0D108BD9-81ED-4DB2-BD59-A6C34878D82A}">
+                    <a16:rowId xmlns:a16="http://schemas.microsoft.com/office/drawing/2014/main" val="2258837355"/>
+                  </a:ext>
+                </a:extLst>
+              </a:tr>
+              <a:tr h="0">
+                <a:tc>
+                  <a:txBody>
+                    <a:bodyPr/>
+                    <a:lstStyle/>
+                    <a:p>
+                      <a:pPr marL="0" marR="0" lvl="0" indent="0" algn="l" defTabSz="914400" rtl="0" eaLnBrk="1" fontAlgn="auto" latinLnBrk="0" hangingPunct="1">
+                        <a:lnSpc>
+                          <a:spcPct val="100000"/>
+                        </a:lnSpc>
+                        <a:spcBef>
+                          <a:spcPts val="0"/>
+                        </a:spcBef>
+                        <a:spcAft>
+                          <a:spcPts val="0"/>
+                        </a:spcAft>
+                        <a:buClrTx/>
+                        <a:buSzTx/>
+                        <a:buFontTx/>
+                        <a:buNone/>
+                        <a:tabLst/>
+                        <a:defRPr/>
+                      </a:pPr>
+                      <a:r>
+                        <a:rPr lang="en-GB" sz="1800" kern="100" dirty="0">
+                          <a:effectLst/>
+                          <a:latin typeface="Aptos" panose="020B0004020202020204" pitchFamily="34" charset="0"/>
+                          <a:ea typeface="Aptos" panose="020B0004020202020204" pitchFamily="34" charset="0"/>
+                          <a:cs typeface="Times New Roman" panose="02020603050405020304" pitchFamily="18" charset="0"/>
+                        </a:rPr>
+                        <a:t>Propensity Score Model</a:t>
+                      </a:r>
+                    </a:p>
+                  </a:txBody>
+                  <a:tcPr marL="58277" marR="58277" marT="0" marB="0"/>
+                </a:tc>
+                <a:tc>
+                  <a:txBody>
+                    <a:bodyPr/>
+                    <a:lstStyle/>
+                    <a:p>
+                      <a:pPr algn="ctr"/>
+                      <a:r>
+                        <a:rPr lang="en-GB" sz="1800" b="1" kern="100" dirty="0" err="1">
+                          <a:effectLst/>
+                        </a:rPr>
+                        <a:t>est</a:t>
+                      </a:r>
+                      <a:r>
+                        <a:rPr lang="en-GB" sz="1800" b="1" kern="100" dirty="0">
+                          <a:effectLst/>
+                        </a:rPr>
+                        <a:t> (se)      </a:t>
+                      </a:r>
+                      <a:endParaRPr lang="en-GB" sz="1800" b="1" kern="100" dirty="0">
+                        <a:effectLst/>
+                        <a:latin typeface="Aptos" panose="020B0004020202020204" pitchFamily="34" charset="0"/>
+                        <a:ea typeface="Aptos" panose="020B0004020202020204" pitchFamily="34" charset="0"/>
+                        <a:cs typeface="Times New Roman" panose="02020603050405020304" pitchFamily="18" charset="0"/>
+                      </a:endParaRPr>
+                    </a:p>
+                  </a:txBody>
+                  <a:tcPr marL="58277" marR="58277" marT="0" marB="0" anchor="ctr"/>
+                </a:tc>
+                <a:tc>
+                  <a:txBody>
+                    <a:bodyPr/>
+                    <a:lstStyle/>
+                    <a:p>
+                      <a:pPr algn="ctr"/>
+                      <a:r>
+                        <a:rPr lang="en-GB" sz="1800" b="1" kern="100" dirty="0">
+                          <a:effectLst/>
+                        </a:rPr>
+                        <a:t>OR (95%CI)        </a:t>
+                      </a:r>
+                      <a:endParaRPr lang="en-GB" sz="1800" b="1" kern="100" dirty="0">
+                        <a:effectLst/>
+                        <a:latin typeface="Aptos" panose="020B0004020202020204" pitchFamily="34" charset="0"/>
+                        <a:ea typeface="Aptos" panose="020B0004020202020204" pitchFamily="34" charset="0"/>
+                        <a:cs typeface="Times New Roman" panose="02020603050405020304" pitchFamily="18" charset="0"/>
+                      </a:endParaRPr>
+                    </a:p>
+                  </a:txBody>
+                  <a:tcPr marL="58277" marR="58277" marT="0" marB="0" anchor="ctr"/>
+                </a:tc>
+                <a:tc>
+                  <a:txBody>
+                    <a:bodyPr/>
+                    <a:lstStyle/>
+                    <a:p>
+                      <a:pPr algn="ctr"/>
+                      <a:r>
+                        <a:rPr lang="en-GB" sz="1800" b="1" kern="100" dirty="0" err="1">
+                          <a:effectLst/>
+                        </a:rPr>
+                        <a:t>Pval</a:t>
+                      </a:r>
+                      <a:r>
+                        <a:rPr lang="en-GB" sz="1800" b="1" kern="100" dirty="0">
+                          <a:effectLst/>
+                        </a:rPr>
+                        <a:t>       </a:t>
+                      </a:r>
+                      <a:endParaRPr lang="en-GB" sz="1800" b="1" kern="100" dirty="0">
+                        <a:effectLst/>
+                        <a:latin typeface="Aptos" panose="020B0004020202020204" pitchFamily="34" charset="0"/>
+                        <a:ea typeface="Aptos" panose="020B0004020202020204" pitchFamily="34" charset="0"/>
+                        <a:cs typeface="Times New Roman" panose="02020603050405020304" pitchFamily="18" charset="0"/>
+                      </a:endParaRPr>
+                    </a:p>
+                  </a:txBody>
+                  <a:tcPr marL="58277" marR="58277" marT="0" marB="0" anchor="ctr"/>
+                </a:tc>
+                <a:extLst>
+                  <a:ext uri="{0D108BD9-81ED-4DB2-BD59-A6C34878D82A}">
+                    <a16:rowId xmlns:a16="http://schemas.microsoft.com/office/drawing/2014/main" val="898315844"/>
+                  </a:ext>
+                </a:extLst>
+              </a:tr>
+              <a:tr h="407117">
+                <a:tc>
+                  <a:txBody>
+                    <a:bodyPr/>
+                    <a:lstStyle/>
+                    <a:p>
+                      <a:r>
+                        <a:rPr lang="en-GB" sz="1800" kern="100" dirty="0">
+                          <a:effectLst/>
+                        </a:rPr>
+                        <a:t>(Intercept)        </a:t>
+                      </a:r>
+                      <a:endParaRPr lang="en-GB" sz="1800" kern="100" dirty="0">
+                        <a:effectLst/>
+                        <a:latin typeface="Aptos" panose="020B0004020202020204" pitchFamily="34" charset="0"/>
+                        <a:ea typeface="Aptos" panose="020B0004020202020204" pitchFamily="34" charset="0"/>
+                        <a:cs typeface="Times New Roman" panose="02020603050405020304" pitchFamily="18" charset="0"/>
+                      </a:endParaRPr>
+                    </a:p>
+                  </a:txBody>
+                  <a:tcPr marL="58277" marR="58277" marT="0" marB="0"/>
+                </a:tc>
+                <a:tc>
+                  <a:txBody>
+                    <a:bodyPr/>
+                    <a:lstStyle/>
+                    <a:p>
+                      <a:pPr algn="ctr"/>
+                      <a:r>
+                        <a:rPr lang="en-GB" sz="1800" kern="100" dirty="0">
+                          <a:effectLst/>
+                        </a:rPr>
+                        <a:t>-7.56 (1.604) </a:t>
+                      </a:r>
+                      <a:endParaRPr lang="en-GB" sz="1800" kern="100" dirty="0">
+                        <a:effectLst/>
+                        <a:latin typeface="Aptos" panose="020B0004020202020204" pitchFamily="34" charset="0"/>
+                        <a:ea typeface="Aptos" panose="020B0004020202020204" pitchFamily="34" charset="0"/>
+                        <a:cs typeface="Times New Roman" panose="02020603050405020304" pitchFamily="18" charset="0"/>
+                      </a:endParaRPr>
+                    </a:p>
+                  </a:txBody>
+                  <a:tcPr marL="58277" marR="58277" marT="0" marB="0" anchor="ctr"/>
+                </a:tc>
+                <a:tc>
+                  <a:txBody>
+                    <a:bodyPr/>
+                    <a:lstStyle/>
+                    <a:p>
+                      <a:pPr algn="ctr"/>
+                      <a:r>
+                        <a:rPr lang="en-GB" sz="1800" kern="100">
+                          <a:effectLst/>
+                        </a:rPr>
+                        <a:t>0 (0, 0.01)       </a:t>
+                      </a:r>
+                      <a:endParaRPr lang="en-GB" sz="1800" kern="100">
+                        <a:effectLst/>
+                        <a:latin typeface="Aptos" panose="020B0004020202020204" pitchFamily="34" charset="0"/>
+                        <a:ea typeface="Aptos" panose="020B0004020202020204" pitchFamily="34" charset="0"/>
+                        <a:cs typeface="Times New Roman" panose="02020603050405020304" pitchFamily="18" charset="0"/>
+                      </a:endParaRPr>
+                    </a:p>
+                  </a:txBody>
+                  <a:tcPr marL="58277" marR="58277" marT="0" marB="0" anchor="ctr"/>
+                </a:tc>
+                <a:tc>
+                  <a:txBody>
+                    <a:bodyPr/>
+                    <a:lstStyle/>
+                    <a:p>
+                      <a:pPr algn="ctr"/>
+                      <a:r>
+                        <a:rPr lang="en-GB" sz="1800" kern="100">
+                          <a:effectLst/>
+                        </a:rPr>
+                        <a:t>&lt;0.001     </a:t>
+                      </a:r>
+                      <a:endParaRPr lang="en-GB" sz="1800" kern="100">
+                        <a:effectLst/>
+                        <a:latin typeface="Aptos" panose="020B0004020202020204" pitchFamily="34" charset="0"/>
+                        <a:ea typeface="Aptos" panose="020B0004020202020204" pitchFamily="34" charset="0"/>
+                        <a:cs typeface="Times New Roman" panose="02020603050405020304" pitchFamily="18" charset="0"/>
+                      </a:endParaRPr>
+                    </a:p>
+                  </a:txBody>
+                  <a:tcPr marL="58277" marR="58277" marT="0" marB="0" anchor="ctr"/>
+                </a:tc>
+                <a:extLst>
+                  <a:ext uri="{0D108BD9-81ED-4DB2-BD59-A6C34878D82A}">
+                    <a16:rowId xmlns:a16="http://schemas.microsoft.com/office/drawing/2014/main" val="3099839817"/>
+                  </a:ext>
+                </a:extLst>
+              </a:tr>
+              <a:tr h="407117">
+                <a:tc>
+                  <a:txBody>
+                    <a:bodyPr/>
+                    <a:lstStyle/>
+                    <a:p>
+                      <a:r>
+                        <a:rPr lang="en-GB" sz="1800" kern="100">
+                          <a:effectLst/>
+                        </a:rPr>
+                        <a:t>Gestation.at.PPROM </a:t>
+                      </a:r>
+                      <a:endParaRPr lang="en-GB" sz="1800" kern="100">
+                        <a:effectLst/>
+                        <a:latin typeface="Aptos" panose="020B0004020202020204" pitchFamily="34" charset="0"/>
+                        <a:ea typeface="Aptos" panose="020B0004020202020204" pitchFamily="34" charset="0"/>
+                        <a:cs typeface="Times New Roman" panose="02020603050405020304" pitchFamily="18" charset="0"/>
+                      </a:endParaRPr>
+                    </a:p>
+                  </a:txBody>
+                  <a:tcPr marL="58277" marR="58277" marT="0" marB="0"/>
+                </a:tc>
+                <a:tc>
+                  <a:txBody>
+                    <a:bodyPr/>
+                    <a:lstStyle/>
+                    <a:p>
+                      <a:pPr algn="ctr"/>
+                      <a:r>
+                        <a:rPr lang="en-GB" sz="1800" kern="100" dirty="0">
+                          <a:effectLst/>
+                        </a:rPr>
+                        <a:t>0.33 (0.074)  </a:t>
+                      </a:r>
+                      <a:endParaRPr lang="en-GB" sz="1800" kern="100" dirty="0">
+                        <a:effectLst/>
+                        <a:latin typeface="Aptos" panose="020B0004020202020204" pitchFamily="34" charset="0"/>
+                        <a:ea typeface="Aptos" panose="020B0004020202020204" pitchFamily="34" charset="0"/>
+                        <a:cs typeface="Times New Roman" panose="02020603050405020304" pitchFamily="18" charset="0"/>
+                      </a:endParaRPr>
+                    </a:p>
+                  </a:txBody>
+                  <a:tcPr marL="58277" marR="58277" marT="0" marB="0" anchor="ctr"/>
+                </a:tc>
+                <a:tc>
+                  <a:txBody>
+                    <a:bodyPr/>
+                    <a:lstStyle/>
+                    <a:p>
+                      <a:pPr algn="ctr"/>
+                      <a:r>
+                        <a:rPr lang="en-GB" sz="1800" kern="100" dirty="0">
+                          <a:effectLst/>
+                        </a:rPr>
+                        <a:t>1.39 (1.21, 1.61) </a:t>
+                      </a:r>
+                      <a:endParaRPr lang="en-GB" sz="1800" kern="100" dirty="0">
+                        <a:effectLst/>
+                        <a:latin typeface="Aptos" panose="020B0004020202020204" pitchFamily="34" charset="0"/>
+                        <a:ea typeface="Aptos" panose="020B0004020202020204" pitchFamily="34" charset="0"/>
+                        <a:cs typeface="Times New Roman" panose="02020603050405020304" pitchFamily="18" charset="0"/>
+                      </a:endParaRPr>
+                    </a:p>
+                  </a:txBody>
+                  <a:tcPr marL="58277" marR="58277" marT="0" marB="0" anchor="ctr"/>
+                </a:tc>
+                <a:tc>
+                  <a:txBody>
+                    <a:bodyPr/>
+                    <a:lstStyle/>
+                    <a:p>
+                      <a:pPr algn="ctr"/>
+                      <a:r>
+                        <a:rPr lang="en-GB" sz="1800" kern="100">
+                          <a:effectLst/>
+                        </a:rPr>
+                        <a:t>&lt;0.001     </a:t>
+                      </a:r>
+                      <a:endParaRPr lang="en-GB" sz="1800" kern="100">
+                        <a:effectLst/>
+                        <a:latin typeface="Aptos" panose="020B0004020202020204" pitchFamily="34" charset="0"/>
+                        <a:ea typeface="Aptos" panose="020B0004020202020204" pitchFamily="34" charset="0"/>
+                        <a:cs typeface="Times New Roman" panose="02020603050405020304" pitchFamily="18" charset="0"/>
+                      </a:endParaRPr>
+                    </a:p>
+                  </a:txBody>
+                  <a:tcPr marL="58277" marR="58277" marT="0" marB="0" anchor="ctr"/>
+                </a:tc>
+                <a:extLst>
+                  <a:ext uri="{0D108BD9-81ED-4DB2-BD59-A6C34878D82A}">
+                    <a16:rowId xmlns:a16="http://schemas.microsoft.com/office/drawing/2014/main" val="2458541993"/>
+                  </a:ext>
+                </a:extLst>
+              </a:tr>
+              <a:tr h="407117">
+                <a:tc>
+                  <a:txBody>
+                    <a:bodyPr/>
+                    <a:lstStyle/>
+                    <a:p>
+                      <a:r>
+                        <a:rPr lang="en-GB" sz="1800" kern="100">
+                          <a:effectLst/>
+                        </a:rPr>
+                        <a:t>OUT_MANAGE_E1_C1   </a:t>
+                      </a:r>
+                      <a:endParaRPr lang="en-GB" sz="1800" kern="100">
+                        <a:effectLst/>
+                        <a:latin typeface="Aptos" panose="020B0004020202020204" pitchFamily="34" charset="0"/>
+                        <a:ea typeface="Aptos" panose="020B0004020202020204" pitchFamily="34" charset="0"/>
+                        <a:cs typeface="Times New Roman" panose="02020603050405020304" pitchFamily="18" charset="0"/>
+                      </a:endParaRPr>
+                    </a:p>
+                  </a:txBody>
+                  <a:tcPr marL="58277" marR="58277" marT="0" marB="0"/>
+                </a:tc>
+                <a:tc>
+                  <a:txBody>
+                    <a:bodyPr/>
+                    <a:lstStyle/>
+                    <a:p>
+                      <a:pPr algn="ctr"/>
+                      <a:r>
+                        <a:rPr lang="en-GB" sz="1800" kern="100">
+                          <a:effectLst/>
+                        </a:rPr>
+                        <a:t>1.56 (0.303)  </a:t>
+                      </a:r>
+                      <a:endParaRPr lang="en-GB" sz="1800" kern="100">
+                        <a:effectLst/>
+                        <a:latin typeface="Aptos" panose="020B0004020202020204" pitchFamily="34" charset="0"/>
+                        <a:ea typeface="Aptos" panose="020B0004020202020204" pitchFamily="34" charset="0"/>
+                        <a:cs typeface="Times New Roman" panose="02020603050405020304" pitchFamily="18" charset="0"/>
+                      </a:endParaRPr>
+                    </a:p>
+                  </a:txBody>
+                  <a:tcPr marL="58277" marR="58277" marT="0" marB="0" anchor="ctr"/>
+                </a:tc>
+                <a:tc>
+                  <a:txBody>
+                    <a:bodyPr/>
+                    <a:lstStyle/>
+                    <a:p>
+                      <a:pPr algn="ctr"/>
+                      <a:r>
+                        <a:rPr lang="en-GB" sz="1800" kern="100" dirty="0">
+                          <a:effectLst/>
+                        </a:rPr>
+                        <a:t>4.78 (2.64, 8.66) </a:t>
+                      </a:r>
+                      <a:endParaRPr lang="en-GB" sz="1800" kern="100" dirty="0">
+                        <a:effectLst/>
+                        <a:latin typeface="Aptos" panose="020B0004020202020204" pitchFamily="34" charset="0"/>
+                        <a:ea typeface="Aptos" panose="020B0004020202020204" pitchFamily="34" charset="0"/>
+                        <a:cs typeface="Times New Roman" panose="02020603050405020304" pitchFamily="18" charset="0"/>
+                      </a:endParaRPr>
+                    </a:p>
+                  </a:txBody>
+                  <a:tcPr marL="58277" marR="58277" marT="0" marB="0" anchor="ctr"/>
+                </a:tc>
+                <a:tc>
+                  <a:txBody>
+                    <a:bodyPr/>
+                    <a:lstStyle/>
+                    <a:p>
+                      <a:pPr algn="ctr"/>
+                      <a:r>
+                        <a:rPr lang="en-GB" sz="1800" kern="100">
+                          <a:effectLst/>
+                        </a:rPr>
+                        <a:t>&lt;0.001     </a:t>
+                      </a:r>
+                      <a:endParaRPr lang="en-GB" sz="1800" kern="100">
+                        <a:effectLst/>
+                        <a:latin typeface="Aptos" panose="020B0004020202020204" pitchFamily="34" charset="0"/>
+                        <a:ea typeface="Aptos" panose="020B0004020202020204" pitchFamily="34" charset="0"/>
+                        <a:cs typeface="Times New Roman" panose="02020603050405020304" pitchFamily="18" charset="0"/>
+                      </a:endParaRPr>
+                    </a:p>
+                  </a:txBody>
+                  <a:tcPr marL="58277" marR="58277" marT="0" marB="0" anchor="ctr"/>
+                </a:tc>
+                <a:extLst>
+                  <a:ext uri="{0D108BD9-81ED-4DB2-BD59-A6C34878D82A}">
+                    <a16:rowId xmlns:a16="http://schemas.microsoft.com/office/drawing/2014/main" val="1499862670"/>
+                  </a:ext>
+                </a:extLst>
+              </a:tr>
+              <a:tr h="407117">
+                <a:tc>
+                  <a:txBody>
+                    <a:bodyPr/>
+                    <a:lstStyle/>
+                    <a:p>
+                      <a:r>
+                        <a:rPr lang="en-GB" sz="1800" kern="100" dirty="0">
+                          <a:effectLst/>
+                        </a:rPr>
+                        <a:t>W_HEIGHT_E1_C1     </a:t>
+                      </a:r>
+                      <a:endParaRPr lang="en-GB" sz="1800" kern="100" dirty="0">
+                        <a:effectLst/>
+                        <a:latin typeface="Aptos" panose="020B0004020202020204" pitchFamily="34" charset="0"/>
+                        <a:ea typeface="Aptos" panose="020B0004020202020204" pitchFamily="34" charset="0"/>
+                        <a:cs typeface="Times New Roman" panose="02020603050405020304" pitchFamily="18" charset="0"/>
+                      </a:endParaRPr>
+                    </a:p>
+                  </a:txBody>
+                  <a:tcPr marL="58277" marR="58277" marT="0" marB="0"/>
+                </a:tc>
+                <a:tc>
+                  <a:txBody>
+                    <a:bodyPr/>
+                    <a:lstStyle/>
+                    <a:p>
+                      <a:pPr algn="ctr"/>
+                      <a:r>
+                        <a:rPr lang="en-GB" sz="1800" kern="100" dirty="0">
+                          <a:effectLst/>
+                        </a:rPr>
+                        <a:t>0.01 (0.003)  </a:t>
+                      </a:r>
+                      <a:endParaRPr lang="en-GB" sz="1800" kern="100" dirty="0">
+                        <a:effectLst/>
+                        <a:latin typeface="Aptos" panose="020B0004020202020204" pitchFamily="34" charset="0"/>
+                        <a:ea typeface="Aptos" panose="020B0004020202020204" pitchFamily="34" charset="0"/>
+                        <a:cs typeface="Times New Roman" panose="02020603050405020304" pitchFamily="18" charset="0"/>
+                      </a:endParaRPr>
+                    </a:p>
+                  </a:txBody>
+                  <a:tcPr marL="58277" marR="58277" marT="0" marB="0" anchor="ctr"/>
+                </a:tc>
+                <a:tc>
+                  <a:txBody>
+                    <a:bodyPr/>
+                    <a:lstStyle/>
+                    <a:p>
+                      <a:pPr algn="ctr"/>
+                      <a:r>
+                        <a:rPr lang="en-GB" sz="1800" kern="100" dirty="0">
+                          <a:effectLst/>
+                        </a:rPr>
+                        <a:t>1.01 (1, 1.02)    </a:t>
+                      </a:r>
+                      <a:endParaRPr lang="en-GB" sz="1800" kern="100" dirty="0">
+                        <a:effectLst/>
+                        <a:latin typeface="Aptos" panose="020B0004020202020204" pitchFamily="34" charset="0"/>
+                        <a:ea typeface="Aptos" panose="020B0004020202020204" pitchFamily="34" charset="0"/>
+                        <a:cs typeface="Times New Roman" panose="02020603050405020304" pitchFamily="18" charset="0"/>
+                      </a:endParaRPr>
+                    </a:p>
+                  </a:txBody>
+                  <a:tcPr marL="58277" marR="58277" marT="0" marB="0" anchor="ctr"/>
+                </a:tc>
+                <a:tc>
+                  <a:txBody>
+                    <a:bodyPr/>
+                    <a:lstStyle/>
+                    <a:p>
+                      <a:pPr algn="ctr"/>
+                      <a:r>
+                        <a:rPr lang="en-GB" sz="1800" kern="100">
+                          <a:effectLst/>
+                        </a:rPr>
+                        <a:t>0.009      </a:t>
+                      </a:r>
+                      <a:endParaRPr lang="en-GB" sz="1800" kern="100">
+                        <a:effectLst/>
+                        <a:latin typeface="Aptos" panose="020B0004020202020204" pitchFamily="34" charset="0"/>
+                        <a:ea typeface="Aptos" panose="020B0004020202020204" pitchFamily="34" charset="0"/>
+                        <a:cs typeface="Times New Roman" panose="02020603050405020304" pitchFamily="18" charset="0"/>
+                      </a:endParaRPr>
+                    </a:p>
+                  </a:txBody>
+                  <a:tcPr marL="58277" marR="58277" marT="0" marB="0" anchor="ctr"/>
+                </a:tc>
+                <a:extLst>
+                  <a:ext uri="{0D108BD9-81ED-4DB2-BD59-A6C34878D82A}">
+                    <a16:rowId xmlns:a16="http://schemas.microsoft.com/office/drawing/2014/main" val="725026892"/>
+                  </a:ext>
+                </a:extLst>
+              </a:tr>
+              <a:tr h="156437">
+                <a:tc>
+                  <a:txBody>
+                    <a:bodyPr/>
+                    <a:lstStyle/>
+                    <a:p>
+                      <a:endParaRPr lang="en-GB" sz="1800" kern="100">
+                        <a:effectLst/>
+                        <a:latin typeface="Aptos" panose="020B0004020202020204" pitchFamily="34" charset="0"/>
+                        <a:ea typeface="Aptos" panose="020B0004020202020204" pitchFamily="34" charset="0"/>
+                        <a:cs typeface="Times New Roman" panose="02020603050405020304" pitchFamily="18" charset="0"/>
+                      </a:endParaRPr>
+                    </a:p>
+                  </a:txBody>
+                  <a:tcPr marL="58277" marR="58277" marT="0" marB="0"/>
+                </a:tc>
+                <a:tc>
+                  <a:txBody>
+                    <a:bodyPr/>
+                    <a:lstStyle/>
+                    <a:p>
+                      <a:pPr algn="ctr"/>
+                      <a:endParaRPr lang="en-GB" sz="1800" kern="100" dirty="0">
+                        <a:effectLst/>
+                        <a:latin typeface="Aptos" panose="020B0004020202020204" pitchFamily="34" charset="0"/>
+                        <a:ea typeface="Aptos" panose="020B0004020202020204" pitchFamily="34" charset="0"/>
+                        <a:cs typeface="Times New Roman" panose="02020603050405020304" pitchFamily="18" charset="0"/>
+                      </a:endParaRPr>
+                    </a:p>
+                  </a:txBody>
+                  <a:tcPr marL="58277" marR="58277" marT="0" marB="0" anchor="ctr"/>
+                </a:tc>
+                <a:tc>
+                  <a:txBody>
+                    <a:bodyPr/>
+                    <a:lstStyle/>
+                    <a:p>
+                      <a:pPr algn="ctr"/>
+                      <a:endParaRPr lang="en-GB" sz="1800" kern="100" dirty="0">
+                        <a:effectLst/>
+                        <a:latin typeface="Aptos" panose="020B0004020202020204" pitchFamily="34" charset="0"/>
+                        <a:ea typeface="Aptos" panose="020B0004020202020204" pitchFamily="34" charset="0"/>
+                        <a:cs typeface="Times New Roman" panose="02020603050405020304" pitchFamily="18" charset="0"/>
+                      </a:endParaRPr>
+                    </a:p>
+                  </a:txBody>
+                  <a:tcPr marL="58277" marR="58277" marT="0" marB="0" anchor="ctr"/>
+                </a:tc>
+                <a:tc>
+                  <a:txBody>
+                    <a:bodyPr/>
+                    <a:lstStyle/>
+                    <a:p>
+                      <a:pPr algn="ctr"/>
+                      <a:endParaRPr lang="en-GB" sz="1800" kern="100" dirty="0">
+                        <a:effectLst/>
+                        <a:latin typeface="Aptos" panose="020B0004020202020204" pitchFamily="34" charset="0"/>
+                        <a:ea typeface="Aptos" panose="020B0004020202020204" pitchFamily="34" charset="0"/>
+                        <a:cs typeface="Times New Roman" panose="02020603050405020304" pitchFamily="18" charset="0"/>
+                      </a:endParaRPr>
+                    </a:p>
+                  </a:txBody>
+                  <a:tcPr marL="58277" marR="58277" marT="0" marB="0" anchor="ctr"/>
+                </a:tc>
+                <a:extLst>
+                  <a:ext uri="{0D108BD9-81ED-4DB2-BD59-A6C34878D82A}">
+                    <a16:rowId xmlns:a16="http://schemas.microsoft.com/office/drawing/2014/main" val="3198303991"/>
+                  </a:ext>
+                </a:extLst>
+              </a:tr>
+              <a:tr h="203559">
+                <a:tc>
+                  <a:txBody>
+                    <a:bodyPr/>
+                    <a:lstStyle/>
+                    <a:p>
+                      <a:r>
+                        <a:rPr lang="en-GB" sz="1800" kern="100" dirty="0">
+                          <a:effectLst/>
+                        </a:rPr>
+                        <a:t>'Unadjusted Model’               </a:t>
+                      </a:r>
+                      <a:endParaRPr lang="en-GB" sz="1800" kern="100" dirty="0">
+                        <a:effectLst/>
+                        <a:latin typeface="Aptos" panose="020B0004020202020204" pitchFamily="34" charset="0"/>
+                        <a:ea typeface="Aptos" panose="020B0004020202020204" pitchFamily="34" charset="0"/>
+                        <a:cs typeface="Times New Roman" panose="02020603050405020304" pitchFamily="18" charset="0"/>
+                      </a:endParaRPr>
+                    </a:p>
+                  </a:txBody>
+                  <a:tcPr marL="58277" marR="58277" marT="0" marB="0"/>
+                </a:tc>
+                <a:tc>
+                  <a:txBody>
+                    <a:bodyPr/>
+                    <a:lstStyle/>
+                    <a:p>
+                      <a:pPr algn="ctr"/>
+                      <a:r>
+                        <a:rPr lang="en-GB" sz="1800" kern="100">
+                          <a:effectLst/>
+                        </a:rPr>
+                        <a:t>              </a:t>
+                      </a:r>
+                      <a:endParaRPr lang="en-GB" sz="1800" kern="100">
+                        <a:effectLst/>
+                        <a:latin typeface="Aptos" panose="020B0004020202020204" pitchFamily="34" charset="0"/>
+                        <a:ea typeface="Aptos" panose="020B0004020202020204" pitchFamily="34" charset="0"/>
+                        <a:cs typeface="Times New Roman" panose="02020603050405020304" pitchFamily="18" charset="0"/>
+                      </a:endParaRPr>
+                    </a:p>
+                  </a:txBody>
+                  <a:tcPr marL="58277" marR="58277" marT="0" marB="0" anchor="ctr"/>
+                </a:tc>
+                <a:tc>
+                  <a:txBody>
+                    <a:bodyPr/>
+                    <a:lstStyle/>
+                    <a:p>
+                      <a:pPr algn="ctr"/>
+                      <a:r>
+                        <a:rPr lang="en-GB" sz="1800" kern="100" dirty="0">
+                          <a:effectLst/>
+                        </a:rPr>
+                        <a:t>                  </a:t>
+                      </a:r>
+                      <a:endParaRPr lang="en-GB" sz="1800" kern="100" dirty="0">
+                        <a:effectLst/>
+                        <a:latin typeface="Aptos" panose="020B0004020202020204" pitchFamily="34" charset="0"/>
+                        <a:ea typeface="Aptos" panose="020B0004020202020204" pitchFamily="34" charset="0"/>
+                        <a:cs typeface="Times New Roman" panose="02020603050405020304" pitchFamily="18" charset="0"/>
+                      </a:endParaRPr>
+                    </a:p>
+                  </a:txBody>
+                  <a:tcPr marL="58277" marR="58277" marT="0" marB="0" anchor="ctr"/>
+                </a:tc>
+                <a:tc>
+                  <a:txBody>
+                    <a:bodyPr/>
+                    <a:lstStyle/>
+                    <a:p>
+                      <a:pPr algn="ctr"/>
+                      <a:r>
+                        <a:rPr lang="en-GB" sz="1800" kern="100">
+                          <a:effectLst/>
+                        </a:rPr>
+                        <a:t>           </a:t>
+                      </a:r>
+                      <a:endParaRPr lang="en-GB" sz="1800" kern="100">
+                        <a:effectLst/>
+                        <a:latin typeface="Aptos" panose="020B0004020202020204" pitchFamily="34" charset="0"/>
+                        <a:ea typeface="Aptos" panose="020B0004020202020204" pitchFamily="34" charset="0"/>
+                        <a:cs typeface="Times New Roman" panose="02020603050405020304" pitchFamily="18" charset="0"/>
+                      </a:endParaRPr>
+                    </a:p>
+                  </a:txBody>
+                  <a:tcPr marL="58277" marR="58277" marT="0" marB="0" anchor="ctr"/>
+                </a:tc>
+                <a:extLst>
+                  <a:ext uri="{0D108BD9-81ED-4DB2-BD59-A6C34878D82A}">
+                    <a16:rowId xmlns:a16="http://schemas.microsoft.com/office/drawing/2014/main" val="3304719935"/>
+                  </a:ext>
+                </a:extLst>
+              </a:tr>
+              <a:tr h="407117">
+                <a:tc>
+                  <a:txBody>
+                    <a:bodyPr/>
+                    <a:lstStyle/>
+                    <a:p>
+                      <a:r>
+                        <a:rPr lang="en-GB" sz="1800" kern="100" dirty="0">
+                          <a:effectLst/>
+                        </a:rPr>
+                        <a:t>(Intercept)1       </a:t>
+                      </a:r>
+                      <a:endParaRPr lang="en-GB" sz="1800" kern="100" dirty="0">
+                        <a:effectLst/>
+                        <a:latin typeface="Aptos" panose="020B0004020202020204" pitchFamily="34" charset="0"/>
+                        <a:ea typeface="Aptos" panose="020B0004020202020204" pitchFamily="34" charset="0"/>
+                        <a:cs typeface="Times New Roman" panose="02020603050405020304" pitchFamily="18" charset="0"/>
+                      </a:endParaRPr>
+                    </a:p>
+                  </a:txBody>
+                  <a:tcPr marL="58277" marR="58277" marT="0" marB="0"/>
+                </a:tc>
+                <a:tc>
+                  <a:txBody>
+                    <a:bodyPr/>
+                    <a:lstStyle/>
+                    <a:p>
+                      <a:pPr marL="0" algn="ctr" defTabSz="914400" rtl="0" eaLnBrk="1" latinLnBrk="0" hangingPunct="1"/>
+                      <a:r>
+                        <a:rPr lang="en-GB" sz="1800" kern="100" dirty="0">
+                          <a:solidFill>
+                            <a:schemeClr val="dk1"/>
+                          </a:solidFill>
+                          <a:effectLst/>
+                          <a:latin typeface="+mn-lt"/>
+                          <a:ea typeface="+mn-ea"/>
+                          <a:cs typeface="+mn-cs"/>
+                        </a:rPr>
+                        <a:t>-1.83 (0.288) </a:t>
+                      </a:r>
+                    </a:p>
+                  </a:txBody>
+                  <a:tcPr marL="68580" marR="68580" marT="0" marB="0"/>
+                </a:tc>
+                <a:tc>
+                  <a:txBody>
+                    <a:bodyPr/>
+                    <a:lstStyle/>
+                    <a:p>
+                      <a:pPr marL="0" algn="ctr" defTabSz="914400" rtl="0" eaLnBrk="1" latinLnBrk="0" hangingPunct="1"/>
+                      <a:r>
+                        <a:rPr lang="en-GB" sz="1800" kern="100" dirty="0">
+                          <a:solidFill>
+                            <a:schemeClr val="dk1"/>
+                          </a:solidFill>
+                          <a:effectLst/>
+                          <a:latin typeface="+mn-lt"/>
+                          <a:ea typeface="+mn-ea"/>
+                          <a:cs typeface="+mn-cs"/>
+                        </a:rPr>
+                        <a:t>0.16 (0.09, 0.28) </a:t>
+                      </a:r>
+                    </a:p>
+                  </a:txBody>
+                  <a:tcPr marL="68580" marR="68580" marT="0" marB="0"/>
+                </a:tc>
+                <a:tc>
+                  <a:txBody>
+                    <a:bodyPr/>
+                    <a:lstStyle/>
+                    <a:p>
+                      <a:pPr marL="0" algn="ctr" defTabSz="914400" rtl="0" eaLnBrk="1" latinLnBrk="0" hangingPunct="1"/>
+                      <a:r>
+                        <a:rPr lang="en-GB" sz="1800" kern="100">
+                          <a:solidFill>
+                            <a:schemeClr val="dk1"/>
+                          </a:solidFill>
+                          <a:effectLst/>
+                          <a:latin typeface="+mn-lt"/>
+                          <a:ea typeface="+mn-ea"/>
+                          <a:cs typeface="+mn-cs"/>
+                        </a:rPr>
+                        <a:t>&lt;0.001     </a:t>
+                      </a:r>
+                    </a:p>
+                  </a:txBody>
+                  <a:tcPr marL="68580" marR="68580" marT="0" marB="0"/>
+                </a:tc>
+                <a:extLst>
+                  <a:ext uri="{0D108BD9-81ED-4DB2-BD59-A6C34878D82A}">
+                    <a16:rowId xmlns:a16="http://schemas.microsoft.com/office/drawing/2014/main" val="3301515120"/>
+                  </a:ext>
+                </a:extLst>
+              </a:tr>
+              <a:tr h="407117">
+                <a:tc>
+                  <a:txBody>
+                    <a:bodyPr/>
+                    <a:lstStyle/>
+                    <a:p>
+                      <a:r>
+                        <a:rPr lang="en-GB" sz="1800" kern="100" dirty="0">
+                          <a:effectLst/>
+                        </a:rPr>
+                        <a:t>Antibiotics Vs No Antibiotics               </a:t>
+                      </a:r>
+                      <a:endParaRPr lang="en-GB" sz="1800" kern="100" dirty="0">
+                        <a:effectLst/>
+                        <a:latin typeface="Aptos" panose="020B0004020202020204" pitchFamily="34" charset="0"/>
+                        <a:ea typeface="Aptos" panose="020B0004020202020204" pitchFamily="34" charset="0"/>
+                        <a:cs typeface="Times New Roman" panose="02020603050405020304" pitchFamily="18" charset="0"/>
+                      </a:endParaRPr>
+                    </a:p>
+                  </a:txBody>
+                  <a:tcPr marL="58277" marR="58277" marT="0" marB="0"/>
+                </a:tc>
+                <a:tc>
+                  <a:txBody>
+                    <a:bodyPr/>
+                    <a:lstStyle/>
+                    <a:p>
+                      <a:pPr marL="0" algn="ctr" defTabSz="914400" rtl="0" eaLnBrk="1" latinLnBrk="0" hangingPunct="1"/>
+                      <a:r>
+                        <a:rPr lang="en-GB" sz="1800" kern="100">
+                          <a:solidFill>
+                            <a:schemeClr val="dk1"/>
+                          </a:solidFill>
+                          <a:effectLst/>
+                          <a:latin typeface="+mn-lt"/>
+                          <a:ea typeface="+mn-ea"/>
+                          <a:cs typeface="+mn-cs"/>
+                        </a:rPr>
+                        <a:t>1.4 (0.321)   </a:t>
+                      </a:r>
+                    </a:p>
+                  </a:txBody>
+                  <a:tcPr marL="68580" marR="68580" marT="0" marB="0"/>
+                </a:tc>
+                <a:tc>
+                  <a:txBody>
+                    <a:bodyPr/>
+                    <a:lstStyle/>
+                    <a:p>
+                      <a:pPr marL="0" algn="ctr" defTabSz="914400" rtl="0" eaLnBrk="1" latinLnBrk="0" hangingPunct="1"/>
+                      <a:r>
+                        <a:rPr lang="en-GB" sz="1800" kern="100" dirty="0">
+                          <a:solidFill>
+                            <a:schemeClr val="dk1"/>
+                          </a:solidFill>
+                          <a:effectLst/>
+                          <a:latin typeface="+mn-lt"/>
+                          <a:ea typeface="+mn-ea"/>
+                          <a:cs typeface="+mn-cs"/>
+                        </a:rPr>
+                        <a:t>4.04 (2.16, 7.59) </a:t>
+                      </a:r>
+                    </a:p>
+                  </a:txBody>
+                  <a:tcPr marL="68580" marR="68580" marT="0" marB="0"/>
+                </a:tc>
+                <a:tc>
+                  <a:txBody>
+                    <a:bodyPr/>
+                    <a:lstStyle/>
+                    <a:p>
+                      <a:pPr marL="0" algn="ctr" defTabSz="914400" rtl="0" eaLnBrk="1" latinLnBrk="0" hangingPunct="1"/>
+                      <a:r>
+                        <a:rPr lang="en-GB" sz="1800" kern="100" dirty="0">
+                          <a:solidFill>
+                            <a:schemeClr val="dk1"/>
+                          </a:solidFill>
+                          <a:effectLst/>
+                          <a:latin typeface="+mn-lt"/>
+                          <a:ea typeface="+mn-ea"/>
+                          <a:cs typeface="+mn-cs"/>
+                        </a:rPr>
+                        <a:t>&lt;0.001     </a:t>
+                      </a:r>
+                    </a:p>
+                  </a:txBody>
+                  <a:tcPr marL="68580" marR="68580" marT="0" marB="0"/>
+                </a:tc>
+                <a:extLst>
+                  <a:ext uri="{0D108BD9-81ED-4DB2-BD59-A6C34878D82A}">
+                    <a16:rowId xmlns:a16="http://schemas.microsoft.com/office/drawing/2014/main" val="760063107"/>
+                  </a:ext>
+                </a:extLst>
+              </a:tr>
+              <a:tr h="200658">
+                <a:tc>
+                  <a:txBody>
+                    <a:bodyPr/>
+                    <a:lstStyle/>
+                    <a:p>
+                      <a:endParaRPr lang="en-GB" sz="1800" kern="100" dirty="0">
+                        <a:effectLst/>
+                        <a:latin typeface="Aptos" panose="020B0004020202020204" pitchFamily="34" charset="0"/>
+                        <a:ea typeface="Aptos" panose="020B0004020202020204" pitchFamily="34" charset="0"/>
+                        <a:cs typeface="Times New Roman" panose="02020603050405020304" pitchFamily="18" charset="0"/>
+                      </a:endParaRPr>
+                    </a:p>
+                  </a:txBody>
+                  <a:tcPr marL="58277" marR="58277" marT="0" marB="0"/>
+                </a:tc>
+                <a:tc>
+                  <a:txBody>
+                    <a:bodyPr/>
+                    <a:lstStyle/>
+                    <a:p>
+                      <a:pPr marL="0" algn="ctr" defTabSz="914400" rtl="0" eaLnBrk="1" latinLnBrk="0" hangingPunct="1"/>
+                      <a:endParaRPr lang="en-GB" sz="1800" kern="100" dirty="0">
+                        <a:solidFill>
+                          <a:schemeClr val="dk1"/>
+                        </a:solidFill>
+                        <a:effectLst/>
+                        <a:latin typeface="+mn-lt"/>
+                        <a:ea typeface="+mn-ea"/>
+                        <a:cs typeface="+mn-cs"/>
+                      </a:endParaRPr>
+                    </a:p>
+                  </a:txBody>
+                  <a:tcPr marL="58277" marR="58277" marT="0" marB="0" anchor="ctr"/>
+                </a:tc>
+                <a:tc>
+                  <a:txBody>
+                    <a:bodyPr/>
+                    <a:lstStyle/>
+                    <a:p>
+                      <a:pPr marL="0" algn="ctr" defTabSz="914400" rtl="0" eaLnBrk="1" latinLnBrk="0" hangingPunct="1"/>
+                      <a:endParaRPr lang="en-GB" sz="1800" kern="100" dirty="0">
+                        <a:solidFill>
+                          <a:schemeClr val="dk1"/>
+                        </a:solidFill>
+                        <a:effectLst/>
+                        <a:latin typeface="+mn-lt"/>
+                        <a:ea typeface="+mn-ea"/>
+                        <a:cs typeface="+mn-cs"/>
+                      </a:endParaRPr>
+                    </a:p>
+                  </a:txBody>
+                  <a:tcPr marL="58277" marR="58277" marT="0" marB="0" anchor="ctr"/>
+                </a:tc>
+                <a:tc>
+                  <a:txBody>
+                    <a:bodyPr/>
+                    <a:lstStyle/>
+                    <a:p>
+                      <a:pPr marL="0" algn="ctr" defTabSz="914400" rtl="0" eaLnBrk="1" latinLnBrk="0" hangingPunct="1"/>
+                      <a:endParaRPr lang="en-GB" sz="1800" kern="100" dirty="0">
+                        <a:solidFill>
+                          <a:schemeClr val="dk1"/>
+                        </a:solidFill>
+                        <a:effectLst/>
+                        <a:latin typeface="+mn-lt"/>
+                        <a:ea typeface="+mn-ea"/>
+                        <a:cs typeface="+mn-cs"/>
+                      </a:endParaRPr>
+                    </a:p>
+                  </a:txBody>
+                  <a:tcPr marL="58277" marR="58277" marT="0" marB="0" anchor="ctr"/>
+                </a:tc>
+                <a:extLst>
+                  <a:ext uri="{0D108BD9-81ED-4DB2-BD59-A6C34878D82A}">
+                    <a16:rowId xmlns:a16="http://schemas.microsoft.com/office/drawing/2014/main" val="2597479352"/>
+                  </a:ext>
+                </a:extLst>
+              </a:tr>
+              <a:tr h="203559">
+                <a:tc>
+                  <a:txBody>
+                    <a:bodyPr/>
+                    <a:lstStyle/>
+                    <a:p>
+                      <a:r>
+                        <a:rPr lang="en-GB" sz="1800" kern="100" dirty="0">
+                          <a:effectLst/>
+                          <a:latin typeface="Aptos" panose="020B0004020202020204" pitchFamily="34" charset="0"/>
+                          <a:ea typeface="Aptos" panose="020B0004020202020204" pitchFamily="34" charset="0"/>
+                          <a:cs typeface="Times New Roman" panose="02020603050405020304" pitchFamily="18" charset="0"/>
+                        </a:rPr>
+                        <a:t>Propensity Adjusted Model</a:t>
+                      </a:r>
+                    </a:p>
+                  </a:txBody>
+                  <a:tcPr marL="58277" marR="58277" marT="0" marB="0"/>
+                </a:tc>
+                <a:tc>
+                  <a:txBody>
+                    <a:bodyPr/>
+                    <a:lstStyle/>
+                    <a:p>
+                      <a:pPr marL="0" algn="ctr" defTabSz="914400" rtl="0" eaLnBrk="1" latinLnBrk="0" hangingPunct="1"/>
+                      <a:r>
+                        <a:rPr lang="en-GB" sz="1800" kern="100">
+                          <a:solidFill>
+                            <a:schemeClr val="dk1"/>
+                          </a:solidFill>
+                          <a:effectLst/>
+                          <a:latin typeface="+mn-lt"/>
+                          <a:ea typeface="+mn-ea"/>
+                          <a:cs typeface="+mn-cs"/>
+                        </a:rPr>
+                        <a:t>              </a:t>
+                      </a:r>
+                    </a:p>
+                  </a:txBody>
+                  <a:tcPr marL="58277" marR="58277" marT="0" marB="0" anchor="ctr"/>
+                </a:tc>
+                <a:tc>
+                  <a:txBody>
+                    <a:bodyPr/>
+                    <a:lstStyle/>
+                    <a:p>
+                      <a:pPr marL="0" algn="ctr" defTabSz="914400" rtl="0" eaLnBrk="1" latinLnBrk="0" hangingPunct="1"/>
+                      <a:r>
+                        <a:rPr lang="en-GB" sz="1800" kern="100" dirty="0">
+                          <a:solidFill>
+                            <a:schemeClr val="dk1"/>
+                          </a:solidFill>
+                          <a:effectLst/>
+                          <a:latin typeface="+mn-lt"/>
+                          <a:ea typeface="+mn-ea"/>
+                          <a:cs typeface="+mn-cs"/>
+                        </a:rPr>
+                        <a:t>                  </a:t>
+                      </a:r>
+                    </a:p>
+                  </a:txBody>
+                  <a:tcPr marL="58277" marR="58277" marT="0" marB="0" anchor="ctr"/>
+                </a:tc>
+                <a:tc>
+                  <a:txBody>
+                    <a:bodyPr/>
+                    <a:lstStyle/>
+                    <a:p>
+                      <a:pPr marL="0" algn="ctr" defTabSz="914400" rtl="0" eaLnBrk="1" latinLnBrk="0" hangingPunct="1"/>
+                      <a:r>
+                        <a:rPr lang="en-GB" sz="1800" kern="100" dirty="0">
+                          <a:solidFill>
+                            <a:schemeClr val="dk1"/>
+                          </a:solidFill>
+                          <a:effectLst/>
+                          <a:latin typeface="+mn-lt"/>
+                          <a:ea typeface="+mn-ea"/>
+                          <a:cs typeface="+mn-cs"/>
+                        </a:rPr>
+                        <a:t>           </a:t>
+                      </a:r>
+                    </a:p>
+                  </a:txBody>
+                  <a:tcPr marL="58277" marR="58277" marT="0" marB="0" anchor="ctr"/>
+                </a:tc>
+                <a:extLst>
+                  <a:ext uri="{0D108BD9-81ED-4DB2-BD59-A6C34878D82A}">
+                    <a16:rowId xmlns:a16="http://schemas.microsoft.com/office/drawing/2014/main" val="3597283279"/>
+                  </a:ext>
+                </a:extLst>
+              </a:tr>
+              <a:tr h="407117">
+                <a:tc>
+                  <a:txBody>
+                    <a:bodyPr/>
+                    <a:lstStyle/>
+                    <a:p>
+                      <a:r>
+                        <a:rPr lang="en-GB" sz="1800" kern="100" dirty="0">
+                          <a:effectLst/>
+                        </a:rPr>
+                        <a:t>(Intercept)2       </a:t>
+                      </a:r>
+                      <a:endParaRPr lang="en-GB" sz="1800" kern="100" dirty="0">
+                        <a:effectLst/>
+                        <a:latin typeface="Aptos" panose="020B0004020202020204" pitchFamily="34" charset="0"/>
+                        <a:ea typeface="Aptos" panose="020B0004020202020204" pitchFamily="34" charset="0"/>
+                        <a:cs typeface="Times New Roman" panose="02020603050405020304" pitchFamily="18" charset="0"/>
+                      </a:endParaRPr>
+                    </a:p>
+                  </a:txBody>
+                  <a:tcPr marL="58277" marR="58277" marT="0" marB="0"/>
+                </a:tc>
+                <a:tc>
+                  <a:txBody>
+                    <a:bodyPr/>
+                    <a:lstStyle/>
+                    <a:p>
+                      <a:pPr marL="0" algn="ctr" defTabSz="914400" rtl="0" eaLnBrk="1" latinLnBrk="0" hangingPunct="1"/>
+                      <a:r>
+                        <a:rPr lang="en-GB" sz="1800" kern="100">
+                          <a:solidFill>
+                            <a:schemeClr val="dk1"/>
+                          </a:solidFill>
+                          <a:effectLst/>
+                          <a:latin typeface="+mn-lt"/>
+                          <a:ea typeface="+mn-ea"/>
+                          <a:cs typeface="+mn-cs"/>
+                        </a:rPr>
+                        <a:t>-1.08 (0.134) </a:t>
+                      </a:r>
+                    </a:p>
+                  </a:txBody>
+                  <a:tcPr marL="68580" marR="68580" marT="0" marB="0"/>
+                </a:tc>
+                <a:tc>
+                  <a:txBody>
+                    <a:bodyPr/>
+                    <a:lstStyle/>
+                    <a:p>
+                      <a:pPr marL="0" algn="ctr" defTabSz="914400" rtl="0" eaLnBrk="1" latinLnBrk="0" hangingPunct="1"/>
+                      <a:r>
+                        <a:rPr lang="en-GB" sz="1800" kern="100" dirty="0">
+                          <a:solidFill>
+                            <a:schemeClr val="dk1"/>
+                          </a:solidFill>
+                          <a:effectLst/>
+                          <a:latin typeface="+mn-lt"/>
+                          <a:ea typeface="+mn-ea"/>
+                          <a:cs typeface="+mn-cs"/>
+                        </a:rPr>
+                        <a:t>0.34 (0.26, 0.44) </a:t>
+                      </a:r>
+                    </a:p>
+                  </a:txBody>
+                  <a:tcPr marL="68580" marR="68580" marT="0" marB="0"/>
+                </a:tc>
+                <a:tc>
+                  <a:txBody>
+                    <a:bodyPr/>
+                    <a:lstStyle/>
+                    <a:p>
+                      <a:pPr marL="0" algn="ctr" defTabSz="914400" rtl="0" eaLnBrk="1" latinLnBrk="0" hangingPunct="1"/>
+                      <a:r>
+                        <a:rPr lang="en-GB" sz="1800" kern="100" dirty="0">
+                          <a:solidFill>
+                            <a:schemeClr val="dk1"/>
+                          </a:solidFill>
+                          <a:effectLst/>
+                          <a:latin typeface="+mn-lt"/>
+                          <a:ea typeface="+mn-ea"/>
+                          <a:cs typeface="+mn-cs"/>
+                        </a:rPr>
+                        <a:t>&lt;0.001     </a:t>
+                      </a:r>
+                    </a:p>
+                  </a:txBody>
+                  <a:tcPr marL="68580" marR="68580" marT="0" marB="0"/>
+                </a:tc>
+                <a:extLst>
+                  <a:ext uri="{0D108BD9-81ED-4DB2-BD59-A6C34878D82A}">
+                    <a16:rowId xmlns:a16="http://schemas.microsoft.com/office/drawing/2014/main" val="1607940261"/>
+                  </a:ext>
+                </a:extLst>
+              </a:tr>
+              <a:tr h="407117">
+                <a:tc>
+                  <a:txBody>
+                    <a:bodyPr/>
+                    <a:lstStyle/>
+                    <a:p>
+                      <a:r>
+                        <a:rPr lang="en-GB" sz="1800" kern="100" dirty="0">
+                          <a:effectLst/>
+                        </a:rPr>
+                        <a:t>Antibiotics Vs No Antibiotics               </a:t>
+                      </a:r>
+                      <a:endParaRPr lang="en-GB" sz="1800" kern="100" dirty="0">
+                        <a:effectLst/>
+                        <a:latin typeface="Aptos" panose="020B0004020202020204" pitchFamily="34" charset="0"/>
+                        <a:ea typeface="Aptos" panose="020B0004020202020204" pitchFamily="34" charset="0"/>
+                        <a:cs typeface="Times New Roman" panose="02020603050405020304" pitchFamily="18" charset="0"/>
+                      </a:endParaRPr>
+                    </a:p>
+                  </a:txBody>
+                  <a:tcPr marL="58277" marR="58277" marT="0" marB="0"/>
+                </a:tc>
+                <a:tc>
+                  <a:txBody>
+                    <a:bodyPr/>
+                    <a:lstStyle/>
+                    <a:p>
+                      <a:pPr marL="0" algn="ctr" defTabSz="914400" rtl="0" eaLnBrk="1" latinLnBrk="0" hangingPunct="1"/>
+                      <a:r>
+                        <a:rPr lang="en-GB" sz="1800" kern="100">
+                          <a:solidFill>
+                            <a:schemeClr val="dk1"/>
+                          </a:solidFill>
+                          <a:effectLst/>
+                          <a:latin typeface="+mn-lt"/>
+                          <a:ea typeface="+mn-ea"/>
+                          <a:cs typeface="+mn-cs"/>
+                        </a:rPr>
+                        <a:t>0.36 (0.18)   </a:t>
+                      </a:r>
+                    </a:p>
+                  </a:txBody>
+                  <a:tcPr marL="68580" marR="68580" marT="0" marB="0"/>
+                </a:tc>
+                <a:tc>
+                  <a:txBody>
+                    <a:bodyPr/>
+                    <a:lstStyle/>
+                    <a:p>
+                      <a:pPr marL="0" algn="ctr" defTabSz="914400" rtl="0" eaLnBrk="1" latinLnBrk="0" hangingPunct="1"/>
+                      <a:r>
+                        <a:rPr lang="en-GB" sz="1800" kern="100">
+                          <a:solidFill>
+                            <a:schemeClr val="dk1"/>
+                          </a:solidFill>
+                          <a:effectLst/>
+                          <a:latin typeface="+mn-lt"/>
+                          <a:ea typeface="+mn-ea"/>
+                          <a:cs typeface="+mn-cs"/>
+                        </a:rPr>
+                        <a:t>1.43 (1.01, 2.04) </a:t>
+                      </a:r>
+                    </a:p>
+                  </a:txBody>
+                  <a:tcPr marL="68580" marR="68580" marT="0" marB="0"/>
+                </a:tc>
+                <a:tc>
+                  <a:txBody>
+                    <a:bodyPr/>
+                    <a:lstStyle/>
+                    <a:p>
+                      <a:pPr marL="0" algn="ctr" defTabSz="914400" rtl="0" eaLnBrk="1" latinLnBrk="0" hangingPunct="1"/>
+                      <a:r>
+                        <a:rPr lang="en-GB" sz="1800" kern="100" dirty="0">
+                          <a:solidFill>
+                            <a:schemeClr val="dk1"/>
+                          </a:solidFill>
+                          <a:effectLst/>
+                          <a:latin typeface="+mn-lt"/>
+                          <a:ea typeface="+mn-ea"/>
+                          <a:cs typeface="+mn-cs"/>
+                        </a:rPr>
+                        <a:t>0.046      </a:t>
+                      </a:r>
+                    </a:p>
+                  </a:txBody>
+                  <a:tcPr marL="68580" marR="68580" marT="0" marB="0"/>
+                </a:tc>
+                <a:extLst>
+                  <a:ext uri="{0D108BD9-81ED-4DB2-BD59-A6C34878D82A}">
+                    <a16:rowId xmlns:a16="http://schemas.microsoft.com/office/drawing/2014/main" val="1812785408"/>
+                  </a:ext>
+                </a:extLst>
+              </a:tr>
+            </a:tbl>
+          </a:graphicData>
+        </a:graphic>
+      </p:graphicFrame>
+    </p:spTree>
+    <p:extLst>
+      <p:ext uri="{BB962C8B-B14F-4D97-AF65-F5344CB8AC3E}">
+        <p14:creationId xmlns:p14="http://schemas.microsoft.com/office/powerpoint/2010/main" val="2517850111"/>
+      </p:ext>
+    </p:extLst>
+  </p:cSld>
+  <p:clrMapOvr>
+    <a:masterClrMapping/>
+  </p:clrMapOvr>
+</p:sld>
+</file>
+
+<file path=ppt/slides/slide11.xml><?xml version="1.0" encoding="utf-8"?>
+<p:sld xmlns:a="http://schemas.openxmlformats.org/drawingml/2006/main" xmlns:r="http://schemas.openxmlformats.org/officeDocument/2006/relationships" xmlns:p="http://schemas.openxmlformats.org/presentationml/2006/main">
+  <p:cSld>
+    <p:spTree>
+      <p:nvGrpSpPr>
+        <p:cNvPr id="1" name="">
+          <a:extLst>
+            <a:ext uri="{FF2B5EF4-FFF2-40B4-BE49-F238E27FC236}">
+              <a16:creationId xmlns:a16="http://schemas.microsoft.com/office/drawing/2014/main" id="{5616FD28-D97B-1E4C-8922-DB72AA208031}"/>
+            </a:ext>
+          </a:extLst>
+        </p:cNvPr>
+        <p:cNvGrpSpPr/>
+        <p:nvPr/>
+      </p:nvGrpSpPr>
+      <p:grpSpPr>
+        <a:xfrm>
+          <a:off x="0" y="0"/>
+          <a:ext cx="0" cy="0"/>
+          <a:chOff x="0" y="0"/>
+          <a:chExt cx="0" cy="0"/>
+        </a:xfrm>
+      </p:grpSpPr>
+      <p:sp>
+        <p:nvSpPr>
+          <p:cNvPr id="2" name="Title 1">
+            <a:extLst>
+              <a:ext uri="{FF2B5EF4-FFF2-40B4-BE49-F238E27FC236}">
+                <a16:creationId xmlns:a16="http://schemas.microsoft.com/office/drawing/2014/main" id="{5B401ACA-5FA9-CDE3-73BF-0F442938D012}"/>
+              </a:ext>
+            </a:extLst>
+          </p:cNvPr>
+          <p:cNvSpPr>
+            <a:spLocks noGrp="1"/>
+          </p:cNvSpPr>
+          <p:nvPr>
+            <p:ph type="title"/>
+          </p:nvPr>
+        </p:nvSpPr>
+        <p:spPr/>
+        <p:txBody>
+          <a:bodyPr/>
+          <a:lstStyle/>
+          <a:p>
+            <a:r>
+              <a:rPr lang="en-US" dirty="0"/>
+              <a:t>Outcome 2</a:t>
+            </a:r>
+          </a:p>
+        </p:txBody>
+      </p:sp>
+      <p:sp>
+        <p:nvSpPr>
+          <p:cNvPr id="3" name="Content Placeholder 2">
+            <a:extLst>
+              <a:ext uri="{FF2B5EF4-FFF2-40B4-BE49-F238E27FC236}">
+                <a16:creationId xmlns:a16="http://schemas.microsoft.com/office/drawing/2014/main" id="{26D31687-57A0-2EE0-8762-90F962B618B8}"/>
+              </a:ext>
+            </a:extLst>
+          </p:cNvPr>
+          <p:cNvSpPr>
+            <a:spLocks noGrp="1"/>
+          </p:cNvSpPr>
+          <p:nvPr>
+            <p:ph idx="1"/>
+          </p:nvPr>
+        </p:nvSpPr>
+        <p:spPr/>
+        <p:txBody>
+          <a:bodyPr>
+            <a:normAutofit/>
+          </a:bodyPr>
+          <a:lstStyle/>
+          <a:p>
+            <a:pPr marL="0" indent="0">
+              <a:buNone/>
+            </a:pPr>
+            <a:r>
+              <a:rPr lang="en-US" dirty="0"/>
+              <a:t>Input: Column L: prophylactic antibiotics  commenced at diagnosis</a:t>
+            </a:r>
+          </a:p>
+          <a:p>
+            <a:endParaRPr lang="en-US" dirty="0"/>
+          </a:p>
+          <a:p>
+            <a:pPr marL="0" indent="0">
+              <a:buNone/>
+            </a:pPr>
+            <a:r>
+              <a:rPr lang="en-US" dirty="0"/>
+              <a:t>Outcome: ‘liveborn or not”</a:t>
+            </a:r>
+          </a:p>
+          <a:p>
+            <a:pPr marL="0" indent="0">
+              <a:buNone/>
+            </a:pPr>
+            <a:endParaRPr lang="en-US" dirty="0"/>
+          </a:p>
+          <a:p>
+            <a:pPr marL="0" indent="0">
+              <a:buNone/>
+            </a:pPr>
+            <a:r>
+              <a:rPr lang="en-US" dirty="0"/>
+              <a:t>Factors potentially for propensity score:</a:t>
+            </a:r>
+          </a:p>
+          <a:p>
+            <a:pPr marL="0" indent="0">
+              <a:buNone/>
+            </a:pPr>
+            <a:r>
+              <a:rPr lang="en-US" dirty="0"/>
+              <a:t>Same as outcome 1</a:t>
+            </a:r>
+          </a:p>
+          <a:p>
+            <a:pPr marL="0" indent="0">
+              <a:buNone/>
+            </a:pPr>
+            <a:endParaRPr lang="en-US" dirty="0"/>
+          </a:p>
+          <a:p>
+            <a:pPr marL="0" indent="0">
+              <a:buNone/>
+            </a:pPr>
+            <a:endParaRPr lang="en-US" dirty="0"/>
+          </a:p>
+          <a:p>
+            <a:pPr marL="0" indent="0">
+              <a:buNone/>
+            </a:pPr>
+            <a:endParaRPr lang="en-US" dirty="0"/>
+          </a:p>
+          <a:p>
+            <a:pPr marL="0" indent="0">
+              <a:buNone/>
+            </a:pPr>
+            <a:endParaRPr lang="en-US" dirty="0"/>
+          </a:p>
+          <a:p>
+            <a:pPr marL="0" indent="0">
+              <a:buNone/>
+            </a:pPr>
+            <a:endParaRPr lang="en-US" dirty="0"/>
+          </a:p>
+        </p:txBody>
+      </p:sp>
+    </p:spTree>
+    <p:extLst>
+      <p:ext uri="{BB962C8B-B14F-4D97-AF65-F5344CB8AC3E}">
+        <p14:creationId xmlns:p14="http://schemas.microsoft.com/office/powerpoint/2010/main" val="1618749031"/>
+      </p:ext>
+    </p:extLst>
+  </p:cSld>
+  <p:clrMapOvr>
+    <a:masterClrMapping/>
+  </p:clrMapOvr>
+</p:sld>
+</file>
+
+<file path=ppt/slides/slide12.xml><?xml version="1.0" encoding="utf-8"?>
+<p:sld xmlns:a="http://schemas.openxmlformats.org/drawingml/2006/main" xmlns:r="http://schemas.openxmlformats.org/officeDocument/2006/relationships" xmlns:p="http://schemas.openxmlformats.org/presentationml/2006/main">
+  <p:cSld>
+    <p:spTree>
+      <p:nvGrpSpPr>
         <p:cNvPr id="1" name=""/>
         <p:cNvGrpSpPr/>
         <p:nvPr/>
@@ -4548,7 +7057,2131 @@
 </p:sld>
 </file>
 
-<file path=ppt/slides/slide11.xml><?xml version="1.0" encoding="utf-8"?>
+<file path=ppt/slides/slide13.xml><?xml version="1.0" encoding="utf-8"?>
+<p:sld xmlns:a="http://schemas.openxmlformats.org/drawingml/2006/main" xmlns:r="http://schemas.openxmlformats.org/officeDocument/2006/relationships" xmlns:p="http://schemas.openxmlformats.org/presentationml/2006/main">
+  <p:cSld>
+    <p:spTree>
+      <p:nvGrpSpPr>
+        <p:cNvPr id="1" name="">
+          <a:extLst>
+            <a:ext uri="{FF2B5EF4-FFF2-40B4-BE49-F238E27FC236}">
+              <a16:creationId xmlns:a16="http://schemas.microsoft.com/office/drawing/2014/main" id="{AD76699D-989A-E52A-6136-A294044AC065}"/>
+            </a:ext>
+          </a:extLst>
+        </p:cNvPr>
+        <p:cNvGrpSpPr/>
+        <p:nvPr/>
+      </p:nvGrpSpPr>
+      <p:grpSpPr>
+        <a:xfrm>
+          <a:off x="0" y="0"/>
+          <a:ext cx="0" cy="0"/>
+          <a:chOff x="0" y="0"/>
+          <a:chExt cx="0" cy="0"/>
+        </a:xfrm>
+      </p:grpSpPr>
+      <p:graphicFrame>
+        <p:nvGraphicFramePr>
+          <p:cNvPr id="6" name="Table 5">
+            <a:extLst>
+              <a:ext uri="{FF2B5EF4-FFF2-40B4-BE49-F238E27FC236}">
+                <a16:creationId xmlns:a16="http://schemas.microsoft.com/office/drawing/2014/main" id="{46251C5B-D02D-1A8C-1D1C-1C09E68E4032}"/>
+              </a:ext>
+            </a:extLst>
+          </p:cNvPr>
+          <p:cNvGraphicFramePr>
+            <a:graphicFrameLocks noGrp="1"/>
+          </p:cNvGraphicFramePr>
+          <p:nvPr>
+            <p:extLst>
+              <p:ext uri="{D42A27DB-BD31-4B8C-83A1-F6EECF244321}">
+                <p14:modId xmlns:p14="http://schemas.microsoft.com/office/powerpoint/2010/main" val="802950496"/>
+              </p:ext>
+            </p:extLst>
+          </p:nvPr>
+        </p:nvGraphicFramePr>
+        <p:xfrm>
+          <a:off x="691662" y="154612"/>
+          <a:ext cx="11024917" cy="6548776"/>
+        </p:xfrm>
+        <a:graphic>
+          <a:graphicData uri="http://schemas.openxmlformats.org/drawingml/2006/table">
+            <a:tbl>
+              <a:tblPr firstRow="1" firstCol="1" bandRow="1">
+                <a:tableStyleId>{5C22544A-7EE6-4342-B048-85BDC9FD1C3A}</a:tableStyleId>
+              </a:tblPr>
+              <a:tblGrid>
+                <a:gridCol w="4384431">
+                  <a:extLst>
+                    <a:ext uri="{9D8B030D-6E8A-4147-A177-3AD203B41FA5}">
+                      <a16:colId xmlns:a16="http://schemas.microsoft.com/office/drawing/2014/main" val="3950663837"/>
+                    </a:ext>
+                  </a:extLst>
+                </a:gridCol>
+                <a:gridCol w="2368061">
+                  <a:extLst>
+                    <a:ext uri="{9D8B030D-6E8A-4147-A177-3AD203B41FA5}">
+                      <a16:colId xmlns:a16="http://schemas.microsoft.com/office/drawing/2014/main" val="4257245582"/>
+                    </a:ext>
+                  </a:extLst>
+                </a:gridCol>
+                <a:gridCol w="2766646">
+                  <a:extLst>
+                    <a:ext uri="{9D8B030D-6E8A-4147-A177-3AD203B41FA5}">
+                      <a16:colId xmlns:a16="http://schemas.microsoft.com/office/drawing/2014/main" val="3678687291"/>
+                    </a:ext>
+                  </a:extLst>
+                </a:gridCol>
+                <a:gridCol w="1505779">
+                  <a:extLst>
+                    <a:ext uri="{9D8B030D-6E8A-4147-A177-3AD203B41FA5}">
+                      <a16:colId xmlns:a16="http://schemas.microsoft.com/office/drawing/2014/main" val="3525693723"/>
+                    </a:ext>
+                  </a:extLst>
+                </a:gridCol>
+              </a:tblGrid>
+              <a:tr h="203559">
+                <a:tc>
+                  <a:txBody>
+                    <a:bodyPr/>
+                    <a:lstStyle/>
+                    <a:p>
+                      <a:pPr marL="0" algn="l" defTabSz="914400" rtl="0" eaLnBrk="1" latinLnBrk="0" hangingPunct="1"/>
+                      <a:endParaRPr lang="en-GB" sz="1800" b="1" kern="100" dirty="0">
+                        <a:solidFill>
+                          <a:schemeClr val="lt1"/>
+                        </a:solidFill>
+                        <a:effectLst/>
+                        <a:latin typeface="Aptos" panose="020B0004020202020204" pitchFamily="34" charset="0"/>
+                        <a:ea typeface="Aptos" panose="020B0004020202020204" pitchFamily="34" charset="0"/>
+                        <a:cs typeface="Times New Roman" panose="02020603050405020304" pitchFamily="18" charset="0"/>
+                      </a:endParaRPr>
+                    </a:p>
+                  </a:txBody>
+                  <a:tcPr marL="58277" marR="58277" marT="0" marB="0"/>
+                </a:tc>
+                <a:tc>
+                  <a:txBody>
+                    <a:bodyPr/>
+                    <a:lstStyle/>
+                    <a:p>
+                      <a:pPr marL="0" algn="l" defTabSz="914400" rtl="0" eaLnBrk="1" latinLnBrk="0" hangingPunct="1"/>
+                      <a:r>
+                        <a:rPr lang="en-GB" sz="1800" b="1" kern="100" dirty="0">
+                          <a:solidFill>
+                            <a:schemeClr val="lt1"/>
+                          </a:solidFill>
+                          <a:effectLst/>
+                          <a:latin typeface="Aptos" panose="020B0004020202020204" pitchFamily="34" charset="0"/>
+                          <a:cs typeface="Times New Roman" panose="02020603050405020304" pitchFamily="18" charset="0"/>
+                        </a:rPr>
+                        <a:t>No Anti</a:t>
+                      </a:r>
+                      <a:endParaRPr lang="en-GB" sz="1800" b="1" kern="100" dirty="0">
+                        <a:solidFill>
+                          <a:schemeClr val="lt1"/>
+                        </a:solidFill>
+                        <a:effectLst/>
+                        <a:latin typeface="Aptos" panose="020B0004020202020204" pitchFamily="34" charset="0"/>
+                        <a:ea typeface="Aptos" panose="020B0004020202020204" pitchFamily="34" charset="0"/>
+                        <a:cs typeface="Times New Roman" panose="02020603050405020304" pitchFamily="18" charset="0"/>
+                      </a:endParaRPr>
+                    </a:p>
+                  </a:txBody>
+                  <a:tcPr marL="58277" marR="58277" marT="0" marB="0"/>
+                </a:tc>
+                <a:tc>
+                  <a:txBody>
+                    <a:bodyPr/>
+                    <a:lstStyle/>
+                    <a:p>
+                      <a:pPr marL="0" algn="l" defTabSz="914400" rtl="0" eaLnBrk="1" latinLnBrk="0" hangingPunct="1"/>
+                      <a:r>
+                        <a:rPr lang="en-GB" sz="1800" b="1" kern="100">
+                          <a:solidFill>
+                            <a:schemeClr val="lt1"/>
+                          </a:solidFill>
+                          <a:effectLst/>
+                          <a:latin typeface="Aptos" panose="020B0004020202020204" pitchFamily="34" charset="0"/>
+                          <a:cs typeface="Times New Roman" panose="02020603050405020304" pitchFamily="18" charset="0"/>
+                        </a:rPr>
+                        <a:t>Anti              </a:t>
+                      </a:r>
+                      <a:endParaRPr lang="en-GB" sz="1800" b="1" kern="100">
+                        <a:solidFill>
+                          <a:schemeClr val="lt1"/>
+                        </a:solidFill>
+                        <a:effectLst/>
+                        <a:latin typeface="Aptos" panose="020B0004020202020204" pitchFamily="34" charset="0"/>
+                        <a:ea typeface="Aptos" panose="020B0004020202020204" pitchFamily="34" charset="0"/>
+                        <a:cs typeface="Times New Roman" panose="02020603050405020304" pitchFamily="18" charset="0"/>
+                      </a:endParaRPr>
+                    </a:p>
+                  </a:txBody>
+                  <a:tcPr marL="58277" marR="58277" marT="0" marB="0"/>
+                </a:tc>
+                <a:tc>
+                  <a:txBody>
+                    <a:bodyPr/>
+                    <a:lstStyle/>
+                    <a:p>
+                      <a:pPr marL="0" algn="l" defTabSz="914400" rtl="0" eaLnBrk="1" latinLnBrk="0" hangingPunct="1"/>
+                      <a:r>
+                        <a:rPr lang="en-GB" sz="1800" b="1" kern="100" dirty="0">
+                          <a:solidFill>
+                            <a:schemeClr val="lt1"/>
+                          </a:solidFill>
+                          <a:effectLst/>
+                          <a:latin typeface="Aptos" panose="020B0004020202020204" pitchFamily="34" charset="0"/>
+                          <a:cs typeface="Times New Roman" panose="02020603050405020304" pitchFamily="18" charset="0"/>
+                        </a:rPr>
+                        <a:t>Total      </a:t>
+                      </a:r>
+                      <a:endParaRPr lang="en-GB" sz="1800" b="1" kern="100" dirty="0">
+                        <a:solidFill>
+                          <a:schemeClr val="lt1"/>
+                        </a:solidFill>
+                        <a:effectLst/>
+                        <a:latin typeface="Aptos" panose="020B0004020202020204" pitchFamily="34" charset="0"/>
+                        <a:ea typeface="Aptos" panose="020B0004020202020204" pitchFamily="34" charset="0"/>
+                        <a:cs typeface="Times New Roman" panose="02020603050405020304" pitchFamily="18" charset="0"/>
+                      </a:endParaRPr>
+                    </a:p>
+                  </a:txBody>
+                  <a:tcPr marL="58277" marR="58277" marT="0" marB="0"/>
+                </a:tc>
+                <a:extLst>
+                  <a:ext uri="{0D108BD9-81ED-4DB2-BD59-A6C34878D82A}">
+                    <a16:rowId xmlns:a16="http://schemas.microsoft.com/office/drawing/2014/main" val="3194737904"/>
+                  </a:ext>
+                </a:extLst>
+              </a:tr>
+              <a:tr h="203559">
+                <a:tc>
+                  <a:txBody>
+                    <a:bodyPr/>
+                    <a:lstStyle/>
+                    <a:p>
+                      <a:pPr marL="0" algn="l" defTabSz="914400" rtl="0" eaLnBrk="1" latinLnBrk="0" hangingPunct="1"/>
+                      <a:r>
+                        <a:rPr lang="en-GB" sz="1800" b="1" kern="100" dirty="0">
+                          <a:solidFill>
+                            <a:schemeClr val="lt1"/>
+                          </a:solidFill>
+                          <a:effectLst/>
+                          <a:latin typeface="Aptos" panose="020B0004020202020204" pitchFamily="34" charset="0"/>
+                          <a:cs typeface="Times New Roman" panose="02020603050405020304" pitchFamily="18" charset="0"/>
+                        </a:rPr>
+                        <a:t>No Response                  </a:t>
+                      </a:r>
+                      <a:endParaRPr lang="en-GB" sz="1800" b="1" kern="100" dirty="0">
+                        <a:solidFill>
+                          <a:schemeClr val="lt1"/>
+                        </a:solidFill>
+                        <a:effectLst/>
+                        <a:latin typeface="Aptos" panose="020B0004020202020204" pitchFamily="34" charset="0"/>
+                        <a:ea typeface="Aptos" panose="020B0004020202020204" pitchFamily="34" charset="0"/>
+                        <a:cs typeface="Times New Roman" panose="02020603050405020304" pitchFamily="18" charset="0"/>
+                      </a:endParaRPr>
+                    </a:p>
+                  </a:txBody>
+                  <a:tcPr marL="58277" marR="58277" marT="0" marB="0"/>
+                </a:tc>
+                <a:tc>
+                  <a:txBody>
+                    <a:bodyPr/>
+                    <a:lstStyle/>
+                    <a:p>
+                      <a:pPr marL="0" algn="ctr" defTabSz="914400" rtl="0" eaLnBrk="1" latinLnBrk="0" hangingPunct="1"/>
+                      <a:r>
+                        <a:rPr lang="en-GB" sz="1800" kern="100" dirty="0">
+                          <a:solidFill>
+                            <a:schemeClr val="dk1"/>
+                          </a:solidFill>
+                          <a:effectLst/>
+                          <a:latin typeface="+mn-lt"/>
+                          <a:ea typeface="+mn-ea"/>
+                          <a:cs typeface="+mn-cs"/>
+                        </a:rPr>
+                        <a:t>90 (93%)      </a:t>
+                      </a:r>
+                    </a:p>
+                  </a:txBody>
+                  <a:tcPr marL="68580" marR="68580" marT="0" marB="0"/>
+                </a:tc>
+                <a:tc>
+                  <a:txBody>
+                    <a:bodyPr/>
+                    <a:lstStyle/>
+                    <a:p>
+                      <a:pPr marL="0" algn="ctr" defTabSz="914400" rtl="0" eaLnBrk="1" latinLnBrk="0" hangingPunct="1"/>
+                      <a:r>
+                        <a:rPr lang="en-GB" sz="1800" kern="100">
+                          <a:solidFill>
+                            <a:schemeClr val="dk1"/>
+                          </a:solidFill>
+                          <a:effectLst/>
+                          <a:latin typeface="+mn-lt"/>
+                          <a:ea typeface="+mn-ea"/>
+                          <a:cs typeface="+mn-cs"/>
+                        </a:rPr>
+                        <a:t>174 (91%)          </a:t>
+                      </a:r>
+                    </a:p>
+                  </a:txBody>
+                  <a:tcPr marL="68580" marR="68580" marT="0" marB="0"/>
+                </a:tc>
+                <a:tc>
+                  <a:txBody>
+                    <a:bodyPr/>
+                    <a:lstStyle/>
+                    <a:p>
+                      <a:pPr marL="0" algn="ctr" defTabSz="914400" rtl="0" eaLnBrk="1" latinLnBrk="0" hangingPunct="1"/>
+                      <a:r>
+                        <a:rPr lang="en-GB" sz="1800" kern="100">
+                          <a:solidFill>
+                            <a:schemeClr val="dk1"/>
+                          </a:solidFill>
+                          <a:effectLst/>
+                          <a:latin typeface="+mn-lt"/>
+                          <a:ea typeface="+mn-ea"/>
+                          <a:cs typeface="+mn-cs"/>
+                        </a:rPr>
+                        <a:t>264 (91%)  </a:t>
+                      </a:r>
+                    </a:p>
+                  </a:txBody>
+                  <a:tcPr marL="68580" marR="68580" marT="0" marB="0"/>
+                </a:tc>
+                <a:extLst>
+                  <a:ext uri="{0D108BD9-81ED-4DB2-BD59-A6C34878D82A}">
+                    <a16:rowId xmlns:a16="http://schemas.microsoft.com/office/drawing/2014/main" val="2801341854"/>
+                  </a:ext>
+                </a:extLst>
+              </a:tr>
+              <a:tr h="203559">
+                <a:tc>
+                  <a:txBody>
+                    <a:bodyPr/>
+                    <a:lstStyle/>
+                    <a:p>
+                      <a:pPr marL="0" algn="l" defTabSz="914400" rtl="0" eaLnBrk="1" latinLnBrk="0" hangingPunct="1"/>
+                      <a:r>
+                        <a:rPr lang="en-GB" sz="1800" b="1" kern="100" dirty="0">
+                          <a:solidFill>
+                            <a:schemeClr val="lt1"/>
+                          </a:solidFill>
+                          <a:effectLst/>
+                          <a:latin typeface="Aptos" panose="020B0004020202020204" pitchFamily="34" charset="0"/>
+                          <a:ea typeface="Aptos" panose="020B0004020202020204" pitchFamily="34" charset="0"/>
+                          <a:cs typeface="Times New Roman" panose="02020603050405020304" pitchFamily="18" charset="0"/>
+                        </a:rPr>
+                        <a:t>Response</a:t>
+                      </a:r>
+                    </a:p>
+                  </a:txBody>
+                  <a:tcPr marL="58277" marR="58277" marT="0" marB="0"/>
+                </a:tc>
+                <a:tc>
+                  <a:txBody>
+                    <a:bodyPr/>
+                    <a:lstStyle/>
+                    <a:p>
+                      <a:pPr marL="0" algn="ctr" defTabSz="914400" rtl="0" eaLnBrk="1" latinLnBrk="0" hangingPunct="1"/>
+                      <a:r>
+                        <a:rPr lang="en-GB" sz="1800" kern="100" dirty="0">
+                          <a:solidFill>
+                            <a:schemeClr val="dk1"/>
+                          </a:solidFill>
+                          <a:effectLst/>
+                          <a:latin typeface="+mn-lt"/>
+                          <a:ea typeface="+mn-ea"/>
+                          <a:cs typeface="+mn-cs"/>
+                        </a:rPr>
+                        <a:t>7 (7%)        </a:t>
+                      </a:r>
+                    </a:p>
+                  </a:txBody>
+                  <a:tcPr marL="68580" marR="68580" marT="0" marB="0"/>
+                </a:tc>
+                <a:tc>
+                  <a:txBody>
+                    <a:bodyPr/>
+                    <a:lstStyle/>
+                    <a:p>
+                      <a:pPr marL="0" algn="ctr" defTabSz="914400" rtl="0" eaLnBrk="1" latinLnBrk="0" hangingPunct="1"/>
+                      <a:r>
+                        <a:rPr lang="en-GB" sz="1800" kern="100" dirty="0">
+                          <a:solidFill>
+                            <a:schemeClr val="dk1"/>
+                          </a:solidFill>
+                          <a:effectLst/>
+                          <a:latin typeface="+mn-lt"/>
+                          <a:ea typeface="+mn-ea"/>
+                          <a:cs typeface="+mn-cs"/>
+                        </a:rPr>
+                        <a:t>18 (9%)            </a:t>
+                      </a:r>
+                    </a:p>
+                  </a:txBody>
+                  <a:tcPr marL="68580" marR="68580" marT="0" marB="0"/>
+                </a:tc>
+                <a:tc>
+                  <a:txBody>
+                    <a:bodyPr/>
+                    <a:lstStyle/>
+                    <a:p>
+                      <a:pPr marL="0" algn="ctr" defTabSz="914400" rtl="0" eaLnBrk="1" latinLnBrk="0" hangingPunct="1"/>
+                      <a:r>
+                        <a:rPr lang="en-GB" sz="1800" kern="100">
+                          <a:solidFill>
+                            <a:schemeClr val="dk1"/>
+                          </a:solidFill>
+                          <a:effectLst/>
+                          <a:latin typeface="+mn-lt"/>
+                          <a:ea typeface="+mn-ea"/>
+                          <a:cs typeface="+mn-cs"/>
+                        </a:rPr>
+                        <a:t>25 (9%)    </a:t>
+                      </a:r>
+                    </a:p>
+                  </a:txBody>
+                  <a:tcPr marL="68580" marR="68580" marT="0" marB="0"/>
+                </a:tc>
+                <a:extLst>
+                  <a:ext uri="{0D108BD9-81ED-4DB2-BD59-A6C34878D82A}">
+                    <a16:rowId xmlns:a16="http://schemas.microsoft.com/office/drawing/2014/main" val="88307961"/>
+                  </a:ext>
+                </a:extLst>
+              </a:tr>
+              <a:tr h="203559">
+                <a:tc>
+                  <a:txBody>
+                    <a:bodyPr/>
+                    <a:lstStyle/>
+                    <a:p>
+                      <a:pPr marL="0" algn="l" defTabSz="914400" rtl="0" eaLnBrk="1" latinLnBrk="0" hangingPunct="1"/>
+                      <a:r>
+                        <a:rPr lang="en-GB" sz="1800" b="1" kern="100" dirty="0">
+                          <a:solidFill>
+                            <a:schemeClr val="lt1"/>
+                          </a:solidFill>
+                          <a:effectLst/>
+                          <a:latin typeface="Aptos" panose="020B0004020202020204" pitchFamily="34" charset="0"/>
+                          <a:cs typeface="Times New Roman" panose="02020603050405020304" pitchFamily="18" charset="0"/>
+                        </a:rPr>
+                        <a:t>Total              </a:t>
+                      </a:r>
+                      <a:endParaRPr lang="en-GB" sz="1800" b="1" kern="100" dirty="0">
+                        <a:solidFill>
+                          <a:schemeClr val="lt1"/>
+                        </a:solidFill>
+                        <a:effectLst/>
+                        <a:latin typeface="Aptos" panose="020B0004020202020204" pitchFamily="34" charset="0"/>
+                        <a:ea typeface="Aptos" panose="020B0004020202020204" pitchFamily="34" charset="0"/>
+                        <a:cs typeface="Times New Roman" panose="02020603050405020304" pitchFamily="18" charset="0"/>
+                      </a:endParaRPr>
+                    </a:p>
+                  </a:txBody>
+                  <a:tcPr marL="58277" marR="58277" marT="0" marB="0"/>
+                </a:tc>
+                <a:tc>
+                  <a:txBody>
+                    <a:bodyPr/>
+                    <a:lstStyle/>
+                    <a:p>
+                      <a:pPr marL="0" algn="ctr" defTabSz="914400" rtl="0" eaLnBrk="1" latinLnBrk="0" hangingPunct="1"/>
+                      <a:r>
+                        <a:rPr lang="en-GB" sz="1800" kern="100">
+                          <a:solidFill>
+                            <a:schemeClr val="dk1"/>
+                          </a:solidFill>
+                          <a:effectLst/>
+                          <a:latin typeface="+mn-lt"/>
+                          <a:ea typeface="+mn-ea"/>
+                          <a:cs typeface="+mn-cs"/>
+                        </a:rPr>
+                        <a:t>97            </a:t>
+                      </a:r>
+                    </a:p>
+                  </a:txBody>
+                  <a:tcPr marL="68580" marR="68580" marT="0" marB="0"/>
+                </a:tc>
+                <a:tc>
+                  <a:txBody>
+                    <a:bodyPr/>
+                    <a:lstStyle/>
+                    <a:p>
+                      <a:pPr marL="0" algn="ctr" defTabSz="914400" rtl="0" eaLnBrk="1" latinLnBrk="0" hangingPunct="1"/>
+                      <a:r>
+                        <a:rPr lang="en-GB" sz="1800" kern="100" dirty="0">
+                          <a:solidFill>
+                            <a:schemeClr val="dk1"/>
+                          </a:solidFill>
+                          <a:effectLst/>
+                          <a:latin typeface="+mn-lt"/>
+                          <a:ea typeface="+mn-ea"/>
+                          <a:cs typeface="+mn-cs"/>
+                        </a:rPr>
+                        <a:t>192                </a:t>
+                      </a:r>
+                    </a:p>
+                  </a:txBody>
+                  <a:tcPr marL="68580" marR="68580" marT="0" marB="0"/>
+                </a:tc>
+                <a:tc>
+                  <a:txBody>
+                    <a:bodyPr/>
+                    <a:lstStyle/>
+                    <a:p>
+                      <a:pPr marL="0" algn="ctr" defTabSz="914400" rtl="0" eaLnBrk="1" latinLnBrk="0" hangingPunct="1"/>
+                      <a:r>
+                        <a:rPr lang="en-GB" sz="1800" kern="100">
+                          <a:solidFill>
+                            <a:schemeClr val="dk1"/>
+                          </a:solidFill>
+                          <a:effectLst/>
+                          <a:latin typeface="+mn-lt"/>
+                          <a:ea typeface="+mn-ea"/>
+                          <a:cs typeface="+mn-cs"/>
+                        </a:rPr>
+                        <a:t>289        </a:t>
+                      </a:r>
+                    </a:p>
+                  </a:txBody>
+                  <a:tcPr marL="68580" marR="68580" marT="0" marB="0"/>
+                </a:tc>
+                <a:extLst>
+                  <a:ext uri="{0D108BD9-81ED-4DB2-BD59-A6C34878D82A}">
+                    <a16:rowId xmlns:a16="http://schemas.microsoft.com/office/drawing/2014/main" val="3280659726"/>
+                  </a:ext>
+                </a:extLst>
+              </a:tr>
+              <a:tr h="203559">
+                <a:tc>
+                  <a:txBody>
+                    <a:bodyPr/>
+                    <a:lstStyle/>
+                    <a:p>
+                      <a:pPr marL="0" algn="l" defTabSz="914400" rtl="0" eaLnBrk="1" latinLnBrk="0" hangingPunct="1"/>
+                      <a:r>
+                        <a:rPr lang="en-GB" sz="1800" b="1" kern="100" dirty="0">
+                          <a:solidFill>
+                            <a:schemeClr val="lt1"/>
+                          </a:solidFill>
+                          <a:effectLst/>
+                          <a:latin typeface="Aptos" panose="020B0004020202020204" pitchFamily="34" charset="0"/>
+                          <a:cs typeface="Times New Roman" panose="02020603050405020304" pitchFamily="18" charset="0"/>
+                        </a:rPr>
+                        <a:t>                   </a:t>
+                      </a:r>
+                      <a:endParaRPr lang="en-GB" sz="1800" b="1" kern="100" dirty="0">
+                        <a:solidFill>
+                          <a:schemeClr val="lt1"/>
+                        </a:solidFill>
+                        <a:effectLst/>
+                        <a:latin typeface="Aptos" panose="020B0004020202020204" pitchFamily="34" charset="0"/>
+                        <a:ea typeface="Aptos" panose="020B0004020202020204" pitchFamily="34" charset="0"/>
+                        <a:cs typeface="Times New Roman" panose="02020603050405020304" pitchFamily="18" charset="0"/>
+                      </a:endParaRPr>
+                    </a:p>
+                  </a:txBody>
+                  <a:tcPr marL="58277" marR="58277" marT="0" marB="0"/>
+                </a:tc>
+                <a:tc>
+                  <a:txBody>
+                    <a:bodyPr/>
+                    <a:lstStyle/>
+                    <a:p>
+                      <a:pPr marL="0" algn="ctr" defTabSz="914400" rtl="0" eaLnBrk="1" latinLnBrk="0" hangingPunct="1"/>
+                      <a:r>
+                        <a:rPr lang="en-GB" sz="1800" kern="100" dirty="0">
+                          <a:solidFill>
+                            <a:schemeClr val="dk1"/>
+                          </a:solidFill>
+                          <a:effectLst/>
+                          <a:latin typeface="+mn-lt"/>
+                          <a:ea typeface="+mn-ea"/>
+                          <a:cs typeface="+mn-cs"/>
+                        </a:rPr>
+                        <a:t>0.6 (0.16)    </a:t>
+                      </a:r>
+                    </a:p>
+                  </a:txBody>
+                  <a:tcPr marL="68580" marR="68580" marT="0" marB="0"/>
+                </a:tc>
+                <a:tc>
+                  <a:txBody>
+                    <a:bodyPr/>
+                    <a:lstStyle/>
+                    <a:p>
+                      <a:pPr marL="0" algn="ctr" defTabSz="914400" rtl="0" eaLnBrk="1" latinLnBrk="0" hangingPunct="1"/>
+                      <a:r>
+                        <a:rPr lang="en-GB" sz="1800" kern="100" dirty="0">
+                          <a:solidFill>
+                            <a:schemeClr val="dk1"/>
+                          </a:solidFill>
+                          <a:effectLst/>
+                          <a:latin typeface="+mn-lt"/>
+                          <a:ea typeface="+mn-ea"/>
+                          <a:cs typeface="+mn-cs"/>
+                        </a:rPr>
+                        <a:t>0.7 (0.17)         </a:t>
+                      </a:r>
+                    </a:p>
+                  </a:txBody>
+                  <a:tcPr marL="68580" marR="68580" marT="0" marB="0"/>
+                </a:tc>
+                <a:tc>
+                  <a:txBody>
+                    <a:bodyPr/>
+                    <a:lstStyle/>
+                    <a:p>
+                      <a:pPr marL="0" algn="ctr" defTabSz="914400" rtl="0" eaLnBrk="1" latinLnBrk="0" hangingPunct="1"/>
+                      <a:r>
+                        <a:rPr lang="en-GB" sz="1800" kern="100" dirty="0">
+                          <a:solidFill>
+                            <a:schemeClr val="dk1"/>
+                          </a:solidFill>
+                          <a:effectLst/>
+                          <a:latin typeface="+mn-lt"/>
+                          <a:ea typeface="+mn-ea"/>
+                          <a:cs typeface="+mn-cs"/>
+                        </a:rPr>
+                        <a:t>0.7 (0.01) </a:t>
+                      </a:r>
+                    </a:p>
+                  </a:txBody>
+                  <a:tcPr marL="68580" marR="68580" marT="0" marB="0"/>
+                </a:tc>
+                <a:extLst>
+                  <a:ext uri="{0D108BD9-81ED-4DB2-BD59-A6C34878D82A}">
+                    <a16:rowId xmlns:a16="http://schemas.microsoft.com/office/drawing/2014/main" val="2804719921"/>
+                  </a:ext>
+                </a:extLst>
+              </a:tr>
+              <a:tr h="203559">
+                <a:tc>
+                  <a:txBody>
+                    <a:bodyPr/>
+                    <a:lstStyle/>
+                    <a:p>
+                      <a:pPr marL="0" algn="l" defTabSz="914400" rtl="0" eaLnBrk="1" latinLnBrk="0" hangingPunct="1"/>
+                      <a:r>
+                        <a:rPr lang="en-GB" sz="1800" b="1" kern="100" dirty="0">
+                          <a:solidFill>
+                            <a:schemeClr val="lt1"/>
+                          </a:solidFill>
+                          <a:effectLst/>
+                          <a:latin typeface="Aptos" panose="020B0004020202020204" pitchFamily="34" charset="0"/>
+                          <a:cs typeface="Times New Roman" panose="02020603050405020304" pitchFamily="18" charset="0"/>
+                        </a:rPr>
+                        <a:t>                </a:t>
+                      </a:r>
+                      <a:endParaRPr lang="en-GB" sz="1800" b="1" kern="100" dirty="0">
+                        <a:solidFill>
+                          <a:schemeClr val="lt1"/>
+                        </a:solidFill>
+                        <a:effectLst/>
+                        <a:latin typeface="Aptos" panose="020B0004020202020204" pitchFamily="34" charset="0"/>
+                        <a:ea typeface="Aptos" panose="020B0004020202020204" pitchFamily="34" charset="0"/>
+                        <a:cs typeface="Times New Roman" panose="02020603050405020304" pitchFamily="18" charset="0"/>
+                      </a:endParaRPr>
+                    </a:p>
+                  </a:txBody>
+                  <a:tcPr marL="58277" marR="58277" marT="0" marB="0"/>
+                </a:tc>
+                <a:tc>
+                  <a:txBody>
+                    <a:bodyPr/>
+                    <a:lstStyle/>
+                    <a:p>
+                      <a:pPr marL="0" algn="l" defTabSz="914400" rtl="0" eaLnBrk="1" latinLnBrk="0" hangingPunct="1"/>
+                      <a:r>
+                        <a:rPr lang="en-GB" sz="1800" b="1" kern="100" dirty="0">
+                          <a:solidFill>
+                            <a:schemeClr val="lt1"/>
+                          </a:solidFill>
+                          <a:effectLst/>
+                          <a:latin typeface="Aptos" panose="020B0004020202020204" pitchFamily="34" charset="0"/>
+                          <a:cs typeface="Times New Roman" panose="02020603050405020304" pitchFamily="18" charset="0"/>
+                        </a:rPr>
+                        <a:t>              </a:t>
+                      </a:r>
+                      <a:endParaRPr lang="en-GB" sz="1800" b="1" kern="100" dirty="0">
+                        <a:solidFill>
+                          <a:schemeClr val="lt1"/>
+                        </a:solidFill>
+                        <a:effectLst/>
+                        <a:latin typeface="Aptos" panose="020B0004020202020204" pitchFamily="34" charset="0"/>
+                        <a:ea typeface="Aptos" panose="020B0004020202020204" pitchFamily="34" charset="0"/>
+                        <a:cs typeface="Times New Roman" panose="02020603050405020304" pitchFamily="18" charset="0"/>
+                      </a:endParaRPr>
+                    </a:p>
+                  </a:txBody>
+                  <a:tcPr marL="58277" marR="58277" marT="0" marB="0" anchor="ctr"/>
+                </a:tc>
+                <a:tc>
+                  <a:txBody>
+                    <a:bodyPr/>
+                    <a:lstStyle/>
+                    <a:p>
+                      <a:pPr marL="0" algn="l" defTabSz="914400" rtl="0" eaLnBrk="1" latinLnBrk="0" hangingPunct="1"/>
+                      <a:r>
+                        <a:rPr lang="en-GB" sz="1800" b="1" kern="100">
+                          <a:solidFill>
+                            <a:schemeClr val="lt1"/>
+                          </a:solidFill>
+                          <a:effectLst/>
+                          <a:latin typeface="Aptos" panose="020B0004020202020204" pitchFamily="34" charset="0"/>
+                          <a:cs typeface="Times New Roman" panose="02020603050405020304" pitchFamily="18" charset="0"/>
+                        </a:rPr>
+                        <a:t>                  </a:t>
+                      </a:r>
+                      <a:endParaRPr lang="en-GB" sz="1800" b="1" kern="100">
+                        <a:solidFill>
+                          <a:schemeClr val="lt1"/>
+                        </a:solidFill>
+                        <a:effectLst/>
+                        <a:latin typeface="Aptos" panose="020B0004020202020204" pitchFamily="34" charset="0"/>
+                        <a:ea typeface="Aptos" panose="020B0004020202020204" pitchFamily="34" charset="0"/>
+                        <a:cs typeface="Times New Roman" panose="02020603050405020304" pitchFamily="18" charset="0"/>
+                      </a:endParaRPr>
+                    </a:p>
+                  </a:txBody>
+                  <a:tcPr marL="58277" marR="58277" marT="0" marB="0" anchor="ctr"/>
+                </a:tc>
+                <a:tc>
+                  <a:txBody>
+                    <a:bodyPr/>
+                    <a:lstStyle/>
+                    <a:p>
+                      <a:pPr marL="0" algn="l" defTabSz="914400" rtl="0" eaLnBrk="1" latinLnBrk="0" hangingPunct="1"/>
+                      <a:r>
+                        <a:rPr lang="en-GB" sz="1800" b="1" kern="100" dirty="0">
+                          <a:solidFill>
+                            <a:schemeClr val="lt1"/>
+                          </a:solidFill>
+                          <a:effectLst/>
+                          <a:latin typeface="Aptos" panose="020B0004020202020204" pitchFamily="34" charset="0"/>
+                          <a:cs typeface="Times New Roman" panose="02020603050405020304" pitchFamily="18" charset="0"/>
+                        </a:rPr>
+                        <a:t>           </a:t>
+                      </a:r>
+                      <a:endParaRPr lang="en-GB" sz="1800" b="1" kern="100" dirty="0">
+                        <a:solidFill>
+                          <a:schemeClr val="lt1"/>
+                        </a:solidFill>
+                        <a:effectLst/>
+                        <a:latin typeface="Aptos" panose="020B0004020202020204" pitchFamily="34" charset="0"/>
+                        <a:ea typeface="Aptos" panose="020B0004020202020204" pitchFamily="34" charset="0"/>
+                        <a:cs typeface="Times New Roman" panose="02020603050405020304" pitchFamily="18" charset="0"/>
+                      </a:endParaRPr>
+                    </a:p>
+                  </a:txBody>
+                  <a:tcPr marL="58277" marR="58277" marT="0" marB="0" anchor="ctr"/>
+                </a:tc>
+                <a:extLst>
+                  <a:ext uri="{0D108BD9-81ED-4DB2-BD59-A6C34878D82A}">
+                    <a16:rowId xmlns:a16="http://schemas.microsoft.com/office/drawing/2014/main" val="2688398612"/>
+                  </a:ext>
+                </a:extLst>
+              </a:tr>
+              <a:tr h="203559">
+                <a:tc>
+                  <a:txBody>
+                    <a:bodyPr/>
+                    <a:lstStyle/>
+                    <a:p>
+                      <a:pPr marL="0" algn="l" defTabSz="914400" rtl="0" eaLnBrk="1" latinLnBrk="0" hangingPunct="1"/>
+                      <a:r>
+                        <a:rPr lang="en-GB" sz="1800" b="1" kern="100" dirty="0">
+                          <a:solidFill>
+                            <a:schemeClr val="lt1"/>
+                          </a:solidFill>
+                          <a:effectLst/>
+                          <a:latin typeface="Aptos" panose="020B0004020202020204" pitchFamily="34" charset="0"/>
+                          <a:ea typeface="Aptos" panose="020B0004020202020204" pitchFamily="34" charset="0"/>
+                          <a:cs typeface="Times New Roman" panose="02020603050405020304" pitchFamily="18" charset="0"/>
+                        </a:rPr>
+                        <a:t>Model Estimates</a:t>
+                      </a:r>
+                    </a:p>
+                  </a:txBody>
+                  <a:tcPr marL="58277" marR="58277" marT="0" marB="0"/>
+                </a:tc>
+                <a:tc>
+                  <a:txBody>
+                    <a:bodyPr/>
+                    <a:lstStyle/>
+                    <a:p>
+                      <a:pPr marL="0" algn="l" defTabSz="914400" rtl="0" eaLnBrk="1" latinLnBrk="0" hangingPunct="1"/>
+                      <a:endParaRPr lang="en-GB" sz="1800" b="1" kern="100" dirty="0">
+                        <a:solidFill>
+                          <a:schemeClr val="lt1"/>
+                        </a:solidFill>
+                        <a:effectLst/>
+                        <a:latin typeface="Aptos" panose="020B0004020202020204" pitchFamily="34" charset="0"/>
+                        <a:ea typeface="Aptos" panose="020B0004020202020204" pitchFamily="34" charset="0"/>
+                        <a:cs typeface="Times New Roman" panose="02020603050405020304" pitchFamily="18" charset="0"/>
+                      </a:endParaRPr>
+                    </a:p>
+                  </a:txBody>
+                  <a:tcPr marL="58277" marR="58277" marT="0" marB="0" anchor="ctr"/>
+                </a:tc>
+                <a:tc>
+                  <a:txBody>
+                    <a:bodyPr/>
+                    <a:lstStyle/>
+                    <a:p>
+                      <a:pPr marL="0" algn="l" defTabSz="914400" rtl="0" eaLnBrk="1" latinLnBrk="0" hangingPunct="1"/>
+                      <a:endParaRPr lang="en-GB" sz="1800" b="1" kern="100">
+                        <a:solidFill>
+                          <a:schemeClr val="lt1"/>
+                        </a:solidFill>
+                        <a:effectLst/>
+                        <a:latin typeface="Aptos" panose="020B0004020202020204" pitchFamily="34" charset="0"/>
+                        <a:ea typeface="Aptos" panose="020B0004020202020204" pitchFamily="34" charset="0"/>
+                        <a:cs typeface="Times New Roman" panose="02020603050405020304" pitchFamily="18" charset="0"/>
+                      </a:endParaRPr>
+                    </a:p>
+                  </a:txBody>
+                  <a:tcPr marL="58277" marR="58277" marT="0" marB="0" anchor="ctr"/>
+                </a:tc>
+                <a:tc>
+                  <a:txBody>
+                    <a:bodyPr/>
+                    <a:lstStyle/>
+                    <a:p>
+                      <a:pPr marL="0" algn="l" defTabSz="914400" rtl="0" eaLnBrk="1" latinLnBrk="0" hangingPunct="1"/>
+                      <a:endParaRPr lang="en-GB" sz="1800" b="1" kern="100" dirty="0">
+                        <a:solidFill>
+                          <a:schemeClr val="lt1"/>
+                        </a:solidFill>
+                        <a:effectLst/>
+                        <a:latin typeface="Aptos" panose="020B0004020202020204" pitchFamily="34" charset="0"/>
+                        <a:ea typeface="Aptos" panose="020B0004020202020204" pitchFamily="34" charset="0"/>
+                        <a:cs typeface="Times New Roman" panose="02020603050405020304" pitchFamily="18" charset="0"/>
+                      </a:endParaRPr>
+                    </a:p>
+                  </a:txBody>
+                  <a:tcPr marL="58277" marR="58277" marT="0" marB="0" anchor="ctr"/>
+                </a:tc>
+                <a:extLst>
+                  <a:ext uri="{0D108BD9-81ED-4DB2-BD59-A6C34878D82A}">
+                    <a16:rowId xmlns:a16="http://schemas.microsoft.com/office/drawing/2014/main" val="2258837355"/>
+                  </a:ext>
+                </a:extLst>
+              </a:tr>
+              <a:tr h="0">
+                <a:tc>
+                  <a:txBody>
+                    <a:bodyPr/>
+                    <a:lstStyle/>
+                    <a:p>
+                      <a:pPr marL="0" marR="0" lvl="0" indent="0" algn="l" defTabSz="914400" rtl="0" eaLnBrk="1" fontAlgn="auto" latinLnBrk="0" hangingPunct="1">
+                        <a:lnSpc>
+                          <a:spcPct val="100000"/>
+                        </a:lnSpc>
+                        <a:spcBef>
+                          <a:spcPts val="0"/>
+                        </a:spcBef>
+                        <a:spcAft>
+                          <a:spcPts val="0"/>
+                        </a:spcAft>
+                        <a:buClrTx/>
+                        <a:buSzTx/>
+                        <a:buFontTx/>
+                        <a:buNone/>
+                        <a:tabLst/>
+                        <a:defRPr/>
+                      </a:pPr>
+                      <a:r>
+                        <a:rPr lang="en-GB" sz="1800" b="1" kern="100" dirty="0">
+                          <a:solidFill>
+                            <a:schemeClr val="lt1"/>
+                          </a:solidFill>
+                          <a:effectLst/>
+                          <a:latin typeface="Aptos" panose="020B0004020202020204" pitchFamily="34" charset="0"/>
+                          <a:ea typeface="Aptos" panose="020B0004020202020204" pitchFamily="34" charset="0"/>
+                          <a:cs typeface="Times New Roman" panose="02020603050405020304" pitchFamily="18" charset="0"/>
+                        </a:rPr>
+                        <a:t>Propensity Score Model</a:t>
+                      </a:r>
+                    </a:p>
+                  </a:txBody>
+                  <a:tcPr marL="58277" marR="58277" marT="0" marB="0"/>
+                </a:tc>
+                <a:tc>
+                  <a:txBody>
+                    <a:bodyPr/>
+                    <a:lstStyle/>
+                    <a:p>
+                      <a:pPr marL="0" algn="ctr" defTabSz="914400" rtl="0" eaLnBrk="1" latinLnBrk="0" hangingPunct="1"/>
+                      <a:r>
+                        <a:rPr lang="en-GB" sz="1800" b="1" kern="100" dirty="0" err="1">
+                          <a:solidFill>
+                            <a:schemeClr val="dk1"/>
+                          </a:solidFill>
+                          <a:effectLst/>
+                          <a:latin typeface="+mn-lt"/>
+                          <a:ea typeface="+mn-ea"/>
+                          <a:cs typeface="+mn-cs"/>
+                        </a:rPr>
+                        <a:t>est</a:t>
+                      </a:r>
+                      <a:r>
+                        <a:rPr lang="en-GB" sz="1800" b="1" kern="100" dirty="0">
+                          <a:solidFill>
+                            <a:schemeClr val="dk1"/>
+                          </a:solidFill>
+                          <a:effectLst/>
+                          <a:latin typeface="+mn-lt"/>
+                          <a:ea typeface="+mn-ea"/>
+                          <a:cs typeface="+mn-cs"/>
+                        </a:rPr>
+                        <a:t> (se)      </a:t>
+                      </a:r>
+                    </a:p>
+                  </a:txBody>
+                  <a:tcPr marL="58277" marR="58277" marT="0" marB="0" anchor="ctr"/>
+                </a:tc>
+                <a:tc>
+                  <a:txBody>
+                    <a:bodyPr/>
+                    <a:lstStyle/>
+                    <a:p>
+                      <a:pPr marL="0" algn="ctr" defTabSz="914400" rtl="0" eaLnBrk="1" latinLnBrk="0" hangingPunct="1"/>
+                      <a:r>
+                        <a:rPr lang="en-GB" sz="1800" b="1" kern="100" dirty="0">
+                          <a:solidFill>
+                            <a:schemeClr val="dk1"/>
+                          </a:solidFill>
+                          <a:effectLst/>
+                          <a:latin typeface="+mn-lt"/>
+                          <a:ea typeface="+mn-ea"/>
+                          <a:cs typeface="+mn-cs"/>
+                        </a:rPr>
+                        <a:t>OR (95%CI)        </a:t>
+                      </a:r>
+                    </a:p>
+                  </a:txBody>
+                  <a:tcPr marL="58277" marR="58277" marT="0" marB="0" anchor="ctr"/>
+                </a:tc>
+                <a:tc>
+                  <a:txBody>
+                    <a:bodyPr/>
+                    <a:lstStyle/>
+                    <a:p>
+                      <a:pPr marL="0" algn="ctr" defTabSz="914400" rtl="0" eaLnBrk="1" latinLnBrk="0" hangingPunct="1"/>
+                      <a:r>
+                        <a:rPr lang="en-GB" sz="1800" b="1" kern="100" dirty="0" err="1">
+                          <a:solidFill>
+                            <a:schemeClr val="dk1"/>
+                          </a:solidFill>
+                          <a:effectLst/>
+                          <a:latin typeface="+mn-lt"/>
+                          <a:ea typeface="+mn-ea"/>
+                          <a:cs typeface="+mn-cs"/>
+                        </a:rPr>
+                        <a:t>Pval</a:t>
+                      </a:r>
+                      <a:r>
+                        <a:rPr lang="en-GB" sz="1800" b="1" kern="100" dirty="0">
+                          <a:solidFill>
+                            <a:schemeClr val="dk1"/>
+                          </a:solidFill>
+                          <a:effectLst/>
+                          <a:latin typeface="+mn-lt"/>
+                          <a:ea typeface="+mn-ea"/>
+                          <a:cs typeface="+mn-cs"/>
+                        </a:rPr>
+                        <a:t>       </a:t>
+                      </a:r>
+                    </a:p>
+                  </a:txBody>
+                  <a:tcPr marL="58277" marR="58277" marT="0" marB="0" anchor="ctr"/>
+                </a:tc>
+                <a:extLst>
+                  <a:ext uri="{0D108BD9-81ED-4DB2-BD59-A6C34878D82A}">
+                    <a16:rowId xmlns:a16="http://schemas.microsoft.com/office/drawing/2014/main" val="898315844"/>
+                  </a:ext>
+                </a:extLst>
+              </a:tr>
+              <a:tr h="407117">
+                <a:tc>
+                  <a:txBody>
+                    <a:bodyPr/>
+                    <a:lstStyle/>
+                    <a:p>
+                      <a:pPr marL="0" algn="l" defTabSz="914400" rtl="0" eaLnBrk="1" latinLnBrk="0" hangingPunct="1"/>
+                      <a:r>
+                        <a:rPr lang="en-GB" sz="1800" b="1" kern="100">
+                          <a:solidFill>
+                            <a:schemeClr val="lt1"/>
+                          </a:solidFill>
+                          <a:effectLst/>
+                          <a:latin typeface="Aptos" panose="020B0004020202020204" pitchFamily="34" charset="0"/>
+                          <a:ea typeface="Aptos" panose="020B0004020202020204" pitchFamily="34" charset="0"/>
+                          <a:cs typeface="Times New Roman" panose="02020603050405020304" pitchFamily="18" charset="0"/>
+                        </a:rPr>
+                        <a:t>(Intercept)                </a:t>
+                      </a:r>
+                    </a:p>
+                  </a:txBody>
+                  <a:tcPr marL="68580" marR="68580" marT="0" marB="0"/>
+                </a:tc>
+                <a:tc>
+                  <a:txBody>
+                    <a:bodyPr/>
+                    <a:lstStyle/>
+                    <a:p>
+                      <a:pPr marL="0" algn="ctr" defTabSz="914400" rtl="0" eaLnBrk="1" latinLnBrk="0" hangingPunct="1"/>
+                      <a:r>
+                        <a:rPr lang="en-GB" sz="1800" kern="100" dirty="0">
+                          <a:solidFill>
+                            <a:schemeClr val="dk1"/>
+                          </a:solidFill>
+                          <a:effectLst/>
+                          <a:latin typeface="+mn-lt"/>
+                          <a:ea typeface="+mn-ea"/>
+                          <a:cs typeface="+mn-cs"/>
+                        </a:rPr>
+                        <a:t>-1.3 (0.55)   </a:t>
+                      </a:r>
+                    </a:p>
+                  </a:txBody>
+                  <a:tcPr marL="68580" marR="68580" marT="0" marB="0"/>
+                </a:tc>
+                <a:tc>
+                  <a:txBody>
+                    <a:bodyPr/>
+                    <a:lstStyle/>
+                    <a:p>
+                      <a:pPr marL="0" algn="ctr" defTabSz="914400" rtl="0" eaLnBrk="1" latinLnBrk="0" hangingPunct="1"/>
+                      <a:r>
+                        <a:rPr lang="en-GB" sz="1800" kern="100">
+                          <a:solidFill>
+                            <a:schemeClr val="dk1"/>
+                          </a:solidFill>
+                          <a:effectLst/>
+                          <a:latin typeface="+mn-lt"/>
+                          <a:ea typeface="+mn-ea"/>
+                          <a:cs typeface="+mn-cs"/>
+                        </a:rPr>
+                        <a:t>0.27 (0.09, 0.8)   </a:t>
+                      </a:r>
+                    </a:p>
+                  </a:txBody>
+                  <a:tcPr marL="68580" marR="68580" marT="0" marB="0"/>
+                </a:tc>
+                <a:tc>
+                  <a:txBody>
+                    <a:bodyPr/>
+                    <a:lstStyle/>
+                    <a:p>
+                      <a:pPr marL="0" algn="ctr" defTabSz="914400" rtl="0" eaLnBrk="1" latinLnBrk="0" hangingPunct="1"/>
+                      <a:r>
+                        <a:rPr lang="en-GB" sz="1800" kern="100">
+                          <a:solidFill>
+                            <a:schemeClr val="dk1"/>
+                          </a:solidFill>
+                          <a:effectLst/>
+                          <a:latin typeface="+mn-lt"/>
+                          <a:ea typeface="+mn-ea"/>
+                          <a:cs typeface="+mn-cs"/>
+                        </a:rPr>
+                        <a:t>0.019      </a:t>
+                      </a:r>
+                    </a:p>
+                  </a:txBody>
+                  <a:tcPr marL="68580" marR="68580" marT="0" marB="0"/>
+                </a:tc>
+                <a:extLst>
+                  <a:ext uri="{0D108BD9-81ED-4DB2-BD59-A6C34878D82A}">
+                    <a16:rowId xmlns:a16="http://schemas.microsoft.com/office/drawing/2014/main" val="3099839817"/>
+                  </a:ext>
+                </a:extLst>
+              </a:tr>
+              <a:tr h="407117">
+                <a:tc>
+                  <a:txBody>
+                    <a:bodyPr/>
+                    <a:lstStyle/>
+                    <a:p>
+                      <a:pPr marL="0" algn="l" defTabSz="914400" rtl="0" eaLnBrk="1" latinLnBrk="0" hangingPunct="1"/>
+                      <a:r>
+                        <a:rPr lang="en-GB" sz="1800" b="1" kern="100">
+                          <a:solidFill>
+                            <a:schemeClr val="lt1"/>
+                          </a:solidFill>
+                          <a:effectLst/>
+                          <a:latin typeface="Aptos" panose="020B0004020202020204" pitchFamily="34" charset="0"/>
+                          <a:ea typeface="Aptos" panose="020B0004020202020204" pitchFamily="34" charset="0"/>
+                          <a:cs typeface="Times New Roman" panose="02020603050405020304" pitchFamily="18" charset="0"/>
+                        </a:rPr>
+                        <a:t>OUT_MANAGE_E1_C1           </a:t>
+                      </a:r>
+                    </a:p>
+                  </a:txBody>
+                  <a:tcPr marL="68580" marR="68580" marT="0" marB="0"/>
+                </a:tc>
+                <a:tc>
+                  <a:txBody>
+                    <a:bodyPr/>
+                    <a:lstStyle/>
+                    <a:p>
+                      <a:pPr marL="0" algn="ctr" defTabSz="914400" rtl="0" eaLnBrk="1" latinLnBrk="0" hangingPunct="1"/>
+                      <a:r>
+                        <a:rPr lang="en-GB" sz="1800" kern="100" dirty="0">
+                          <a:solidFill>
+                            <a:schemeClr val="dk1"/>
+                          </a:solidFill>
+                          <a:effectLst/>
+                          <a:latin typeface="+mn-lt"/>
+                          <a:ea typeface="+mn-ea"/>
+                          <a:cs typeface="+mn-cs"/>
+                        </a:rPr>
+                        <a:t>1.37 (0.298)  </a:t>
+                      </a:r>
+                    </a:p>
+                  </a:txBody>
+                  <a:tcPr marL="68580" marR="68580" marT="0" marB="0"/>
+                </a:tc>
+                <a:tc>
+                  <a:txBody>
+                    <a:bodyPr/>
+                    <a:lstStyle/>
+                    <a:p>
+                      <a:pPr marL="0" algn="ctr" defTabSz="914400" rtl="0" eaLnBrk="1" latinLnBrk="0" hangingPunct="1"/>
+                      <a:r>
+                        <a:rPr lang="en-GB" sz="1800" kern="100" dirty="0">
+                          <a:solidFill>
+                            <a:schemeClr val="dk1"/>
+                          </a:solidFill>
+                          <a:effectLst/>
+                          <a:latin typeface="+mn-lt"/>
+                          <a:ea typeface="+mn-ea"/>
+                          <a:cs typeface="+mn-cs"/>
+                        </a:rPr>
+                        <a:t>3.95 (2.2, 7.09)   </a:t>
+                      </a:r>
+                    </a:p>
+                  </a:txBody>
+                  <a:tcPr marL="68580" marR="68580" marT="0" marB="0"/>
+                </a:tc>
+                <a:tc>
+                  <a:txBody>
+                    <a:bodyPr/>
+                    <a:lstStyle/>
+                    <a:p>
+                      <a:pPr marL="0" algn="ctr" defTabSz="914400" rtl="0" eaLnBrk="1" latinLnBrk="0" hangingPunct="1"/>
+                      <a:r>
+                        <a:rPr lang="en-GB" sz="1800" kern="100">
+                          <a:solidFill>
+                            <a:schemeClr val="dk1"/>
+                          </a:solidFill>
+                          <a:effectLst/>
+                          <a:latin typeface="+mn-lt"/>
+                          <a:ea typeface="+mn-ea"/>
+                          <a:cs typeface="+mn-cs"/>
+                        </a:rPr>
+                        <a:t>&lt;0.001     </a:t>
+                      </a:r>
+                    </a:p>
+                  </a:txBody>
+                  <a:tcPr marL="68580" marR="68580" marT="0" marB="0"/>
+                </a:tc>
+                <a:extLst>
+                  <a:ext uri="{0D108BD9-81ED-4DB2-BD59-A6C34878D82A}">
+                    <a16:rowId xmlns:a16="http://schemas.microsoft.com/office/drawing/2014/main" val="2458541993"/>
+                  </a:ext>
+                </a:extLst>
+              </a:tr>
+              <a:tr h="407117">
+                <a:tc>
+                  <a:txBody>
+                    <a:bodyPr/>
+                    <a:lstStyle/>
+                    <a:p>
+                      <a:pPr marL="0" algn="l" defTabSz="914400" rtl="0" eaLnBrk="1" latinLnBrk="0" hangingPunct="1"/>
+                      <a:r>
+                        <a:rPr lang="en-GB" sz="1800" b="1" kern="100">
+                          <a:solidFill>
+                            <a:schemeClr val="lt1"/>
+                          </a:solidFill>
+                          <a:effectLst/>
+                          <a:latin typeface="Aptos" panose="020B0004020202020204" pitchFamily="34" charset="0"/>
+                          <a:ea typeface="Aptos" panose="020B0004020202020204" pitchFamily="34" charset="0"/>
+                          <a:cs typeface="Times New Roman" panose="02020603050405020304" pitchFamily="18" charset="0"/>
+                        </a:rPr>
+                        <a:t>W_HEIGHT_E1_C1             </a:t>
+                      </a:r>
+                    </a:p>
+                  </a:txBody>
+                  <a:tcPr marL="68580" marR="68580" marT="0" marB="0"/>
+                </a:tc>
+                <a:tc>
+                  <a:txBody>
+                    <a:bodyPr/>
+                    <a:lstStyle/>
+                    <a:p>
+                      <a:pPr marL="0" algn="ctr" defTabSz="914400" rtl="0" eaLnBrk="1" latinLnBrk="0" hangingPunct="1"/>
+                      <a:r>
+                        <a:rPr lang="en-GB" sz="1800" kern="100" dirty="0">
+                          <a:solidFill>
+                            <a:schemeClr val="dk1"/>
+                          </a:solidFill>
+                          <a:effectLst/>
+                          <a:latin typeface="+mn-lt"/>
+                          <a:ea typeface="+mn-ea"/>
+                          <a:cs typeface="+mn-cs"/>
+                        </a:rPr>
+                        <a:t>0.01 (0.003)  </a:t>
+                      </a:r>
+                    </a:p>
+                  </a:txBody>
+                  <a:tcPr marL="68580" marR="68580" marT="0" marB="0"/>
+                </a:tc>
+                <a:tc>
+                  <a:txBody>
+                    <a:bodyPr/>
+                    <a:lstStyle/>
+                    <a:p>
+                      <a:pPr marL="0" algn="ctr" defTabSz="914400" rtl="0" eaLnBrk="1" latinLnBrk="0" hangingPunct="1"/>
+                      <a:r>
+                        <a:rPr lang="en-GB" sz="1800" kern="100" dirty="0">
+                          <a:solidFill>
+                            <a:schemeClr val="dk1"/>
+                          </a:solidFill>
+                          <a:effectLst/>
+                          <a:latin typeface="+mn-lt"/>
+                          <a:ea typeface="+mn-ea"/>
+                          <a:cs typeface="+mn-cs"/>
+                        </a:rPr>
+                        <a:t>1.01 (1, 1.02)     </a:t>
+                      </a:r>
+                    </a:p>
+                  </a:txBody>
+                  <a:tcPr marL="68580" marR="68580" marT="0" marB="0"/>
+                </a:tc>
+                <a:tc>
+                  <a:txBody>
+                    <a:bodyPr/>
+                    <a:lstStyle/>
+                    <a:p>
+                      <a:pPr marL="0" algn="ctr" defTabSz="914400" rtl="0" eaLnBrk="1" latinLnBrk="0" hangingPunct="1"/>
+                      <a:r>
+                        <a:rPr lang="en-GB" sz="1800" kern="100">
+                          <a:solidFill>
+                            <a:schemeClr val="dk1"/>
+                          </a:solidFill>
+                          <a:effectLst/>
+                          <a:latin typeface="+mn-lt"/>
+                          <a:ea typeface="+mn-ea"/>
+                          <a:cs typeface="+mn-cs"/>
+                        </a:rPr>
+                        <a:t>0.011      </a:t>
+                      </a:r>
+                    </a:p>
+                  </a:txBody>
+                  <a:tcPr marL="68580" marR="68580" marT="0" marB="0"/>
+                </a:tc>
+                <a:extLst>
+                  <a:ext uri="{0D108BD9-81ED-4DB2-BD59-A6C34878D82A}">
+                    <a16:rowId xmlns:a16="http://schemas.microsoft.com/office/drawing/2014/main" val="1499862670"/>
+                  </a:ext>
+                </a:extLst>
+              </a:tr>
+              <a:tr h="407117">
+                <a:tc>
+                  <a:txBody>
+                    <a:bodyPr/>
+                    <a:lstStyle/>
+                    <a:p>
+                      <a:pPr marL="0" algn="l" defTabSz="914400" rtl="0" eaLnBrk="1" latinLnBrk="0" hangingPunct="1"/>
+                      <a:r>
+                        <a:rPr lang="en-GB" sz="1800" b="1" kern="100">
+                          <a:solidFill>
+                            <a:schemeClr val="lt1"/>
+                          </a:solidFill>
+                          <a:effectLst/>
+                          <a:latin typeface="Aptos" panose="020B0004020202020204" pitchFamily="34" charset="0"/>
+                          <a:ea typeface="Aptos" panose="020B0004020202020204" pitchFamily="34" charset="0"/>
+                          <a:cs typeface="Times New Roman" panose="02020603050405020304" pitchFamily="18" charset="0"/>
+                        </a:rPr>
+                        <a:t>SteroidsWithin7daysOfBirth </a:t>
+                      </a:r>
+                    </a:p>
+                  </a:txBody>
+                  <a:tcPr marL="68580" marR="68580" marT="0" marB="0"/>
+                </a:tc>
+                <a:tc>
+                  <a:txBody>
+                    <a:bodyPr/>
+                    <a:lstStyle/>
+                    <a:p>
+                      <a:pPr marL="0" algn="ctr" defTabSz="914400" rtl="0" eaLnBrk="1" latinLnBrk="0" hangingPunct="1"/>
+                      <a:r>
+                        <a:rPr lang="en-GB" sz="1800" kern="100">
+                          <a:solidFill>
+                            <a:schemeClr val="dk1"/>
+                          </a:solidFill>
+                          <a:effectLst/>
+                          <a:latin typeface="+mn-lt"/>
+                          <a:ea typeface="+mn-ea"/>
+                          <a:cs typeface="+mn-cs"/>
+                        </a:rPr>
+                        <a:t>1.65 (0.584)  </a:t>
+                      </a:r>
+                    </a:p>
+                  </a:txBody>
+                  <a:tcPr marL="68580" marR="68580" marT="0" marB="0"/>
+                </a:tc>
+                <a:tc>
+                  <a:txBody>
+                    <a:bodyPr/>
+                    <a:lstStyle/>
+                    <a:p>
+                      <a:pPr marL="0" algn="ctr" defTabSz="914400" rtl="0" eaLnBrk="1" latinLnBrk="0" hangingPunct="1"/>
+                      <a:r>
+                        <a:rPr lang="en-GB" sz="1800" kern="100" dirty="0">
+                          <a:solidFill>
+                            <a:schemeClr val="dk1"/>
+                          </a:solidFill>
+                          <a:effectLst/>
+                          <a:latin typeface="+mn-lt"/>
+                          <a:ea typeface="+mn-ea"/>
+                          <a:cs typeface="+mn-cs"/>
+                        </a:rPr>
+                        <a:t>5.21 (1.66, 16.34) </a:t>
+                      </a:r>
+                    </a:p>
+                  </a:txBody>
+                  <a:tcPr marL="68580" marR="68580" marT="0" marB="0"/>
+                </a:tc>
+                <a:tc>
+                  <a:txBody>
+                    <a:bodyPr/>
+                    <a:lstStyle/>
+                    <a:p>
+                      <a:pPr marL="0" algn="ctr" defTabSz="914400" rtl="0" eaLnBrk="1" latinLnBrk="0" hangingPunct="1"/>
+                      <a:r>
+                        <a:rPr lang="en-GB" sz="1800" kern="100" dirty="0">
+                          <a:solidFill>
+                            <a:schemeClr val="dk1"/>
+                          </a:solidFill>
+                          <a:effectLst/>
+                          <a:latin typeface="+mn-lt"/>
+                          <a:ea typeface="+mn-ea"/>
+                          <a:cs typeface="+mn-cs"/>
+                        </a:rPr>
+                        <a:t>0.005      </a:t>
+                      </a:r>
+                    </a:p>
+                  </a:txBody>
+                  <a:tcPr marL="68580" marR="68580" marT="0" marB="0"/>
+                </a:tc>
+                <a:extLst>
+                  <a:ext uri="{0D108BD9-81ED-4DB2-BD59-A6C34878D82A}">
+                    <a16:rowId xmlns:a16="http://schemas.microsoft.com/office/drawing/2014/main" val="725026892"/>
+                  </a:ext>
+                </a:extLst>
+              </a:tr>
+              <a:tr h="156437">
+                <a:tc>
+                  <a:txBody>
+                    <a:bodyPr/>
+                    <a:lstStyle/>
+                    <a:p>
+                      <a:pPr marL="0" algn="l" defTabSz="914400" rtl="0" eaLnBrk="1" latinLnBrk="0" hangingPunct="1"/>
+                      <a:endParaRPr lang="en-GB" sz="1800" b="1" kern="100">
+                        <a:solidFill>
+                          <a:schemeClr val="lt1"/>
+                        </a:solidFill>
+                        <a:effectLst/>
+                        <a:latin typeface="Aptos" panose="020B0004020202020204" pitchFamily="34" charset="0"/>
+                        <a:ea typeface="Aptos" panose="020B0004020202020204" pitchFamily="34" charset="0"/>
+                        <a:cs typeface="Times New Roman" panose="02020603050405020304" pitchFamily="18" charset="0"/>
+                      </a:endParaRPr>
+                    </a:p>
+                  </a:txBody>
+                  <a:tcPr marL="58277" marR="58277" marT="0" marB="0"/>
+                </a:tc>
+                <a:tc>
+                  <a:txBody>
+                    <a:bodyPr/>
+                    <a:lstStyle/>
+                    <a:p>
+                      <a:pPr marL="0" algn="ctr" defTabSz="914400" rtl="0" eaLnBrk="1" latinLnBrk="0" hangingPunct="1"/>
+                      <a:endParaRPr lang="en-GB" sz="1800" kern="100" dirty="0">
+                        <a:solidFill>
+                          <a:schemeClr val="dk1"/>
+                        </a:solidFill>
+                        <a:effectLst/>
+                        <a:latin typeface="+mn-lt"/>
+                        <a:ea typeface="+mn-ea"/>
+                        <a:cs typeface="+mn-cs"/>
+                      </a:endParaRPr>
+                    </a:p>
+                  </a:txBody>
+                  <a:tcPr marL="58277" marR="58277" marT="0" marB="0" anchor="ctr"/>
+                </a:tc>
+                <a:tc>
+                  <a:txBody>
+                    <a:bodyPr/>
+                    <a:lstStyle/>
+                    <a:p>
+                      <a:pPr marL="0" algn="ctr" defTabSz="914400" rtl="0" eaLnBrk="1" latinLnBrk="0" hangingPunct="1"/>
+                      <a:endParaRPr lang="en-GB" sz="1800" kern="100" dirty="0">
+                        <a:solidFill>
+                          <a:schemeClr val="dk1"/>
+                        </a:solidFill>
+                        <a:effectLst/>
+                        <a:latin typeface="+mn-lt"/>
+                        <a:ea typeface="+mn-ea"/>
+                        <a:cs typeface="+mn-cs"/>
+                      </a:endParaRPr>
+                    </a:p>
+                  </a:txBody>
+                  <a:tcPr marL="58277" marR="58277" marT="0" marB="0" anchor="ctr"/>
+                </a:tc>
+                <a:tc>
+                  <a:txBody>
+                    <a:bodyPr/>
+                    <a:lstStyle/>
+                    <a:p>
+                      <a:pPr marL="0" algn="ctr" defTabSz="914400" rtl="0" eaLnBrk="1" latinLnBrk="0" hangingPunct="1"/>
+                      <a:endParaRPr lang="en-GB" sz="1800" kern="100" dirty="0">
+                        <a:solidFill>
+                          <a:schemeClr val="dk1"/>
+                        </a:solidFill>
+                        <a:effectLst/>
+                        <a:latin typeface="+mn-lt"/>
+                        <a:ea typeface="+mn-ea"/>
+                        <a:cs typeface="+mn-cs"/>
+                      </a:endParaRPr>
+                    </a:p>
+                  </a:txBody>
+                  <a:tcPr marL="58277" marR="58277" marT="0" marB="0" anchor="ctr"/>
+                </a:tc>
+                <a:extLst>
+                  <a:ext uri="{0D108BD9-81ED-4DB2-BD59-A6C34878D82A}">
+                    <a16:rowId xmlns:a16="http://schemas.microsoft.com/office/drawing/2014/main" val="3198303991"/>
+                  </a:ext>
+                </a:extLst>
+              </a:tr>
+              <a:tr h="203559">
+                <a:tc>
+                  <a:txBody>
+                    <a:bodyPr/>
+                    <a:lstStyle/>
+                    <a:p>
+                      <a:pPr marL="0" algn="l" defTabSz="914400" rtl="0" eaLnBrk="1" latinLnBrk="0" hangingPunct="1"/>
+                      <a:r>
+                        <a:rPr lang="en-GB" sz="1800" b="1" kern="100" dirty="0">
+                          <a:solidFill>
+                            <a:schemeClr val="lt1"/>
+                          </a:solidFill>
+                          <a:effectLst/>
+                          <a:latin typeface="Aptos" panose="020B0004020202020204" pitchFamily="34" charset="0"/>
+                          <a:cs typeface="Times New Roman" panose="02020603050405020304" pitchFamily="18" charset="0"/>
+                        </a:rPr>
+                        <a:t>'Unadjusted Model’               </a:t>
+                      </a:r>
+                      <a:endParaRPr lang="en-GB" sz="1800" b="1" kern="100" dirty="0">
+                        <a:solidFill>
+                          <a:schemeClr val="lt1"/>
+                        </a:solidFill>
+                        <a:effectLst/>
+                        <a:latin typeface="Aptos" panose="020B0004020202020204" pitchFamily="34" charset="0"/>
+                        <a:ea typeface="Aptos" panose="020B0004020202020204" pitchFamily="34" charset="0"/>
+                        <a:cs typeface="Times New Roman" panose="02020603050405020304" pitchFamily="18" charset="0"/>
+                      </a:endParaRPr>
+                    </a:p>
+                  </a:txBody>
+                  <a:tcPr marL="58277" marR="58277" marT="0" marB="0"/>
+                </a:tc>
+                <a:tc>
+                  <a:txBody>
+                    <a:bodyPr/>
+                    <a:lstStyle/>
+                    <a:p>
+                      <a:pPr marL="0" algn="ctr" defTabSz="914400" rtl="0" eaLnBrk="1" latinLnBrk="0" hangingPunct="1"/>
+                      <a:r>
+                        <a:rPr lang="en-GB" sz="1800" kern="100">
+                          <a:solidFill>
+                            <a:schemeClr val="dk1"/>
+                          </a:solidFill>
+                          <a:effectLst/>
+                          <a:latin typeface="+mn-lt"/>
+                          <a:ea typeface="+mn-ea"/>
+                          <a:cs typeface="+mn-cs"/>
+                        </a:rPr>
+                        <a:t>              </a:t>
+                      </a:r>
+                    </a:p>
+                  </a:txBody>
+                  <a:tcPr marL="58277" marR="58277" marT="0" marB="0" anchor="ctr"/>
+                </a:tc>
+                <a:tc>
+                  <a:txBody>
+                    <a:bodyPr/>
+                    <a:lstStyle/>
+                    <a:p>
+                      <a:pPr marL="0" algn="ctr" defTabSz="914400" rtl="0" eaLnBrk="1" latinLnBrk="0" hangingPunct="1"/>
+                      <a:r>
+                        <a:rPr lang="en-GB" sz="1800" kern="100" dirty="0">
+                          <a:solidFill>
+                            <a:schemeClr val="dk1"/>
+                          </a:solidFill>
+                          <a:effectLst/>
+                          <a:latin typeface="+mn-lt"/>
+                          <a:ea typeface="+mn-ea"/>
+                          <a:cs typeface="+mn-cs"/>
+                        </a:rPr>
+                        <a:t>                  </a:t>
+                      </a:r>
+                    </a:p>
+                  </a:txBody>
+                  <a:tcPr marL="58277" marR="58277" marT="0" marB="0" anchor="ctr"/>
+                </a:tc>
+                <a:tc>
+                  <a:txBody>
+                    <a:bodyPr/>
+                    <a:lstStyle/>
+                    <a:p>
+                      <a:pPr marL="0" algn="ctr" defTabSz="914400" rtl="0" eaLnBrk="1" latinLnBrk="0" hangingPunct="1"/>
+                      <a:r>
+                        <a:rPr lang="en-GB" sz="1800" kern="100">
+                          <a:solidFill>
+                            <a:schemeClr val="dk1"/>
+                          </a:solidFill>
+                          <a:effectLst/>
+                          <a:latin typeface="+mn-lt"/>
+                          <a:ea typeface="+mn-ea"/>
+                          <a:cs typeface="+mn-cs"/>
+                        </a:rPr>
+                        <a:t>           </a:t>
+                      </a:r>
+                    </a:p>
+                  </a:txBody>
+                  <a:tcPr marL="58277" marR="58277" marT="0" marB="0" anchor="ctr"/>
+                </a:tc>
+                <a:extLst>
+                  <a:ext uri="{0D108BD9-81ED-4DB2-BD59-A6C34878D82A}">
+                    <a16:rowId xmlns:a16="http://schemas.microsoft.com/office/drawing/2014/main" val="3304719935"/>
+                  </a:ext>
+                </a:extLst>
+              </a:tr>
+              <a:tr h="407117">
+                <a:tc>
+                  <a:txBody>
+                    <a:bodyPr/>
+                    <a:lstStyle/>
+                    <a:p>
+                      <a:pPr marL="0" algn="l" defTabSz="914400" rtl="0" eaLnBrk="1" latinLnBrk="0" hangingPunct="1"/>
+                      <a:r>
+                        <a:rPr lang="en-GB" sz="1800" b="1" kern="100" dirty="0">
+                          <a:solidFill>
+                            <a:schemeClr val="lt1"/>
+                          </a:solidFill>
+                          <a:effectLst/>
+                          <a:latin typeface="Aptos" panose="020B0004020202020204" pitchFamily="34" charset="0"/>
+                          <a:cs typeface="Times New Roman" panose="02020603050405020304" pitchFamily="18" charset="0"/>
+                        </a:rPr>
+                        <a:t>(Intercept)1       </a:t>
+                      </a:r>
+                      <a:endParaRPr lang="en-GB" sz="1800" b="1" kern="100" dirty="0">
+                        <a:solidFill>
+                          <a:schemeClr val="lt1"/>
+                        </a:solidFill>
+                        <a:effectLst/>
+                        <a:latin typeface="Aptos" panose="020B0004020202020204" pitchFamily="34" charset="0"/>
+                        <a:ea typeface="Aptos" panose="020B0004020202020204" pitchFamily="34" charset="0"/>
+                        <a:cs typeface="Times New Roman" panose="02020603050405020304" pitchFamily="18" charset="0"/>
+                      </a:endParaRPr>
+                    </a:p>
+                  </a:txBody>
+                  <a:tcPr marL="58277" marR="58277" marT="0" marB="0"/>
+                </a:tc>
+                <a:tc>
+                  <a:txBody>
+                    <a:bodyPr/>
+                    <a:lstStyle/>
+                    <a:p>
+                      <a:pPr marL="0" algn="ctr" defTabSz="914400" rtl="0" eaLnBrk="1" latinLnBrk="0" hangingPunct="1"/>
+                      <a:r>
+                        <a:rPr lang="en-GB" sz="1800" kern="100">
+                          <a:solidFill>
+                            <a:schemeClr val="dk1"/>
+                          </a:solidFill>
+                          <a:effectLst/>
+                          <a:latin typeface="+mn-lt"/>
+                          <a:ea typeface="+mn-ea"/>
+                          <a:cs typeface="+mn-cs"/>
+                        </a:rPr>
+                        <a:t>-2.55 (0.392) </a:t>
+                      </a:r>
+                    </a:p>
+                  </a:txBody>
+                  <a:tcPr marL="68580" marR="68580" marT="0" marB="0"/>
+                </a:tc>
+                <a:tc>
+                  <a:txBody>
+                    <a:bodyPr/>
+                    <a:lstStyle/>
+                    <a:p>
+                      <a:pPr marL="0" algn="ctr" defTabSz="914400" rtl="0" eaLnBrk="1" latinLnBrk="0" hangingPunct="1"/>
+                      <a:r>
+                        <a:rPr lang="en-GB" sz="1800" kern="100" dirty="0">
+                          <a:solidFill>
+                            <a:schemeClr val="dk1"/>
+                          </a:solidFill>
+                          <a:effectLst/>
+                          <a:latin typeface="+mn-lt"/>
+                          <a:ea typeface="+mn-ea"/>
+                          <a:cs typeface="+mn-cs"/>
+                        </a:rPr>
+                        <a:t>0.08 (0.04, 0.17)  </a:t>
+                      </a:r>
+                    </a:p>
+                  </a:txBody>
+                  <a:tcPr marL="68580" marR="68580" marT="0" marB="0"/>
+                </a:tc>
+                <a:tc>
+                  <a:txBody>
+                    <a:bodyPr/>
+                    <a:lstStyle/>
+                    <a:p>
+                      <a:pPr marL="0" algn="ctr" defTabSz="914400" rtl="0" eaLnBrk="1" latinLnBrk="0" hangingPunct="1"/>
+                      <a:r>
+                        <a:rPr lang="en-GB" sz="1800" kern="100">
+                          <a:solidFill>
+                            <a:schemeClr val="dk1"/>
+                          </a:solidFill>
+                          <a:effectLst/>
+                          <a:latin typeface="+mn-lt"/>
+                          <a:ea typeface="+mn-ea"/>
+                          <a:cs typeface="+mn-cs"/>
+                        </a:rPr>
+                        <a:t>&lt;0.001     </a:t>
+                      </a:r>
+                    </a:p>
+                  </a:txBody>
+                  <a:tcPr marL="68580" marR="68580" marT="0" marB="0"/>
+                </a:tc>
+                <a:extLst>
+                  <a:ext uri="{0D108BD9-81ED-4DB2-BD59-A6C34878D82A}">
+                    <a16:rowId xmlns:a16="http://schemas.microsoft.com/office/drawing/2014/main" val="3301515120"/>
+                  </a:ext>
+                </a:extLst>
+              </a:tr>
+              <a:tr h="407117">
+                <a:tc>
+                  <a:txBody>
+                    <a:bodyPr/>
+                    <a:lstStyle/>
+                    <a:p>
+                      <a:pPr marL="0" algn="l" defTabSz="914400" rtl="0" eaLnBrk="1" latinLnBrk="0" hangingPunct="1"/>
+                      <a:r>
+                        <a:rPr lang="en-GB" sz="1800" b="1" kern="100" dirty="0">
+                          <a:solidFill>
+                            <a:schemeClr val="lt1"/>
+                          </a:solidFill>
+                          <a:effectLst/>
+                          <a:latin typeface="Aptos" panose="020B0004020202020204" pitchFamily="34" charset="0"/>
+                          <a:cs typeface="Times New Roman" panose="02020603050405020304" pitchFamily="18" charset="0"/>
+                        </a:rPr>
+                        <a:t>Antibiotics Vs No Antibiotics               </a:t>
+                      </a:r>
+                      <a:endParaRPr lang="en-GB" sz="1800" b="1" kern="100" dirty="0">
+                        <a:solidFill>
+                          <a:schemeClr val="lt1"/>
+                        </a:solidFill>
+                        <a:effectLst/>
+                        <a:latin typeface="Aptos" panose="020B0004020202020204" pitchFamily="34" charset="0"/>
+                        <a:ea typeface="Aptos" panose="020B0004020202020204" pitchFamily="34" charset="0"/>
+                        <a:cs typeface="Times New Roman" panose="02020603050405020304" pitchFamily="18" charset="0"/>
+                      </a:endParaRPr>
+                    </a:p>
+                  </a:txBody>
+                  <a:tcPr marL="58277" marR="58277" marT="0" marB="0"/>
+                </a:tc>
+                <a:tc>
+                  <a:txBody>
+                    <a:bodyPr/>
+                    <a:lstStyle/>
+                    <a:p>
+                      <a:pPr marL="0" algn="ctr" defTabSz="914400" rtl="0" eaLnBrk="1" latinLnBrk="0" hangingPunct="1"/>
+                      <a:r>
+                        <a:rPr lang="en-GB" sz="1800" kern="100">
+                          <a:solidFill>
+                            <a:schemeClr val="dk1"/>
+                          </a:solidFill>
+                          <a:effectLst/>
+                          <a:latin typeface="+mn-lt"/>
+                          <a:ea typeface="+mn-ea"/>
+                          <a:cs typeface="+mn-cs"/>
+                        </a:rPr>
+                        <a:t>0.29 (0.464)  </a:t>
+                      </a:r>
+                    </a:p>
+                  </a:txBody>
+                  <a:tcPr marL="68580" marR="68580" marT="0" marB="0"/>
+                </a:tc>
+                <a:tc>
+                  <a:txBody>
+                    <a:bodyPr/>
+                    <a:lstStyle/>
+                    <a:p>
+                      <a:pPr marL="0" algn="ctr" defTabSz="914400" rtl="0" eaLnBrk="1" latinLnBrk="0" hangingPunct="1"/>
+                      <a:r>
+                        <a:rPr lang="en-GB" sz="1800" kern="100" dirty="0">
+                          <a:solidFill>
+                            <a:schemeClr val="dk1"/>
+                          </a:solidFill>
+                          <a:effectLst/>
+                          <a:latin typeface="+mn-lt"/>
+                          <a:ea typeface="+mn-ea"/>
+                          <a:cs typeface="+mn-cs"/>
+                        </a:rPr>
+                        <a:t>1.33 (0.54, 3.3)   </a:t>
+                      </a:r>
+                    </a:p>
+                  </a:txBody>
+                  <a:tcPr marL="68580" marR="68580" marT="0" marB="0"/>
+                </a:tc>
+                <a:tc>
+                  <a:txBody>
+                    <a:bodyPr/>
+                    <a:lstStyle/>
+                    <a:p>
+                      <a:pPr marL="0" algn="ctr" defTabSz="914400" rtl="0" eaLnBrk="1" latinLnBrk="0" hangingPunct="1"/>
+                      <a:r>
+                        <a:rPr lang="en-GB" sz="1800" kern="100" dirty="0">
+                          <a:solidFill>
+                            <a:schemeClr val="dk1"/>
+                          </a:solidFill>
+                          <a:effectLst/>
+                          <a:latin typeface="+mn-lt"/>
+                          <a:ea typeface="+mn-ea"/>
+                          <a:cs typeface="+mn-cs"/>
+                        </a:rPr>
+                        <a:t>0.539      </a:t>
+                      </a:r>
+                    </a:p>
+                  </a:txBody>
+                  <a:tcPr marL="68580" marR="68580" marT="0" marB="0"/>
+                </a:tc>
+                <a:extLst>
+                  <a:ext uri="{0D108BD9-81ED-4DB2-BD59-A6C34878D82A}">
+                    <a16:rowId xmlns:a16="http://schemas.microsoft.com/office/drawing/2014/main" val="760063107"/>
+                  </a:ext>
+                </a:extLst>
+              </a:tr>
+              <a:tr h="200658">
+                <a:tc>
+                  <a:txBody>
+                    <a:bodyPr/>
+                    <a:lstStyle/>
+                    <a:p>
+                      <a:pPr marL="0" algn="l" defTabSz="914400" rtl="0" eaLnBrk="1" latinLnBrk="0" hangingPunct="1"/>
+                      <a:endParaRPr lang="en-GB" sz="1800" b="1" kern="100" dirty="0">
+                        <a:solidFill>
+                          <a:schemeClr val="lt1"/>
+                        </a:solidFill>
+                        <a:effectLst/>
+                        <a:latin typeface="Aptos" panose="020B0004020202020204" pitchFamily="34" charset="0"/>
+                        <a:ea typeface="Aptos" panose="020B0004020202020204" pitchFamily="34" charset="0"/>
+                        <a:cs typeface="Times New Roman" panose="02020603050405020304" pitchFamily="18" charset="0"/>
+                      </a:endParaRPr>
+                    </a:p>
+                  </a:txBody>
+                  <a:tcPr marL="58277" marR="58277" marT="0" marB="0"/>
+                </a:tc>
+                <a:tc>
+                  <a:txBody>
+                    <a:bodyPr/>
+                    <a:lstStyle/>
+                    <a:p>
+                      <a:pPr marL="0" algn="ctr" defTabSz="914400" rtl="0" eaLnBrk="1" latinLnBrk="0" hangingPunct="1"/>
+                      <a:endParaRPr lang="en-GB" sz="1800" kern="100" dirty="0">
+                        <a:solidFill>
+                          <a:schemeClr val="dk1"/>
+                        </a:solidFill>
+                        <a:effectLst/>
+                        <a:latin typeface="+mn-lt"/>
+                        <a:ea typeface="+mn-ea"/>
+                        <a:cs typeface="+mn-cs"/>
+                      </a:endParaRPr>
+                    </a:p>
+                  </a:txBody>
+                  <a:tcPr marL="58277" marR="58277" marT="0" marB="0" anchor="ctr"/>
+                </a:tc>
+                <a:tc>
+                  <a:txBody>
+                    <a:bodyPr/>
+                    <a:lstStyle/>
+                    <a:p>
+                      <a:pPr marL="0" algn="ctr" defTabSz="914400" rtl="0" eaLnBrk="1" latinLnBrk="0" hangingPunct="1"/>
+                      <a:endParaRPr lang="en-GB" sz="1800" kern="100" dirty="0">
+                        <a:solidFill>
+                          <a:schemeClr val="dk1"/>
+                        </a:solidFill>
+                        <a:effectLst/>
+                        <a:latin typeface="+mn-lt"/>
+                        <a:ea typeface="+mn-ea"/>
+                        <a:cs typeface="+mn-cs"/>
+                      </a:endParaRPr>
+                    </a:p>
+                  </a:txBody>
+                  <a:tcPr marL="58277" marR="58277" marT="0" marB="0" anchor="ctr"/>
+                </a:tc>
+                <a:tc>
+                  <a:txBody>
+                    <a:bodyPr/>
+                    <a:lstStyle/>
+                    <a:p>
+                      <a:pPr marL="0" algn="ctr" defTabSz="914400" rtl="0" eaLnBrk="1" latinLnBrk="0" hangingPunct="1"/>
+                      <a:endParaRPr lang="en-GB" sz="1800" kern="100" dirty="0">
+                        <a:solidFill>
+                          <a:schemeClr val="dk1"/>
+                        </a:solidFill>
+                        <a:effectLst/>
+                        <a:latin typeface="+mn-lt"/>
+                        <a:ea typeface="+mn-ea"/>
+                        <a:cs typeface="+mn-cs"/>
+                      </a:endParaRPr>
+                    </a:p>
+                  </a:txBody>
+                  <a:tcPr marL="58277" marR="58277" marT="0" marB="0" anchor="ctr"/>
+                </a:tc>
+                <a:extLst>
+                  <a:ext uri="{0D108BD9-81ED-4DB2-BD59-A6C34878D82A}">
+                    <a16:rowId xmlns:a16="http://schemas.microsoft.com/office/drawing/2014/main" val="2597479352"/>
+                  </a:ext>
+                </a:extLst>
+              </a:tr>
+              <a:tr h="203559">
+                <a:tc>
+                  <a:txBody>
+                    <a:bodyPr/>
+                    <a:lstStyle/>
+                    <a:p>
+                      <a:pPr marL="0" algn="l" defTabSz="914400" rtl="0" eaLnBrk="1" latinLnBrk="0" hangingPunct="1"/>
+                      <a:r>
+                        <a:rPr lang="en-GB" sz="1800" b="1" kern="100" dirty="0">
+                          <a:solidFill>
+                            <a:schemeClr val="lt1"/>
+                          </a:solidFill>
+                          <a:effectLst/>
+                          <a:latin typeface="Aptos" panose="020B0004020202020204" pitchFamily="34" charset="0"/>
+                          <a:ea typeface="Aptos" panose="020B0004020202020204" pitchFamily="34" charset="0"/>
+                          <a:cs typeface="Times New Roman" panose="02020603050405020304" pitchFamily="18" charset="0"/>
+                        </a:rPr>
+                        <a:t>Propensity Adjusted Model</a:t>
+                      </a:r>
+                    </a:p>
+                  </a:txBody>
+                  <a:tcPr marL="58277" marR="58277" marT="0" marB="0"/>
+                </a:tc>
+                <a:tc>
+                  <a:txBody>
+                    <a:bodyPr/>
+                    <a:lstStyle/>
+                    <a:p>
+                      <a:pPr marL="0" algn="ctr" defTabSz="914400" rtl="0" eaLnBrk="1" latinLnBrk="0" hangingPunct="1"/>
+                      <a:r>
+                        <a:rPr lang="en-GB" sz="1800" kern="100">
+                          <a:solidFill>
+                            <a:schemeClr val="dk1"/>
+                          </a:solidFill>
+                          <a:effectLst/>
+                          <a:latin typeface="+mn-lt"/>
+                          <a:ea typeface="+mn-ea"/>
+                          <a:cs typeface="+mn-cs"/>
+                        </a:rPr>
+                        <a:t>              </a:t>
+                      </a:r>
+                    </a:p>
+                  </a:txBody>
+                  <a:tcPr marL="58277" marR="58277" marT="0" marB="0" anchor="ctr"/>
+                </a:tc>
+                <a:tc>
+                  <a:txBody>
+                    <a:bodyPr/>
+                    <a:lstStyle/>
+                    <a:p>
+                      <a:pPr marL="0" algn="ctr" defTabSz="914400" rtl="0" eaLnBrk="1" latinLnBrk="0" hangingPunct="1"/>
+                      <a:r>
+                        <a:rPr lang="en-GB" sz="1800" kern="100" dirty="0">
+                          <a:solidFill>
+                            <a:schemeClr val="dk1"/>
+                          </a:solidFill>
+                          <a:effectLst/>
+                          <a:latin typeface="+mn-lt"/>
+                          <a:ea typeface="+mn-ea"/>
+                          <a:cs typeface="+mn-cs"/>
+                        </a:rPr>
+                        <a:t>                  </a:t>
+                      </a:r>
+                    </a:p>
+                  </a:txBody>
+                  <a:tcPr marL="58277" marR="58277" marT="0" marB="0" anchor="ctr"/>
+                </a:tc>
+                <a:tc>
+                  <a:txBody>
+                    <a:bodyPr/>
+                    <a:lstStyle/>
+                    <a:p>
+                      <a:pPr marL="0" algn="ctr" defTabSz="914400" rtl="0" eaLnBrk="1" latinLnBrk="0" hangingPunct="1"/>
+                      <a:r>
+                        <a:rPr lang="en-GB" sz="1800" kern="100" dirty="0">
+                          <a:solidFill>
+                            <a:schemeClr val="dk1"/>
+                          </a:solidFill>
+                          <a:effectLst/>
+                          <a:latin typeface="+mn-lt"/>
+                          <a:ea typeface="+mn-ea"/>
+                          <a:cs typeface="+mn-cs"/>
+                        </a:rPr>
+                        <a:t>           </a:t>
+                      </a:r>
+                    </a:p>
+                  </a:txBody>
+                  <a:tcPr marL="58277" marR="58277" marT="0" marB="0" anchor="ctr"/>
+                </a:tc>
+                <a:extLst>
+                  <a:ext uri="{0D108BD9-81ED-4DB2-BD59-A6C34878D82A}">
+                    <a16:rowId xmlns:a16="http://schemas.microsoft.com/office/drawing/2014/main" val="3597283279"/>
+                  </a:ext>
+                </a:extLst>
+              </a:tr>
+              <a:tr h="407117">
+                <a:tc>
+                  <a:txBody>
+                    <a:bodyPr/>
+                    <a:lstStyle/>
+                    <a:p>
+                      <a:pPr marL="0" algn="l" defTabSz="914400" rtl="0" eaLnBrk="1" latinLnBrk="0" hangingPunct="1"/>
+                      <a:r>
+                        <a:rPr lang="en-GB" sz="1800" b="1" kern="100" dirty="0">
+                          <a:solidFill>
+                            <a:schemeClr val="lt1"/>
+                          </a:solidFill>
+                          <a:effectLst/>
+                          <a:latin typeface="Aptos" panose="020B0004020202020204" pitchFamily="34" charset="0"/>
+                          <a:cs typeface="Times New Roman" panose="02020603050405020304" pitchFamily="18" charset="0"/>
+                        </a:rPr>
+                        <a:t>(Intercept)2       </a:t>
+                      </a:r>
+                      <a:endParaRPr lang="en-GB" sz="1800" b="1" kern="100" dirty="0">
+                        <a:solidFill>
+                          <a:schemeClr val="lt1"/>
+                        </a:solidFill>
+                        <a:effectLst/>
+                        <a:latin typeface="Aptos" panose="020B0004020202020204" pitchFamily="34" charset="0"/>
+                        <a:ea typeface="Aptos" panose="020B0004020202020204" pitchFamily="34" charset="0"/>
+                        <a:cs typeface="Times New Roman" panose="02020603050405020304" pitchFamily="18" charset="0"/>
+                      </a:endParaRPr>
+                    </a:p>
+                  </a:txBody>
+                  <a:tcPr marL="58277" marR="58277" marT="0" marB="0"/>
+                </a:tc>
+                <a:tc>
+                  <a:txBody>
+                    <a:bodyPr/>
+                    <a:lstStyle/>
+                    <a:p>
+                      <a:pPr marL="0" algn="ctr" defTabSz="914400" rtl="0" eaLnBrk="1" latinLnBrk="0" hangingPunct="1"/>
+                      <a:r>
+                        <a:rPr lang="en-GB" sz="1800" kern="100">
+                          <a:solidFill>
+                            <a:schemeClr val="dk1"/>
+                          </a:solidFill>
+                          <a:effectLst/>
+                          <a:latin typeface="+mn-lt"/>
+                          <a:ea typeface="+mn-ea"/>
+                          <a:cs typeface="+mn-cs"/>
+                        </a:rPr>
+                        <a:t>-2.07 (0.179) </a:t>
+                      </a:r>
+                    </a:p>
+                  </a:txBody>
+                  <a:tcPr marL="68580" marR="68580" marT="0" marB="0"/>
+                </a:tc>
+                <a:tc>
+                  <a:txBody>
+                    <a:bodyPr/>
+                    <a:lstStyle/>
+                    <a:p>
+                      <a:pPr marL="0" algn="ctr" defTabSz="914400" rtl="0" eaLnBrk="1" latinLnBrk="0" hangingPunct="1"/>
+                      <a:r>
+                        <a:rPr lang="en-GB" sz="1800" kern="100" dirty="0">
+                          <a:solidFill>
+                            <a:schemeClr val="dk1"/>
+                          </a:solidFill>
+                          <a:effectLst/>
+                          <a:latin typeface="+mn-lt"/>
+                          <a:ea typeface="+mn-ea"/>
+                          <a:cs typeface="+mn-cs"/>
+                        </a:rPr>
+                        <a:t>0.13 (0.09, 0.18)  </a:t>
+                      </a:r>
+                    </a:p>
+                  </a:txBody>
+                  <a:tcPr marL="68580" marR="68580" marT="0" marB="0"/>
+                </a:tc>
+                <a:tc>
+                  <a:txBody>
+                    <a:bodyPr/>
+                    <a:lstStyle/>
+                    <a:p>
+                      <a:pPr marL="0" algn="ctr" defTabSz="914400" rtl="0" eaLnBrk="1" latinLnBrk="0" hangingPunct="1"/>
+                      <a:r>
+                        <a:rPr lang="en-GB" sz="1800" kern="100" dirty="0">
+                          <a:solidFill>
+                            <a:schemeClr val="dk1"/>
+                          </a:solidFill>
+                          <a:effectLst/>
+                          <a:latin typeface="+mn-lt"/>
+                          <a:ea typeface="+mn-ea"/>
+                          <a:cs typeface="+mn-cs"/>
+                        </a:rPr>
+                        <a:t>&lt;0.001     </a:t>
+                      </a:r>
+                    </a:p>
+                  </a:txBody>
+                  <a:tcPr marL="68580" marR="68580" marT="0" marB="0"/>
+                </a:tc>
+                <a:extLst>
+                  <a:ext uri="{0D108BD9-81ED-4DB2-BD59-A6C34878D82A}">
+                    <a16:rowId xmlns:a16="http://schemas.microsoft.com/office/drawing/2014/main" val="1607940261"/>
+                  </a:ext>
+                </a:extLst>
+              </a:tr>
+              <a:tr h="407117">
+                <a:tc>
+                  <a:txBody>
+                    <a:bodyPr/>
+                    <a:lstStyle/>
+                    <a:p>
+                      <a:pPr marL="0" algn="l" defTabSz="914400" rtl="0" eaLnBrk="1" latinLnBrk="0" hangingPunct="1"/>
+                      <a:r>
+                        <a:rPr lang="en-GB" sz="1800" b="1" kern="100" dirty="0">
+                          <a:solidFill>
+                            <a:schemeClr val="lt1"/>
+                          </a:solidFill>
+                          <a:effectLst/>
+                          <a:latin typeface="Aptos" panose="020B0004020202020204" pitchFamily="34" charset="0"/>
+                          <a:cs typeface="Times New Roman" panose="02020603050405020304" pitchFamily="18" charset="0"/>
+                        </a:rPr>
+                        <a:t>Antibiotics Vs No Antibiotics               </a:t>
+                      </a:r>
+                      <a:endParaRPr lang="en-GB" sz="1800" b="1" kern="100" dirty="0">
+                        <a:solidFill>
+                          <a:schemeClr val="lt1"/>
+                        </a:solidFill>
+                        <a:effectLst/>
+                        <a:latin typeface="Aptos" panose="020B0004020202020204" pitchFamily="34" charset="0"/>
+                        <a:ea typeface="Aptos" panose="020B0004020202020204" pitchFamily="34" charset="0"/>
+                        <a:cs typeface="Times New Roman" panose="02020603050405020304" pitchFamily="18" charset="0"/>
+                      </a:endParaRPr>
+                    </a:p>
+                  </a:txBody>
+                  <a:tcPr marL="58277" marR="58277" marT="0" marB="0"/>
+                </a:tc>
+                <a:tc>
+                  <a:txBody>
+                    <a:bodyPr/>
+                    <a:lstStyle/>
+                    <a:p>
+                      <a:pPr marL="0" algn="ctr" defTabSz="914400" rtl="0" eaLnBrk="1" latinLnBrk="0" hangingPunct="1"/>
+                      <a:r>
+                        <a:rPr lang="en-GB" sz="1800" kern="100">
+                          <a:solidFill>
+                            <a:schemeClr val="dk1"/>
+                          </a:solidFill>
+                          <a:effectLst/>
+                          <a:latin typeface="+mn-lt"/>
+                          <a:ea typeface="+mn-ea"/>
+                          <a:cs typeface="+mn-cs"/>
+                        </a:rPr>
+                        <a:t>-0.14 (0.266) </a:t>
+                      </a:r>
+                    </a:p>
+                  </a:txBody>
+                  <a:tcPr marL="68580" marR="68580" marT="0" marB="0"/>
+                </a:tc>
+                <a:tc>
+                  <a:txBody>
+                    <a:bodyPr/>
+                    <a:lstStyle/>
+                    <a:p>
+                      <a:pPr marL="0" algn="ctr" defTabSz="914400" rtl="0" eaLnBrk="1" latinLnBrk="0" hangingPunct="1"/>
+                      <a:r>
+                        <a:rPr lang="en-GB" sz="1800" kern="100" dirty="0">
+                          <a:solidFill>
+                            <a:schemeClr val="dk1"/>
+                          </a:solidFill>
+                          <a:effectLst/>
+                          <a:latin typeface="+mn-lt"/>
+                          <a:ea typeface="+mn-ea"/>
+                          <a:cs typeface="+mn-cs"/>
+                        </a:rPr>
+                        <a:t>0.87 (0.51, 1.46)  </a:t>
+                      </a:r>
+                    </a:p>
+                  </a:txBody>
+                  <a:tcPr marL="68580" marR="68580" marT="0" marB="0"/>
+                </a:tc>
+                <a:tc>
+                  <a:txBody>
+                    <a:bodyPr/>
+                    <a:lstStyle/>
+                    <a:p>
+                      <a:pPr marL="0" algn="ctr" defTabSz="914400" rtl="0" eaLnBrk="1" latinLnBrk="0" hangingPunct="1"/>
+                      <a:r>
+                        <a:rPr lang="en-GB" sz="1800" kern="100" dirty="0">
+                          <a:solidFill>
+                            <a:schemeClr val="dk1"/>
+                          </a:solidFill>
+                          <a:effectLst/>
+                          <a:latin typeface="+mn-lt"/>
+                          <a:ea typeface="+mn-ea"/>
+                          <a:cs typeface="+mn-cs"/>
+                        </a:rPr>
+                        <a:t>0.587      </a:t>
+                      </a:r>
+                    </a:p>
+                  </a:txBody>
+                  <a:tcPr marL="68580" marR="68580" marT="0" marB="0"/>
+                </a:tc>
+                <a:extLst>
+                  <a:ext uri="{0D108BD9-81ED-4DB2-BD59-A6C34878D82A}">
+                    <a16:rowId xmlns:a16="http://schemas.microsoft.com/office/drawing/2014/main" val="1812785408"/>
+                  </a:ext>
+                </a:extLst>
+              </a:tr>
+            </a:tbl>
+          </a:graphicData>
+        </a:graphic>
+      </p:graphicFrame>
+    </p:spTree>
+    <p:extLst>
+      <p:ext uri="{BB962C8B-B14F-4D97-AF65-F5344CB8AC3E}">
+        <p14:creationId xmlns:p14="http://schemas.microsoft.com/office/powerpoint/2010/main" val="2786627107"/>
+      </p:ext>
+    </p:extLst>
+  </p:cSld>
+  <p:clrMapOvr>
+    <a:masterClrMapping/>
+  </p:clrMapOvr>
+</p:sld>
+</file>
+
+<file path=ppt/slides/slide14.xml><?xml version="1.0" encoding="utf-8"?>
 <p:sld xmlns:a="http://schemas.openxmlformats.org/drawingml/2006/main" xmlns:r="http://schemas.openxmlformats.org/officeDocument/2006/relationships" xmlns:p="http://schemas.openxmlformats.org/presentationml/2006/main">
   <p:cSld>
     <p:spTree>
@@ -4693,7 +9326,2131 @@
 </p:sld>
 </file>
 
-<file path=ppt/slides/slide12.xml><?xml version="1.0" encoding="utf-8"?>
+<file path=ppt/slides/slide15.xml><?xml version="1.0" encoding="utf-8"?>
+<p:sld xmlns:a="http://schemas.openxmlformats.org/drawingml/2006/main" xmlns:r="http://schemas.openxmlformats.org/officeDocument/2006/relationships" xmlns:p="http://schemas.openxmlformats.org/presentationml/2006/main">
+  <p:cSld>
+    <p:spTree>
+      <p:nvGrpSpPr>
+        <p:cNvPr id="1" name="">
+          <a:extLst>
+            <a:ext uri="{FF2B5EF4-FFF2-40B4-BE49-F238E27FC236}">
+              <a16:creationId xmlns:a16="http://schemas.microsoft.com/office/drawing/2014/main" id="{451960AB-FE88-B2C3-E762-DC258FC7B1D9}"/>
+            </a:ext>
+          </a:extLst>
+        </p:cNvPr>
+        <p:cNvGrpSpPr/>
+        <p:nvPr/>
+      </p:nvGrpSpPr>
+      <p:grpSpPr>
+        <a:xfrm>
+          <a:off x="0" y="0"/>
+          <a:ext cx="0" cy="0"/>
+          <a:chOff x="0" y="0"/>
+          <a:chExt cx="0" cy="0"/>
+        </a:xfrm>
+      </p:grpSpPr>
+      <p:graphicFrame>
+        <p:nvGraphicFramePr>
+          <p:cNvPr id="6" name="Table 5">
+            <a:extLst>
+              <a:ext uri="{FF2B5EF4-FFF2-40B4-BE49-F238E27FC236}">
+                <a16:creationId xmlns:a16="http://schemas.microsoft.com/office/drawing/2014/main" id="{269372C3-2FC7-48F5-1302-4065B8128C54}"/>
+              </a:ext>
+            </a:extLst>
+          </p:cNvPr>
+          <p:cNvGraphicFramePr>
+            <a:graphicFrameLocks noGrp="1"/>
+          </p:cNvGraphicFramePr>
+          <p:nvPr>
+            <p:extLst>
+              <p:ext uri="{D42A27DB-BD31-4B8C-83A1-F6EECF244321}">
+                <p14:modId xmlns:p14="http://schemas.microsoft.com/office/powerpoint/2010/main" val="3593544075"/>
+              </p:ext>
+            </p:extLst>
+          </p:nvPr>
+        </p:nvGraphicFramePr>
+        <p:xfrm>
+          <a:off x="691662" y="154612"/>
+          <a:ext cx="11024917" cy="6548776"/>
+        </p:xfrm>
+        <a:graphic>
+          <a:graphicData uri="http://schemas.openxmlformats.org/drawingml/2006/table">
+            <a:tbl>
+              <a:tblPr firstRow="1" firstCol="1" bandRow="1">
+                <a:tableStyleId>{5C22544A-7EE6-4342-B048-85BDC9FD1C3A}</a:tableStyleId>
+              </a:tblPr>
+              <a:tblGrid>
+                <a:gridCol w="4384431">
+                  <a:extLst>
+                    <a:ext uri="{9D8B030D-6E8A-4147-A177-3AD203B41FA5}">
+                      <a16:colId xmlns:a16="http://schemas.microsoft.com/office/drawing/2014/main" val="3950663837"/>
+                    </a:ext>
+                  </a:extLst>
+                </a:gridCol>
+                <a:gridCol w="2368061">
+                  <a:extLst>
+                    <a:ext uri="{9D8B030D-6E8A-4147-A177-3AD203B41FA5}">
+                      <a16:colId xmlns:a16="http://schemas.microsoft.com/office/drawing/2014/main" val="4257245582"/>
+                    </a:ext>
+                  </a:extLst>
+                </a:gridCol>
+                <a:gridCol w="2766646">
+                  <a:extLst>
+                    <a:ext uri="{9D8B030D-6E8A-4147-A177-3AD203B41FA5}">
+                      <a16:colId xmlns:a16="http://schemas.microsoft.com/office/drawing/2014/main" val="3678687291"/>
+                    </a:ext>
+                  </a:extLst>
+                </a:gridCol>
+                <a:gridCol w="1505779">
+                  <a:extLst>
+                    <a:ext uri="{9D8B030D-6E8A-4147-A177-3AD203B41FA5}">
+                      <a16:colId xmlns:a16="http://schemas.microsoft.com/office/drawing/2014/main" val="3525693723"/>
+                    </a:ext>
+                  </a:extLst>
+                </a:gridCol>
+              </a:tblGrid>
+              <a:tr h="203559">
+                <a:tc>
+                  <a:txBody>
+                    <a:bodyPr/>
+                    <a:lstStyle/>
+                    <a:p>
+                      <a:pPr marL="0" algn="l" defTabSz="914400" rtl="0" eaLnBrk="1" latinLnBrk="0" hangingPunct="1"/>
+                      <a:endParaRPr lang="en-GB" sz="1800" b="1" kern="100" dirty="0">
+                        <a:solidFill>
+                          <a:schemeClr val="lt1"/>
+                        </a:solidFill>
+                        <a:effectLst/>
+                        <a:latin typeface="Aptos" panose="020B0004020202020204" pitchFamily="34" charset="0"/>
+                        <a:ea typeface="Aptos" panose="020B0004020202020204" pitchFamily="34" charset="0"/>
+                        <a:cs typeface="Times New Roman" panose="02020603050405020304" pitchFamily="18" charset="0"/>
+                      </a:endParaRPr>
+                    </a:p>
+                  </a:txBody>
+                  <a:tcPr marL="58277" marR="58277" marT="0" marB="0"/>
+                </a:tc>
+                <a:tc>
+                  <a:txBody>
+                    <a:bodyPr/>
+                    <a:lstStyle/>
+                    <a:p>
+                      <a:pPr marL="0" algn="l" defTabSz="914400" rtl="0" eaLnBrk="1" latinLnBrk="0" hangingPunct="1"/>
+                      <a:r>
+                        <a:rPr lang="en-GB" sz="1800" b="1" kern="100" dirty="0">
+                          <a:solidFill>
+                            <a:schemeClr val="lt1"/>
+                          </a:solidFill>
+                          <a:effectLst/>
+                          <a:latin typeface="Aptos" panose="020B0004020202020204" pitchFamily="34" charset="0"/>
+                          <a:cs typeface="Times New Roman" panose="02020603050405020304" pitchFamily="18" charset="0"/>
+                        </a:rPr>
+                        <a:t>No Anti</a:t>
+                      </a:r>
+                      <a:endParaRPr lang="en-GB" sz="1800" b="1" kern="100" dirty="0">
+                        <a:solidFill>
+                          <a:schemeClr val="lt1"/>
+                        </a:solidFill>
+                        <a:effectLst/>
+                        <a:latin typeface="Aptos" panose="020B0004020202020204" pitchFamily="34" charset="0"/>
+                        <a:ea typeface="Aptos" panose="020B0004020202020204" pitchFamily="34" charset="0"/>
+                        <a:cs typeface="Times New Roman" panose="02020603050405020304" pitchFamily="18" charset="0"/>
+                      </a:endParaRPr>
+                    </a:p>
+                  </a:txBody>
+                  <a:tcPr marL="58277" marR="58277" marT="0" marB="0"/>
+                </a:tc>
+                <a:tc>
+                  <a:txBody>
+                    <a:bodyPr/>
+                    <a:lstStyle/>
+                    <a:p>
+                      <a:pPr marL="0" algn="l" defTabSz="914400" rtl="0" eaLnBrk="1" latinLnBrk="0" hangingPunct="1"/>
+                      <a:r>
+                        <a:rPr lang="en-GB" sz="1800" b="1" kern="100">
+                          <a:solidFill>
+                            <a:schemeClr val="lt1"/>
+                          </a:solidFill>
+                          <a:effectLst/>
+                          <a:latin typeface="Aptos" panose="020B0004020202020204" pitchFamily="34" charset="0"/>
+                          <a:cs typeface="Times New Roman" panose="02020603050405020304" pitchFamily="18" charset="0"/>
+                        </a:rPr>
+                        <a:t>Anti              </a:t>
+                      </a:r>
+                      <a:endParaRPr lang="en-GB" sz="1800" b="1" kern="100">
+                        <a:solidFill>
+                          <a:schemeClr val="lt1"/>
+                        </a:solidFill>
+                        <a:effectLst/>
+                        <a:latin typeface="Aptos" panose="020B0004020202020204" pitchFamily="34" charset="0"/>
+                        <a:ea typeface="Aptos" panose="020B0004020202020204" pitchFamily="34" charset="0"/>
+                        <a:cs typeface="Times New Roman" panose="02020603050405020304" pitchFamily="18" charset="0"/>
+                      </a:endParaRPr>
+                    </a:p>
+                  </a:txBody>
+                  <a:tcPr marL="58277" marR="58277" marT="0" marB="0"/>
+                </a:tc>
+                <a:tc>
+                  <a:txBody>
+                    <a:bodyPr/>
+                    <a:lstStyle/>
+                    <a:p>
+                      <a:pPr marL="0" algn="l" defTabSz="914400" rtl="0" eaLnBrk="1" latinLnBrk="0" hangingPunct="1"/>
+                      <a:r>
+                        <a:rPr lang="en-GB" sz="1800" b="1" kern="100" dirty="0">
+                          <a:solidFill>
+                            <a:schemeClr val="lt1"/>
+                          </a:solidFill>
+                          <a:effectLst/>
+                          <a:latin typeface="Aptos" panose="020B0004020202020204" pitchFamily="34" charset="0"/>
+                          <a:cs typeface="Times New Roman" panose="02020603050405020304" pitchFamily="18" charset="0"/>
+                        </a:rPr>
+                        <a:t>Total      </a:t>
+                      </a:r>
+                      <a:endParaRPr lang="en-GB" sz="1800" b="1" kern="100" dirty="0">
+                        <a:solidFill>
+                          <a:schemeClr val="lt1"/>
+                        </a:solidFill>
+                        <a:effectLst/>
+                        <a:latin typeface="Aptos" panose="020B0004020202020204" pitchFamily="34" charset="0"/>
+                        <a:ea typeface="Aptos" panose="020B0004020202020204" pitchFamily="34" charset="0"/>
+                        <a:cs typeface="Times New Roman" panose="02020603050405020304" pitchFamily="18" charset="0"/>
+                      </a:endParaRPr>
+                    </a:p>
+                  </a:txBody>
+                  <a:tcPr marL="58277" marR="58277" marT="0" marB="0"/>
+                </a:tc>
+                <a:extLst>
+                  <a:ext uri="{0D108BD9-81ED-4DB2-BD59-A6C34878D82A}">
+                    <a16:rowId xmlns:a16="http://schemas.microsoft.com/office/drawing/2014/main" val="3194737904"/>
+                  </a:ext>
+                </a:extLst>
+              </a:tr>
+              <a:tr h="203559">
+                <a:tc>
+                  <a:txBody>
+                    <a:bodyPr/>
+                    <a:lstStyle/>
+                    <a:p>
+                      <a:pPr marL="0" algn="l" defTabSz="914400" rtl="0" eaLnBrk="1" latinLnBrk="0" hangingPunct="1"/>
+                      <a:r>
+                        <a:rPr lang="en-GB" sz="1800" b="1" kern="100" dirty="0">
+                          <a:solidFill>
+                            <a:schemeClr val="lt1"/>
+                          </a:solidFill>
+                          <a:effectLst/>
+                          <a:latin typeface="Aptos" panose="020B0004020202020204" pitchFamily="34" charset="0"/>
+                          <a:cs typeface="Times New Roman" panose="02020603050405020304" pitchFamily="18" charset="0"/>
+                        </a:rPr>
+                        <a:t>No Response                  </a:t>
+                      </a:r>
+                      <a:endParaRPr lang="en-GB" sz="1800" b="1" kern="100" dirty="0">
+                        <a:solidFill>
+                          <a:schemeClr val="lt1"/>
+                        </a:solidFill>
+                        <a:effectLst/>
+                        <a:latin typeface="Aptos" panose="020B0004020202020204" pitchFamily="34" charset="0"/>
+                        <a:ea typeface="Aptos" panose="020B0004020202020204" pitchFamily="34" charset="0"/>
+                        <a:cs typeface="Times New Roman" panose="02020603050405020304" pitchFamily="18" charset="0"/>
+                      </a:endParaRPr>
+                    </a:p>
+                  </a:txBody>
+                  <a:tcPr marL="58277" marR="58277" marT="0" marB="0"/>
+                </a:tc>
+                <a:tc>
+                  <a:txBody>
+                    <a:bodyPr/>
+                    <a:lstStyle/>
+                    <a:p>
+                      <a:pPr marL="0" algn="ctr" defTabSz="914400" rtl="0" eaLnBrk="1" latinLnBrk="0" hangingPunct="1"/>
+                      <a:r>
+                        <a:rPr lang="en-GB" sz="1800" kern="100">
+                          <a:solidFill>
+                            <a:schemeClr val="dk1"/>
+                          </a:solidFill>
+                          <a:effectLst/>
+                          <a:latin typeface="+mn-lt"/>
+                          <a:ea typeface="+mn-ea"/>
+                          <a:cs typeface="+mn-cs"/>
+                        </a:rPr>
+                        <a:t>45 (76%)      </a:t>
+                      </a:r>
+                    </a:p>
+                  </a:txBody>
+                  <a:tcPr marL="68580" marR="68580" marT="0" marB="0"/>
+                </a:tc>
+                <a:tc>
+                  <a:txBody>
+                    <a:bodyPr/>
+                    <a:lstStyle/>
+                    <a:p>
+                      <a:pPr marL="0" algn="ctr" defTabSz="914400" rtl="0" eaLnBrk="1" latinLnBrk="0" hangingPunct="1"/>
+                      <a:r>
+                        <a:rPr lang="en-GB" sz="1800" kern="100">
+                          <a:solidFill>
+                            <a:schemeClr val="dk1"/>
+                          </a:solidFill>
+                          <a:effectLst/>
+                          <a:latin typeface="+mn-lt"/>
+                          <a:ea typeface="+mn-ea"/>
+                          <a:cs typeface="+mn-cs"/>
+                        </a:rPr>
+                        <a:t>72 (47%)          </a:t>
+                      </a:r>
+                    </a:p>
+                  </a:txBody>
+                  <a:tcPr marL="68580" marR="68580" marT="0" marB="0"/>
+                </a:tc>
+                <a:tc>
+                  <a:txBody>
+                    <a:bodyPr/>
+                    <a:lstStyle/>
+                    <a:p>
+                      <a:pPr marL="0" algn="ctr" defTabSz="914400" rtl="0" eaLnBrk="1" latinLnBrk="0" hangingPunct="1"/>
+                      <a:r>
+                        <a:rPr lang="en-GB" sz="1800" kern="100">
+                          <a:solidFill>
+                            <a:schemeClr val="dk1"/>
+                          </a:solidFill>
+                          <a:effectLst/>
+                          <a:latin typeface="+mn-lt"/>
+                          <a:ea typeface="+mn-ea"/>
+                          <a:cs typeface="+mn-cs"/>
+                        </a:rPr>
+                        <a:t>117 (55%)  </a:t>
+                      </a:r>
+                    </a:p>
+                  </a:txBody>
+                  <a:tcPr marL="68580" marR="68580" marT="0" marB="0"/>
+                </a:tc>
+                <a:extLst>
+                  <a:ext uri="{0D108BD9-81ED-4DB2-BD59-A6C34878D82A}">
+                    <a16:rowId xmlns:a16="http://schemas.microsoft.com/office/drawing/2014/main" val="2801341854"/>
+                  </a:ext>
+                </a:extLst>
+              </a:tr>
+              <a:tr h="203559">
+                <a:tc>
+                  <a:txBody>
+                    <a:bodyPr/>
+                    <a:lstStyle/>
+                    <a:p>
+                      <a:pPr marL="0" algn="l" defTabSz="914400" rtl="0" eaLnBrk="1" latinLnBrk="0" hangingPunct="1"/>
+                      <a:r>
+                        <a:rPr lang="en-GB" sz="1800" b="1" kern="100" dirty="0">
+                          <a:solidFill>
+                            <a:schemeClr val="lt1"/>
+                          </a:solidFill>
+                          <a:effectLst/>
+                          <a:latin typeface="Aptos" panose="020B0004020202020204" pitchFamily="34" charset="0"/>
+                          <a:ea typeface="Aptos" panose="020B0004020202020204" pitchFamily="34" charset="0"/>
+                          <a:cs typeface="Times New Roman" panose="02020603050405020304" pitchFamily="18" charset="0"/>
+                        </a:rPr>
+                        <a:t>Response</a:t>
+                      </a:r>
+                    </a:p>
+                  </a:txBody>
+                  <a:tcPr marL="58277" marR="58277" marT="0" marB="0"/>
+                </a:tc>
+                <a:tc>
+                  <a:txBody>
+                    <a:bodyPr/>
+                    <a:lstStyle/>
+                    <a:p>
+                      <a:pPr marL="0" algn="ctr" defTabSz="914400" rtl="0" eaLnBrk="1" latinLnBrk="0" hangingPunct="1"/>
+                      <a:r>
+                        <a:rPr lang="en-GB" sz="1800" kern="100">
+                          <a:solidFill>
+                            <a:schemeClr val="dk1"/>
+                          </a:solidFill>
+                          <a:effectLst/>
+                          <a:latin typeface="+mn-lt"/>
+                          <a:ea typeface="+mn-ea"/>
+                          <a:cs typeface="+mn-cs"/>
+                        </a:rPr>
+                        <a:t>14 (24%)      </a:t>
+                      </a:r>
+                    </a:p>
+                  </a:txBody>
+                  <a:tcPr marL="68580" marR="68580" marT="0" marB="0"/>
+                </a:tc>
+                <a:tc>
+                  <a:txBody>
+                    <a:bodyPr/>
+                    <a:lstStyle/>
+                    <a:p>
+                      <a:pPr marL="0" algn="ctr" defTabSz="914400" rtl="0" eaLnBrk="1" latinLnBrk="0" hangingPunct="1"/>
+                      <a:r>
+                        <a:rPr lang="en-GB" sz="1800" kern="100">
+                          <a:solidFill>
+                            <a:schemeClr val="dk1"/>
+                          </a:solidFill>
+                          <a:effectLst/>
+                          <a:latin typeface="+mn-lt"/>
+                          <a:ea typeface="+mn-ea"/>
+                          <a:cs typeface="+mn-cs"/>
+                        </a:rPr>
+                        <a:t>82 (53%)          </a:t>
+                      </a:r>
+                    </a:p>
+                  </a:txBody>
+                  <a:tcPr marL="68580" marR="68580" marT="0" marB="0"/>
+                </a:tc>
+                <a:tc>
+                  <a:txBody>
+                    <a:bodyPr/>
+                    <a:lstStyle/>
+                    <a:p>
+                      <a:pPr marL="0" algn="ctr" defTabSz="914400" rtl="0" eaLnBrk="1" latinLnBrk="0" hangingPunct="1"/>
+                      <a:r>
+                        <a:rPr lang="en-GB" sz="1800" kern="100">
+                          <a:solidFill>
+                            <a:schemeClr val="dk1"/>
+                          </a:solidFill>
+                          <a:effectLst/>
+                          <a:latin typeface="+mn-lt"/>
+                          <a:ea typeface="+mn-ea"/>
+                          <a:cs typeface="+mn-cs"/>
+                        </a:rPr>
+                        <a:t>96 (45%)   </a:t>
+                      </a:r>
+                    </a:p>
+                  </a:txBody>
+                  <a:tcPr marL="68580" marR="68580" marT="0" marB="0"/>
+                </a:tc>
+                <a:extLst>
+                  <a:ext uri="{0D108BD9-81ED-4DB2-BD59-A6C34878D82A}">
+                    <a16:rowId xmlns:a16="http://schemas.microsoft.com/office/drawing/2014/main" val="88307961"/>
+                  </a:ext>
+                </a:extLst>
+              </a:tr>
+              <a:tr h="203559">
+                <a:tc>
+                  <a:txBody>
+                    <a:bodyPr/>
+                    <a:lstStyle/>
+                    <a:p>
+                      <a:pPr marL="0" algn="l" defTabSz="914400" rtl="0" eaLnBrk="1" latinLnBrk="0" hangingPunct="1"/>
+                      <a:r>
+                        <a:rPr lang="en-GB" sz="1800" b="1" kern="100" dirty="0">
+                          <a:solidFill>
+                            <a:schemeClr val="lt1"/>
+                          </a:solidFill>
+                          <a:effectLst/>
+                          <a:latin typeface="Aptos" panose="020B0004020202020204" pitchFamily="34" charset="0"/>
+                          <a:cs typeface="Times New Roman" panose="02020603050405020304" pitchFamily="18" charset="0"/>
+                        </a:rPr>
+                        <a:t>Total              </a:t>
+                      </a:r>
+                      <a:endParaRPr lang="en-GB" sz="1800" b="1" kern="100" dirty="0">
+                        <a:solidFill>
+                          <a:schemeClr val="lt1"/>
+                        </a:solidFill>
+                        <a:effectLst/>
+                        <a:latin typeface="Aptos" panose="020B0004020202020204" pitchFamily="34" charset="0"/>
+                        <a:ea typeface="Aptos" panose="020B0004020202020204" pitchFamily="34" charset="0"/>
+                        <a:cs typeface="Times New Roman" panose="02020603050405020304" pitchFamily="18" charset="0"/>
+                      </a:endParaRPr>
+                    </a:p>
+                  </a:txBody>
+                  <a:tcPr marL="58277" marR="58277" marT="0" marB="0"/>
+                </a:tc>
+                <a:tc>
+                  <a:txBody>
+                    <a:bodyPr/>
+                    <a:lstStyle/>
+                    <a:p>
+                      <a:pPr marL="0" algn="ctr" defTabSz="914400" rtl="0" eaLnBrk="1" latinLnBrk="0" hangingPunct="1"/>
+                      <a:r>
+                        <a:rPr lang="en-GB" sz="1800" kern="100">
+                          <a:solidFill>
+                            <a:schemeClr val="dk1"/>
+                          </a:solidFill>
+                          <a:effectLst/>
+                          <a:latin typeface="+mn-lt"/>
+                          <a:ea typeface="+mn-ea"/>
+                          <a:cs typeface="+mn-cs"/>
+                        </a:rPr>
+                        <a:t>59            </a:t>
+                      </a:r>
+                    </a:p>
+                  </a:txBody>
+                  <a:tcPr marL="68580" marR="68580" marT="0" marB="0"/>
+                </a:tc>
+                <a:tc>
+                  <a:txBody>
+                    <a:bodyPr/>
+                    <a:lstStyle/>
+                    <a:p>
+                      <a:pPr marL="0" algn="ctr" defTabSz="914400" rtl="0" eaLnBrk="1" latinLnBrk="0" hangingPunct="1"/>
+                      <a:r>
+                        <a:rPr lang="en-GB" sz="1800" kern="100">
+                          <a:solidFill>
+                            <a:schemeClr val="dk1"/>
+                          </a:solidFill>
+                          <a:effectLst/>
+                          <a:latin typeface="+mn-lt"/>
+                          <a:ea typeface="+mn-ea"/>
+                          <a:cs typeface="+mn-cs"/>
+                        </a:rPr>
+                        <a:t>154               </a:t>
+                      </a:r>
+                    </a:p>
+                  </a:txBody>
+                  <a:tcPr marL="68580" marR="68580" marT="0" marB="0"/>
+                </a:tc>
+                <a:tc>
+                  <a:txBody>
+                    <a:bodyPr/>
+                    <a:lstStyle/>
+                    <a:p>
+                      <a:pPr marL="0" algn="ctr" defTabSz="914400" rtl="0" eaLnBrk="1" latinLnBrk="0" hangingPunct="1"/>
+                      <a:r>
+                        <a:rPr lang="en-GB" sz="1800" kern="100">
+                          <a:solidFill>
+                            <a:schemeClr val="dk1"/>
+                          </a:solidFill>
+                          <a:effectLst/>
+                          <a:latin typeface="+mn-lt"/>
+                          <a:ea typeface="+mn-ea"/>
+                          <a:cs typeface="+mn-cs"/>
+                        </a:rPr>
+                        <a:t>213        </a:t>
+                      </a:r>
+                    </a:p>
+                  </a:txBody>
+                  <a:tcPr marL="68580" marR="68580" marT="0" marB="0"/>
+                </a:tc>
+                <a:extLst>
+                  <a:ext uri="{0D108BD9-81ED-4DB2-BD59-A6C34878D82A}">
+                    <a16:rowId xmlns:a16="http://schemas.microsoft.com/office/drawing/2014/main" val="3280659726"/>
+                  </a:ext>
+                </a:extLst>
+              </a:tr>
+              <a:tr h="203559">
+                <a:tc>
+                  <a:txBody>
+                    <a:bodyPr/>
+                    <a:lstStyle/>
+                    <a:p>
+                      <a:pPr marL="0" algn="l" defTabSz="914400" rtl="0" eaLnBrk="1" latinLnBrk="0" hangingPunct="1"/>
+                      <a:r>
+                        <a:rPr lang="en-GB" sz="1800" b="1" kern="100" dirty="0">
+                          <a:solidFill>
+                            <a:schemeClr val="lt1"/>
+                          </a:solidFill>
+                          <a:effectLst/>
+                          <a:latin typeface="Aptos" panose="020B0004020202020204" pitchFamily="34" charset="0"/>
+                          <a:cs typeface="Times New Roman" panose="02020603050405020304" pitchFamily="18" charset="0"/>
+                        </a:rPr>
+                        <a:t>                   </a:t>
+                      </a:r>
+                      <a:endParaRPr lang="en-GB" sz="1800" b="1" kern="100" dirty="0">
+                        <a:solidFill>
+                          <a:schemeClr val="lt1"/>
+                        </a:solidFill>
+                        <a:effectLst/>
+                        <a:latin typeface="Aptos" panose="020B0004020202020204" pitchFamily="34" charset="0"/>
+                        <a:ea typeface="Aptos" panose="020B0004020202020204" pitchFamily="34" charset="0"/>
+                        <a:cs typeface="Times New Roman" panose="02020603050405020304" pitchFamily="18" charset="0"/>
+                      </a:endParaRPr>
+                    </a:p>
+                  </a:txBody>
+                  <a:tcPr marL="58277" marR="58277" marT="0" marB="0"/>
+                </a:tc>
+                <a:tc>
+                  <a:txBody>
+                    <a:bodyPr/>
+                    <a:lstStyle/>
+                    <a:p>
+                      <a:pPr marL="0" algn="ctr" defTabSz="914400" rtl="0" eaLnBrk="1" latinLnBrk="0" hangingPunct="1"/>
+                      <a:r>
+                        <a:rPr lang="en-GB" sz="1800" kern="100">
+                          <a:solidFill>
+                            <a:schemeClr val="dk1"/>
+                          </a:solidFill>
+                          <a:effectLst/>
+                          <a:latin typeface="+mn-lt"/>
+                          <a:ea typeface="+mn-ea"/>
+                          <a:cs typeface="+mn-cs"/>
+                        </a:rPr>
+                        <a:t>0.6 (0.2)     </a:t>
+                      </a:r>
+                    </a:p>
+                  </a:txBody>
+                  <a:tcPr marL="68580" marR="68580" marT="0" marB="0"/>
+                </a:tc>
+                <a:tc>
+                  <a:txBody>
+                    <a:bodyPr/>
+                    <a:lstStyle/>
+                    <a:p>
+                      <a:pPr marL="0" algn="ctr" defTabSz="914400" rtl="0" eaLnBrk="1" latinLnBrk="0" hangingPunct="1"/>
+                      <a:r>
+                        <a:rPr lang="en-GB" sz="1800" kern="100">
+                          <a:solidFill>
+                            <a:schemeClr val="dk1"/>
+                          </a:solidFill>
+                          <a:effectLst/>
+                          <a:latin typeface="+mn-lt"/>
+                          <a:ea typeface="+mn-ea"/>
+                          <a:cs typeface="+mn-cs"/>
+                        </a:rPr>
+                        <a:t>0.8 (0.15)        </a:t>
+                      </a:r>
+                    </a:p>
+                  </a:txBody>
+                  <a:tcPr marL="68580" marR="68580" marT="0" marB="0"/>
+                </a:tc>
+                <a:tc>
+                  <a:txBody>
+                    <a:bodyPr/>
+                    <a:lstStyle/>
+                    <a:p>
+                      <a:pPr marL="0" algn="ctr" defTabSz="914400" rtl="0" eaLnBrk="1" latinLnBrk="0" hangingPunct="1"/>
+                      <a:r>
+                        <a:rPr lang="en-GB" sz="1800" kern="100" dirty="0">
+                          <a:solidFill>
+                            <a:schemeClr val="dk1"/>
+                          </a:solidFill>
+                          <a:effectLst/>
+                          <a:latin typeface="+mn-lt"/>
+                          <a:ea typeface="+mn-ea"/>
+                          <a:cs typeface="+mn-cs"/>
+                        </a:rPr>
+                        <a:t>0.7 (0.01) </a:t>
+                      </a:r>
+                    </a:p>
+                  </a:txBody>
+                  <a:tcPr marL="68580" marR="68580" marT="0" marB="0"/>
+                </a:tc>
+                <a:extLst>
+                  <a:ext uri="{0D108BD9-81ED-4DB2-BD59-A6C34878D82A}">
+                    <a16:rowId xmlns:a16="http://schemas.microsoft.com/office/drawing/2014/main" val="2804719921"/>
+                  </a:ext>
+                </a:extLst>
+              </a:tr>
+              <a:tr h="203559">
+                <a:tc>
+                  <a:txBody>
+                    <a:bodyPr/>
+                    <a:lstStyle/>
+                    <a:p>
+                      <a:pPr marL="0" algn="l" defTabSz="914400" rtl="0" eaLnBrk="1" latinLnBrk="0" hangingPunct="1"/>
+                      <a:r>
+                        <a:rPr lang="en-GB" sz="1800" b="1" kern="100" dirty="0">
+                          <a:solidFill>
+                            <a:schemeClr val="lt1"/>
+                          </a:solidFill>
+                          <a:effectLst/>
+                          <a:latin typeface="Aptos" panose="020B0004020202020204" pitchFamily="34" charset="0"/>
+                          <a:cs typeface="Times New Roman" panose="02020603050405020304" pitchFamily="18" charset="0"/>
+                        </a:rPr>
+                        <a:t>                </a:t>
+                      </a:r>
+                      <a:endParaRPr lang="en-GB" sz="1800" b="1" kern="100" dirty="0">
+                        <a:solidFill>
+                          <a:schemeClr val="lt1"/>
+                        </a:solidFill>
+                        <a:effectLst/>
+                        <a:latin typeface="Aptos" panose="020B0004020202020204" pitchFamily="34" charset="0"/>
+                        <a:ea typeface="Aptos" panose="020B0004020202020204" pitchFamily="34" charset="0"/>
+                        <a:cs typeface="Times New Roman" panose="02020603050405020304" pitchFamily="18" charset="0"/>
+                      </a:endParaRPr>
+                    </a:p>
+                  </a:txBody>
+                  <a:tcPr marL="58277" marR="58277" marT="0" marB="0"/>
+                </a:tc>
+                <a:tc>
+                  <a:txBody>
+                    <a:bodyPr/>
+                    <a:lstStyle/>
+                    <a:p>
+                      <a:pPr marL="0" algn="l" defTabSz="914400" rtl="0" eaLnBrk="1" latinLnBrk="0" hangingPunct="1"/>
+                      <a:r>
+                        <a:rPr lang="en-GB" sz="1800" b="1" kern="100" dirty="0">
+                          <a:solidFill>
+                            <a:schemeClr val="lt1"/>
+                          </a:solidFill>
+                          <a:effectLst/>
+                          <a:latin typeface="Aptos" panose="020B0004020202020204" pitchFamily="34" charset="0"/>
+                          <a:cs typeface="Times New Roman" panose="02020603050405020304" pitchFamily="18" charset="0"/>
+                        </a:rPr>
+                        <a:t>              </a:t>
+                      </a:r>
+                      <a:endParaRPr lang="en-GB" sz="1800" b="1" kern="100" dirty="0">
+                        <a:solidFill>
+                          <a:schemeClr val="lt1"/>
+                        </a:solidFill>
+                        <a:effectLst/>
+                        <a:latin typeface="Aptos" panose="020B0004020202020204" pitchFamily="34" charset="0"/>
+                        <a:ea typeface="Aptos" panose="020B0004020202020204" pitchFamily="34" charset="0"/>
+                        <a:cs typeface="Times New Roman" panose="02020603050405020304" pitchFamily="18" charset="0"/>
+                      </a:endParaRPr>
+                    </a:p>
+                  </a:txBody>
+                  <a:tcPr marL="58277" marR="58277" marT="0" marB="0" anchor="ctr"/>
+                </a:tc>
+                <a:tc>
+                  <a:txBody>
+                    <a:bodyPr/>
+                    <a:lstStyle/>
+                    <a:p>
+                      <a:pPr marL="0" algn="l" defTabSz="914400" rtl="0" eaLnBrk="1" latinLnBrk="0" hangingPunct="1"/>
+                      <a:r>
+                        <a:rPr lang="en-GB" sz="1800" b="1" kern="100">
+                          <a:solidFill>
+                            <a:schemeClr val="lt1"/>
+                          </a:solidFill>
+                          <a:effectLst/>
+                          <a:latin typeface="Aptos" panose="020B0004020202020204" pitchFamily="34" charset="0"/>
+                          <a:cs typeface="Times New Roman" panose="02020603050405020304" pitchFamily="18" charset="0"/>
+                        </a:rPr>
+                        <a:t>                  </a:t>
+                      </a:r>
+                      <a:endParaRPr lang="en-GB" sz="1800" b="1" kern="100">
+                        <a:solidFill>
+                          <a:schemeClr val="lt1"/>
+                        </a:solidFill>
+                        <a:effectLst/>
+                        <a:latin typeface="Aptos" panose="020B0004020202020204" pitchFamily="34" charset="0"/>
+                        <a:ea typeface="Aptos" panose="020B0004020202020204" pitchFamily="34" charset="0"/>
+                        <a:cs typeface="Times New Roman" panose="02020603050405020304" pitchFamily="18" charset="0"/>
+                      </a:endParaRPr>
+                    </a:p>
+                  </a:txBody>
+                  <a:tcPr marL="58277" marR="58277" marT="0" marB="0" anchor="ctr"/>
+                </a:tc>
+                <a:tc>
+                  <a:txBody>
+                    <a:bodyPr/>
+                    <a:lstStyle/>
+                    <a:p>
+                      <a:pPr marL="0" algn="l" defTabSz="914400" rtl="0" eaLnBrk="1" latinLnBrk="0" hangingPunct="1"/>
+                      <a:r>
+                        <a:rPr lang="en-GB" sz="1800" b="1" kern="100" dirty="0">
+                          <a:solidFill>
+                            <a:schemeClr val="lt1"/>
+                          </a:solidFill>
+                          <a:effectLst/>
+                          <a:latin typeface="Aptos" panose="020B0004020202020204" pitchFamily="34" charset="0"/>
+                          <a:cs typeface="Times New Roman" panose="02020603050405020304" pitchFamily="18" charset="0"/>
+                        </a:rPr>
+                        <a:t>           </a:t>
+                      </a:r>
+                      <a:endParaRPr lang="en-GB" sz="1800" b="1" kern="100" dirty="0">
+                        <a:solidFill>
+                          <a:schemeClr val="lt1"/>
+                        </a:solidFill>
+                        <a:effectLst/>
+                        <a:latin typeface="Aptos" panose="020B0004020202020204" pitchFamily="34" charset="0"/>
+                        <a:ea typeface="Aptos" panose="020B0004020202020204" pitchFamily="34" charset="0"/>
+                        <a:cs typeface="Times New Roman" panose="02020603050405020304" pitchFamily="18" charset="0"/>
+                      </a:endParaRPr>
+                    </a:p>
+                  </a:txBody>
+                  <a:tcPr marL="58277" marR="58277" marT="0" marB="0" anchor="ctr"/>
+                </a:tc>
+                <a:extLst>
+                  <a:ext uri="{0D108BD9-81ED-4DB2-BD59-A6C34878D82A}">
+                    <a16:rowId xmlns:a16="http://schemas.microsoft.com/office/drawing/2014/main" val="2688398612"/>
+                  </a:ext>
+                </a:extLst>
+              </a:tr>
+              <a:tr h="203559">
+                <a:tc>
+                  <a:txBody>
+                    <a:bodyPr/>
+                    <a:lstStyle/>
+                    <a:p>
+                      <a:pPr marL="0" algn="l" defTabSz="914400" rtl="0" eaLnBrk="1" latinLnBrk="0" hangingPunct="1"/>
+                      <a:r>
+                        <a:rPr lang="en-GB" sz="1800" b="1" kern="100" dirty="0">
+                          <a:solidFill>
+                            <a:schemeClr val="lt1"/>
+                          </a:solidFill>
+                          <a:effectLst/>
+                          <a:latin typeface="Aptos" panose="020B0004020202020204" pitchFamily="34" charset="0"/>
+                          <a:ea typeface="Aptos" panose="020B0004020202020204" pitchFamily="34" charset="0"/>
+                          <a:cs typeface="Times New Roman" panose="02020603050405020304" pitchFamily="18" charset="0"/>
+                        </a:rPr>
+                        <a:t>Model Estimates</a:t>
+                      </a:r>
+                    </a:p>
+                  </a:txBody>
+                  <a:tcPr marL="58277" marR="58277" marT="0" marB="0"/>
+                </a:tc>
+                <a:tc>
+                  <a:txBody>
+                    <a:bodyPr/>
+                    <a:lstStyle/>
+                    <a:p>
+                      <a:pPr marL="0" algn="l" defTabSz="914400" rtl="0" eaLnBrk="1" latinLnBrk="0" hangingPunct="1"/>
+                      <a:endParaRPr lang="en-GB" sz="1800" b="1" kern="100" dirty="0">
+                        <a:solidFill>
+                          <a:schemeClr val="lt1"/>
+                        </a:solidFill>
+                        <a:effectLst/>
+                        <a:latin typeface="Aptos" panose="020B0004020202020204" pitchFamily="34" charset="0"/>
+                        <a:ea typeface="Aptos" panose="020B0004020202020204" pitchFamily="34" charset="0"/>
+                        <a:cs typeface="Times New Roman" panose="02020603050405020304" pitchFamily="18" charset="0"/>
+                      </a:endParaRPr>
+                    </a:p>
+                  </a:txBody>
+                  <a:tcPr marL="58277" marR="58277" marT="0" marB="0" anchor="ctr"/>
+                </a:tc>
+                <a:tc>
+                  <a:txBody>
+                    <a:bodyPr/>
+                    <a:lstStyle/>
+                    <a:p>
+                      <a:pPr marL="0" algn="l" defTabSz="914400" rtl="0" eaLnBrk="1" latinLnBrk="0" hangingPunct="1"/>
+                      <a:endParaRPr lang="en-GB" sz="1800" b="1" kern="100">
+                        <a:solidFill>
+                          <a:schemeClr val="lt1"/>
+                        </a:solidFill>
+                        <a:effectLst/>
+                        <a:latin typeface="Aptos" panose="020B0004020202020204" pitchFamily="34" charset="0"/>
+                        <a:ea typeface="Aptos" panose="020B0004020202020204" pitchFamily="34" charset="0"/>
+                        <a:cs typeface="Times New Roman" panose="02020603050405020304" pitchFamily="18" charset="0"/>
+                      </a:endParaRPr>
+                    </a:p>
+                  </a:txBody>
+                  <a:tcPr marL="58277" marR="58277" marT="0" marB="0" anchor="ctr"/>
+                </a:tc>
+                <a:tc>
+                  <a:txBody>
+                    <a:bodyPr/>
+                    <a:lstStyle/>
+                    <a:p>
+                      <a:pPr marL="0" algn="l" defTabSz="914400" rtl="0" eaLnBrk="1" latinLnBrk="0" hangingPunct="1"/>
+                      <a:endParaRPr lang="en-GB" sz="1800" b="1" kern="100" dirty="0">
+                        <a:solidFill>
+                          <a:schemeClr val="lt1"/>
+                        </a:solidFill>
+                        <a:effectLst/>
+                        <a:latin typeface="Aptos" panose="020B0004020202020204" pitchFamily="34" charset="0"/>
+                        <a:ea typeface="Aptos" panose="020B0004020202020204" pitchFamily="34" charset="0"/>
+                        <a:cs typeface="Times New Roman" panose="02020603050405020304" pitchFamily="18" charset="0"/>
+                      </a:endParaRPr>
+                    </a:p>
+                  </a:txBody>
+                  <a:tcPr marL="58277" marR="58277" marT="0" marB="0" anchor="ctr"/>
+                </a:tc>
+                <a:extLst>
+                  <a:ext uri="{0D108BD9-81ED-4DB2-BD59-A6C34878D82A}">
+                    <a16:rowId xmlns:a16="http://schemas.microsoft.com/office/drawing/2014/main" val="2258837355"/>
+                  </a:ext>
+                </a:extLst>
+              </a:tr>
+              <a:tr h="0">
+                <a:tc>
+                  <a:txBody>
+                    <a:bodyPr/>
+                    <a:lstStyle/>
+                    <a:p>
+                      <a:pPr marL="0" marR="0" lvl="0" indent="0" algn="l" defTabSz="914400" rtl="0" eaLnBrk="1" fontAlgn="auto" latinLnBrk="0" hangingPunct="1">
+                        <a:lnSpc>
+                          <a:spcPct val="100000"/>
+                        </a:lnSpc>
+                        <a:spcBef>
+                          <a:spcPts val="0"/>
+                        </a:spcBef>
+                        <a:spcAft>
+                          <a:spcPts val="0"/>
+                        </a:spcAft>
+                        <a:buClrTx/>
+                        <a:buSzTx/>
+                        <a:buFontTx/>
+                        <a:buNone/>
+                        <a:tabLst/>
+                        <a:defRPr/>
+                      </a:pPr>
+                      <a:r>
+                        <a:rPr lang="en-GB" sz="1800" b="1" kern="100" dirty="0">
+                          <a:solidFill>
+                            <a:schemeClr val="lt1"/>
+                          </a:solidFill>
+                          <a:effectLst/>
+                          <a:latin typeface="Aptos" panose="020B0004020202020204" pitchFamily="34" charset="0"/>
+                          <a:ea typeface="Aptos" panose="020B0004020202020204" pitchFamily="34" charset="0"/>
+                          <a:cs typeface="Times New Roman" panose="02020603050405020304" pitchFamily="18" charset="0"/>
+                        </a:rPr>
+                        <a:t>Propensity Score Model</a:t>
+                      </a:r>
+                    </a:p>
+                  </a:txBody>
+                  <a:tcPr marL="58277" marR="58277" marT="0" marB="0"/>
+                </a:tc>
+                <a:tc>
+                  <a:txBody>
+                    <a:bodyPr/>
+                    <a:lstStyle/>
+                    <a:p>
+                      <a:pPr marL="0" algn="ctr" defTabSz="914400" rtl="0" eaLnBrk="1" latinLnBrk="0" hangingPunct="1"/>
+                      <a:r>
+                        <a:rPr lang="en-GB" sz="1800" b="1" kern="100" dirty="0" err="1">
+                          <a:solidFill>
+                            <a:schemeClr val="dk1"/>
+                          </a:solidFill>
+                          <a:effectLst/>
+                          <a:latin typeface="+mn-lt"/>
+                          <a:ea typeface="+mn-ea"/>
+                          <a:cs typeface="+mn-cs"/>
+                        </a:rPr>
+                        <a:t>est</a:t>
+                      </a:r>
+                      <a:r>
+                        <a:rPr lang="en-GB" sz="1800" b="1" kern="100" dirty="0">
+                          <a:solidFill>
+                            <a:schemeClr val="dk1"/>
+                          </a:solidFill>
+                          <a:effectLst/>
+                          <a:latin typeface="+mn-lt"/>
+                          <a:ea typeface="+mn-ea"/>
+                          <a:cs typeface="+mn-cs"/>
+                        </a:rPr>
+                        <a:t> (se)      </a:t>
+                      </a:r>
+                    </a:p>
+                  </a:txBody>
+                  <a:tcPr marL="58277" marR="58277" marT="0" marB="0" anchor="ctr"/>
+                </a:tc>
+                <a:tc>
+                  <a:txBody>
+                    <a:bodyPr/>
+                    <a:lstStyle/>
+                    <a:p>
+                      <a:pPr marL="0" algn="ctr" defTabSz="914400" rtl="0" eaLnBrk="1" latinLnBrk="0" hangingPunct="1"/>
+                      <a:r>
+                        <a:rPr lang="en-GB" sz="1800" b="1" kern="100" dirty="0">
+                          <a:solidFill>
+                            <a:schemeClr val="dk1"/>
+                          </a:solidFill>
+                          <a:effectLst/>
+                          <a:latin typeface="+mn-lt"/>
+                          <a:ea typeface="+mn-ea"/>
+                          <a:cs typeface="+mn-cs"/>
+                        </a:rPr>
+                        <a:t>OR (95%CI)        </a:t>
+                      </a:r>
+                    </a:p>
+                  </a:txBody>
+                  <a:tcPr marL="58277" marR="58277" marT="0" marB="0" anchor="ctr"/>
+                </a:tc>
+                <a:tc>
+                  <a:txBody>
+                    <a:bodyPr/>
+                    <a:lstStyle/>
+                    <a:p>
+                      <a:pPr marL="0" algn="ctr" defTabSz="914400" rtl="0" eaLnBrk="1" latinLnBrk="0" hangingPunct="1"/>
+                      <a:r>
+                        <a:rPr lang="en-GB" sz="1800" b="1" kern="100" dirty="0" err="1">
+                          <a:solidFill>
+                            <a:schemeClr val="dk1"/>
+                          </a:solidFill>
+                          <a:effectLst/>
+                          <a:latin typeface="+mn-lt"/>
+                          <a:ea typeface="+mn-ea"/>
+                          <a:cs typeface="+mn-cs"/>
+                        </a:rPr>
+                        <a:t>Pval</a:t>
+                      </a:r>
+                      <a:r>
+                        <a:rPr lang="en-GB" sz="1800" b="1" kern="100" dirty="0">
+                          <a:solidFill>
+                            <a:schemeClr val="dk1"/>
+                          </a:solidFill>
+                          <a:effectLst/>
+                          <a:latin typeface="+mn-lt"/>
+                          <a:ea typeface="+mn-ea"/>
+                          <a:cs typeface="+mn-cs"/>
+                        </a:rPr>
+                        <a:t>       </a:t>
+                      </a:r>
+                    </a:p>
+                  </a:txBody>
+                  <a:tcPr marL="58277" marR="58277" marT="0" marB="0" anchor="ctr"/>
+                </a:tc>
+                <a:extLst>
+                  <a:ext uri="{0D108BD9-81ED-4DB2-BD59-A6C34878D82A}">
+                    <a16:rowId xmlns:a16="http://schemas.microsoft.com/office/drawing/2014/main" val="898315844"/>
+                  </a:ext>
+                </a:extLst>
+              </a:tr>
+              <a:tr h="407117">
+                <a:tc>
+                  <a:txBody>
+                    <a:bodyPr/>
+                    <a:lstStyle/>
+                    <a:p>
+                      <a:pPr marL="0" algn="l" defTabSz="914400" rtl="0" eaLnBrk="1" latinLnBrk="0" hangingPunct="1"/>
+                      <a:r>
+                        <a:rPr lang="en-GB" sz="1800" b="1" kern="100">
+                          <a:solidFill>
+                            <a:schemeClr val="lt1"/>
+                          </a:solidFill>
+                          <a:effectLst/>
+                          <a:latin typeface="Aptos" panose="020B0004020202020204" pitchFamily="34" charset="0"/>
+                          <a:ea typeface="+mn-ea"/>
+                          <a:cs typeface="Times New Roman" panose="02020603050405020304" pitchFamily="18" charset="0"/>
+                        </a:rPr>
+                        <a:t>(Intercept)        </a:t>
+                      </a:r>
+                    </a:p>
+                  </a:txBody>
+                  <a:tcPr marL="68580" marR="68580" marT="0" marB="0"/>
+                </a:tc>
+                <a:tc>
+                  <a:txBody>
+                    <a:bodyPr/>
+                    <a:lstStyle/>
+                    <a:p>
+                      <a:pPr marL="0" algn="ctr" defTabSz="914400" rtl="0" eaLnBrk="1" latinLnBrk="0" hangingPunct="1"/>
+                      <a:r>
+                        <a:rPr lang="en-GB" sz="1800" kern="100" dirty="0">
+                          <a:solidFill>
+                            <a:schemeClr val="dk1"/>
+                          </a:solidFill>
+                          <a:effectLst/>
+                          <a:latin typeface="+mn-lt"/>
+                          <a:ea typeface="+mn-ea"/>
+                          <a:cs typeface="+mn-cs"/>
+                        </a:rPr>
+                        <a:t>-9.14 (2.132) </a:t>
+                      </a:r>
+                    </a:p>
+                  </a:txBody>
+                  <a:tcPr marL="68580" marR="68580" marT="0" marB="0"/>
+                </a:tc>
+                <a:tc>
+                  <a:txBody>
+                    <a:bodyPr/>
+                    <a:lstStyle/>
+                    <a:p>
+                      <a:pPr marL="0" algn="ctr" defTabSz="914400" rtl="0" eaLnBrk="1" latinLnBrk="0" hangingPunct="1"/>
+                      <a:r>
+                        <a:rPr lang="en-GB" sz="1800" kern="100">
+                          <a:solidFill>
+                            <a:schemeClr val="dk1"/>
+                          </a:solidFill>
+                          <a:effectLst/>
+                          <a:latin typeface="+mn-lt"/>
+                          <a:ea typeface="+mn-ea"/>
+                          <a:cs typeface="+mn-cs"/>
+                        </a:rPr>
+                        <a:t>0 (0, 0.01)       </a:t>
+                      </a:r>
+                    </a:p>
+                  </a:txBody>
+                  <a:tcPr marL="68580" marR="68580" marT="0" marB="0"/>
+                </a:tc>
+                <a:tc>
+                  <a:txBody>
+                    <a:bodyPr/>
+                    <a:lstStyle/>
+                    <a:p>
+                      <a:pPr marL="0" algn="ctr" defTabSz="914400" rtl="0" eaLnBrk="1" latinLnBrk="0" hangingPunct="1"/>
+                      <a:r>
+                        <a:rPr lang="en-GB" sz="1800" kern="100">
+                          <a:solidFill>
+                            <a:schemeClr val="dk1"/>
+                          </a:solidFill>
+                          <a:effectLst/>
+                          <a:latin typeface="+mn-lt"/>
+                          <a:ea typeface="+mn-ea"/>
+                          <a:cs typeface="+mn-cs"/>
+                        </a:rPr>
+                        <a:t>&lt;0.001     </a:t>
+                      </a:r>
+                    </a:p>
+                  </a:txBody>
+                  <a:tcPr marL="68580" marR="68580" marT="0" marB="0"/>
+                </a:tc>
+                <a:extLst>
+                  <a:ext uri="{0D108BD9-81ED-4DB2-BD59-A6C34878D82A}">
+                    <a16:rowId xmlns:a16="http://schemas.microsoft.com/office/drawing/2014/main" val="3099839817"/>
+                  </a:ext>
+                </a:extLst>
+              </a:tr>
+              <a:tr h="407117">
+                <a:tc>
+                  <a:txBody>
+                    <a:bodyPr/>
+                    <a:lstStyle/>
+                    <a:p>
+                      <a:pPr marL="0" algn="l" defTabSz="914400" rtl="0" eaLnBrk="1" latinLnBrk="0" hangingPunct="1"/>
+                      <a:r>
+                        <a:rPr lang="en-GB" sz="1800" b="1" kern="100">
+                          <a:solidFill>
+                            <a:schemeClr val="lt1"/>
+                          </a:solidFill>
+                          <a:effectLst/>
+                          <a:latin typeface="Aptos" panose="020B0004020202020204" pitchFamily="34" charset="0"/>
+                          <a:ea typeface="+mn-ea"/>
+                          <a:cs typeface="Times New Roman" panose="02020603050405020304" pitchFamily="18" charset="0"/>
+                        </a:rPr>
+                        <a:t>Gestation.at.PPROM </a:t>
+                      </a:r>
+                    </a:p>
+                  </a:txBody>
+                  <a:tcPr marL="68580" marR="68580" marT="0" marB="0"/>
+                </a:tc>
+                <a:tc>
+                  <a:txBody>
+                    <a:bodyPr/>
+                    <a:lstStyle/>
+                    <a:p>
+                      <a:pPr marL="0" algn="ctr" defTabSz="914400" rtl="0" eaLnBrk="1" latinLnBrk="0" hangingPunct="1"/>
+                      <a:r>
+                        <a:rPr lang="en-GB" sz="1800" kern="100" dirty="0">
+                          <a:solidFill>
+                            <a:schemeClr val="dk1"/>
+                          </a:solidFill>
+                          <a:effectLst/>
+                          <a:latin typeface="+mn-lt"/>
+                          <a:ea typeface="+mn-ea"/>
+                          <a:cs typeface="+mn-cs"/>
+                        </a:rPr>
+                        <a:t>0.41 (0.097)  </a:t>
+                      </a:r>
+                    </a:p>
+                  </a:txBody>
+                  <a:tcPr marL="68580" marR="68580" marT="0" marB="0"/>
+                </a:tc>
+                <a:tc>
+                  <a:txBody>
+                    <a:bodyPr/>
+                    <a:lstStyle/>
+                    <a:p>
+                      <a:pPr marL="0" algn="ctr" defTabSz="914400" rtl="0" eaLnBrk="1" latinLnBrk="0" hangingPunct="1"/>
+                      <a:r>
+                        <a:rPr lang="en-GB" sz="1800" kern="100">
+                          <a:solidFill>
+                            <a:schemeClr val="dk1"/>
+                          </a:solidFill>
+                          <a:effectLst/>
+                          <a:latin typeface="+mn-lt"/>
+                          <a:ea typeface="+mn-ea"/>
+                          <a:cs typeface="+mn-cs"/>
+                        </a:rPr>
+                        <a:t>1.5 (1.24, 1.82)  </a:t>
+                      </a:r>
+                    </a:p>
+                  </a:txBody>
+                  <a:tcPr marL="68580" marR="68580" marT="0" marB="0"/>
+                </a:tc>
+                <a:tc>
+                  <a:txBody>
+                    <a:bodyPr/>
+                    <a:lstStyle/>
+                    <a:p>
+                      <a:pPr marL="0" algn="ctr" defTabSz="914400" rtl="0" eaLnBrk="1" latinLnBrk="0" hangingPunct="1"/>
+                      <a:r>
+                        <a:rPr lang="en-GB" sz="1800" kern="100">
+                          <a:solidFill>
+                            <a:schemeClr val="dk1"/>
+                          </a:solidFill>
+                          <a:effectLst/>
+                          <a:latin typeface="+mn-lt"/>
+                          <a:ea typeface="+mn-ea"/>
+                          <a:cs typeface="+mn-cs"/>
+                        </a:rPr>
+                        <a:t>&lt;0.001     </a:t>
+                      </a:r>
+                    </a:p>
+                  </a:txBody>
+                  <a:tcPr marL="68580" marR="68580" marT="0" marB="0"/>
+                </a:tc>
+                <a:extLst>
+                  <a:ext uri="{0D108BD9-81ED-4DB2-BD59-A6C34878D82A}">
+                    <a16:rowId xmlns:a16="http://schemas.microsoft.com/office/drawing/2014/main" val="2458541993"/>
+                  </a:ext>
+                </a:extLst>
+              </a:tr>
+              <a:tr h="407117">
+                <a:tc>
+                  <a:txBody>
+                    <a:bodyPr/>
+                    <a:lstStyle/>
+                    <a:p>
+                      <a:pPr marL="0" algn="l" defTabSz="914400" rtl="0" eaLnBrk="1" latinLnBrk="0" hangingPunct="1"/>
+                      <a:r>
+                        <a:rPr lang="en-GB" sz="1800" b="1" kern="100">
+                          <a:solidFill>
+                            <a:schemeClr val="lt1"/>
+                          </a:solidFill>
+                          <a:effectLst/>
+                          <a:latin typeface="Aptos" panose="020B0004020202020204" pitchFamily="34" charset="0"/>
+                          <a:ea typeface="+mn-ea"/>
+                          <a:cs typeface="Times New Roman" panose="02020603050405020304" pitchFamily="18" charset="0"/>
+                        </a:rPr>
+                        <a:t>OUT_MANAGE_E1_C1   </a:t>
+                      </a:r>
+                    </a:p>
+                  </a:txBody>
+                  <a:tcPr marL="68580" marR="68580" marT="0" marB="0"/>
+                </a:tc>
+                <a:tc>
+                  <a:txBody>
+                    <a:bodyPr/>
+                    <a:lstStyle/>
+                    <a:p>
+                      <a:pPr marL="0" algn="ctr" defTabSz="914400" rtl="0" eaLnBrk="1" latinLnBrk="0" hangingPunct="1"/>
+                      <a:r>
+                        <a:rPr lang="en-GB" sz="1800" kern="100" dirty="0">
+                          <a:solidFill>
+                            <a:schemeClr val="dk1"/>
+                          </a:solidFill>
+                          <a:effectLst/>
+                          <a:latin typeface="+mn-lt"/>
+                          <a:ea typeface="+mn-ea"/>
+                          <a:cs typeface="+mn-cs"/>
+                        </a:rPr>
+                        <a:t>1.35 (0.359)  </a:t>
+                      </a:r>
+                    </a:p>
+                  </a:txBody>
+                  <a:tcPr marL="68580" marR="68580" marT="0" marB="0"/>
+                </a:tc>
+                <a:tc>
+                  <a:txBody>
+                    <a:bodyPr/>
+                    <a:lstStyle/>
+                    <a:p>
+                      <a:pPr marL="0" algn="ctr" defTabSz="914400" rtl="0" eaLnBrk="1" latinLnBrk="0" hangingPunct="1"/>
+                      <a:r>
+                        <a:rPr lang="en-GB" sz="1800" kern="100" dirty="0">
+                          <a:solidFill>
+                            <a:schemeClr val="dk1"/>
+                          </a:solidFill>
+                          <a:effectLst/>
+                          <a:latin typeface="+mn-lt"/>
+                          <a:ea typeface="+mn-ea"/>
+                          <a:cs typeface="+mn-cs"/>
+                        </a:rPr>
+                        <a:t>3.85 (1.91, 7.78) </a:t>
+                      </a:r>
+                    </a:p>
+                  </a:txBody>
+                  <a:tcPr marL="68580" marR="68580" marT="0" marB="0"/>
+                </a:tc>
+                <a:tc>
+                  <a:txBody>
+                    <a:bodyPr/>
+                    <a:lstStyle/>
+                    <a:p>
+                      <a:pPr marL="0" algn="ctr" defTabSz="914400" rtl="0" eaLnBrk="1" latinLnBrk="0" hangingPunct="1"/>
+                      <a:r>
+                        <a:rPr lang="en-GB" sz="1800" kern="100">
+                          <a:solidFill>
+                            <a:schemeClr val="dk1"/>
+                          </a:solidFill>
+                          <a:effectLst/>
+                          <a:latin typeface="+mn-lt"/>
+                          <a:ea typeface="+mn-ea"/>
+                          <a:cs typeface="+mn-cs"/>
+                        </a:rPr>
+                        <a:t>&lt;0.001     </a:t>
+                      </a:r>
+                    </a:p>
+                  </a:txBody>
+                  <a:tcPr marL="68580" marR="68580" marT="0" marB="0"/>
+                </a:tc>
+                <a:extLst>
+                  <a:ext uri="{0D108BD9-81ED-4DB2-BD59-A6C34878D82A}">
+                    <a16:rowId xmlns:a16="http://schemas.microsoft.com/office/drawing/2014/main" val="1499862670"/>
+                  </a:ext>
+                </a:extLst>
+              </a:tr>
+              <a:tr h="407117">
+                <a:tc>
+                  <a:txBody>
+                    <a:bodyPr/>
+                    <a:lstStyle/>
+                    <a:p>
+                      <a:pPr marL="0" algn="l" defTabSz="914400" rtl="0" eaLnBrk="1" latinLnBrk="0" hangingPunct="1"/>
+                      <a:r>
+                        <a:rPr lang="en-GB" sz="1800" b="1" kern="100" dirty="0">
+                          <a:solidFill>
+                            <a:schemeClr val="lt1"/>
+                          </a:solidFill>
+                          <a:effectLst/>
+                          <a:latin typeface="Aptos" panose="020B0004020202020204" pitchFamily="34" charset="0"/>
+                          <a:ea typeface="+mn-ea"/>
+                          <a:cs typeface="Times New Roman" panose="02020603050405020304" pitchFamily="18" charset="0"/>
+                        </a:rPr>
+                        <a:t>W_HEIGHT_E1_C1     </a:t>
+                      </a:r>
+                    </a:p>
+                  </a:txBody>
+                  <a:tcPr marL="68580" marR="68580" marT="0" marB="0"/>
+                </a:tc>
+                <a:tc>
+                  <a:txBody>
+                    <a:bodyPr/>
+                    <a:lstStyle/>
+                    <a:p>
+                      <a:pPr marL="0" algn="ctr" defTabSz="914400" rtl="0" eaLnBrk="1" latinLnBrk="0" hangingPunct="1"/>
+                      <a:r>
+                        <a:rPr lang="en-GB" sz="1800" kern="100">
+                          <a:solidFill>
+                            <a:schemeClr val="dk1"/>
+                          </a:solidFill>
+                          <a:effectLst/>
+                          <a:latin typeface="+mn-lt"/>
+                          <a:ea typeface="+mn-ea"/>
+                          <a:cs typeface="+mn-cs"/>
+                        </a:rPr>
+                        <a:t>0.01 (0.004)  </a:t>
+                      </a:r>
+                    </a:p>
+                  </a:txBody>
+                  <a:tcPr marL="68580" marR="68580" marT="0" marB="0"/>
+                </a:tc>
+                <a:tc>
+                  <a:txBody>
+                    <a:bodyPr/>
+                    <a:lstStyle/>
+                    <a:p>
+                      <a:pPr marL="0" algn="ctr" defTabSz="914400" rtl="0" eaLnBrk="1" latinLnBrk="0" hangingPunct="1"/>
+                      <a:r>
+                        <a:rPr lang="en-GB" sz="1800" kern="100" dirty="0">
+                          <a:solidFill>
+                            <a:schemeClr val="dk1"/>
+                          </a:solidFill>
+                          <a:effectLst/>
+                          <a:latin typeface="+mn-lt"/>
+                          <a:ea typeface="+mn-ea"/>
+                          <a:cs typeface="+mn-cs"/>
+                        </a:rPr>
+                        <a:t>1.01 (1, 1.02)    </a:t>
+                      </a:r>
+                    </a:p>
+                  </a:txBody>
+                  <a:tcPr marL="68580" marR="68580" marT="0" marB="0"/>
+                </a:tc>
+                <a:tc>
+                  <a:txBody>
+                    <a:bodyPr/>
+                    <a:lstStyle/>
+                    <a:p>
+                      <a:pPr marL="0" algn="ctr" defTabSz="914400" rtl="0" eaLnBrk="1" latinLnBrk="0" hangingPunct="1"/>
+                      <a:r>
+                        <a:rPr lang="en-GB" sz="1800" kern="100" dirty="0">
+                          <a:solidFill>
+                            <a:schemeClr val="dk1"/>
+                          </a:solidFill>
+                          <a:effectLst/>
+                          <a:latin typeface="+mn-lt"/>
+                          <a:ea typeface="+mn-ea"/>
+                          <a:cs typeface="+mn-cs"/>
+                        </a:rPr>
+                        <a:t>0.012      </a:t>
+                      </a:r>
+                    </a:p>
+                  </a:txBody>
+                  <a:tcPr marL="68580" marR="68580" marT="0" marB="0"/>
+                </a:tc>
+                <a:extLst>
+                  <a:ext uri="{0D108BD9-81ED-4DB2-BD59-A6C34878D82A}">
+                    <a16:rowId xmlns:a16="http://schemas.microsoft.com/office/drawing/2014/main" val="725026892"/>
+                  </a:ext>
+                </a:extLst>
+              </a:tr>
+              <a:tr h="156437">
+                <a:tc>
+                  <a:txBody>
+                    <a:bodyPr/>
+                    <a:lstStyle/>
+                    <a:p>
+                      <a:pPr marL="0" algn="l" defTabSz="914400" rtl="0" eaLnBrk="1" latinLnBrk="0" hangingPunct="1"/>
+                      <a:endParaRPr lang="en-GB" sz="1800" b="1" kern="100">
+                        <a:solidFill>
+                          <a:schemeClr val="lt1"/>
+                        </a:solidFill>
+                        <a:effectLst/>
+                        <a:latin typeface="Aptos" panose="020B0004020202020204" pitchFamily="34" charset="0"/>
+                        <a:ea typeface="Aptos" panose="020B0004020202020204" pitchFamily="34" charset="0"/>
+                        <a:cs typeface="Times New Roman" panose="02020603050405020304" pitchFamily="18" charset="0"/>
+                      </a:endParaRPr>
+                    </a:p>
+                  </a:txBody>
+                  <a:tcPr marL="58277" marR="58277" marT="0" marB="0"/>
+                </a:tc>
+                <a:tc>
+                  <a:txBody>
+                    <a:bodyPr/>
+                    <a:lstStyle/>
+                    <a:p>
+                      <a:pPr marL="0" algn="ctr" defTabSz="914400" rtl="0" eaLnBrk="1" latinLnBrk="0" hangingPunct="1"/>
+                      <a:endParaRPr lang="en-GB" sz="1800" kern="100" dirty="0">
+                        <a:solidFill>
+                          <a:schemeClr val="dk1"/>
+                        </a:solidFill>
+                        <a:effectLst/>
+                        <a:latin typeface="+mn-lt"/>
+                        <a:ea typeface="+mn-ea"/>
+                        <a:cs typeface="+mn-cs"/>
+                      </a:endParaRPr>
+                    </a:p>
+                  </a:txBody>
+                  <a:tcPr marL="58277" marR="58277" marT="0" marB="0" anchor="ctr"/>
+                </a:tc>
+                <a:tc>
+                  <a:txBody>
+                    <a:bodyPr/>
+                    <a:lstStyle/>
+                    <a:p>
+                      <a:pPr marL="0" algn="ctr" defTabSz="914400" rtl="0" eaLnBrk="1" latinLnBrk="0" hangingPunct="1"/>
+                      <a:endParaRPr lang="en-GB" sz="1800" kern="100" dirty="0">
+                        <a:solidFill>
+                          <a:schemeClr val="dk1"/>
+                        </a:solidFill>
+                        <a:effectLst/>
+                        <a:latin typeface="+mn-lt"/>
+                        <a:ea typeface="+mn-ea"/>
+                        <a:cs typeface="+mn-cs"/>
+                      </a:endParaRPr>
+                    </a:p>
+                  </a:txBody>
+                  <a:tcPr marL="58277" marR="58277" marT="0" marB="0" anchor="ctr"/>
+                </a:tc>
+                <a:tc>
+                  <a:txBody>
+                    <a:bodyPr/>
+                    <a:lstStyle/>
+                    <a:p>
+                      <a:pPr marL="0" algn="ctr" defTabSz="914400" rtl="0" eaLnBrk="1" latinLnBrk="0" hangingPunct="1"/>
+                      <a:endParaRPr lang="en-GB" sz="1800" kern="100" dirty="0">
+                        <a:solidFill>
+                          <a:schemeClr val="dk1"/>
+                        </a:solidFill>
+                        <a:effectLst/>
+                        <a:latin typeface="+mn-lt"/>
+                        <a:ea typeface="+mn-ea"/>
+                        <a:cs typeface="+mn-cs"/>
+                      </a:endParaRPr>
+                    </a:p>
+                  </a:txBody>
+                  <a:tcPr marL="58277" marR="58277" marT="0" marB="0" anchor="ctr"/>
+                </a:tc>
+                <a:extLst>
+                  <a:ext uri="{0D108BD9-81ED-4DB2-BD59-A6C34878D82A}">
+                    <a16:rowId xmlns:a16="http://schemas.microsoft.com/office/drawing/2014/main" val="3198303991"/>
+                  </a:ext>
+                </a:extLst>
+              </a:tr>
+              <a:tr h="203559">
+                <a:tc>
+                  <a:txBody>
+                    <a:bodyPr/>
+                    <a:lstStyle/>
+                    <a:p>
+                      <a:pPr marL="0" algn="l" defTabSz="914400" rtl="0" eaLnBrk="1" latinLnBrk="0" hangingPunct="1"/>
+                      <a:r>
+                        <a:rPr lang="en-GB" sz="1800" b="1" kern="100" dirty="0">
+                          <a:solidFill>
+                            <a:schemeClr val="lt1"/>
+                          </a:solidFill>
+                          <a:effectLst/>
+                          <a:latin typeface="Aptos" panose="020B0004020202020204" pitchFamily="34" charset="0"/>
+                          <a:cs typeface="Times New Roman" panose="02020603050405020304" pitchFamily="18" charset="0"/>
+                        </a:rPr>
+                        <a:t>'Unadjusted Model’               </a:t>
+                      </a:r>
+                      <a:endParaRPr lang="en-GB" sz="1800" b="1" kern="100" dirty="0">
+                        <a:solidFill>
+                          <a:schemeClr val="lt1"/>
+                        </a:solidFill>
+                        <a:effectLst/>
+                        <a:latin typeface="Aptos" panose="020B0004020202020204" pitchFamily="34" charset="0"/>
+                        <a:ea typeface="Aptos" panose="020B0004020202020204" pitchFamily="34" charset="0"/>
+                        <a:cs typeface="Times New Roman" panose="02020603050405020304" pitchFamily="18" charset="0"/>
+                      </a:endParaRPr>
+                    </a:p>
+                  </a:txBody>
+                  <a:tcPr marL="58277" marR="58277" marT="0" marB="0"/>
+                </a:tc>
+                <a:tc>
+                  <a:txBody>
+                    <a:bodyPr/>
+                    <a:lstStyle/>
+                    <a:p>
+                      <a:pPr marL="0" algn="ctr" defTabSz="914400" rtl="0" eaLnBrk="1" latinLnBrk="0" hangingPunct="1"/>
+                      <a:r>
+                        <a:rPr lang="en-GB" sz="1800" kern="100">
+                          <a:solidFill>
+                            <a:schemeClr val="dk1"/>
+                          </a:solidFill>
+                          <a:effectLst/>
+                          <a:latin typeface="+mn-lt"/>
+                          <a:ea typeface="+mn-ea"/>
+                          <a:cs typeface="+mn-cs"/>
+                        </a:rPr>
+                        <a:t>              </a:t>
+                      </a:r>
+                    </a:p>
+                  </a:txBody>
+                  <a:tcPr marL="58277" marR="58277" marT="0" marB="0" anchor="ctr"/>
+                </a:tc>
+                <a:tc>
+                  <a:txBody>
+                    <a:bodyPr/>
+                    <a:lstStyle/>
+                    <a:p>
+                      <a:pPr marL="0" algn="ctr" defTabSz="914400" rtl="0" eaLnBrk="1" latinLnBrk="0" hangingPunct="1"/>
+                      <a:r>
+                        <a:rPr lang="en-GB" sz="1800" kern="100" dirty="0">
+                          <a:solidFill>
+                            <a:schemeClr val="dk1"/>
+                          </a:solidFill>
+                          <a:effectLst/>
+                          <a:latin typeface="+mn-lt"/>
+                          <a:ea typeface="+mn-ea"/>
+                          <a:cs typeface="+mn-cs"/>
+                        </a:rPr>
+                        <a:t>                  </a:t>
+                      </a:r>
+                    </a:p>
+                  </a:txBody>
+                  <a:tcPr marL="58277" marR="58277" marT="0" marB="0" anchor="ctr"/>
+                </a:tc>
+                <a:tc>
+                  <a:txBody>
+                    <a:bodyPr/>
+                    <a:lstStyle/>
+                    <a:p>
+                      <a:pPr marL="0" algn="ctr" defTabSz="914400" rtl="0" eaLnBrk="1" latinLnBrk="0" hangingPunct="1"/>
+                      <a:r>
+                        <a:rPr lang="en-GB" sz="1800" kern="100">
+                          <a:solidFill>
+                            <a:schemeClr val="dk1"/>
+                          </a:solidFill>
+                          <a:effectLst/>
+                          <a:latin typeface="+mn-lt"/>
+                          <a:ea typeface="+mn-ea"/>
+                          <a:cs typeface="+mn-cs"/>
+                        </a:rPr>
+                        <a:t>           </a:t>
+                      </a:r>
+                    </a:p>
+                  </a:txBody>
+                  <a:tcPr marL="58277" marR="58277" marT="0" marB="0" anchor="ctr"/>
+                </a:tc>
+                <a:extLst>
+                  <a:ext uri="{0D108BD9-81ED-4DB2-BD59-A6C34878D82A}">
+                    <a16:rowId xmlns:a16="http://schemas.microsoft.com/office/drawing/2014/main" val="3304719935"/>
+                  </a:ext>
+                </a:extLst>
+              </a:tr>
+              <a:tr h="407117">
+                <a:tc>
+                  <a:txBody>
+                    <a:bodyPr/>
+                    <a:lstStyle/>
+                    <a:p>
+                      <a:pPr marL="0" algn="l" defTabSz="914400" rtl="0" eaLnBrk="1" latinLnBrk="0" hangingPunct="1"/>
+                      <a:r>
+                        <a:rPr lang="en-GB" sz="1800" b="1" kern="100" dirty="0">
+                          <a:solidFill>
+                            <a:schemeClr val="lt1"/>
+                          </a:solidFill>
+                          <a:effectLst/>
+                          <a:latin typeface="Aptos" panose="020B0004020202020204" pitchFamily="34" charset="0"/>
+                          <a:cs typeface="Times New Roman" panose="02020603050405020304" pitchFamily="18" charset="0"/>
+                        </a:rPr>
+                        <a:t>(Intercept)      </a:t>
+                      </a:r>
+                      <a:endParaRPr lang="en-GB" sz="1800" b="1" kern="100" dirty="0">
+                        <a:solidFill>
+                          <a:schemeClr val="lt1"/>
+                        </a:solidFill>
+                        <a:effectLst/>
+                        <a:latin typeface="Aptos" panose="020B0004020202020204" pitchFamily="34" charset="0"/>
+                        <a:ea typeface="Aptos" panose="020B0004020202020204" pitchFamily="34" charset="0"/>
+                        <a:cs typeface="Times New Roman" panose="02020603050405020304" pitchFamily="18" charset="0"/>
+                      </a:endParaRPr>
+                    </a:p>
+                  </a:txBody>
+                  <a:tcPr marL="58277" marR="58277" marT="0" marB="0"/>
+                </a:tc>
+                <a:tc>
+                  <a:txBody>
+                    <a:bodyPr/>
+                    <a:lstStyle/>
+                    <a:p>
+                      <a:pPr marL="0" algn="ctr" defTabSz="914400" rtl="0" eaLnBrk="1" latinLnBrk="0" hangingPunct="1"/>
+                      <a:r>
+                        <a:rPr lang="en-GB" sz="1800" kern="100" dirty="0">
+                          <a:solidFill>
+                            <a:schemeClr val="dk1"/>
+                          </a:solidFill>
+                          <a:effectLst/>
+                          <a:latin typeface="+mn-lt"/>
+                          <a:ea typeface="+mn-ea"/>
+                          <a:cs typeface="+mn-cs"/>
+                        </a:rPr>
+                        <a:t>-1.17 (0.306) </a:t>
+                      </a:r>
+                    </a:p>
+                  </a:txBody>
+                  <a:tcPr marL="68580" marR="68580" marT="0" marB="0"/>
+                </a:tc>
+                <a:tc>
+                  <a:txBody>
+                    <a:bodyPr/>
+                    <a:lstStyle/>
+                    <a:p>
+                      <a:pPr marL="0" algn="ctr" defTabSz="914400" rtl="0" eaLnBrk="1" latinLnBrk="0" hangingPunct="1"/>
+                      <a:r>
+                        <a:rPr lang="en-GB" sz="1800" kern="100">
+                          <a:solidFill>
+                            <a:schemeClr val="dk1"/>
+                          </a:solidFill>
+                          <a:effectLst/>
+                          <a:latin typeface="+mn-lt"/>
+                          <a:ea typeface="+mn-ea"/>
+                          <a:cs typeface="+mn-cs"/>
+                        </a:rPr>
+                        <a:t>0.31 (0.17, 0.57) </a:t>
+                      </a:r>
+                    </a:p>
+                  </a:txBody>
+                  <a:tcPr marL="68580" marR="68580" marT="0" marB="0"/>
+                </a:tc>
+                <a:tc>
+                  <a:txBody>
+                    <a:bodyPr/>
+                    <a:lstStyle/>
+                    <a:p>
+                      <a:pPr marL="0" algn="ctr" defTabSz="914400" rtl="0" eaLnBrk="1" latinLnBrk="0" hangingPunct="1"/>
+                      <a:r>
+                        <a:rPr lang="en-GB" sz="1800" kern="100">
+                          <a:solidFill>
+                            <a:schemeClr val="dk1"/>
+                          </a:solidFill>
+                          <a:effectLst/>
+                          <a:latin typeface="+mn-lt"/>
+                          <a:ea typeface="+mn-ea"/>
+                          <a:cs typeface="+mn-cs"/>
+                        </a:rPr>
+                        <a:t>&lt;0.001     </a:t>
+                      </a:r>
+                    </a:p>
+                  </a:txBody>
+                  <a:tcPr marL="68580" marR="68580" marT="0" marB="0"/>
+                </a:tc>
+                <a:extLst>
+                  <a:ext uri="{0D108BD9-81ED-4DB2-BD59-A6C34878D82A}">
+                    <a16:rowId xmlns:a16="http://schemas.microsoft.com/office/drawing/2014/main" val="3301515120"/>
+                  </a:ext>
+                </a:extLst>
+              </a:tr>
+              <a:tr h="407117">
+                <a:tc>
+                  <a:txBody>
+                    <a:bodyPr/>
+                    <a:lstStyle/>
+                    <a:p>
+                      <a:pPr marL="0" algn="l" defTabSz="914400" rtl="0" eaLnBrk="1" latinLnBrk="0" hangingPunct="1"/>
+                      <a:r>
+                        <a:rPr lang="en-GB" sz="1800" b="1" kern="100" dirty="0">
+                          <a:solidFill>
+                            <a:schemeClr val="lt1"/>
+                          </a:solidFill>
+                          <a:effectLst/>
+                          <a:latin typeface="Aptos" panose="020B0004020202020204" pitchFamily="34" charset="0"/>
+                          <a:cs typeface="Times New Roman" panose="02020603050405020304" pitchFamily="18" charset="0"/>
+                        </a:rPr>
+                        <a:t>Antibiotics Vs No Antibiotics               </a:t>
+                      </a:r>
+                      <a:endParaRPr lang="en-GB" sz="1800" b="1" kern="100" dirty="0">
+                        <a:solidFill>
+                          <a:schemeClr val="lt1"/>
+                        </a:solidFill>
+                        <a:effectLst/>
+                        <a:latin typeface="Aptos" panose="020B0004020202020204" pitchFamily="34" charset="0"/>
+                        <a:ea typeface="Aptos" panose="020B0004020202020204" pitchFamily="34" charset="0"/>
+                        <a:cs typeface="Times New Roman" panose="02020603050405020304" pitchFamily="18" charset="0"/>
+                      </a:endParaRPr>
+                    </a:p>
+                  </a:txBody>
+                  <a:tcPr marL="58277" marR="58277" marT="0" marB="0"/>
+                </a:tc>
+                <a:tc>
+                  <a:txBody>
+                    <a:bodyPr/>
+                    <a:lstStyle/>
+                    <a:p>
+                      <a:pPr marL="0" algn="ctr" defTabSz="914400" rtl="0" eaLnBrk="1" latinLnBrk="0" hangingPunct="1"/>
+                      <a:r>
+                        <a:rPr lang="en-GB" sz="1800" kern="100">
+                          <a:solidFill>
+                            <a:schemeClr val="dk1"/>
+                          </a:solidFill>
+                          <a:effectLst/>
+                          <a:latin typeface="+mn-lt"/>
+                          <a:ea typeface="+mn-ea"/>
+                          <a:cs typeface="+mn-cs"/>
+                        </a:rPr>
+                        <a:t>1.3 (0.346)   </a:t>
+                      </a:r>
+                    </a:p>
+                  </a:txBody>
+                  <a:tcPr marL="68580" marR="68580" marT="0" marB="0"/>
+                </a:tc>
+                <a:tc>
+                  <a:txBody>
+                    <a:bodyPr/>
+                    <a:lstStyle/>
+                    <a:p>
+                      <a:pPr marL="0" algn="ctr" defTabSz="914400" rtl="0" eaLnBrk="1" latinLnBrk="0" hangingPunct="1"/>
+                      <a:r>
+                        <a:rPr lang="en-GB" sz="1800" kern="100" dirty="0">
+                          <a:solidFill>
+                            <a:schemeClr val="dk1"/>
+                          </a:solidFill>
+                          <a:effectLst/>
+                          <a:latin typeface="+mn-lt"/>
+                          <a:ea typeface="+mn-ea"/>
+                          <a:cs typeface="+mn-cs"/>
+                        </a:rPr>
+                        <a:t>3.66 (1.86, 7.21) </a:t>
+                      </a:r>
+                    </a:p>
+                  </a:txBody>
+                  <a:tcPr marL="68580" marR="68580" marT="0" marB="0"/>
+                </a:tc>
+                <a:tc>
+                  <a:txBody>
+                    <a:bodyPr/>
+                    <a:lstStyle/>
+                    <a:p>
+                      <a:pPr marL="0" algn="ctr" defTabSz="914400" rtl="0" eaLnBrk="1" latinLnBrk="0" hangingPunct="1"/>
+                      <a:r>
+                        <a:rPr lang="en-GB" sz="1800" kern="100" dirty="0">
+                          <a:solidFill>
+                            <a:schemeClr val="dk1"/>
+                          </a:solidFill>
+                          <a:effectLst/>
+                          <a:latin typeface="+mn-lt"/>
+                          <a:ea typeface="+mn-ea"/>
+                          <a:cs typeface="+mn-cs"/>
+                        </a:rPr>
+                        <a:t>&lt;0.001     </a:t>
+                      </a:r>
+                    </a:p>
+                  </a:txBody>
+                  <a:tcPr marL="68580" marR="68580" marT="0" marB="0"/>
+                </a:tc>
+                <a:extLst>
+                  <a:ext uri="{0D108BD9-81ED-4DB2-BD59-A6C34878D82A}">
+                    <a16:rowId xmlns:a16="http://schemas.microsoft.com/office/drawing/2014/main" val="760063107"/>
+                  </a:ext>
+                </a:extLst>
+              </a:tr>
+              <a:tr h="200658">
+                <a:tc>
+                  <a:txBody>
+                    <a:bodyPr/>
+                    <a:lstStyle/>
+                    <a:p>
+                      <a:pPr marL="0" algn="l" defTabSz="914400" rtl="0" eaLnBrk="1" latinLnBrk="0" hangingPunct="1"/>
+                      <a:endParaRPr lang="en-GB" sz="1800" b="1" kern="100" dirty="0">
+                        <a:solidFill>
+                          <a:schemeClr val="lt1"/>
+                        </a:solidFill>
+                        <a:effectLst/>
+                        <a:latin typeface="Aptos" panose="020B0004020202020204" pitchFamily="34" charset="0"/>
+                        <a:ea typeface="Aptos" panose="020B0004020202020204" pitchFamily="34" charset="0"/>
+                        <a:cs typeface="Times New Roman" panose="02020603050405020304" pitchFamily="18" charset="0"/>
+                      </a:endParaRPr>
+                    </a:p>
+                  </a:txBody>
+                  <a:tcPr marL="58277" marR="58277" marT="0" marB="0"/>
+                </a:tc>
+                <a:tc>
+                  <a:txBody>
+                    <a:bodyPr/>
+                    <a:lstStyle/>
+                    <a:p>
+                      <a:pPr marL="0" algn="ctr" defTabSz="914400" rtl="0" eaLnBrk="1" latinLnBrk="0" hangingPunct="1"/>
+                      <a:endParaRPr lang="en-GB" sz="1800" kern="100" dirty="0">
+                        <a:solidFill>
+                          <a:schemeClr val="dk1"/>
+                        </a:solidFill>
+                        <a:effectLst/>
+                        <a:latin typeface="+mn-lt"/>
+                        <a:ea typeface="+mn-ea"/>
+                        <a:cs typeface="+mn-cs"/>
+                      </a:endParaRPr>
+                    </a:p>
+                  </a:txBody>
+                  <a:tcPr marL="58277" marR="58277" marT="0" marB="0" anchor="ctr"/>
+                </a:tc>
+                <a:tc>
+                  <a:txBody>
+                    <a:bodyPr/>
+                    <a:lstStyle/>
+                    <a:p>
+                      <a:pPr marL="0" algn="ctr" defTabSz="914400" rtl="0" eaLnBrk="1" latinLnBrk="0" hangingPunct="1"/>
+                      <a:endParaRPr lang="en-GB" sz="1800" kern="100" dirty="0">
+                        <a:solidFill>
+                          <a:schemeClr val="dk1"/>
+                        </a:solidFill>
+                        <a:effectLst/>
+                        <a:latin typeface="+mn-lt"/>
+                        <a:ea typeface="+mn-ea"/>
+                        <a:cs typeface="+mn-cs"/>
+                      </a:endParaRPr>
+                    </a:p>
+                  </a:txBody>
+                  <a:tcPr marL="58277" marR="58277" marT="0" marB="0" anchor="ctr"/>
+                </a:tc>
+                <a:tc>
+                  <a:txBody>
+                    <a:bodyPr/>
+                    <a:lstStyle/>
+                    <a:p>
+                      <a:pPr marL="0" algn="ctr" defTabSz="914400" rtl="0" eaLnBrk="1" latinLnBrk="0" hangingPunct="1"/>
+                      <a:endParaRPr lang="en-GB" sz="1800" kern="100" dirty="0">
+                        <a:solidFill>
+                          <a:schemeClr val="dk1"/>
+                        </a:solidFill>
+                        <a:effectLst/>
+                        <a:latin typeface="+mn-lt"/>
+                        <a:ea typeface="+mn-ea"/>
+                        <a:cs typeface="+mn-cs"/>
+                      </a:endParaRPr>
+                    </a:p>
+                  </a:txBody>
+                  <a:tcPr marL="58277" marR="58277" marT="0" marB="0" anchor="ctr"/>
+                </a:tc>
+                <a:extLst>
+                  <a:ext uri="{0D108BD9-81ED-4DB2-BD59-A6C34878D82A}">
+                    <a16:rowId xmlns:a16="http://schemas.microsoft.com/office/drawing/2014/main" val="2597479352"/>
+                  </a:ext>
+                </a:extLst>
+              </a:tr>
+              <a:tr h="203559">
+                <a:tc>
+                  <a:txBody>
+                    <a:bodyPr/>
+                    <a:lstStyle/>
+                    <a:p>
+                      <a:pPr marL="0" algn="l" defTabSz="914400" rtl="0" eaLnBrk="1" latinLnBrk="0" hangingPunct="1"/>
+                      <a:r>
+                        <a:rPr lang="en-GB" sz="1800" b="1" kern="100" dirty="0">
+                          <a:solidFill>
+                            <a:schemeClr val="lt1"/>
+                          </a:solidFill>
+                          <a:effectLst/>
+                          <a:latin typeface="Aptos" panose="020B0004020202020204" pitchFamily="34" charset="0"/>
+                          <a:ea typeface="Aptos" panose="020B0004020202020204" pitchFamily="34" charset="0"/>
+                          <a:cs typeface="Times New Roman" panose="02020603050405020304" pitchFamily="18" charset="0"/>
+                        </a:rPr>
+                        <a:t>Propensity Adjusted Model</a:t>
+                      </a:r>
+                    </a:p>
+                  </a:txBody>
+                  <a:tcPr marL="58277" marR="58277" marT="0" marB="0"/>
+                </a:tc>
+                <a:tc>
+                  <a:txBody>
+                    <a:bodyPr/>
+                    <a:lstStyle/>
+                    <a:p>
+                      <a:pPr marL="0" algn="ctr" defTabSz="914400" rtl="0" eaLnBrk="1" latinLnBrk="0" hangingPunct="1"/>
+                      <a:r>
+                        <a:rPr lang="en-GB" sz="1800" kern="100">
+                          <a:solidFill>
+                            <a:schemeClr val="dk1"/>
+                          </a:solidFill>
+                          <a:effectLst/>
+                          <a:latin typeface="+mn-lt"/>
+                          <a:ea typeface="+mn-ea"/>
+                          <a:cs typeface="+mn-cs"/>
+                        </a:rPr>
+                        <a:t>              </a:t>
+                      </a:r>
+                    </a:p>
+                  </a:txBody>
+                  <a:tcPr marL="58277" marR="58277" marT="0" marB="0" anchor="ctr"/>
+                </a:tc>
+                <a:tc>
+                  <a:txBody>
+                    <a:bodyPr/>
+                    <a:lstStyle/>
+                    <a:p>
+                      <a:pPr marL="0" algn="ctr" defTabSz="914400" rtl="0" eaLnBrk="1" latinLnBrk="0" hangingPunct="1"/>
+                      <a:r>
+                        <a:rPr lang="en-GB" sz="1800" kern="100" dirty="0">
+                          <a:solidFill>
+                            <a:schemeClr val="dk1"/>
+                          </a:solidFill>
+                          <a:effectLst/>
+                          <a:latin typeface="+mn-lt"/>
+                          <a:ea typeface="+mn-ea"/>
+                          <a:cs typeface="+mn-cs"/>
+                        </a:rPr>
+                        <a:t>                  </a:t>
+                      </a:r>
+                    </a:p>
+                  </a:txBody>
+                  <a:tcPr marL="58277" marR="58277" marT="0" marB="0" anchor="ctr"/>
+                </a:tc>
+                <a:tc>
+                  <a:txBody>
+                    <a:bodyPr/>
+                    <a:lstStyle/>
+                    <a:p>
+                      <a:pPr marL="0" algn="ctr" defTabSz="914400" rtl="0" eaLnBrk="1" latinLnBrk="0" hangingPunct="1"/>
+                      <a:r>
+                        <a:rPr lang="en-GB" sz="1800" kern="100" dirty="0">
+                          <a:solidFill>
+                            <a:schemeClr val="dk1"/>
+                          </a:solidFill>
+                          <a:effectLst/>
+                          <a:latin typeface="+mn-lt"/>
+                          <a:ea typeface="+mn-ea"/>
+                          <a:cs typeface="+mn-cs"/>
+                        </a:rPr>
+                        <a:t>           </a:t>
+                      </a:r>
+                    </a:p>
+                  </a:txBody>
+                  <a:tcPr marL="58277" marR="58277" marT="0" marB="0" anchor="ctr"/>
+                </a:tc>
+                <a:extLst>
+                  <a:ext uri="{0D108BD9-81ED-4DB2-BD59-A6C34878D82A}">
+                    <a16:rowId xmlns:a16="http://schemas.microsoft.com/office/drawing/2014/main" val="3597283279"/>
+                  </a:ext>
+                </a:extLst>
+              </a:tr>
+              <a:tr h="407117">
+                <a:tc>
+                  <a:txBody>
+                    <a:bodyPr/>
+                    <a:lstStyle/>
+                    <a:p>
+                      <a:pPr marL="0" algn="l" defTabSz="914400" rtl="0" eaLnBrk="1" latinLnBrk="0" hangingPunct="1"/>
+                      <a:r>
+                        <a:rPr lang="en-GB" sz="1800" b="1" kern="100" dirty="0">
+                          <a:solidFill>
+                            <a:schemeClr val="lt1"/>
+                          </a:solidFill>
+                          <a:effectLst/>
+                          <a:latin typeface="Aptos" panose="020B0004020202020204" pitchFamily="34" charset="0"/>
+                          <a:cs typeface="Times New Roman" panose="02020603050405020304" pitchFamily="18" charset="0"/>
+                        </a:rPr>
+                        <a:t>(Intercept)       </a:t>
+                      </a:r>
+                      <a:endParaRPr lang="en-GB" sz="1800" b="1" kern="100" dirty="0">
+                        <a:solidFill>
+                          <a:schemeClr val="lt1"/>
+                        </a:solidFill>
+                        <a:effectLst/>
+                        <a:latin typeface="Aptos" panose="020B0004020202020204" pitchFamily="34" charset="0"/>
+                        <a:ea typeface="Aptos" panose="020B0004020202020204" pitchFamily="34" charset="0"/>
+                        <a:cs typeface="Times New Roman" panose="02020603050405020304" pitchFamily="18" charset="0"/>
+                      </a:endParaRPr>
+                    </a:p>
+                  </a:txBody>
+                  <a:tcPr marL="58277" marR="58277" marT="0" marB="0"/>
+                </a:tc>
+                <a:tc>
+                  <a:txBody>
+                    <a:bodyPr/>
+                    <a:lstStyle/>
+                    <a:p>
+                      <a:pPr marL="0" algn="ctr" defTabSz="914400" rtl="0" eaLnBrk="1" latinLnBrk="0" hangingPunct="1"/>
+                      <a:r>
+                        <a:rPr lang="en-GB" sz="1800" kern="100">
+                          <a:solidFill>
+                            <a:schemeClr val="dk1"/>
+                          </a:solidFill>
+                          <a:effectLst/>
+                          <a:latin typeface="+mn-lt"/>
+                          <a:ea typeface="+mn-ea"/>
+                          <a:cs typeface="+mn-cs"/>
+                        </a:rPr>
+                        <a:t>-0.69 (0.149) </a:t>
+                      </a:r>
+                    </a:p>
+                  </a:txBody>
+                  <a:tcPr marL="68580" marR="68580" marT="0" marB="0"/>
+                </a:tc>
+                <a:tc>
+                  <a:txBody>
+                    <a:bodyPr/>
+                    <a:lstStyle/>
+                    <a:p>
+                      <a:pPr marL="0" algn="ctr" defTabSz="914400" rtl="0" eaLnBrk="1" latinLnBrk="0" hangingPunct="1"/>
+                      <a:r>
+                        <a:rPr lang="en-GB" sz="1800" kern="100">
+                          <a:solidFill>
+                            <a:schemeClr val="dk1"/>
+                          </a:solidFill>
+                          <a:effectLst/>
+                          <a:latin typeface="+mn-lt"/>
+                          <a:ea typeface="+mn-ea"/>
+                          <a:cs typeface="+mn-cs"/>
+                        </a:rPr>
+                        <a:t>0.5 (0.38, 0.67)  </a:t>
+                      </a:r>
+                    </a:p>
+                  </a:txBody>
+                  <a:tcPr marL="68580" marR="68580" marT="0" marB="0"/>
+                </a:tc>
+                <a:tc>
+                  <a:txBody>
+                    <a:bodyPr/>
+                    <a:lstStyle/>
+                    <a:p>
+                      <a:pPr marL="0" algn="ctr" defTabSz="914400" rtl="0" eaLnBrk="1" latinLnBrk="0" hangingPunct="1"/>
+                      <a:r>
+                        <a:rPr lang="en-GB" sz="1800" kern="100" dirty="0">
+                          <a:solidFill>
+                            <a:schemeClr val="dk1"/>
+                          </a:solidFill>
+                          <a:effectLst/>
+                          <a:latin typeface="+mn-lt"/>
+                          <a:ea typeface="+mn-ea"/>
+                          <a:cs typeface="+mn-cs"/>
+                        </a:rPr>
+                        <a:t>&lt;0.001     </a:t>
+                      </a:r>
+                    </a:p>
+                  </a:txBody>
+                  <a:tcPr marL="68580" marR="68580" marT="0" marB="0"/>
+                </a:tc>
+                <a:extLst>
+                  <a:ext uri="{0D108BD9-81ED-4DB2-BD59-A6C34878D82A}">
+                    <a16:rowId xmlns:a16="http://schemas.microsoft.com/office/drawing/2014/main" val="1607940261"/>
+                  </a:ext>
+                </a:extLst>
+              </a:tr>
+              <a:tr h="407117">
+                <a:tc>
+                  <a:txBody>
+                    <a:bodyPr/>
+                    <a:lstStyle/>
+                    <a:p>
+                      <a:pPr marL="0" algn="l" defTabSz="914400" rtl="0" eaLnBrk="1" latinLnBrk="0" hangingPunct="1"/>
+                      <a:r>
+                        <a:rPr lang="en-GB" sz="1800" b="1" kern="100" dirty="0">
+                          <a:solidFill>
+                            <a:schemeClr val="lt1"/>
+                          </a:solidFill>
+                          <a:effectLst/>
+                          <a:latin typeface="Aptos" panose="020B0004020202020204" pitchFamily="34" charset="0"/>
+                          <a:cs typeface="Times New Roman" panose="02020603050405020304" pitchFamily="18" charset="0"/>
+                        </a:rPr>
+                        <a:t>Antibiotics Vs No Antibiotics               </a:t>
+                      </a:r>
+                      <a:endParaRPr lang="en-GB" sz="1800" b="1" kern="100" dirty="0">
+                        <a:solidFill>
+                          <a:schemeClr val="lt1"/>
+                        </a:solidFill>
+                        <a:effectLst/>
+                        <a:latin typeface="Aptos" panose="020B0004020202020204" pitchFamily="34" charset="0"/>
+                        <a:ea typeface="Aptos" panose="020B0004020202020204" pitchFamily="34" charset="0"/>
+                        <a:cs typeface="Times New Roman" panose="02020603050405020304" pitchFamily="18" charset="0"/>
+                      </a:endParaRPr>
+                    </a:p>
+                  </a:txBody>
+                  <a:tcPr marL="58277" marR="58277" marT="0" marB="0"/>
+                </a:tc>
+                <a:tc>
+                  <a:txBody>
+                    <a:bodyPr/>
+                    <a:lstStyle/>
+                    <a:p>
+                      <a:pPr marL="0" algn="ctr" defTabSz="914400" rtl="0" eaLnBrk="1" latinLnBrk="0" hangingPunct="1"/>
+                      <a:r>
+                        <a:rPr lang="en-GB" sz="1800" kern="100">
+                          <a:solidFill>
+                            <a:schemeClr val="dk1"/>
+                          </a:solidFill>
+                          <a:effectLst/>
+                          <a:latin typeface="+mn-lt"/>
+                          <a:ea typeface="+mn-ea"/>
+                          <a:cs typeface="+mn-cs"/>
+                        </a:rPr>
+                        <a:t>0.62 (0.202)  </a:t>
+                      </a:r>
+                    </a:p>
+                  </a:txBody>
+                  <a:tcPr marL="68580" marR="68580" marT="0" marB="0"/>
+                </a:tc>
+                <a:tc>
+                  <a:txBody>
+                    <a:bodyPr/>
+                    <a:lstStyle/>
+                    <a:p>
+                      <a:pPr marL="0" algn="ctr" defTabSz="914400" rtl="0" eaLnBrk="1" latinLnBrk="0" hangingPunct="1"/>
+                      <a:r>
+                        <a:rPr lang="en-GB" sz="1800" kern="100">
+                          <a:solidFill>
+                            <a:schemeClr val="dk1"/>
+                          </a:solidFill>
+                          <a:effectLst/>
+                          <a:latin typeface="+mn-lt"/>
+                          <a:ea typeface="+mn-ea"/>
+                          <a:cs typeface="+mn-cs"/>
+                        </a:rPr>
+                        <a:t>1.85 (1.25, 2.75) </a:t>
+                      </a:r>
+                    </a:p>
+                  </a:txBody>
+                  <a:tcPr marL="68580" marR="68580" marT="0" marB="0"/>
+                </a:tc>
+                <a:tc>
+                  <a:txBody>
+                    <a:bodyPr/>
+                    <a:lstStyle/>
+                    <a:p>
+                      <a:pPr marL="0" algn="ctr" defTabSz="914400" rtl="0" eaLnBrk="1" latinLnBrk="0" hangingPunct="1"/>
+                      <a:r>
+                        <a:rPr lang="en-GB" sz="1800" kern="100" dirty="0">
+                          <a:solidFill>
+                            <a:schemeClr val="dk1"/>
+                          </a:solidFill>
+                          <a:effectLst/>
+                          <a:latin typeface="+mn-lt"/>
+                          <a:ea typeface="+mn-ea"/>
+                          <a:cs typeface="+mn-cs"/>
+                        </a:rPr>
+                        <a:t>0.002      </a:t>
+                      </a:r>
+                    </a:p>
+                  </a:txBody>
+                  <a:tcPr marL="68580" marR="68580" marT="0" marB="0"/>
+                </a:tc>
+                <a:extLst>
+                  <a:ext uri="{0D108BD9-81ED-4DB2-BD59-A6C34878D82A}">
+                    <a16:rowId xmlns:a16="http://schemas.microsoft.com/office/drawing/2014/main" val="1812785408"/>
+                  </a:ext>
+                </a:extLst>
+              </a:tr>
+            </a:tbl>
+          </a:graphicData>
+        </a:graphic>
+      </p:graphicFrame>
+    </p:spTree>
+    <p:extLst>
+      <p:ext uri="{BB962C8B-B14F-4D97-AF65-F5344CB8AC3E}">
+        <p14:creationId xmlns:p14="http://schemas.microsoft.com/office/powerpoint/2010/main" val="2938775675"/>
+      </p:ext>
+    </p:extLst>
+  </p:cSld>
+  <p:clrMapOvr>
+    <a:masterClrMapping/>
+  </p:clrMapOvr>
+</p:sld>
+</file>
+
+<file path=ppt/slides/slide16.xml><?xml version="1.0" encoding="utf-8"?>
 <p:sld xmlns:a="http://schemas.openxmlformats.org/drawingml/2006/main" xmlns:r="http://schemas.openxmlformats.org/officeDocument/2006/relationships" xmlns:p="http://schemas.openxmlformats.org/presentationml/2006/main">
   <p:cSld>
     <p:spTree>
@@ -4797,7 +11554,7 @@
 </p:sld>
 </file>
 
-<file path=ppt/slides/slide13.xml><?xml version="1.0" encoding="utf-8"?>
+<file path=ppt/slides/slide17.xml><?xml version="1.0" encoding="utf-8"?>
 <p:sld xmlns:a="http://schemas.openxmlformats.org/drawingml/2006/main" xmlns:r="http://schemas.openxmlformats.org/officeDocument/2006/relationships" xmlns:p="http://schemas.openxmlformats.org/presentationml/2006/main">
   <p:cSld>
     <p:spTree>
@@ -4945,7 +11702,7 @@
 </p:sld>
 </file>
 
-<file path=ppt/slides/slide14.xml><?xml version="1.0" encoding="utf-8"?>
+<file path=ppt/slides/slide18.xml><?xml version="1.0" encoding="utf-8"?>
 <p:sld xmlns:a="http://schemas.openxmlformats.org/drawingml/2006/main" xmlns:r="http://schemas.openxmlformats.org/officeDocument/2006/relationships" xmlns:p="http://schemas.openxmlformats.org/presentationml/2006/main">
   <p:cSld>
     <p:spTree>
@@ -5040,7 +11797,7 @@
 </p:sld>
 </file>
 
-<file path=ppt/slides/slide15.xml><?xml version="1.0" encoding="utf-8"?>
+<file path=ppt/slides/slide19.xml><?xml version="1.0" encoding="utf-8"?>
 <p:sld xmlns:a="http://schemas.openxmlformats.org/drawingml/2006/main" xmlns:r="http://schemas.openxmlformats.org/officeDocument/2006/relationships" xmlns:p="http://schemas.openxmlformats.org/presentationml/2006/main">
   <p:cSld>
     <p:spTree>
@@ -5184,152 +11941,6 @@
     <p:extLst>
       <p:ext uri="{BB962C8B-B14F-4D97-AF65-F5344CB8AC3E}">
         <p14:creationId xmlns:p14="http://schemas.microsoft.com/office/powerpoint/2010/main" val="3540150162"/>
-      </p:ext>
-    </p:extLst>
-  </p:cSld>
-  <p:clrMapOvr>
-    <a:masterClrMapping/>
-  </p:clrMapOvr>
-</p:sld>
-</file>
-
-<file path=ppt/slides/slide16.xml><?xml version="1.0" encoding="utf-8"?>
-<p:sld xmlns:a="http://schemas.openxmlformats.org/drawingml/2006/main" xmlns:r="http://schemas.openxmlformats.org/officeDocument/2006/relationships" xmlns:p="http://schemas.openxmlformats.org/presentationml/2006/main">
-  <p:cSld>
-    <p:spTree>
-      <p:nvGrpSpPr>
-        <p:cNvPr id="1" name=""/>
-        <p:cNvGrpSpPr/>
-        <p:nvPr/>
-      </p:nvGrpSpPr>
-      <p:grpSpPr>
-        <a:xfrm>
-          <a:off x="0" y="0"/>
-          <a:ext cx="0" cy="0"/>
-          <a:chOff x="0" y="0"/>
-          <a:chExt cx="0" cy="0"/>
-        </a:xfrm>
-      </p:grpSpPr>
-      <p:sp>
-        <p:nvSpPr>
-          <p:cNvPr id="2" name="Title 1">
-            <a:extLst>
-              <a:ext uri="{FF2B5EF4-FFF2-40B4-BE49-F238E27FC236}">
-                <a16:creationId xmlns:a16="http://schemas.microsoft.com/office/drawing/2014/main" id="{E5C8255A-B9A1-748B-D1E7-D75A583688B6}"/>
-              </a:ext>
-            </a:extLst>
-          </p:cNvPr>
-          <p:cNvSpPr>
-            <a:spLocks noGrp="1"/>
-          </p:cNvSpPr>
-          <p:nvPr>
-            <p:ph type="title"/>
-          </p:nvPr>
-        </p:nvSpPr>
-        <p:spPr/>
-        <p:txBody>
-          <a:bodyPr/>
-          <a:lstStyle/>
-          <a:p>
-            <a:r>
-              <a:rPr lang="en-US" dirty="0"/>
-              <a:t>Decision 24</a:t>
-            </a:r>
-            <a:r>
-              <a:rPr lang="en-US" baseline="30000" dirty="0"/>
-              <a:t>th</a:t>
-            </a:r>
-            <a:r>
-              <a:rPr lang="en-US" dirty="0"/>
-              <a:t> April 2024</a:t>
-            </a:r>
-          </a:p>
-        </p:txBody>
-      </p:sp>
-      <p:sp>
-        <p:nvSpPr>
-          <p:cNvPr id="3" name="Content Placeholder 2">
-            <a:extLst>
-              <a:ext uri="{FF2B5EF4-FFF2-40B4-BE49-F238E27FC236}">
-                <a16:creationId xmlns:a16="http://schemas.microsoft.com/office/drawing/2014/main" id="{414BA9F8-A2AE-C42A-8574-F12CA74DCAE9}"/>
-              </a:ext>
-            </a:extLst>
-          </p:cNvPr>
-          <p:cNvSpPr>
-            <a:spLocks noGrp="1"/>
-          </p:cNvSpPr>
-          <p:nvPr>
-            <p:ph idx="1"/>
-          </p:nvPr>
-        </p:nvSpPr>
-        <p:spPr/>
-        <p:txBody>
-          <a:bodyPr>
-            <a:normAutofit/>
-          </a:bodyPr>
-          <a:lstStyle/>
-          <a:p>
-            <a:pPr marL="0" indent="0">
-              <a:buNone/>
-            </a:pPr>
-            <a:r>
-              <a:rPr lang="en-US" dirty="0"/>
-              <a:t>Focus on those that had steroids with a singleton pregnancy (n=96 without termination and n=99 with termination)</a:t>
-            </a:r>
-          </a:p>
-          <a:p>
-            <a:pPr marL="0" indent="0">
-              <a:buNone/>
-            </a:pPr>
-            <a:endParaRPr lang="en-US" dirty="0"/>
-          </a:p>
-          <a:p>
-            <a:pPr marL="0" indent="0">
-              <a:buNone/>
-            </a:pPr>
-            <a:r>
-              <a:rPr lang="en-US" dirty="0"/>
-              <a:t>Question- what is the optimal gestation to give steroids? Outcome- livebirth with hospital discharge (+/-and mum not having sepsis)</a:t>
-            </a:r>
-          </a:p>
-          <a:p>
-            <a:r>
-              <a:rPr lang="en-US" dirty="0"/>
-              <a:t>Fields:</a:t>
-            </a:r>
-          </a:p>
-          <a:p>
-            <a:pPr lvl="1"/>
-            <a:r>
-              <a:rPr lang="en-US" dirty="0"/>
-              <a:t>Gest at steroids (gestation in weeks of steroids)</a:t>
-            </a:r>
-          </a:p>
-          <a:p>
-            <a:pPr marL="457200" lvl="1" indent="0">
-              <a:buNone/>
-            </a:pPr>
-            <a:endParaRPr lang="en-US" dirty="0"/>
-          </a:p>
-          <a:p>
-            <a:pPr lvl="1"/>
-            <a:endParaRPr lang="en-US" dirty="0"/>
-          </a:p>
-          <a:p>
-            <a:pPr marL="0" indent="0">
-              <a:buNone/>
-            </a:pPr>
-            <a:endParaRPr lang="en-US" dirty="0"/>
-          </a:p>
-          <a:p>
-            <a:endParaRPr lang="en-US" dirty="0"/>
-          </a:p>
-        </p:txBody>
-      </p:sp>
-    </p:spTree>
-    <p:extLst>
-      <p:ext uri="{BB962C8B-B14F-4D97-AF65-F5344CB8AC3E}">
-        <p14:creationId xmlns:p14="http://schemas.microsoft.com/office/powerpoint/2010/main" val="1471790896"/>
       </p:ext>
     </p:extLst>
   </p:cSld>
@@ -5498,6 +12109,152 @@
     <p:extLst>
       <p:ext uri="{BB962C8B-B14F-4D97-AF65-F5344CB8AC3E}">
         <p14:creationId xmlns:p14="http://schemas.microsoft.com/office/powerpoint/2010/main" val="3767860821"/>
+      </p:ext>
+    </p:extLst>
+  </p:cSld>
+  <p:clrMapOvr>
+    <a:masterClrMapping/>
+  </p:clrMapOvr>
+</p:sld>
+</file>
+
+<file path=ppt/slides/slide20.xml><?xml version="1.0" encoding="utf-8"?>
+<p:sld xmlns:a="http://schemas.openxmlformats.org/drawingml/2006/main" xmlns:r="http://schemas.openxmlformats.org/officeDocument/2006/relationships" xmlns:p="http://schemas.openxmlformats.org/presentationml/2006/main">
+  <p:cSld>
+    <p:spTree>
+      <p:nvGrpSpPr>
+        <p:cNvPr id="1" name=""/>
+        <p:cNvGrpSpPr/>
+        <p:nvPr/>
+      </p:nvGrpSpPr>
+      <p:grpSpPr>
+        <a:xfrm>
+          <a:off x="0" y="0"/>
+          <a:ext cx="0" cy="0"/>
+          <a:chOff x="0" y="0"/>
+          <a:chExt cx="0" cy="0"/>
+        </a:xfrm>
+      </p:grpSpPr>
+      <p:sp>
+        <p:nvSpPr>
+          <p:cNvPr id="2" name="Title 1">
+            <a:extLst>
+              <a:ext uri="{FF2B5EF4-FFF2-40B4-BE49-F238E27FC236}">
+                <a16:creationId xmlns:a16="http://schemas.microsoft.com/office/drawing/2014/main" id="{E5C8255A-B9A1-748B-D1E7-D75A583688B6}"/>
+              </a:ext>
+            </a:extLst>
+          </p:cNvPr>
+          <p:cNvSpPr>
+            <a:spLocks noGrp="1"/>
+          </p:cNvSpPr>
+          <p:nvPr>
+            <p:ph type="title"/>
+          </p:nvPr>
+        </p:nvSpPr>
+        <p:spPr/>
+        <p:txBody>
+          <a:bodyPr/>
+          <a:lstStyle/>
+          <a:p>
+            <a:r>
+              <a:rPr lang="en-US" dirty="0"/>
+              <a:t>Decision 24</a:t>
+            </a:r>
+            <a:r>
+              <a:rPr lang="en-US" baseline="30000" dirty="0"/>
+              <a:t>th</a:t>
+            </a:r>
+            <a:r>
+              <a:rPr lang="en-US" dirty="0"/>
+              <a:t> April 2024</a:t>
+            </a:r>
+          </a:p>
+        </p:txBody>
+      </p:sp>
+      <p:sp>
+        <p:nvSpPr>
+          <p:cNvPr id="3" name="Content Placeholder 2">
+            <a:extLst>
+              <a:ext uri="{FF2B5EF4-FFF2-40B4-BE49-F238E27FC236}">
+                <a16:creationId xmlns:a16="http://schemas.microsoft.com/office/drawing/2014/main" id="{414BA9F8-A2AE-C42A-8574-F12CA74DCAE9}"/>
+              </a:ext>
+            </a:extLst>
+          </p:cNvPr>
+          <p:cNvSpPr>
+            <a:spLocks noGrp="1"/>
+          </p:cNvSpPr>
+          <p:nvPr>
+            <p:ph idx="1"/>
+          </p:nvPr>
+        </p:nvSpPr>
+        <p:spPr/>
+        <p:txBody>
+          <a:bodyPr>
+            <a:normAutofit/>
+          </a:bodyPr>
+          <a:lstStyle/>
+          <a:p>
+            <a:pPr marL="0" indent="0">
+              <a:buNone/>
+            </a:pPr>
+            <a:r>
+              <a:rPr lang="en-US" dirty="0"/>
+              <a:t>Focus on those that had steroids with a singleton pregnancy (n=96 without termination and n=99 with termination)</a:t>
+            </a:r>
+          </a:p>
+          <a:p>
+            <a:pPr marL="0" indent="0">
+              <a:buNone/>
+            </a:pPr>
+            <a:endParaRPr lang="en-US" dirty="0"/>
+          </a:p>
+          <a:p>
+            <a:pPr marL="0" indent="0">
+              <a:buNone/>
+            </a:pPr>
+            <a:r>
+              <a:rPr lang="en-US" dirty="0"/>
+              <a:t>Question- what is the optimal gestation to give steroids? Outcome- livebirth with hospital discharge (+/-and mum not having sepsis)</a:t>
+            </a:r>
+          </a:p>
+          <a:p>
+            <a:r>
+              <a:rPr lang="en-US" dirty="0"/>
+              <a:t>Fields:</a:t>
+            </a:r>
+          </a:p>
+          <a:p>
+            <a:pPr lvl="1"/>
+            <a:r>
+              <a:rPr lang="en-US" dirty="0"/>
+              <a:t>Gest at steroids (gestation in weeks of steroids)</a:t>
+            </a:r>
+          </a:p>
+          <a:p>
+            <a:pPr marL="457200" lvl="1" indent="0">
+              <a:buNone/>
+            </a:pPr>
+            <a:endParaRPr lang="en-US" dirty="0"/>
+          </a:p>
+          <a:p>
+            <a:pPr lvl="1"/>
+            <a:endParaRPr lang="en-US" dirty="0"/>
+          </a:p>
+          <a:p>
+            <a:pPr marL="0" indent="0">
+              <a:buNone/>
+            </a:pPr>
+            <a:endParaRPr lang="en-US" dirty="0"/>
+          </a:p>
+          <a:p>
+            <a:endParaRPr lang="en-US" dirty="0"/>
+          </a:p>
+        </p:txBody>
+      </p:sp>
+    </p:spTree>
+    <p:extLst>
+      <p:ext uri="{BB962C8B-B14F-4D97-AF65-F5344CB8AC3E}">
+        <p14:creationId xmlns:p14="http://schemas.microsoft.com/office/powerpoint/2010/main" val="1471790896"/>
       </p:ext>
     </p:extLst>
   </p:cSld>
@@ -8556,6 +15313,1922 @@
           <a:chExt cx="0" cy="0"/>
         </a:xfrm>
       </p:grpSpPr>
+      <p:graphicFrame>
+        <p:nvGraphicFramePr>
+          <p:cNvPr id="6" name="Table 5">
+            <a:extLst>
+              <a:ext uri="{FF2B5EF4-FFF2-40B4-BE49-F238E27FC236}">
+                <a16:creationId xmlns:a16="http://schemas.microsoft.com/office/drawing/2014/main" id="{ADDD3A50-41CE-7A14-875F-C5F2AF6C4CDB}"/>
+              </a:ext>
+            </a:extLst>
+          </p:cNvPr>
+          <p:cNvGraphicFramePr>
+            <a:graphicFrameLocks noGrp="1"/>
+          </p:cNvGraphicFramePr>
+          <p:nvPr>
+            <p:extLst>
+              <p:ext uri="{D42A27DB-BD31-4B8C-83A1-F6EECF244321}">
+                <p14:modId xmlns:p14="http://schemas.microsoft.com/office/powerpoint/2010/main" val="315737577"/>
+              </p:ext>
+            </p:extLst>
+          </p:nvPr>
+        </p:nvGraphicFramePr>
+        <p:xfrm>
+          <a:off x="691662" y="154612"/>
+          <a:ext cx="11024917" cy="6548776"/>
+        </p:xfrm>
+        <a:graphic>
+          <a:graphicData uri="http://schemas.openxmlformats.org/drawingml/2006/table">
+            <a:tbl>
+              <a:tblPr firstRow="1" firstCol="1" bandRow="1">
+                <a:tableStyleId>{5C22544A-7EE6-4342-B048-85BDC9FD1C3A}</a:tableStyleId>
+              </a:tblPr>
+              <a:tblGrid>
+                <a:gridCol w="4384431">
+                  <a:extLst>
+                    <a:ext uri="{9D8B030D-6E8A-4147-A177-3AD203B41FA5}">
+                      <a16:colId xmlns:a16="http://schemas.microsoft.com/office/drawing/2014/main" val="3950663837"/>
+                    </a:ext>
+                  </a:extLst>
+                </a:gridCol>
+                <a:gridCol w="2368061">
+                  <a:extLst>
+                    <a:ext uri="{9D8B030D-6E8A-4147-A177-3AD203B41FA5}">
+                      <a16:colId xmlns:a16="http://schemas.microsoft.com/office/drawing/2014/main" val="4257245582"/>
+                    </a:ext>
+                  </a:extLst>
+                </a:gridCol>
+                <a:gridCol w="2766646">
+                  <a:extLst>
+                    <a:ext uri="{9D8B030D-6E8A-4147-A177-3AD203B41FA5}">
+                      <a16:colId xmlns:a16="http://schemas.microsoft.com/office/drawing/2014/main" val="3678687291"/>
+                    </a:ext>
+                  </a:extLst>
+                </a:gridCol>
+                <a:gridCol w="1505779">
+                  <a:extLst>
+                    <a:ext uri="{9D8B030D-6E8A-4147-A177-3AD203B41FA5}">
+                      <a16:colId xmlns:a16="http://schemas.microsoft.com/office/drawing/2014/main" val="3525693723"/>
+                    </a:ext>
+                  </a:extLst>
+                </a:gridCol>
+              </a:tblGrid>
+              <a:tr h="203559">
+                <a:tc>
+                  <a:txBody>
+                    <a:bodyPr/>
+                    <a:lstStyle/>
+                    <a:p>
+                      <a:endParaRPr lang="en-GB" sz="1800" kern="100" dirty="0">
+                        <a:effectLst/>
+                        <a:latin typeface="Aptos" panose="020B0004020202020204" pitchFamily="34" charset="0"/>
+                        <a:ea typeface="Aptos" panose="020B0004020202020204" pitchFamily="34" charset="0"/>
+                        <a:cs typeface="Times New Roman" panose="02020603050405020304" pitchFamily="18" charset="0"/>
+                      </a:endParaRPr>
+                    </a:p>
+                  </a:txBody>
+                  <a:tcPr marL="58277" marR="58277" marT="0" marB="0"/>
+                </a:tc>
+                <a:tc>
+                  <a:txBody>
+                    <a:bodyPr/>
+                    <a:lstStyle/>
+                    <a:p>
+                      <a:r>
+                        <a:rPr lang="en-GB" sz="1800" kern="100" dirty="0">
+                          <a:effectLst/>
+                        </a:rPr>
+                        <a:t>No Anti</a:t>
+                      </a:r>
+                      <a:endParaRPr lang="en-GB" sz="1800" kern="100" dirty="0">
+                        <a:effectLst/>
+                        <a:latin typeface="Aptos" panose="020B0004020202020204" pitchFamily="34" charset="0"/>
+                        <a:ea typeface="Aptos" panose="020B0004020202020204" pitchFamily="34" charset="0"/>
+                        <a:cs typeface="Times New Roman" panose="02020603050405020304" pitchFamily="18" charset="0"/>
+                      </a:endParaRPr>
+                    </a:p>
+                  </a:txBody>
+                  <a:tcPr marL="58277" marR="58277" marT="0" marB="0"/>
+                </a:tc>
+                <a:tc>
+                  <a:txBody>
+                    <a:bodyPr/>
+                    <a:lstStyle/>
+                    <a:p>
+                      <a:r>
+                        <a:rPr lang="en-GB" sz="1800" kern="100">
+                          <a:effectLst/>
+                        </a:rPr>
+                        <a:t>Anti              </a:t>
+                      </a:r>
+                      <a:endParaRPr lang="en-GB" sz="1800" kern="100">
+                        <a:effectLst/>
+                        <a:latin typeface="Aptos" panose="020B0004020202020204" pitchFamily="34" charset="0"/>
+                        <a:ea typeface="Aptos" panose="020B0004020202020204" pitchFamily="34" charset="0"/>
+                        <a:cs typeface="Times New Roman" panose="02020603050405020304" pitchFamily="18" charset="0"/>
+                      </a:endParaRPr>
+                    </a:p>
+                  </a:txBody>
+                  <a:tcPr marL="58277" marR="58277" marT="0" marB="0"/>
+                </a:tc>
+                <a:tc>
+                  <a:txBody>
+                    <a:bodyPr/>
+                    <a:lstStyle/>
+                    <a:p>
+                      <a:r>
+                        <a:rPr lang="en-GB" sz="1800" kern="100" dirty="0">
+                          <a:effectLst/>
+                        </a:rPr>
+                        <a:t>Total      </a:t>
+                      </a:r>
+                      <a:endParaRPr lang="en-GB" sz="1800" kern="100" dirty="0">
+                        <a:effectLst/>
+                        <a:latin typeface="Aptos" panose="020B0004020202020204" pitchFamily="34" charset="0"/>
+                        <a:ea typeface="Aptos" panose="020B0004020202020204" pitchFamily="34" charset="0"/>
+                        <a:cs typeface="Times New Roman" panose="02020603050405020304" pitchFamily="18" charset="0"/>
+                      </a:endParaRPr>
+                    </a:p>
+                  </a:txBody>
+                  <a:tcPr marL="58277" marR="58277" marT="0" marB="0"/>
+                </a:tc>
+                <a:extLst>
+                  <a:ext uri="{0D108BD9-81ED-4DB2-BD59-A6C34878D82A}">
+                    <a16:rowId xmlns:a16="http://schemas.microsoft.com/office/drawing/2014/main" val="3194737904"/>
+                  </a:ext>
+                </a:extLst>
+              </a:tr>
+              <a:tr h="203559">
+                <a:tc>
+                  <a:txBody>
+                    <a:bodyPr/>
+                    <a:lstStyle/>
+                    <a:p>
+                      <a:r>
+                        <a:rPr lang="en-GB" sz="1800" kern="100" dirty="0">
+                          <a:effectLst/>
+                        </a:rPr>
+                        <a:t>No Response                  </a:t>
+                      </a:r>
+                      <a:endParaRPr lang="en-GB" sz="1800" kern="100" dirty="0">
+                        <a:effectLst/>
+                        <a:latin typeface="Aptos" panose="020B0004020202020204" pitchFamily="34" charset="0"/>
+                        <a:ea typeface="Aptos" panose="020B0004020202020204" pitchFamily="34" charset="0"/>
+                        <a:cs typeface="Times New Roman" panose="02020603050405020304" pitchFamily="18" charset="0"/>
+                      </a:endParaRPr>
+                    </a:p>
+                  </a:txBody>
+                  <a:tcPr marL="58277" marR="58277" marT="0" marB="0"/>
+                </a:tc>
+                <a:tc>
+                  <a:txBody>
+                    <a:bodyPr/>
+                    <a:lstStyle/>
+                    <a:p>
+                      <a:pPr algn="ctr"/>
+                      <a:r>
+                        <a:rPr lang="en-GB" sz="1800" kern="100">
+                          <a:effectLst/>
+                        </a:rPr>
+                        <a:t>90 (89%)      </a:t>
+                      </a:r>
+                      <a:endParaRPr lang="en-GB" sz="1800" kern="100">
+                        <a:effectLst/>
+                        <a:latin typeface="Aptos" panose="020B0004020202020204" pitchFamily="34" charset="0"/>
+                        <a:ea typeface="Aptos" panose="020B0004020202020204" pitchFamily="34" charset="0"/>
+                        <a:cs typeface="Times New Roman" panose="02020603050405020304" pitchFamily="18" charset="0"/>
+                      </a:endParaRPr>
+                    </a:p>
+                  </a:txBody>
+                  <a:tcPr marL="58277" marR="58277" marT="0" marB="0" anchor="ctr"/>
+                </a:tc>
+                <a:tc>
+                  <a:txBody>
+                    <a:bodyPr/>
+                    <a:lstStyle/>
+                    <a:p>
+                      <a:pPr algn="ctr"/>
+                      <a:r>
+                        <a:rPr lang="en-GB" sz="1800" kern="100">
+                          <a:effectLst/>
+                        </a:rPr>
+                        <a:t>174 (84%)         </a:t>
+                      </a:r>
+                      <a:endParaRPr lang="en-GB" sz="1800" kern="100">
+                        <a:effectLst/>
+                        <a:latin typeface="Aptos" panose="020B0004020202020204" pitchFamily="34" charset="0"/>
+                        <a:ea typeface="Aptos" panose="020B0004020202020204" pitchFamily="34" charset="0"/>
+                        <a:cs typeface="Times New Roman" panose="02020603050405020304" pitchFamily="18" charset="0"/>
+                      </a:endParaRPr>
+                    </a:p>
+                  </a:txBody>
+                  <a:tcPr marL="58277" marR="58277" marT="0" marB="0" anchor="ctr"/>
+                </a:tc>
+                <a:tc>
+                  <a:txBody>
+                    <a:bodyPr/>
+                    <a:lstStyle/>
+                    <a:p>
+                      <a:pPr algn="ctr"/>
+                      <a:r>
+                        <a:rPr lang="en-GB" sz="1800" kern="100" dirty="0">
+                          <a:effectLst/>
+                        </a:rPr>
+                        <a:t>264 (85%)  </a:t>
+                      </a:r>
+                      <a:endParaRPr lang="en-GB" sz="1800" kern="100" dirty="0">
+                        <a:effectLst/>
+                        <a:latin typeface="Aptos" panose="020B0004020202020204" pitchFamily="34" charset="0"/>
+                        <a:ea typeface="Aptos" panose="020B0004020202020204" pitchFamily="34" charset="0"/>
+                        <a:cs typeface="Times New Roman" panose="02020603050405020304" pitchFamily="18" charset="0"/>
+                      </a:endParaRPr>
+                    </a:p>
+                  </a:txBody>
+                  <a:tcPr marL="58277" marR="58277" marT="0" marB="0" anchor="ctr"/>
+                </a:tc>
+                <a:extLst>
+                  <a:ext uri="{0D108BD9-81ED-4DB2-BD59-A6C34878D82A}">
+                    <a16:rowId xmlns:a16="http://schemas.microsoft.com/office/drawing/2014/main" val="2801341854"/>
+                  </a:ext>
+                </a:extLst>
+              </a:tr>
+              <a:tr h="203559">
+                <a:tc>
+                  <a:txBody>
+                    <a:bodyPr/>
+                    <a:lstStyle/>
+                    <a:p>
+                      <a:r>
+                        <a:rPr lang="en-GB" sz="1800" kern="100" dirty="0">
+                          <a:effectLst/>
+                          <a:latin typeface="Aptos" panose="020B0004020202020204" pitchFamily="34" charset="0"/>
+                          <a:ea typeface="Aptos" panose="020B0004020202020204" pitchFamily="34" charset="0"/>
+                          <a:cs typeface="Times New Roman" panose="02020603050405020304" pitchFamily="18" charset="0"/>
+                        </a:rPr>
+                        <a:t>Response</a:t>
+                      </a:r>
+                    </a:p>
+                  </a:txBody>
+                  <a:tcPr marL="58277" marR="58277" marT="0" marB="0"/>
+                </a:tc>
+                <a:tc>
+                  <a:txBody>
+                    <a:bodyPr/>
+                    <a:lstStyle/>
+                    <a:p>
+                      <a:pPr algn="ctr"/>
+                      <a:r>
+                        <a:rPr lang="en-GB" sz="1800" kern="100">
+                          <a:effectLst/>
+                        </a:rPr>
+                        <a:t>11 (11%)      </a:t>
+                      </a:r>
+                      <a:endParaRPr lang="en-GB" sz="1800" kern="100">
+                        <a:effectLst/>
+                        <a:latin typeface="Aptos" panose="020B0004020202020204" pitchFamily="34" charset="0"/>
+                        <a:ea typeface="Aptos" panose="020B0004020202020204" pitchFamily="34" charset="0"/>
+                        <a:cs typeface="Times New Roman" panose="02020603050405020304" pitchFamily="18" charset="0"/>
+                      </a:endParaRPr>
+                    </a:p>
+                  </a:txBody>
+                  <a:tcPr marL="58277" marR="58277" marT="0" marB="0" anchor="ctr"/>
+                </a:tc>
+                <a:tc>
+                  <a:txBody>
+                    <a:bodyPr/>
+                    <a:lstStyle/>
+                    <a:p>
+                      <a:pPr algn="ctr"/>
+                      <a:r>
+                        <a:rPr lang="en-GB" sz="1800" kern="100">
+                          <a:effectLst/>
+                        </a:rPr>
+                        <a:t>34 (16%)          </a:t>
+                      </a:r>
+                      <a:endParaRPr lang="en-GB" sz="1800" kern="100">
+                        <a:effectLst/>
+                        <a:latin typeface="Aptos" panose="020B0004020202020204" pitchFamily="34" charset="0"/>
+                        <a:ea typeface="Aptos" panose="020B0004020202020204" pitchFamily="34" charset="0"/>
+                        <a:cs typeface="Times New Roman" panose="02020603050405020304" pitchFamily="18" charset="0"/>
+                      </a:endParaRPr>
+                    </a:p>
+                  </a:txBody>
+                  <a:tcPr marL="58277" marR="58277" marT="0" marB="0" anchor="ctr"/>
+                </a:tc>
+                <a:tc>
+                  <a:txBody>
+                    <a:bodyPr/>
+                    <a:lstStyle/>
+                    <a:p>
+                      <a:pPr algn="ctr"/>
+                      <a:r>
+                        <a:rPr lang="en-GB" sz="1800" kern="100">
+                          <a:effectLst/>
+                        </a:rPr>
+                        <a:t>45 (15%)   </a:t>
+                      </a:r>
+                      <a:endParaRPr lang="en-GB" sz="1800" kern="100">
+                        <a:effectLst/>
+                        <a:latin typeface="Aptos" panose="020B0004020202020204" pitchFamily="34" charset="0"/>
+                        <a:ea typeface="Aptos" panose="020B0004020202020204" pitchFamily="34" charset="0"/>
+                        <a:cs typeface="Times New Roman" panose="02020603050405020304" pitchFamily="18" charset="0"/>
+                      </a:endParaRPr>
+                    </a:p>
+                  </a:txBody>
+                  <a:tcPr marL="58277" marR="58277" marT="0" marB="0" anchor="ctr"/>
+                </a:tc>
+                <a:extLst>
+                  <a:ext uri="{0D108BD9-81ED-4DB2-BD59-A6C34878D82A}">
+                    <a16:rowId xmlns:a16="http://schemas.microsoft.com/office/drawing/2014/main" val="88307961"/>
+                  </a:ext>
+                </a:extLst>
+              </a:tr>
+              <a:tr h="203559">
+                <a:tc>
+                  <a:txBody>
+                    <a:bodyPr/>
+                    <a:lstStyle/>
+                    <a:p>
+                      <a:r>
+                        <a:rPr lang="en-GB" sz="1800" kern="100">
+                          <a:effectLst/>
+                        </a:rPr>
+                        <a:t>Total              </a:t>
+                      </a:r>
+                      <a:endParaRPr lang="en-GB" sz="1800" kern="100">
+                        <a:effectLst/>
+                        <a:latin typeface="Aptos" panose="020B0004020202020204" pitchFamily="34" charset="0"/>
+                        <a:ea typeface="Aptos" panose="020B0004020202020204" pitchFamily="34" charset="0"/>
+                        <a:cs typeface="Times New Roman" panose="02020603050405020304" pitchFamily="18" charset="0"/>
+                      </a:endParaRPr>
+                    </a:p>
+                  </a:txBody>
+                  <a:tcPr marL="58277" marR="58277" marT="0" marB="0"/>
+                </a:tc>
+                <a:tc>
+                  <a:txBody>
+                    <a:bodyPr/>
+                    <a:lstStyle/>
+                    <a:p>
+                      <a:pPr algn="ctr"/>
+                      <a:r>
+                        <a:rPr lang="en-GB" sz="1800" kern="100">
+                          <a:effectLst/>
+                        </a:rPr>
+                        <a:t>101           </a:t>
+                      </a:r>
+                      <a:endParaRPr lang="en-GB" sz="1800" kern="100">
+                        <a:effectLst/>
+                        <a:latin typeface="Aptos" panose="020B0004020202020204" pitchFamily="34" charset="0"/>
+                        <a:ea typeface="Aptos" panose="020B0004020202020204" pitchFamily="34" charset="0"/>
+                        <a:cs typeface="Times New Roman" panose="02020603050405020304" pitchFamily="18" charset="0"/>
+                      </a:endParaRPr>
+                    </a:p>
+                  </a:txBody>
+                  <a:tcPr marL="58277" marR="58277" marT="0" marB="0" anchor="ctr"/>
+                </a:tc>
+                <a:tc>
+                  <a:txBody>
+                    <a:bodyPr/>
+                    <a:lstStyle/>
+                    <a:p>
+                      <a:pPr algn="ctr"/>
+                      <a:r>
+                        <a:rPr lang="en-GB" sz="1800" kern="100">
+                          <a:effectLst/>
+                        </a:rPr>
+                        <a:t>208               </a:t>
+                      </a:r>
+                      <a:endParaRPr lang="en-GB" sz="1800" kern="100">
+                        <a:effectLst/>
+                        <a:latin typeface="Aptos" panose="020B0004020202020204" pitchFamily="34" charset="0"/>
+                        <a:ea typeface="Aptos" panose="020B0004020202020204" pitchFamily="34" charset="0"/>
+                        <a:cs typeface="Times New Roman" panose="02020603050405020304" pitchFamily="18" charset="0"/>
+                      </a:endParaRPr>
+                    </a:p>
+                  </a:txBody>
+                  <a:tcPr marL="58277" marR="58277" marT="0" marB="0" anchor="ctr"/>
+                </a:tc>
+                <a:tc>
+                  <a:txBody>
+                    <a:bodyPr/>
+                    <a:lstStyle/>
+                    <a:p>
+                      <a:pPr algn="ctr"/>
+                      <a:r>
+                        <a:rPr lang="en-GB" sz="1800" kern="100">
+                          <a:effectLst/>
+                        </a:rPr>
+                        <a:t>309        </a:t>
+                      </a:r>
+                      <a:endParaRPr lang="en-GB" sz="1800" kern="100">
+                        <a:effectLst/>
+                        <a:latin typeface="Aptos" panose="020B0004020202020204" pitchFamily="34" charset="0"/>
+                        <a:ea typeface="Aptos" panose="020B0004020202020204" pitchFamily="34" charset="0"/>
+                        <a:cs typeface="Times New Roman" panose="02020603050405020304" pitchFamily="18" charset="0"/>
+                      </a:endParaRPr>
+                    </a:p>
+                  </a:txBody>
+                  <a:tcPr marL="58277" marR="58277" marT="0" marB="0" anchor="ctr"/>
+                </a:tc>
+                <a:extLst>
+                  <a:ext uri="{0D108BD9-81ED-4DB2-BD59-A6C34878D82A}">
+                    <a16:rowId xmlns:a16="http://schemas.microsoft.com/office/drawing/2014/main" val="3280659726"/>
+                  </a:ext>
+                </a:extLst>
+              </a:tr>
+              <a:tr h="203559">
+                <a:tc>
+                  <a:txBody>
+                    <a:bodyPr/>
+                    <a:lstStyle/>
+                    <a:p>
+                      <a:r>
+                        <a:rPr lang="en-GB" sz="1800" kern="100">
+                          <a:effectLst/>
+                        </a:rPr>
+                        <a:t>                   </a:t>
+                      </a:r>
+                      <a:endParaRPr lang="en-GB" sz="1800" kern="100">
+                        <a:effectLst/>
+                        <a:latin typeface="Aptos" panose="020B0004020202020204" pitchFamily="34" charset="0"/>
+                        <a:ea typeface="Aptos" panose="020B0004020202020204" pitchFamily="34" charset="0"/>
+                        <a:cs typeface="Times New Roman" panose="02020603050405020304" pitchFamily="18" charset="0"/>
+                      </a:endParaRPr>
+                    </a:p>
+                  </a:txBody>
+                  <a:tcPr marL="58277" marR="58277" marT="0" marB="0"/>
+                </a:tc>
+                <a:tc>
+                  <a:txBody>
+                    <a:bodyPr/>
+                    <a:lstStyle/>
+                    <a:p>
+                      <a:pPr algn="ctr"/>
+                      <a:r>
+                        <a:rPr lang="en-GB" sz="1800" kern="100" dirty="0">
+                          <a:effectLst/>
+                        </a:rPr>
+                        <a:t>0.6 (0.19)    </a:t>
+                      </a:r>
+                      <a:endParaRPr lang="en-GB" sz="1800" kern="100" dirty="0">
+                        <a:effectLst/>
+                        <a:latin typeface="Aptos" panose="020B0004020202020204" pitchFamily="34" charset="0"/>
+                        <a:ea typeface="Aptos" panose="020B0004020202020204" pitchFamily="34" charset="0"/>
+                        <a:cs typeface="Times New Roman" panose="02020603050405020304" pitchFamily="18" charset="0"/>
+                      </a:endParaRPr>
+                    </a:p>
+                  </a:txBody>
+                  <a:tcPr marL="58277" marR="58277" marT="0" marB="0" anchor="ctr"/>
+                </a:tc>
+                <a:tc>
+                  <a:txBody>
+                    <a:bodyPr/>
+                    <a:lstStyle/>
+                    <a:p>
+                      <a:pPr algn="ctr"/>
+                      <a:r>
+                        <a:rPr lang="en-GB" sz="1800" kern="100">
+                          <a:effectLst/>
+                        </a:rPr>
+                        <a:t>0.7 (0.17)        </a:t>
+                      </a:r>
+                      <a:endParaRPr lang="en-GB" sz="1800" kern="100">
+                        <a:effectLst/>
+                        <a:latin typeface="Aptos" panose="020B0004020202020204" pitchFamily="34" charset="0"/>
+                        <a:ea typeface="Aptos" panose="020B0004020202020204" pitchFamily="34" charset="0"/>
+                        <a:cs typeface="Times New Roman" panose="02020603050405020304" pitchFamily="18" charset="0"/>
+                      </a:endParaRPr>
+                    </a:p>
+                  </a:txBody>
+                  <a:tcPr marL="58277" marR="58277" marT="0" marB="0" anchor="ctr"/>
+                </a:tc>
+                <a:tc>
+                  <a:txBody>
+                    <a:bodyPr/>
+                    <a:lstStyle/>
+                    <a:p>
+                      <a:pPr algn="ctr"/>
+                      <a:r>
+                        <a:rPr lang="en-GB" sz="1800" kern="100">
+                          <a:effectLst/>
+                        </a:rPr>
+                        <a:t>0.7 (0.01) </a:t>
+                      </a:r>
+                      <a:endParaRPr lang="en-GB" sz="1800" kern="100">
+                        <a:effectLst/>
+                        <a:latin typeface="Aptos" panose="020B0004020202020204" pitchFamily="34" charset="0"/>
+                        <a:ea typeface="Aptos" panose="020B0004020202020204" pitchFamily="34" charset="0"/>
+                        <a:cs typeface="Times New Roman" panose="02020603050405020304" pitchFamily="18" charset="0"/>
+                      </a:endParaRPr>
+                    </a:p>
+                  </a:txBody>
+                  <a:tcPr marL="58277" marR="58277" marT="0" marB="0" anchor="ctr"/>
+                </a:tc>
+                <a:extLst>
+                  <a:ext uri="{0D108BD9-81ED-4DB2-BD59-A6C34878D82A}">
+                    <a16:rowId xmlns:a16="http://schemas.microsoft.com/office/drawing/2014/main" val="2804719921"/>
+                  </a:ext>
+                </a:extLst>
+              </a:tr>
+              <a:tr h="203559">
+                <a:tc>
+                  <a:txBody>
+                    <a:bodyPr/>
+                    <a:lstStyle/>
+                    <a:p>
+                      <a:r>
+                        <a:rPr lang="en-GB" sz="1800" kern="100" dirty="0">
+                          <a:effectLst/>
+                        </a:rPr>
+                        <a:t>                </a:t>
+                      </a:r>
+                      <a:endParaRPr lang="en-GB" sz="1800" kern="100" dirty="0">
+                        <a:effectLst/>
+                        <a:latin typeface="Aptos" panose="020B0004020202020204" pitchFamily="34" charset="0"/>
+                        <a:ea typeface="Aptos" panose="020B0004020202020204" pitchFamily="34" charset="0"/>
+                        <a:cs typeface="Times New Roman" panose="02020603050405020304" pitchFamily="18" charset="0"/>
+                      </a:endParaRPr>
+                    </a:p>
+                  </a:txBody>
+                  <a:tcPr marL="58277" marR="58277" marT="0" marB="0"/>
+                </a:tc>
+                <a:tc>
+                  <a:txBody>
+                    <a:bodyPr/>
+                    <a:lstStyle/>
+                    <a:p>
+                      <a:pPr algn="ctr"/>
+                      <a:r>
+                        <a:rPr lang="en-GB" sz="1800" kern="100" dirty="0">
+                          <a:effectLst/>
+                        </a:rPr>
+                        <a:t>              </a:t>
+                      </a:r>
+                      <a:endParaRPr lang="en-GB" sz="1800" kern="100" dirty="0">
+                        <a:effectLst/>
+                        <a:latin typeface="Aptos" panose="020B0004020202020204" pitchFamily="34" charset="0"/>
+                        <a:ea typeface="Aptos" panose="020B0004020202020204" pitchFamily="34" charset="0"/>
+                        <a:cs typeface="Times New Roman" panose="02020603050405020304" pitchFamily="18" charset="0"/>
+                      </a:endParaRPr>
+                    </a:p>
+                  </a:txBody>
+                  <a:tcPr marL="58277" marR="58277" marT="0" marB="0" anchor="ctr"/>
+                </a:tc>
+                <a:tc>
+                  <a:txBody>
+                    <a:bodyPr/>
+                    <a:lstStyle/>
+                    <a:p>
+                      <a:pPr algn="ctr"/>
+                      <a:r>
+                        <a:rPr lang="en-GB" sz="1800" kern="100">
+                          <a:effectLst/>
+                        </a:rPr>
+                        <a:t>                  </a:t>
+                      </a:r>
+                      <a:endParaRPr lang="en-GB" sz="1800" kern="100">
+                        <a:effectLst/>
+                        <a:latin typeface="Aptos" panose="020B0004020202020204" pitchFamily="34" charset="0"/>
+                        <a:ea typeface="Aptos" panose="020B0004020202020204" pitchFamily="34" charset="0"/>
+                        <a:cs typeface="Times New Roman" panose="02020603050405020304" pitchFamily="18" charset="0"/>
+                      </a:endParaRPr>
+                    </a:p>
+                  </a:txBody>
+                  <a:tcPr marL="58277" marR="58277" marT="0" marB="0" anchor="ctr"/>
+                </a:tc>
+                <a:tc>
+                  <a:txBody>
+                    <a:bodyPr/>
+                    <a:lstStyle/>
+                    <a:p>
+                      <a:pPr algn="ctr"/>
+                      <a:r>
+                        <a:rPr lang="en-GB" sz="1800" kern="100">
+                          <a:effectLst/>
+                        </a:rPr>
+                        <a:t>           </a:t>
+                      </a:r>
+                      <a:endParaRPr lang="en-GB" sz="1800" kern="100">
+                        <a:effectLst/>
+                        <a:latin typeface="Aptos" panose="020B0004020202020204" pitchFamily="34" charset="0"/>
+                        <a:ea typeface="Aptos" panose="020B0004020202020204" pitchFamily="34" charset="0"/>
+                        <a:cs typeface="Times New Roman" panose="02020603050405020304" pitchFamily="18" charset="0"/>
+                      </a:endParaRPr>
+                    </a:p>
+                  </a:txBody>
+                  <a:tcPr marL="58277" marR="58277" marT="0" marB="0" anchor="ctr"/>
+                </a:tc>
+                <a:extLst>
+                  <a:ext uri="{0D108BD9-81ED-4DB2-BD59-A6C34878D82A}">
+                    <a16:rowId xmlns:a16="http://schemas.microsoft.com/office/drawing/2014/main" val="2688398612"/>
+                  </a:ext>
+                </a:extLst>
+              </a:tr>
+              <a:tr h="203559">
+                <a:tc>
+                  <a:txBody>
+                    <a:bodyPr/>
+                    <a:lstStyle/>
+                    <a:p>
+                      <a:r>
+                        <a:rPr lang="en-GB" sz="1800" kern="100" dirty="0">
+                          <a:effectLst/>
+                          <a:latin typeface="Aptos" panose="020B0004020202020204" pitchFamily="34" charset="0"/>
+                          <a:ea typeface="Aptos" panose="020B0004020202020204" pitchFamily="34" charset="0"/>
+                          <a:cs typeface="Times New Roman" panose="02020603050405020304" pitchFamily="18" charset="0"/>
+                        </a:rPr>
+                        <a:t>Model Estimates</a:t>
+                      </a:r>
+                    </a:p>
+                  </a:txBody>
+                  <a:tcPr marL="58277" marR="58277" marT="0" marB="0"/>
+                </a:tc>
+                <a:tc>
+                  <a:txBody>
+                    <a:bodyPr/>
+                    <a:lstStyle/>
+                    <a:p>
+                      <a:pPr algn="ctr"/>
+                      <a:endParaRPr lang="en-GB" sz="1800" kern="100" dirty="0">
+                        <a:effectLst/>
+                        <a:latin typeface="Aptos" panose="020B0004020202020204" pitchFamily="34" charset="0"/>
+                        <a:ea typeface="Aptos" panose="020B0004020202020204" pitchFamily="34" charset="0"/>
+                        <a:cs typeface="Times New Roman" panose="02020603050405020304" pitchFamily="18" charset="0"/>
+                      </a:endParaRPr>
+                    </a:p>
+                  </a:txBody>
+                  <a:tcPr marL="58277" marR="58277" marT="0" marB="0" anchor="ctr"/>
+                </a:tc>
+                <a:tc>
+                  <a:txBody>
+                    <a:bodyPr/>
+                    <a:lstStyle/>
+                    <a:p>
+                      <a:pPr algn="ctr"/>
+                      <a:endParaRPr lang="en-GB" sz="1800" kern="100">
+                        <a:effectLst/>
+                        <a:latin typeface="Aptos" panose="020B0004020202020204" pitchFamily="34" charset="0"/>
+                        <a:ea typeface="Aptos" panose="020B0004020202020204" pitchFamily="34" charset="0"/>
+                        <a:cs typeface="Times New Roman" panose="02020603050405020304" pitchFamily="18" charset="0"/>
+                      </a:endParaRPr>
+                    </a:p>
+                  </a:txBody>
+                  <a:tcPr marL="58277" marR="58277" marT="0" marB="0" anchor="ctr"/>
+                </a:tc>
+                <a:tc>
+                  <a:txBody>
+                    <a:bodyPr/>
+                    <a:lstStyle/>
+                    <a:p>
+                      <a:pPr algn="ctr"/>
+                      <a:endParaRPr lang="en-GB" sz="1800" kern="100" dirty="0">
+                        <a:effectLst/>
+                        <a:latin typeface="Aptos" panose="020B0004020202020204" pitchFamily="34" charset="0"/>
+                        <a:ea typeface="Aptos" panose="020B0004020202020204" pitchFamily="34" charset="0"/>
+                        <a:cs typeface="Times New Roman" panose="02020603050405020304" pitchFamily="18" charset="0"/>
+                      </a:endParaRPr>
+                    </a:p>
+                  </a:txBody>
+                  <a:tcPr marL="58277" marR="58277" marT="0" marB="0" anchor="ctr"/>
+                </a:tc>
+                <a:extLst>
+                  <a:ext uri="{0D108BD9-81ED-4DB2-BD59-A6C34878D82A}">
+                    <a16:rowId xmlns:a16="http://schemas.microsoft.com/office/drawing/2014/main" val="2258837355"/>
+                  </a:ext>
+                </a:extLst>
+              </a:tr>
+              <a:tr h="0">
+                <a:tc>
+                  <a:txBody>
+                    <a:bodyPr/>
+                    <a:lstStyle/>
+                    <a:p>
+                      <a:pPr marL="0" marR="0" lvl="0" indent="0" algn="l" defTabSz="914400" rtl="0" eaLnBrk="1" fontAlgn="auto" latinLnBrk="0" hangingPunct="1">
+                        <a:lnSpc>
+                          <a:spcPct val="100000"/>
+                        </a:lnSpc>
+                        <a:spcBef>
+                          <a:spcPts val="0"/>
+                        </a:spcBef>
+                        <a:spcAft>
+                          <a:spcPts val="0"/>
+                        </a:spcAft>
+                        <a:buClrTx/>
+                        <a:buSzTx/>
+                        <a:buFontTx/>
+                        <a:buNone/>
+                        <a:tabLst/>
+                        <a:defRPr/>
+                      </a:pPr>
+                      <a:r>
+                        <a:rPr lang="en-GB" sz="1800" kern="100" dirty="0">
+                          <a:effectLst/>
+                          <a:latin typeface="Aptos" panose="020B0004020202020204" pitchFamily="34" charset="0"/>
+                          <a:ea typeface="Aptos" panose="020B0004020202020204" pitchFamily="34" charset="0"/>
+                          <a:cs typeface="Times New Roman" panose="02020603050405020304" pitchFamily="18" charset="0"/>
+                        </a:rPr>
+                        <a:t>Propensity Score Model</a:t>
+                      </a:r>
+                    </a:p>
+                  </a:txBody>
+                  <a:tcPr marL="58277" marR="58277" marT="0" marB="0"/>
+                </a:tc>
+                <a:tc>
+                  <a:txBody>
+                    <a:bodyPr/>
+                    <a:lstStyle/>
+                    <a:p>
+                      <a:pPr algn="ctr"/>
+                      <a:r>
+                        <a:rPr lang="en-GB" sz="1800" b="1" kern="100" dirty="0" err="1">
+                          <a:effectLst/>
+                        </a:rPr>
+                        <a:t>est</a:t>
+                      </a:r>
+                      <a:r>
+                        <a:rPr lang="en-GB" sz="1800" b="1" kern="100" dirty="0">
+                          <a:effectLst/>
+                        </a:rPr>
+                        <a:t> (se)      </a:t>
+                      </a:r>
+                      <a:endParaRPr lang="en-GB" sz="1800" b="1" kern="100" dirty="0">
+                        <a:effectLst/>
+                        <a:latin typeface="Aptos" panose="020B0004020202020204" pitchFamily="34" charset="0"/>
+                        <a:ea typeface="Aptos" panose="020B0004020202020204" pitchFamily="34" charset="0"/>
+                        <a:cs typeface="Times New Roman" panose="02020603050405020304" pitchFamily="18" charset="0"/>
+                      </a:endParaRPr>
+                    </a:p>
+                  </a:txBody>
+                  <a:tcPr marL="58277" marR="58277" marT="0" marB="0" anchor="ctr"/>
+                </a:tc>
+                <a:tc>
+                  <a:txBody>
+                    <a:bodyPr/>
+                    <a:lstStyle/>
+                    <a:p>
+                      <a:pPr algn="ctr"/>
+                      <a:r>
+                        <a:rPr lang="en-GB" sz="1800" b="1" kern="100" dirty="0">
+                          <a:effectLst/>
+                        </a:rPr>
+                        <a:t>OR (95%CI)        </a:t>
+                      </a:r>
+                      <a:endParaRPr lang="en-GB" sz="1800" b="1" kern="100" dirty="0">
+                        <a:effectLst/>
+                        <a:latin typeface="Aptos" panose="020B0004020202020204" pitchFamily="34" charset="0"/>
+                        <a:ea typeface="Aptos" panose="020B0004020202020204" pitchFamily="34" charset="0"/>
+                        <a:cs typeface="Times New Roman" panose="02020603050405020304" pitchFamily="18" charset="0"/>
+                      </a:endParaRPr>
+                    </a:p>
+                  </a:txBody>
+                  <a:tcPr marL="58277" marR="58277" marT="0" marB="0" anchor="ctr"/>
+                </a:tc>
+                <a:tc>
+                  <a:txBody>
+                    <a:bodyPr/>
+                    <a:lstStyle/>
+                    <a:p>
+                      <a:pPr algn="ctr"/>
+                      <a:r>
+                        <a:rPr lang="en-GB" sz="1800" b="1" kern="100" dirty="0" err="1">
+                          <a:effectLst/>
+                        </a:rPr>
+                        <a:t>Pval</a:t>
+                      </a:r>
+                      <a:r>
+                        <a:rPr lang="en-GB" sz="1800" b="1" kern="100" dirty="0">
+                          <a:effectLst/>
+                        </a:rPr>
+                        <a:t>       </a:t>
+                      </a:r>
+                      <a:endParaRPr lang="en-GB" sz="1800" b="1" kern="100" dirty="0">
+                        <a:effectLst/>
+                        <a:latin typeface="Aptos" panose="020B0004020202020204" pitchFamily="34" charset="0"/>
+                        <a:ea typeface="Aptos" panose="020B0004020202020204" pitchFamily="34" charset="0"/>
+                        <a:cs typeface="Times New Roman" panose="02020603050405020304" pitchFamily="18" charset="0"/>
+                      </a:endParaRPr>
+                    </a:p>
+                  </a:txBody>
+                  <a:tcPr marL="58277" marR="58277" marT="0" marB="0" anchor="ctr"/>
+                </a:tc>
+                <a:extLst>
+                  <a:ext uri="{0D108BD9-81ED-4DB2-BD59-A6C34878D82A}">
+                    <a16:rowId xmlns:a16="http://schemas.microsoft.com/office/drawing/2014/main" val="898315844"/>
+                  </a:ext>
+                </a:extLst>
+              </a:tr>
+              <a:tr h="407117">
+                <a:tc>
+                  <a:txBody>
+                    <a:bodyPr/>
+                    <a:lstStyle/>
+                    <a:p>
+                      <a:r>
+                        <a:rPr lang="en-GB" sz="1800" kern="100" dirty="0">
+                          <a:effectLst/>
+                        </a:rPr>
+                        <a:t>(Intercept)        </a:t>
+                      </a:r>
+                      <a:endParaRPr lang="en-GB" sz="1800" kern="100" dirty="0">
+                        <a:effectLst/>
+                        <a:latin typeface="Aptos" panose="020B0004020202020204" pitchFamily="34" charset="0"/>
+                        <a:ea typeface="Aptos" panose="020B0004020202020204" pitchFamily="34" charset="0"/>
+                        <a:cs typeface="Times New Roman" panose="02020603050405020304" pitchFamily="18" charset="0"/>
+                      </a:endParaRPr>
+                    </a:p>
+                  </a:txBody>
+                  <a:tcPr marL="58277" marR="58277" marT="0" marB="0"/>
+                </a:tc>
+                <a:tc>
+                  <a:txBody>
+                    <a:bodyPr/>
+                    <a:lstStyle/>
+                    <a:p>
+                      <a:pPr algn="ctr"/>
+                      <a:r>
+                        <a:rPr lang="en-GB" sz="1800" kern="100">
+                          <a:effectLst/>
+                        </a:rPr>
+                        <a:t>-7.56 (1.604) </a:t>
+                      </a:r>
+                      <a:endParaRPr lang="en-GB" sz="1800" kern="100">
+                        <a:effectLst/>
+                        <a:latin typeface="Aptos" panose="020B0004020202020204" pitchFamily="34" charset="0"/>
+                        <a:ea typeface="Aptos" panose="020B0004020202020204" pitchFamily="34" charset="0"/>
+                        <a:cs typeface="Times New Roman" panose="02020603050405020304" pitchFamily="18" charset="0"/>
+                      </a:endParaRPr>
+                    </a:p>
+                  </a:txBody>
+                  <a:tcPr marL="58277" marR="58277" marT="0" marB="0" anchor="ctr"/>
+                </a:tc>
+                <a:tc>
+                  <a:txBody>
+                    <a:bodyPr/>
+                    <a:lstStyle/>
+                    <a:p>
+                      <a:pPr algn="ctr"/>
+                      <a:r>
+                        <a:rPr lang="en-GB" sz="1800" kern="100">
+                          <a:effectLst/>
+                        </a:rPr>
+                        <a:t>0 (0, 0.01)       </a:t>
+                      </a:r>
+                      <a:endParaRPr lang="en-GB" sz="1800" kern="100">
+                        <a:effectLst/>
+                        <a:latin typeface="Aptos" panose="020B0004020202020204" pitchFamily="34" charset="0"/>
+                        <a:ea typeface="Aptos" panose="020B0004020202020204" pitchFamily="34" charset="0"/>
+                        <a:cs typeface="Times New Roman" panose="02020603050405020304" pitchFamily="18" charset="0"/>
+                      </a:endParaRPr>
+                    </a:p>
+                  </a:txBody>
+                  <a:tcPr marL="58277" marR="58277" marT="0" marB="0" anchor="ctr"/>
+                </a:tc>
+                <a:tc>
+                  <a:txBody>
+                    <a:bodyPr/>
+                    <a:lstStyle/>
+                    <a:p>
+                      <a:pPr algn="ctr"/>
+                      <a:r>
+                        <a:rPr lang="en-GB" sz="1800" kern="100">
+                          <a:effectLst/>
+                        </a:rPr>
+                        <a:t>&lt;0.001     </a:t>
+                      </a:r>
+                      <a:endParaRPr lang="en-GB" sz="1800" kern="100">
+                        <a:effectLst/>
+                        <a:latin typeface="Aptos" panose="020B0004020202020204" pitchFamily="34" charset="0"/>
+                        <a:ea typeface="Aptos" panose="020B0004020202020204" pitchFamily="34" charset="0"/>
+                        <a:cs typeface="Times New Roman" panose="02020603050405020304" pitchFamily="18" charset="0"/>
+                      </a:endParaRPr>
+                    </a:p>
+                  </a:txBody>
+                  <a:tcPr marL="58277" marR="58277" marT="0" marB="0" anchor="ctr"/>
+                </a:tc>
+                <a:extLst>
+                  <a:ext uri="{0D108BD9-81ED-4DB2-BD59-A6C34878D82A}">
+                    <a16:rowId xmlns:a16="http://schemas.microsoft.com/office/drawing/2014/main" val="3099839817"/>
+                  </a:ext>
+                </a:extLst>
+              </a:tr>
+              <a:tr h="407117">
+                <a:tc>
+                  <a:txBody>
+                    <a:bodyPr/>
+                    <a:lstStyle/>
+                    <a:p>
+                      <a:r>
+                        <a:rPr lang="en-GB" sz="1800" kern="100">
+                          <a:effectLst/>
+                        </a:rPr>
+                        <a:t>Gestation.at.PPROM </a:t>
+                      </a:r>
+                      <a:endParaRPr lang="en-GB" sz="1800" kern="100">
+                        <a:effectLst/>
+                        <a:latin typeface="Aptos" panose="020B0004020202020204" pitchFamily="34" charset="0"/>
+                        <a:ea typeface="Aptos" panose="020B0004020202020204" pitchFamily="34" charset="0"/>
+                        <a:cs typeface="Times New Roman" panose="02020603050405020304" pitchFamily="18" charset="0"/>
+                      </a:endParaRPr>
+                    </a:p>
+                  </a:txBody>
+                  <a:tcPr marL="58277" marR="58277" marT="0" marB="0"/>
+                </a:tc>
+                <a:tc>
+                  <a:txBody>
+                    <a:bodyPr/>
+                    <a:lstStyle/>
+                    <a:p>
+                      <a:pPr algn="ctr"/>
+                      <a:r>
+                        <a:rPr lang="en-GB" sz="1800" kern="100">
+                          <a:effectLst/>
+                        </a:rPr>
+                        <a:t>0.33 (0.074)  </a:t>
+                      </a:r>
+                      <a:endParaRPr lang="en-GB" sz="1800" kern="100">
+                        <a:effectLst/>
+                        <a:latin typeface="Aptos" panose="020B0004020202020204" pitchFamily="34" charset="0"/>
+                        <a:ea typeface="Aptos" panose="020B0004020202020204" pitchFamily="34" charset="0"/>
+                        <a:cs typeface="Times New Roman" panose="02020603050405020304" pitchFamily="18" charset="0"/>
+                      </a:endParaRPr>
+                    </a:p>
+                  </a:txBody>
+                  <a:tcPr marL="58277" marR="58277" marT="0" marB="0" anchor="ctr"/>
+                </a:tc>
+                <a:tc>
+                  <a:txBody>
+                    <a:bodyPr/>
+                    <a:lstStyle/>
+                    <a:p>
+                      <a:pPr algn="ctr"/>
+                      <a:r>
+                        <a:rPr lang="en-GB" sz="1800" kern="100">
+                          <a:effectLst/>
+                        </a:rPr>
+                        <a:t>1.39 (1.21, 1.61) </a:t>
+                      </a:r>
+                      <a:endParaRPr lang="en-GB" sz="1800" kern="100">
+                        <a:effectLst/>
+                        <a:latin typeface="Aptos" panose="020B0004020202020204" pitchFamily="34" charset="0"/>
+                        <a:ea typeface="Aptos" panose="020B0004020202020204" pitchFamily="34" charset="0"/>
+                        <a:cs typeface="Times New Roman" panose="02020603050405020304" pitchFamily="18" charset="0"/>
+                      </a:endParaRPr>
+                    </a:p>
+                  </a:txBody>
+                  <a:tcPr marL="58277" marR="58277" marT="0" marB="0" anchor="ctr"/>
+                </a:tc>
+                <a:tc>
+                  <a:txBody>
+                    <a:bodyPr/>
+                    <a:lstStyle/>
+                    <a:p>
+                      <a:pPr algn="ctr"/>
+                      <a:r>
+                        <a:rPr lang="en-GB" sz="1800" kern="100">
+                          <a:effectLst/>
+                        </a:rPr>
+                        <a:t>&lt;0.001     </a:t>
+                      </a:r>
+                      <a:endParaRPr lang="en-GB" sz="1800" kern="100">
+                        <a:effectLst/>
+                        <a:latin typeface="Aptos" panose="020B0004020202020204" pitchFamily="34" charset="0"/>
+                        <a:ea typeface="Aptos" panose="020B0004020202020204" pitchFamily="34" charset="0"/>
+                        <a:cs typeface="Times New Roman" panose="02020603050405020304" pitchFamily="18" charset="0"/>
+                      </a:endParaRPr>
+                    </a:p>
+                  </a:txBody>
+                  <a:tcPr marL="58277" marR="58277" marT="0" marB="0" anchor="ctr"/>
+                </a:tc>
+                <a:extLst>
+                  <a:ext uri="{0D108BD9-81ED-4DB2-BD59-A6C34878D82A}">
+                    <a16:rowId xmlns:a16="http://schemas.microsoft.com/office/drawing/2014/main" val="2458541993"/>
+                  </a:ext>
+                </a:extLst>
+              </a:tr>
+              <a:tr h="407117">
+                <a:tc>
+                  <a:txBody>
+                    <a:bodyPr/>
+                    <a:lstStyle/>
+                    <a:p>
+                      <a:r>
+                        <a:rPr lang="en-GB" sz="1800" kern="100">
+                          <a:effectLst/>
+                        </a:rPr>
+                        <a:t>OUT_MANAGE_E1_C1   </a:t>
+                      </a:r>
+                      <a:endParaRPr lang="en-GB" sz="1800" kern="100">
+                        <a:effectLst/>
+                        <a:latin typeface="Aptos" panose="020B0004020202020204" pitchFamily="34" charset="0"/>
+                        <a:ea typeface="Aptos" panose="020B0004020202020204" pitchFamily="34" charset="0"/>
+                        <a:cs typeface="Times New Roman" panose="02020603050405020304" pitchFamily="18" charset="0"/>
+                      </a:endParaRPr>
+                    </a:p>
+                  </a:txBody>
+                  <a:tcPr marL="58277" marR="58277" marT="0" marB="0"/>
+                </a:tc>
+                <a:tc>
+                  <a:txBody>
+                    <a:bodyPr/>
+                    <a:lstStyle/>
+                    <a:p>
+                      <a:pPr algn="ctr"/>
+                      <a:r>
+                        <a:rPr lang="en-GB" sz="1800" kern="100">
+                          <a:effectLst/>
+                        </a:rPr>
+                        <a:t>1.56 (0.303)  </a:t>
+                      </a:r>
+                      <a:endParaRPr lang="en-GB" sz="1800" kern="100">
+                        <a:effectLst/>
+                        <a:latin typeface="Aptos" panose="020B0004020202020204" pitchFamily="34" charset="0"/>
+                        <a:ea typeface="Aptos" panose="020B0004020202020204" pitchFamily="34" charset="0"/>
+                        <a:cs typeface="Times New Roman" panose="02020603050405020304" pitchFamily="18" charset="0"/>
+                      </a:endParaRPr>
+                    </a:p>
+                  </a:txBody>
+                  <a:tcPr marL="58277" marR="58277" marT="0" marB="0" anchor="ctr"/>
+                </a:tc>
+                <a:tc>
+                  <a:txBody>
+                    <a:bodyPr/>
+                    <a:lstStyle/>
+                    <a:p>
+                      <a:pPr algn="ctr"/>
+                      <a:r>
+                        <a:rPr lang="en-GB" sz="1800" kern="100">
+                          <a:effectLst/>
+                        </a:rPr>
+                        <a:t>4.78 (2.64, 8.66) </a:t>
+                      </a:r>
+                      <a:endParaRPr lang="en-GB" sz="1800" kern="100">
+                        <a:effectLst/>
+                        <a:latin typeface="Aptos" panose="020B0004020202020204" pitchFamily="34" charset="0"/>
+                        <a:ea typeface="Aptos" panose="020B0004020202020204" pitchFamily="34" charset="0"/>
+                        <a:cs typeface="Times New Roman" panose="02020603050405020304" pitchFamily="18" charset="0"/>
+                      </a:endParaRPr>
+                    </a:p>
+                  </a:txBody>
+                  <a:tcPr marL="58277" marR="58277" marT="0" marB="0" anchor="ctr"/>
+                </a:tc>
+                <a:tc>
+                  <a:txBody>
+                    <a:bodyPr/>
+                    <a:lstStyle/>
+                    <a:p>
+                      <a:pPr algn="ctr"/>
+                      <a:r>
+                        <a:rPr lang="en-GB" sz="1800" kern="100">
+                          <a:effectLst/>
+                        </a:rPr>
+                        <a:t>&lt;0.001     </a:t>
+                      </a:r>
+                      <a:endParaRPr lang="en-GB" sz="1800" kern="100">
+                        <a:effectLst/>
+                        <a:latin typeface="Aptos" panose="020B0004020202020204" pitchFamily="34" charset="0"/>
+                        <a:ea typeface="Aptos" panose="020B0004020202020204" pitchFamily="34" charset="0"/>
+                        <a:cs typeface="Times New Roman" panose="02020603050405020304" pitchFamily="18" charset="0"/>
+                      </a:endParaRPr>
+                    </a:p>
+                  </a:txBody>
+                  <a:tcPr marL="58277" marR="58277" marT="0" marB="0" anchor="ctr"/>
+                </a:tc>
+                <a:extLst>
+                  <a:ext uri="{0D108BD9-81ED-4DB2-BD59-A6C34878D82A}">
+                    <a16:rowId xmlns:a16="http://schemas.microsoft.com/office/drawing/2014/main" val="1499862670"/>
+                  </a:ext>
+                </a:extLst>
+              </a:tr>
+              <a:tr h="407117">
+                <a:tc>
+                  <a:txBody>
+                    <a:bodyPr/>
+                    <a:lstStyle/>
+                    <a:p>
+                      <a:r>
+                        <a:rPr lang="en-GB" sz="1800" kern="100" dirty="0">
+                          <a:effectLst/>
+                        </a:rPr>
+                        <a:t>W_HEIGHT_E1_C1     </a:t>
+                      </a:r>
+                      <a:endParaRPr lang="en-GB" sz="1800" kern="100" dirty="0">
+                        <a:effectLst/>
+                        <a:latin typeface="Aptos" panose="020B0004020202020204" pitchFamily="34" charset="0"/>
+                        <a:ea typeface="Aptos" panose="020B0004020202020204" pitchFamily="34" charset="0"/>
+                        <a:cs typeface="Times New Roman" panose="02020603050405020304" pitchFamily="18" charset="0"/>
+                      </a:endParaRPr>
+                    </a:p>
+                  </a:txBody>
+                  <a:tcPr marL="58277" marR="58277" marT="0" marB="0"/>
+                </a:tc>
+                <a:tc>
+                  <a:txBody>
+                    <a:bodyPr/>
+                    <a:lstStyle/>
+                    <a:p>
+                      <a:pPr algn="ctr"/>
+                      <a:r>
+                        <a:rPr lang="en-GB" sz="1800" kern="100" dirty="0">
+                          <a:effectLst/>
+                        </a:rPr>
+                        <a:t>0.01 (0.003)  </a:t>
+                      </a:r>
+                      <a:endParaRPr lang="en-GB" sz="1800" kern="100" dirty="0">
+                        <a:effectLst/>
+                        <a:latin typeface="Aptos" panose="020B0004020202020204" pitchFamily="34" charset="0"/>
+                        <a:ea typeface="Aptos" panose="020B0004020202020204" pitchFamily="34" charset="0"/>
+                        <a:cs typeface="Times New Roman" panose="02020603050405020304" pitchFamily="18" charset="0"/>
+                      </a:endParaRPr>
+                    </a:p>
+                  </a:txBody>
+                  <a:tcPr marL="58277" marR="58277" marT="0" marB="0" anchor="ctr"/>
+                </a:tc>
+                <a:tc>
+                  <a:txBody>
+                    <a:bodyPr/>
+                    <a:lstStyle/>
+                    <a:p>
+                      <a:pPr algn="ctr"/>
+                      <a:r>
+                        <a:rPr lang="en-GB" sz="1800" kern="100">
+                          <a:effectLst/>
+                        </a:rPr>
+                        <a:t>1.01 (1, 1.02)    </a:t>
+                      </a:r>
+                      <a:endParaRPr lang="en-GB" sz="1800" kern="100">
+                        <a:effectLst/>
+                        <a:latin typeface="Aptos" panose="020B0004020202020204" pitchFamily="34" charset="0"/>
+                        <a:ea typeface="Aptos" panose="020B0004020202020204" pitchFamily="34" charset="0"/>
+                        <a:cs typeface="Times New Roman" panose="02020603050405020304" pitchFamily="18" charset="0"/>
+                      </a:endParaRPr>
+                    </a:p>
+                  </a:txBody>
+                  <a:tcPr marL="58277" marR="58277" marT="0" marB="0" anchor="ctr"/>
+                </a:tc>
+                <a:tc>
+                  <a:txBody>
+                    <a:bodyPr/>
+                    <a:lstStyle/>
+                    <a:p>
+                      <a:pPr algn="ctr"/>
+                      <a:r>
+                        <a:rPr lang="en-GB" sz="1800" kern="100">
+                          <a:effectLst/>
+                        </a:rPr>
+                        <a:t>0.009      </a:t>
+                      </a:r>
+                      <a:endParaRPr lang="en-GB" sz="1800" kern="100">
+                        <a:effectLst/>
+                        <a:latin typeface="Aptos" panose="020B0004020202020204" pitchFamily="34" charset="0"/>
+                        <a:ea typeface="Aptos" panose="020B0004020202020204" pitchFamily="34" charset="0"/>
+                        <a:cs typeface="Times New Roman" panose="02020603050405020304" pitchFamily="18" charset="0"/>
+                      </a:endParaRPr>
+                    </a:p>
+                  </a:txBody>
+                  <a:tcPr marL="58277" marR="58277" marT="0" marB="0" anchor="ctr"/>
+                </a:tc>
+                <a:extLst>
+                  <a:ext uri="{0D108BD9-81ED-4DB2-BD59-A6C34878D82A}">
+                    <a16:rowId xmlns:a16="http://schemas.microsoft.com/office/drawing/2014/main" val="725026892"/>
+                  </a:ext>
+                </a:extLst>
+              </a:tr>
+              <a:tr h="156437">
+                <a:tc>
+                  <a:txBody>
+                    <a:bodyPr/>
+                    <a:lstStyle/>
+                    <a:p>
+                      <a:endParaRPr lang="en-GB" sz="1800" kern="100">
+                        <a:effectLst/>
+                        <a:latin typeface="Aptos" panose="020B0004020202020204" pitchFamily="34" charset="0"/>
+                        <a:ea typeface="Aptos" panose="020B0004020202020204" pitchFamily="34" charset="0"/>
+                        <a:cs typeface="Times New Roman" panose="02020603050405020304" pitchFamily="18" charset="0"/>
+                      </a:endParaRPr>
+                    </a:p>
+                  </a:txBody>
+                  <a:tcPr marL="58277" marR="58277" marT="0" marB="0"/>
+                </a:tc>
+                <a:tc>
+                  <a:txBody>
+                    <a:bodyPr/>
+                    <a:lstStyle/>
+                    <a:p>
+                      <a:pPr algn="ctr"/>
+                      <a:endParaRPr lang="en-GB" sz="1800" kern="100" dirty="0">
+                        <a:effectLst/>
+                        <a:latin typeface="Aptos" panose="020B0004020202020204" pitchFamily="34" charset="0"/>
+                        <a:ea typeface="Aptos" panose="020B0004020202020204" pitchFamily="34" charset="0"/>
+                        <a:cs typeface="Times New Roman" panose="02020603050405020304" pitchFamily="18" charset="0"/>
+                      </a:endParaRPr>
+                    </a:p>
+                  </a:txBody>
+                  <a:tcPr marL="58277" marR="58277" marT="0" marB="0" anchor="ctr"/>
+                </a:tc>
+                <a:tc>
+                  <a:txBody>
+                    <a:bodyPr/>
+                    <a:lstStyle/>
+                    <a:p>
+                      <a:pPr algn="ctr"/>
+                      <a:endParaRPr lang="en-GB" sz="1800" kern="100">
+                        <a:effectLst/>
+                        <a:latin typeface="Aptos" panose="020B0004020202020204" pitchFamily="34" charset="0"/>
+                        <a:ea typeface="Aptos" panose="020B0004020202020204" pitchFamily="34" charset="0"/>
+                        <a:cs typeface="Times New Roman" panose="02020603050405020304" pitchFamily="18" charset="0"/>
+                      </a:endParaRPr>
+                    </a:p>
+                  </a:txBody>
+                  <a:tcPr marL="58277" marR="58277" marT="0" marB="0" anchor="ctr"/>
+                </a:tc>
+                <a:tc>
+                  <a:txBody>
+                    <a:bodyPr/>
+                    <a:lstStyle/>
+                    <a:p>
+                      <a:pPr algn="ctr"/>
+                      <a:endParaRPr lang="en-GB" sz="1800" kern="100" dirty="0">
+                        <a:effectLst/>
+                        <a:latin typeface="Aptos" panose="020B0004020202020204" pitchFamily="34" charset="0"/>
+                        <a:ea typeface="Aptos" panose="020B0004020202020204" pitchFamily="34" charset="0"/>
+                        <a:cs typeface="Times New Roman" panose="02020603050405020304" pitchFamily="18" charset="0"/>
+                      </a:endParaRPr>
+                    </a:p>
+                  </a:txBody>
+                  <a:tcPr marL="58277" marR="58277" marT="0" marB="0" anchor="ctr"/>
+                </a:tc>
+                <a:extLst>
+                  <a:ext uri="{0D108BD9-81ED-4DB2-BD59-A6C34878D82A}">
+                    <a16:rowId xmlns:a16="http://schemas.microsoft.com/office/drawing/2014/main" val="3198303991"/>
+                  </a:ext>
+                </a:extLst>
+              </a:tr>
+              <a:tr h="203559">
+                <a:tc>
+                  <a:txBody>
+                    <a:bodyPr/>
+                    <a:lstStyle/>
+                    <a:p>
+                      <a:r>
+                        <a:rPr lang="en-GB" sz="1800" kern="100" dirty="0">
+                          <a:effectLst/>
+                        </a:rPr>
+                        <a:t>'Unadjusted Model’               </a:t>
+                      </a:r>
+                      <a:endParaRPr lang="en-GB" sz="1800" kern="100" dirty="0">
+                        <a:effectLst/>
+                        <a:latin typeface="Aptos" panose="020B0004020202020204" pitchFamily="34" charset="0"/>
+                        <a:ea typeface="Aptos" panose="020B0004020202020204" pitchFamily="34" charset="0"/>
+                        <a:cs typeface="Times New Roman" panose="02020603050405020304" pitchFamily="18" charset="0"/>
+                      </a:endParaRPr>
+                    </a:p>
+                  </a:txBody>
+                  <a:tcPr marL="58277" marR="58277" marT="0" marB="0"/>
+                </a:tc>
+                <a:tc>
+                  <a:txBody>
+                    <a:bodyPr/>
+                    <a:lstStyle/>
+                    <a:p>
+                      <a:pPr algn="ctr"/>
+                      <a:r>
+                        <a:rPr lang="en-GB" sz="1800" kern="100">
+                          <a:effectLst/>
+                        </a:rPr>
+                        <a:t>              </a:t>
+                      </a:r>
+                      <a:endParaRPr lang="en-GB" sz="1800" kern="100">
+                        <a:effectLst/>
+                        <a:latin typeface="Aptos" panose="020B0004020202020204" pitchFamily="34" charset="0"/>
+                        <a:ea typeface="Aptos" panose="020B0004020202020204" pitchFamily="34" charset="0"/>
+                        <a:cs typeface="Times New Roman" panose="02020603050405020304" pitchFamily="18" charset="0"/>
+                      </a:endParaRPr>
+                    </a:p>
+                  </a:txBody>
+                  <a:tcPr marL="58277" marR="58277" marT="0" marB="0" anchor="ctr"/>
+                </a:tc>
+                <a:tc>
+                  <a:txBody>
+                    <a:bodyPr/>
+                    <a:lstStyle/>
+                    <a:p>
+                      <a:pPr algn="ctr"/>
+                      <a:r>
+                        <a:rPr lang="en-GB" sz="1800" kern="100">
+                          <a:effectLst/>
+                        </a:rPr>
+                        <a:t>                  </a:t>
+                      </a:r>
+                      <a:endParaRPr lang="en-GB" sz="1800" kern="100">
+                        <a:effectLst/>
+                        <a:latin typeface="Aptos" panose="020B0004020202020204" pitchFamily="34" charset="0"/>
+                        <a:ea typeface="Aptos" panose="020B0004020202020204" pitchFamily="34" charset="0"/>
+                        <a:cs typeface="Times New Roman" panose="02020603050405020304" pitchFamily="18" charset="0"/>
+                      </a:endParaRPr>
+                    </a:p>
+                  </a:txBody>
+                  <a:tcPr marL="58277" marR="58277" marT="0" marB="0" anchor="ctr"/>
+                </a:tc>
+                <a:tc>
+                  <a:txBody>
+                    <a:bodyPr/>
+                    <a:lstStyle/>
+                    <a:p>
+                      <a:pPr algn="ctr"/>
+                      <a:r>
+                        <a:rPr lang="en-GB" sz="1800" kern="100">
+                          <a:effectLst/>
+                        </a:rPr>
+                        <a:t>           </a:t>
+                      </a:r>
+                      <a:endParaRPr lang="en-GB" sz="1800" kern="100">
+                        <a:effectLst/>
+                        <a:latin typeface="Aptos" panose="020B0004020202020204" pitchFamily="34" charset="0"/>
+                        <a:ea typeface="Aptos" panose="020B0004020202020204" pitchFamily="34" charset="0"/>
+                        <a:cs typeface="Times New Roman" panose="02020603050405020304" pitchFamily="18" charset="0"/>
+                      </a:endParaRPr>
+                    </a:p>
+                  </a:txBody>
+                  <a:tcPr marL="58277" marR="58277" marT="0" marB="0" anchor="ctr"/>
+                </a:tc>
+                <a:extLst>
+                  <a:ext uri="{0D108BD9-81ED-4DB2-BD59-A6C34878D82A}">
+                    <a16:rowId xmlns:a16="http://schemas.microsoft.com/office/drawing/2014/main" val="3304719935"/>
+                  </a:ext>
+                </a:extLst>
+              </a:tr>
+              <a:tr h="407117">
+                <a:tc>
+                  <a:txBody>
+                    <a:bodyPr/>
+                    <a:lstStyle/>
+                    <a:p>
+                      <a:r>
+                        <a:rPr lang="en-GB" sz="1800" kern="100" dirty="0">
+                          <a:effectLst/>
+                        </a:rPr>
+                        <a:t>(Intercept)1       </a:t>
+                      </a:r>
+                      <a:endParaRPr lang="en-GB" sz="1800" kern="100" dirty="0">
+                        <a:effectLst/>
+                        <a:latin typeface="Aptos" panose="020B0004020202020204" pitchFamily="34" charset="0"/>
+                        <a:ea typeface="Aptos" panose="020B0004020202020204" pitchFamily="34" charset="0"/>
+                        <a:cs typeface="Times New Roman" panose="02020603050405020304" pitchFamily="18" charset="0"/>
+                      </a:endParaRPr>
+                    </a:p>
+                  </a:txBody>
+                  <a:tcPr marL="58277" marR="58277" marT="0" marB="0"/>
+                </a:tc>
+                <a:tc>
+                  <a:txBody>
+                    <a:bodyPr/>
+                    <a:lstStyle/>
+                    <a:p>
+                      <a:pPr algn="ctr"/>
+                      <a:r>
+                        <a:rPr lang="en-GB" sz="1800" kern="100">
+                          <a:effectLst/>
+                        </a:rPr>
+                        <a:t>-2.1 (0.319)  </a:t>
+                      </a:r>
+                      <a:endParaRPr lang="en-GB" sz="1800" kern="100">
+                        <a:effectLst/>
+                        <a:latin typeface="Aptos" panose="020B0004020202020204" pitchFamily="34" charset="0"/>
+                        <a:ea typeface="Aptos" panose="020B0004020202020204" pitchFamily="34" charset="0"/>
+                        <a:cs typeface="Times New Roman" panose="02020603050405020304" pitchFamily="18" charset="0"/>
+                      </a:endParaRPr>
+                    </a:p>
+                  </a:txBody>
+                  <a:tcPr marL="58277" marR="58277" marT="0" marB="0" anchor="ctr"/>
+                </a:tc>
+                <a:tc>
+                  <a:txBody>
+                    <a:bodyPr/>
+                    <a:lstStyle/>
+                    <a:p>
+                      <a:pPr algn="ctr"/>
+                      <a:r>
+                        <a:rPr lang="en-GB" sz="1800" kern="100">
+                          <a:effectLst/>
+                        </a:rPr>
+                        <a:t>0.12 (0.07, 0.23) </a:t>
+                      </a:r>
+                      <a:endParaRPr lang="en-GB" sz="1800" kern="100">
+                        <a:effectLst/>
+                        <a:latin typeface="Aptos" panose="020B0004020202020204" pitchFamily="34" charset="0"/>
+                        <a:ea typeface="Aptos" panose="020B0004020202020204" pitchFamily="34" charset="0"/>
+                        <a:cs typeface="Times New Roman" panose="02020603050405020304" pitchFamily="18" charset="0"/>
+                      </a:endParaRPr>
+                    </a:p>
+                  </a:txBody>
+                  <a:tcPr marL="58277" marR="58277" marT="0" marB="0" anchor="ctr"/>
+                </a:tc>
+                <a:tc>
+                  <a:txBody>
+                    <a:bodyPr/>
+                    <a:lstStyle/>
+                    <a:p>
+                      <a:pPr algn="ctr"/>
+                      <a:r>
+                        <a:rPr lang="en-GB" sz="1800" kern="100">
+                          <a:effectLst/>
+                        </a:rPr>
+                        <a:t>&lt;0.001     </a:t>
+                      </a:r>
+                      <a:endParaRPr lang="en-GB" sz="1800" kern="100">
+                        <a:effectLst/>
+                        <a:latin typeface="Aptos" panose="020B0004020202020204" pitchFamily="34" charset="0"/>
+                        <a:ea typeface="Aptos" panose="020B0004020202020204" pitchFamily="34" charset="0"/>
+                        <a:cs typeface="Times New Roman" panose="02020603050405020304" pitchFamily="18" charset="0"/>
+                      </a:endParaRPr>
+                    </a:p>
+                  </a:txBody>
+                  <a:tcPr marL="58277" marR="58277" marT="0" marB="0" anchor="ctr"/>
+                </a:tc>
+                <a:extLst>
+                  <a:ext uri="{0D108BD9-81ED-4DB2-BD59-A6C34878D82A}">
+                    <a16:rowId xmlns:a16="http://schemas.microsoft.com/office/drawing/2014/main" val="3301515120"/>
+                  </a:ext>
+                </a:extLst>
+              </a:tr>
+              <a:tr h="407117">
+                <a:tc>
+                  <a:txBody>
+                    <a:bodyPr/>
+                    <a:lstStyle/>
+                    <a:p>
+                      <a:r>
+                        <a:rPr lang="en-GB" sz="1800" kern="100" dirty="0">
+                          <a:effectLst/>
+                        </a:rPr>
+                        <a:t>Antibiotics Vs No Antibiotics               </a:t>
+                      </a:r>
+                      <a:endParaRPr lang="en-GB" sz="1800" kern="100" dirty="0">
+                        <a:effectLst/>
+                        <a:latin typeface="Aptos" panose="020B0004020202020204" pitchFamily="34" charset="0"/>
+                        <a:ea typeface="Aptos" panose="020B0004020202020204" pitchFamily="34" charset="0"/>
+                        <a:cs typeface="Times New Roman" panose="02020603050405020304" pitchFamily="18" charset="0"/>
+                      </a:endParaRPr>
+                    </a:p>
+                  </a:txBody>
+                  <a:tcPr marL="58277" marR="58277" marT="0" marB="0"/>
+                </a:tc>
+                <a:tc>
+                  <a:txBody>
+                    <a:bodyPr/>
+                    <a:lstStyle/>
+                    <a:p>
+                      <a:pPr algn="ctr"/>
+                      <a:r>
+                        <a:rPr lang="en-GB" sz="1800" kern="100" dirty="0">
+                          <a:effectLst/>
+                        </a:rPr>
+                        <a:t>0.47 (0.37)   </a:t>
+                      </a:r>
+                      <a:endParaRPr lang="en-GB" sz="1800" kern="100" dirty="0">
+                        <a:effectLst/>
+                        <a:latin typeface="Aptos" panose="020B0004020202020204" pitchFamily="34" charset="0"/>
+                        <a:ea typeface="Aptos" panose="020B0004020202020204" pitchFamily="34" charset="0"/>
+                        <a:cs typeface="Times New Roman" panose="02020603050405020304" pitchFamily="18" charset="0"/>
+                      </a:endParaRPr>
+                    </a:p>
+                  </a:txBody>
+                  <a:tcPr marL="58277" marR="58277" marT="0" marB="0" anchor="ctr"/>
+                </a:tc>
+                <a:tc>
+                  <a:txBody>
+                    <a:bodyPr/>
+                    <a:lstStyle/>
+                    <a:p>
+                      <a:pPr algn="ctr"/>
+                      <a:r>
+                        <a:rPr lang="en-GB" sz="1800" kern="100" dirty="0">
+                          <a:effectLst/>
+                        </a:rPr>
+                        <a:t>1.6 (0.77, 3.3)   </a:t>
+                      </a:r>
+                      <a:endParaRPr lang="en-GB" sz="1800" kern="100" dirty="0">
+                        <a:effectLst/>
+                        <a:latin typeface="Aptos" panose="020B0004020202020204" pitchFamily="34" charset="0"/>
+                        <a:ea typeface="Aptos" panose="020B0004020202020204" pitchFamily="34" charset="0"/>
+                        <a:cs typeface="Times New Roman" panose="02020603050405020304" pitchFamily="18" charset="0"/>
+                      </a:endParaRPr>
+                    </a:p>
+                  </a:txBody>
+                  <a:tcPr marL="58277" marR="58277" marT="0" marB="0" anchor="ctr"/>
+                </a:tc>
+                <a:tc>
+                  <a:txBody>
+                    <a:bodyPr/>
+                    <a:lstStyle/>
+                    <a:p>
+                      <a:pPr algn="ctr"/>
+                      <a:r>
+                        <a:rPr lang="en-GB" sz="1800" kern="100">
+                          <a:effectLst/>
+                        </a:rPr>
+                        <a:t>0.205      </a:t>
+                      </a:r>
+                      <a:endParaRPr lang="en-GB" sz="1800" kern="100">
+                        <a:effectLst/>
+                        <a:latin typeface="Aptos" panose="020B0004020202020204" pitchFamily="34" charset="0"/>
+                        <a:ea typeface="Aptos" panose="020B0004020202020204" pitchFamily="34" charset="0"/>
+                        <a:cs typeface="Times New Roman" panose="02020603050405020304" pitchFamily="18" charset="0"/>
+                      </a:endParaRPr>
+                    </a:p>
+                  </a:txBody>
+                  <a:tcPr marL="58277" marR="58277" marT="0" marB="0" anchor="ctr"/>
+                </a:tc>
+                <a:extLst>
+                  <a:ext uri="{0D108BD9-81ED-4DB2-BD59-A6C34878D82A}">
+                    <a16:rowId xmlns:a16="http://schemas.microsoft.com/office/drawing/2014/main" val="760063107"/>
+                  </a:ext>
+                </a:extLst>
+              </a:tr>
+              <a:tr h="200658">
+                <a:tc>
+                  <a:txBody>
+                    <a:bodyPr/>
+                    <a:lstStyle/>
+                    <a:p>
+                      <a:endParaRPr lang="en-GB" sz="1800" kern="100" dirty="0">
+                        <a:effectLst/>
+                        <a:latin typeface="Aptos" panose="020B0004020202020204" pitchFamily="34" charset="0"/>
+                        <a:ea typeface="Aptos" panose="020B0004020202020204" pitchFamily="34" charset="0"/>
+                        <a:cs typeface="Times New Roman" panose="02020603050405020304" pitchFamily="18" charset="0"/>
+                      </a:endParaRPr>
+                    </a:p>
+                  </a:txBody>
+                  <a:tcPr marL="58277" marR="58277" marT="0" marB="0"/>
+                </a:tc>
+                <a:tc>
+                  <a:txBody>
+                    <a:bodyPr/>
+                    <a:lstStyle/>
+                    <a:p>
+                      <a:pPr algn="ctr"/>
+                      <a:endParaRPr lang="en-GB" sz="1800" kern="100" dirty="0">
+                        <a:effectLst/>
+                        <a:latin typeface="Aptos" panose="020B0004020202020204" pitchFamily="34" charset="0"/>
+                        <a:ea typeface="Aptos" panose="020B0004020202020204" pitchFamily="34" charset="0"/>
+                        <a:cs typeface="Times New Roman" panose="02020603050405020304" pitchFamily="18" charset="0"/>
+                      </a:endParaRPr>
+                    </a:p>
+                  </a:txBody>
+                  <a:tcPr marL="58277" marR="58277" marT="0" marB="0" anchor="ctr"/>
+                </a:tc>
+                <a:tc>
+                  <a:txBody>
+                    <a:bodyPr/>
+                    <a:lstStyle/>
+                    <a:p>
+                      <a:pPr algn="ctr"/>
+                      <a:endParaRPr lang="en-GB" sz="1800" kern="100" dirty="0">
+                        <a:effectLst/>
+                        <a:latin typeface="Aptos" panose="020B0004020202020204" pitchFamily="34" charset="0"/>
+                        <a:ea typeface="Aptos" panose="020B0004020202020204" pitchFamily="34" charset="0"/>
+                        <a:cs typeface="Times New Roman" panose="02020603050405020304" pitchFamily="18" charset="0"/>
+                      </a:endParaRPr>
+                    </a:p>
+                  </a:txBody>
+                  <a:tcPr marL="58277" marR="58277" marT="0" marB="0" anchor="ctr"/>
+                </a:tc>
+                <a:tc>
+                  <a:txBody>
+                    <a:bodyPr/>
+                    <a:lstStyle/>
+                    <a:p>
+                      <a:pPr algn="ctr"/>
+                      <a:endParaRPr lang="en-GB" sz="1800" kern="100" dirty="0">
+                        <a:effectLst/>
+                        <a:latin typeface="Aptos" panose="020B0004020202020204" pitchFamily="34" charset="0"/>
+                        <a:ea typeface="Aptos" panose="020B0004020202020204" pitchFamily="34" charset="0"/>
+                        <a:cs typeface="Times New Roman" panose="02020603050405020304" pitchFamily="18" charset="0"/>
+                      </a:endParaRPr>
+                    </a:p>
+                  </a:txBody>
+                  <a:tcPr marL="58277" marR="58277" marT="0" marB="0" anchor="ctr"/>
+                </a:tc>
+                <a:extLst>
+                  <a:ext uri="{0D108BD9-81ED-4DB2-BD59-A6C34878D82A}">
+                    <a16:rowId xmlns:a16="http://schemas.microsoft.com/office/drawing/2014/main" val="2597479352"/>
+                  </a:ext>
+                </a:extLst>
+              </a:tr>
+              <a:tr h="203559">
+                <a:tc>
+                  <a:txBody>
+                    <a:bodyPr/>
+                    <a:lstStyle/>
+                    <a:p>
+                      <a:r>
+                        <a:rPr lang="en-GB" sz="1800" kern="100" dirty="0">
+                          <a:effectLst/>
+                          <a:latin typeface="Aptos" panose="020B0004020202020204" pitchFamily="34" charset="0"/>
+                          <a:ea typeface="Aptos" panose="020B0004020202020204" pitchFamily="34" charset="0"/>
+                          <a:cs typeface="Times New Roman" panose="02020603050405020304" pitchFamily="18" charset="0"/>
+                        </a:rPr>
+                        <a:t>Propensity Adjusted Model</a:t>
+                      </a:r>
+                    </a:p>
+                  </a:txBody>
+                  <a:tcPr marL="58277" marR="58277" marT="0" marB="0"/>
+                </a:tc>
+                <a:tc>
+                  <a:txBody>
+                    <a:bodyPr/>
+                    <a:lstStyle/>
+                    <a:p>
+                      <a:pPr algn="ctr"/>
+                      <a:r>
+                        <a:rPr lang="en-GB" sz="1800" kern="100">
+                          <a:effectLst/>
+                        </a:rPr>
+                        <a:t>              </a:t>
+                      </a:r>
+                      <a:endParaRPr lang="en-GB" sz="1800" kern="100">
+                        <a:effectLst/>
+                        <a:latin typeface="Aptos" panose="020B0004020202020204" pitchFamily="34" charset="0"/>
+                        <a:ea typeface="Aptos" panose="020B0004020202020204" pitchFamily="34" charset="0"/>
+                        <a:cs typeface="Times New Roman" panose="02020603050405020304" pitchFamily="18" charset="0"/>
+                      </a:endParaRPr>
+                    </a:p>
+                  </a:txBody>
+                  <a:tcPr marL="58277" marR="58277" marT="0" marB="0" anchor="ctr"/>
+                </a:tc>
+                <a:tc>
+                  <a:txBody>
+                    <a:bodyPr/>
+                    <a:lstStyle/>
+                    <a:p>
+                      <a:pPr algn="ctr"/>
+                      <a:r>
+                        <a:rPr lang="en-GB" sz="1800" kern="100">
+                          <a:effectLst/>
+                        </a:rPr>
+                        <a:t>                  </a:t>
+                      </a:r>
+                      <a:endParaRPr lang="en-GB" sz="1800" kern="100">
+                        <a:effectLst/>
+                        <a:latin typeface="Aptos" panose="020B0004020202020204" pitchFamily="34" charset="0"/>
+                        <a:ea typeface="Aptos" panose="020B0004020202020204" pitchFamily="34" charset="0"/>
+                        <a:cs typeface="Times New Roman" panose="02020603050405020304" pitchFamily="18" charset="0"/>
+                      </a:endParaRPr>
+                    </a:p>
+                  </a:txBody>
+                  <a:tcPr marL="58277" marR="58277" marT="0" marB="0" anchor="ctr"/>
+                </a:tc>
+                <a:tc>
+                  <a:txBody>
+                    <a:bodyPr/>
+                    <a:lstStyle/>
+                    <a:p>
+                      <a:pPr algn="ctr"/>
+                      <a:r>
+                        <a:rPr lang="en-GB" sz="1800" kern="100">
+                          <a:effectLst/>
+                        </a:rPr>
+                        <a:t>           </a:t>
+                      </a:r>
+                      <a:endParaRPr lang="en-GB" sz="1800" kern="100">
+                        <a:effectLst/>
+                        <a:latin typeface="Aptos" panose="020B0004020202020204" pitchFamily="34" charset="0"/>
+                        <a:ea typeface="Aptos" panose="020B0004020202020204" pitchFamily="34" charset="0"/>
+                        <a:cs typeface="Times New Roman" panose="02020603050405020304" pitchFamily="18" charset="0"/>
+                      </a:endParaRPr>
+                    </a:p>
+                  </a:txBody>
+                  <a:tcPr marL="58277" marR="58277" marT="0" marB="0" anchor="ctr"/>
+                </a:tc>
+                <a:extLst>
+                  <a:ext uri="{0D108BD9-81ED-4DB2-BD59-A6C34878D82A}">
+                    <a16:rowId xmlns:a16="http://schemas.microsoft.com/office/drawing/2014/main" val="3597283279"/>
+                  </a:ext>
+                </a:extLst>
+              </a:tr>
+              <a:tr h="407117">
+                <a:tc>
+                  <a:txBody>
+                    <a:bodyPr/>
+                    <a:lstStyle/>
+                    <a:p>
+                      <a:r>
+                        <a:rPr lang="en-GB" sz="1800" kern="100" dirty="0">
+                          <a:effectLst/>
+                        </a:rPr>
+                        <a:t>(Intercept)2       </a:t>
+                      </a:r>
+                      <a:endParaRPr lang="en-GB" sz="1800" kern="100" dirty="0">
+                        <a:effectLst/>
+                        <a:latin typeface="Aptos" panose="020B0004020202020204" pitchFamily="34" charset="0"/>
+                        <a:ea typeface="Aptos" panose="020B0004020202020204" pitchFamily="34" charset="0"/>
+                        <a:cs typeface="Times New Roman" panose="02020603050405020304" pitchFamily="18" charset="0"/>
+                      </a:endParaRPr>
+                    </a:p>
+                  </a:txBody>
+                  <a:tcPr marL="58277" marR="58277" marT="0" marB="0"/>
+                </a:tc>
+                <a:tc>
+                  <a:txBody>
+                    <a:bodyPr/>
+                    <a:lstStyle/>
+                    <a:p>
+                      <a:pPr algn="ctr"/>
+                      <a:r>
+                        <a:rPr lang="en-GB" sz="1800" kern="100">
+                          <a:effectLst/>
+                        </a:rPr>
+                        <a:t>-1.99 (0.179) </a:t>
+                      </a:r>
+                      <a:endParaRPr lang="en-GB" sz="1800" kern="100">
+                        <a:effectLst/>
+                        <a:latin typeface="Aptos" panose="020B0004020202020204" pitchFamily="34" charset="0"/>
+                        <a:ea typeface="Aptos" panose="020B0004020202020204" pitchFamily="34" charset="0"/>
+                        <a:cs typeface="Times New Roman" panose="02020603050405020304" pitchFamily="18" charset="0"/>
+                      </a:endParaRPr>
+                    </a:p>
+                  </a:txBody>
+                  <a:tcPr marL="58277" marR="58277" marT="0" marB="0" anchor="ctr"/>
+                </a:tc>
+                <a:tc>
+                  <a:txBody>
+                    <a:bodyPr/>
+                    <a:lstStyle/>
+                    <a:p>
+                      <a:pPr algn="ctr"/>
+                      <a:r>
+                        <a:rPr lang="en-GB" sz="1800" kern="100">
+                          <a:effectLst/>
+                        </a:rPr>
+                        <a:t>0.14 (0.1, 0.19)  </a:t>
+                      </a:r>
+                      <a:endParaRPr lang="en-GB" sz="1800" kern="100">
+                        <a:effectLst/>
+                        <a:latin typeface="Aptos" panose="020B0004020202020204" pitchFamily="34" charset="0"/>
+                        <a:ea typeface="Aptos" panose="020B0004020202020204" pitchFamily="34" charset="0"/>
+                        <a:cs typeface="Times New Roman" panose="02020603050405020304" pitchFamily="18" charset="0"/>
+                      </a:endParaRPr>
+                    </a:p>
+                  </a:txBody>
+                  <a:tcPr marL="58277" marR="58277" marT="0" marB="0" anchor="ctr"/>
+                </a:tc>
+                <a:tc>
+                  <a:txBody>
+                    <a:bodyPr/>
+                    <a:lstStyle/>
+                    <a:p>
+                      <a:pPr algn="ctr"/>
+                      <a:r>
+                        <a:rPr lang="en-GB" sz="1800" kern="100">
+                          <a:effectLst/>
+                        </a:rPr>
+                        <a:t>&lt;0.001     </a:t>
+                      </a:r>
+                      <a:endParaRPr lang="en-GB" sz="1800" kern="100">
+                        <a:effectLst/>
+                        <a:latin typeface="Aptos" panose="020B0004020202020204" pitchFamily="34" charset="0"/>
+                        <a:ea typeface="Aptos" panose="020B0004020202020204" pitchFamily="34" charset="0"/>
+                        <a:cs typeface="Times New Roman" panose="02020603050405020304" pitchFamily="18" charset="0"/>
+                      </a:endParaRPr>
+                    </a:p>
+                  </a:txBody>
+                  <a:tcPr marL="58277" marR="58277" marT="0" marB="0" anchor="ctr"/>
+                </a:tc>
+                <a:extLst>
+                  <a:ext uri="{0D108BD9-81ED-4DB2-BD59-A6C34878D82A}">
+                    <a16:rowId xmlns:a16="http://schemas.microsoft.com/office/drawing/2014/main" val="1607940261"/>
+                  </a:ext>
+                </a:extLst>
+              </a:tr>
+              <a:tr h="407117">
+                <a:tc>
+                  <a:txBody>
+                    <a:bodyPr/>
+                    <a:lstStyle/>
+                    <a:p>
+                      <a:r>
+                        <a:rPr lang="en-GB" sz="1800" kern="100" dirty="0">
+                          <a:effectLst/>
+                        </a:rPr>
+                        <a:t>Antibiotics Vs No Antibiotics               </a:t>
+                      </a:r>
+                      <a:endParaRPr lang="en-GB" sz="1800" kern="100" dirty="0">
+                        <a:effectLst/>
+                        <a:latin typeface="Aptos" panose="020B0004020202020204" pitchFamily="34" charset="0"/>
+                        <a:ea typeface="Aptos" panose="020B0004020202020204" pitchFamily="34" charset="0"/>
+                        <a:cs typeface="Times New Roman" panose="02020603050405020304" pitchFamily="18" charset="0"/>
+                      </a:endParaRPr>
+                    </a:p>
+                  </a:txBody>
+                  <a:tcPr marL="58277" marR="58277" marT="0" marB="0"/>
+                </a:tc>
+                <a:tc>
+                  <a:txBody>
+                    <a:bodyPr/>
+                    <a:lstStyle/>
+                    <a:p>
+                      <a:pPr algn="ctr"/>
+                      <a:r>
+                        <a:rPr lang="en-GB" sz="1800" kern="100">
+                          <a:effectLst/>
+                        </a:rPr>
+                        <a:t>0.38 (0.234)  </a:t>
+                      </a:r>
+                      <a:endParaRPr lang="en-GB" sz="1800" kern="100">
+                        <a:effectLst/>
+                        <a:latin typeface="Aptos" panose="020B0004020202020204" pitchFamily="34" charset="0"/>
+                        <a:ea typeface="Aptos" panose="020B0004020202020204" pitchFamily="34" charset="0"/>
+                        <a:cs typeface="Times New Roman" panose="02020603050405020304" pitchFamily="18" charset="0"/>
+                      </a:endParaRPr>
+                    </a:p>
+                  </a:txBody>
+                  <a:tcPr marL="58277" marR="58277" marT="0" marB="0" anchor="ctr"/>
+                </a:tc>
+                <a:tc>
+                  <a:txBody>
+                    <a:bodyPr/>
+                    <a:lstStyle/>
+                    <a:p>
+                      <a:pPr algn="ctr"/>
+                      <a:r>
+                        <a:rPr lang="en-GB" sz="1800" kern="100" dirty="0">
+                          <a:effectLst/>
+                        </a:rPr>
+                        <a:t>1.46 (0.92, 2.32) </a:t>
+                      </a:r>
+                      <a:endParaRPr lang="en-GB" sz="1800" kern="100" dirty="0">
+                        <a:effectLst/>
+                        <a:latin typeface="Aptos" panose="020B0004020202020204" pitchFamily="34" charset="0"/>
+                        <a:ea typeface="Aptos" panose="020B0004020202020204" pitchFamily="34" charset="0"/>
+                        <a:cs typeface="Times New Roman" panose="02020603050405020304" pitchFamily="18" charset="0"/>
+                      </a:endParaRPr>
+                    </a:p>
+                  </a:txBody>
+                  <a:tcPr marL="58277" marR="58277" marT="0" marB="0" anchor="ctr"/>
+                </a:tc>
+                <a:tc>
+                  <a:txBody>
+                    <a:bodyPr/>
+                    <a:lstStyle/>
+                    <a:p>
+                      <a:pPr algn="ctr"/>
+                      <a:r>
+                        <a:rPr lang="en-GB" sz="1800" kern="100" dirty="0">
+                          <a:effectLst/>
+                        </a:rPr>
+                        <a:t>0.104      </a:t>
+                      </a:r>
+                      <a:endParaRPr lang="en-GB" sz="1800" kern="100" dirty="0">
+                        <a:effectLst/>
+                        <a:latin typeface="Aptos" panose="020B0004020202020204" pitchFamily="34" charset="0"/>
+                        <a:ea typeface="Aptos" panose="020B0004020202020204" pitchFamily="34" charset="0"/>
+                        <a:cs typeface="Times New Roman" panose="02020603050405020304" pitchFamily="18" charset="0"/>
+                      </a:endParaRPr>
+                    </a:p>
+                  </a:txBody>
+                  <a:tcPr marL="58277" marR="58277" marT="0" marB="0" anchor="ctr"/>
+                </a:tc>
+                <a:extLst>
+                  <a:ext uri="{0D108BD9-81ED-4DB2-BD59-A6C34878D82A}">
+                    <a16:rowId xmlns:a16="http://schemas.microsoft.com/office/drawing/2014/main" val="1812785408"/>
+                  </a:ext>
+                </a:extLst>
+              </a:tr>
+            </a:tbl>
+          </a:graphicData>
+        </a:graphic>
+      </p:graphicFrame>
+    </p:spTree>
+    <p:extLst>
+      <p:ext uri="{BB962C8B-B14F-4D97-AF65-F5344CB8AC3E}">
+        <p14:creationId xmlns:p14="http://schemas.microsoft.com/office/powerpoint/2010/main" val="2053753117"/>
+      </p:ext>
+    </p:extLst>
+  </p:cSld>
+  <p:clrMapOvr>
+    <a:masterClrMapping/>
+  </p:clrMapOvr>
+</p:sld>
+</file>
+
+<file path=ppt/slides/slide9.xml><?xml version="1.0" encoding="utf-8"?>
+<p:sld xmlns:a="http://schemas.openxmlformats.org/drawingml/2006/main" xmlns:r="http://schemas.openxmlformats.org/officeDocument/2006/relationships" xmlns:p="http://schemas.openxmlformats.org/presentationml/2006/main">
+  <p:cSld>
+    <p:spTree>
+      <p:nvGrpSpPr>
+        <p:cNvPr id="1" name=""/>
+        <p:cNvGrpSpPr/>
+        <p:nvPr/>
+      </p:nvGrpSpPr>
+      <p:grpSpPr>
+        <a:xfrm>
+          <a:off x="0" y="0"/>
+          <a:ext cx="0" cy="0"/>
+          <a:chOff x="0" y="0"/>
+          <a:chExt cx="0" cy="0"/>
+        </a:xfrm>
+      </p:grpSpPr>
       <p:sp>
         <p:nvSpPr>
           <p:cNvPr id="2" name="Title 1">
@@ -8646,169 +17319,6 @@
     <p:extLst>
       <p:ext uri="{BB962C8B-B14F-4D97-AF65-F5344CB8AC3E}">
         <p14:creationId xmlns:p14="http://schemas.microsoft.com/office/powerpoint/2010/main" val="463499195"/>
-      </p:ext>
-    </p:extLst>
-  </p:cSld>
-  <p:clrMapOvr>
-    <a:masterClrMapping/>
-  </p:clrMapOvr>
-</p:sld>
-</file>
-
-<file path=ppt/slides/slide9.xml><?xml version="1.0" encoding="utf-8"?>
-<p:sld xmlns:a="http://schemas.openxmlformats.org/drawingml/2006/main" xmlns:r="http://schemas.openxmlformats.org/officeDocument/2006/relationships" xmlns:p="http://schemas.openxmlformats.org/presentationml/2006/main">
-  <p:cSld>
-    <p:spTree>
-      <p:nvGrpSpPr>
-        <p:cNvPr id="1" name="">
-          <a:extLst>
-            <a:ext uri="{FF2B5EF4-FFF2-40B4-BE49-F238E27FC236}">
-              <a16:creationId xmlns:a16="http://schemas.microsoft.com/office/drawing/2014/main" id="{5616FD28-D97B-1E4C-8922-DB72AA208031}"/>
-            </a:ext>
-          </a:extLst>
-        </p:cNvPr>
-        <p:cNvGrpSpPr/>
-        <p:nvPr/>
-      </p:nvGrpSpPr>
-      <p:grpSpPr>
-        <a:xfrm>
-          <a:off x="0" y="0"/>
-          <a:ext cx="0" cy="0"/>
-          <a:chOff x="0" y="0"/>
-          <a:chExt cx="0" cy="0"/>
-        </a:xfrm>
-      </p:grpSpPr>
-      <p:sp>
-        <p:nvSpPr>
-          <p:cNvPr id="2" name="Title 1">
-            <a:extLst>
-              <a:ext uri="{FF2B5EF4-FFF2-40B4-BE49-F238E27FC236}">
-                <a16:creationId xmlns:a16="http://schemas.microsoft.com/office/drawing/2014/main" id="{5B401ACA-5FA9-CDE3-73BF-0F442938D012}"/>
-              </a:ext>
-            </a:extLst>
-          </p:cNvPr>
-          <p:cNvSpPr>
-            <a:spLocks noGrp="1"/>
-          </p:cNvSpPr>
-          <p:nvPr>
-            <p:ph type="title"/>
-          </p:nvPr>
-        </p:nvSpPr>
-        <p:spPr/>
-        <p:txBody>
-          <a:bodyPr/>
-          <a:lstStyle/>
-          <a:p>
-            <a:r>
-              <a:rPr lang="en-US" dirty="0"/>
-              <a:t>Outcome 2</a:t>
-            </a:r>
-          </a:p>
-        </p:txBody>
-      </p:sp>
-      <p:sp>
-        <p:nvSpPr>
-          <p:cNvPr id="3" name="Content Placeholder 2">
-            <a:extLst>
-              <a:ext uri="{FF2B5EF4-FFF2-40B4-BE49-F238E27FC236}">
-                <a16:creationId xmlns:a16="http://schemas.microsoft.com/office/drawing/2014/main" id="{26D31687-57A0-2EE0-8762-90F962B618B8}"/>
-              </a:ext>
-            </a:extLst>
-          </p:cNvPr>
-          <p:cNvSpPr>
-            <a:spLocks noGrp="1"/>
-          </p:cNvSpPr>
-          <p:nvPr>
-            <p:ph idx="1"/>
-          </p:nvPr>
-        </p:nvSpPr>
-        <p:spPr/>
-        <p:txBody>
-          <a:bodyPr>
-            <a:normAutofit/>
-          </a:bodyPr>
-          <a:lstStyle/>
-          <a:p>
-            <a:pPr marL="0" indent="0">
-              <a:buNone/>
-            </a:pPr>
-            <a:r>
-              <a:rPr lang="en-US" dirty="0"/>
-              <a:t>Input: Column L: prophylactic antibiotics  commenced at diagnosis</a:t>
-            </a:r>
-          </a:p>
-          <a:p>
-            <a:endParaRPr lang="en-US" dirty="0"/>
-          </a:p>
-          <a:p>
-            <a:pPr marL="0" indent="0">
-              <a:buNone/>
-            </a:pPr>
-            <a:r>
-              <a:rPr lang="en-US" dirty="0"/>
-              <a:t>Outcome: ‘liveborn or not”</a:t>
-            </a:r>
-          </a:p>
-          <a:p>
-            <a:pPr marL="0" indent="0">
-              <a:buNone/>
-            </a:pPr>
-            <a:endParaRPr lang="en-US" dirty="0"/>
-          </a:p>
-          <a:p>
-            <a:pPr marL="0" indent="0">
-              <a:buNone/>
-            </a:pPr>
-            <a:r>
-              <a:rPr lang="en-US" dirty="0"/>
-              <a:t>Factors potentially for propensity score:</a:t>
-            </a:r>
-          </a:p>
-          <a:p>
-            <a:pPr marL="0" indent="0">
-              <a:buNone/>
-            </a:pPr>
-            <a:r>
-              <a:rPr lang="en-US" dirty="0"/>
-              <a:t>Same as outcome 1</a:t>
-            </a:r>
-          </a:p>
-          <a:p>
-            <a:pPr marL="0" indent="0">
-              <a:buNone/>
-            </a:pPr>
-            <a:endParaRPr lang="en-US" dirty="0"/>
-          </a:p>
-          <a:p>
-            <a:pPr marL="0" indent="0">
-              <a:buNone/>
-            </a:pPr>
-            <a:endParaRPr lang="en-US" dirty="0"/>
-          </a:p>
-          <a:p>
-            <a:pPr marL="0" indent="0">
-              <a:buNone/>
-            </a:pPr>
-            <a:endParaRPr lang="en-US" dirty="0"/>
-          </a:p>
-          <a:p>
-            <a:pPr marL="0" indent="0">
-              <a:buNone/>
-            </a:pPr>
-            <a:endParaRPr lang="en-US" dirty="0"/>
-          </a:p>
-          <a:p>
-            <a:pPr marL="0" indent="0">
-              <a:buNone/>
-            </a:pPr>
-            <a:endParaRPr lang="en-US" dirty="0"/>
-          </a:p>
-        </p:txBody>
-      </p:sp>
-    </p:spTree>
-    <p:extLst>
-      <p:ext uri="{BB962C8B-B14F-4D97-AF65-F5344CB8AC3E}">
-        <p14:creationId xmlns:p14="http://schemas.microsoft.com/office/powerpoint/2010/main" val="1618749031"/>
       </p:ext>
     </p:extLst>
   </p:cSld>
